--- a/Documents/Slide_Group2_EbooksStore.pptx
+++ b/Documents/Slide_Group2_EbooksStore.pptx
@@ -5,60 +5,59 @@
     <p:sldMasterId id="2147483663" r:id="rId1"/>
   </p:sldMasterIdLst>
   <p:notesMasterIdLst>
-    <p:notesMasterId r:id="rId31"/>
+    <p:notesMasterId r:id="rId30"/>
   </p:notesMasterIdLst>
   <p:sldIdLst>
     <p:sldId id="256" r:id="rId2"/>
     <p:sldId id="257" r:id="rId3"/>
-    <p:sldId id="286" r:id="rId4"/>
-    <p:sldId id="259" r:id="rId5"/>
-    <p:sldId id="287" r:id="rId6"/>
-    <p:sldId id="288" r:id="rId7"/>
-    <p:sldId id="260" r:id="rId8"/>
-    <p:sldId id="272" r:id="rId9"/>
-    <p:sldId id="281" r:id="rId10"/>
-    <p:sldId id="282" r:id="rId11"/>
-    <p:sldId id="283" r:id="rId12"/>
-    <p:sldId id="284" r:id="rId13"/>
-    <p:sldId id="289" r:id="rId14"/>
+    <p:sldId id="259" r:id="rId4"/>
+    <p:sldId id="287" r:id="rId5"/>
+    <p:sldId id="288" r:id="rId6"/>
+    <p:sldId id="260" r:id="rId7"/>
+    <p:sldId id="272" r:id="rId8"/>
+    <p:sldId id="281" r:id="rId9"/>
+    <p:sldId id="282" r:id="rId10"/>
+    <p:sldId id="283" r:id="rId11"/>
+    <p:sldId id="284" r:id="rId12"/>
+    <p:sldId id="289" r:id="rId13"/>
+    <p:sldId id="305" r:id="rId14"/>
     <p:sldId id="291" r:id="rId15"/>
-    <p:sldId id="290" r:id="rId16"/>
-    <p:sldId id="268" r:id="rId17"/>
-    <p:sldId id="292" r:id="rId18"/>
-    <p:sldId id="293" r:id="rId19"/>
-    <p:sldId id="294" r:id="rId20"/>
-    <p:sldId id="295" r:id="rId21"/>
-    <p:sldId id="299" r:id="rId22"/>
-    <p:sldId id="300" r:id="rId23"/>
-    <p:sldId id="302" r:id="rId24"/>
-    <p:sldId id="297" r:id="rId25"/>
-    <p:sldId id="301" r:id="rId26"/>
-    <p:sldId id="303" r:id="rId27"/>
-    <p:sldId id="296" r:id="rId28"/>
-    <p:sldId id="304" r:id="rId29"/>
-    <p:sldId id="270" r:id="rId30"/>
+    <p:sldId id="268" r:id="rId16"/>
+    <p:sldId id="292" r:id="rId17"/>
+    <p:sldId id="293" r:id="rId18"/>
+    <p:sldId id="294" r:id="rId19"/>
+    <p:sldId id="295" r:id="rId20"/>
+    <p:sldId id="299" r:id="rId21"/>
+    <p:sldId id="300" r:id="rId22"/>
+    <p:sldId id="302" r:id="rId23"/>
+    <p:sldId id="297" r:id="rId24"/>
+    <p:sldId id="301" r:id="rId25"/>
+    <p:sldId id="303" r:id="rId26"/>
+    <p:sldId id="296" r:id="rId27"/>
+    <p:sldId id="304" r:id="rId28"/>
+    <p:sldId id="270" r:id="rId29"/>
   </p:sldIdLst>
   <p:sldSz cx="17335500" cy="9753600"/>
   <p:notesSz cx="6858000" cy="9144000"/>
   <p:embeddedFontLst>
     <p:embeddedFont>
       <p:font typeface="Gill Sans" panose="020B0604020202020204" charset="0"/>
-      <p:regular r:id="rId32"/>
-      <p:bold r:id="rId33"/>
+      <p:regular r:id="rId31"/>
+      <p:bold r:id="rId32"/>
     </p:embeddedFont>
     <p:embeddedFont>
       <p:font typeface="Helvetica Neue" panose="020B0604020202020204" charset="0"/>
-      <p:regular r:id="rId34"/>
-      <p:bold r:id="rId35"/>
-      <p:italic r:id="rId36"/>
-      <p:boldItalic r:id="rId37"/>
+      <p:regular r:id="rId33"/>
+      <p:bold r:id="rId34"/>
+      <p:italic r:id="rId35"/>
+      <p:boldItalic r:id="rId36"/>
     </p:embeddedFont>
     <p:embeddedFont>
       <p:font typeface="Helvetica Neue Light" panose="020B0604020202020204" charset="0"/>
-      <p:regular r:id="rId38"/>
-      <p:bold r:id="rId39"/>
-      <p:italic r:id="rId40"/>
-      <p:boldItalic r:id="rId41"/>
+      <p:regular r:id="rId37"/>
+      <p:bold r:id="rId38"/>
+      <p:italic r:id="rId39"/>
+      <p:boldItalic r:id="rId40"/>
     </p:embeddedFont>
   </p:embeddedFontLst>
   <p:defaultTextStyle>
@@ -300,6 +299,243 @@
 
 <file path=ppt/changesInfos/changesInfo1.xml><?xml version="1.0" encoding="utf-8"?>
 <pc:chgInfo xmlns:a="http://schemas.openxmlformats.org/drawingml/2006/main" xmlns:r="http://schemas.openxmlformats.org/officeDocument/2006/relationships" xmlns:ac="http://schemas.microsoft.com/office/drawing/2013/main/command" xmlns:pc="http://schemas.microsoft.com/office/powerpoint/2013/main/command">
+  <pc:docChgLst>
+    <pc:chgData name="Nguyễn Thanh Tùng" userId="b09325e3af7603c3" providerId="LiveId" clId="{1CA323F4-206D-4670-9373-4E4CB364F8E5}"/>
+    <pc:docChg chg="custSel delSld modSld">
+      <pc:chgData name="Nguyễn Thanh Tùng" userId="b09325e3af7603c3" providerId="LiveId" clId="{1CA323F4-206D-4670-9373-4E4CB364F8E5}" dt="2019-06-06T15:59:45.528" v="126" actId="14100"/>
+      <pc:docMkLst>
+        <pc:docMk/>
+      </pc:docMkLst>
+      <pc:sldChg chg="modSp">
+        <pc:chgData name="Nguyễn Thanh Tùng" userId="b09325e3af7603c3" providerId="LiveId" clId="{1CA323F4-206D-4670-9373-4E4CB364F8E5}" dt="2019-06-06T15:53:28.378" v="17" actId="20577"/>
+        <pc:sldMkLst>
+          <pc:docMk/>
+          <pc:sldMk cId="0" sldId="257"/>
+        </pc:sldMkLst>
+        <pc:spChg chg="mod">
+          <ac:chgData name="Nguyễn Thanh Tùng" userId="b09325e3af7603c3" providerId="LiveId" clId="{1CA323F4-206D-4670-9373-4E4CB364F8E5}" dt="2019-06-06T15:53:28.378" v="17" actId="20577"/>
+          <ac:spMkLst>
+            <pc:docMk/>
+            <pc:sldMk cId="0" sldId="257"/>
+            <ac:spMk id="10" creationId="{0731BBF1-2C5E-43DE-9C20-5419BFFA3A0D}"/>
+          </ac:spMkLst>
+        </pc:spChg>
+      </pc:sldChg>
+      <pc:sldChg chg="modSp">
+        <pc:chgData name="Nguyễn Thanh Tùng" userId="b09325e3af7603c3" providerId="LiveId" clId="{1CA323F4-206D-4670-9373-4E4CB364F8E5}" dt="2019-06-06T15:55:00.151" v="20"/>
+        <pc:sldMkLst>
+          <pc:docMk/>
+          <pc:sldMk cId="0" sldId="259"/>
+        </pc:sldMkLst>
+        <pc:spChg chg="mod">
+          <ac:chgData name="Nguyễn Thanh Tùng" userId="b09325e3af7603c3" providerId="LiveId" clId="{1CA323F4-206D-4670-9373-4E4CB364F8E5}" dt="2019-06-06T15:55:00.151" v="20"/>
+          <ac:spMkLst>
+            <pc:docMk/>
+            <pc:sldMk cId="0" sldId="259"/>
+            <ac:spMk id="4" creationId="{CD56E089-FE1D-4716-AD0C-5387C4B95892}"/>
+          </ac:spMkLst>
+        </pc:spChg>
+      </pc:sldChg>
+      <pc:sldChg chg="addSp delSp modSp">
+        <pc:chgData name="Nguyễn Thanh Tùng" userId="b09325e3af7603c3" providerId="LiveId" clId="{1CA323F4-206D-4670-9373-4E4CB364F8E5}" dt="2019-06-06T15:57:12.754" v="51" actId="1076"/>
+        <pc:sldMkLst>
+          <pc:docMk/>
+          <pc:sldMk cId="0" sldId="260"/>
+        </pc:sldMkLst>
+        <pc:picChg chg="del">
+          <ac:chgData name="Nguyễn Thanh Tùng" userId="b09325e3af7603c3" providerId="LiveId" clId="{1CA323F4-206D-4670-9373-4E4CB364F8E5}" dt="2019-06-06T15:57:05.368" v="47" actId="478"/>
+          <ac:picMkLst>
+            <pc:docMk/>
+            <pc:sldMk cId="0" sldId="260"/>
+            <ac:picMk id="3" creationId="{C15917DD-6CB6-4843-AA56-46A061E182FE}"/>
+          </ac:picMkLst>
+        </pc:picChg>
+        <pc:picChg chg="add mod">
+          <ac:chgData name="Nguyễn Thanh Tùng" userId="b09325e3af7603c3" providerId="LiveId" clId="{1CA323F4-206D-4670-9373-4E4CB364F8E5}" dt="2019-06-06T15:57:12.754" v="51" actId="1076"/>
+          <ac:picMkLst>
+            <pc:docMk/>
+            <pc:sldMk cId="0" sldId="260"/>
+            <ac:picMk id="6" creationId="{0AB12F1A-003F-4902-8184-2C13F5C65CA0}"/>
+          </ac:picMkLst>
+        </pc:picChg>
+      </pc:sldChg>
+      <pc:sldChg chg="addSp delSp modSp">
+        <pc:chgData name="Nguyễn Thanh Tùng" userId="b09325e3af7603c3" providerId="LiveId" clId="{1CA323F4-206D-4670-9373-4E4CB364F8E5}" dt="2019-06-06T15:57:37.353" v="58" actId="1076"/>
+        <pc:sldMkLst>
+          <pc:docMk/>
+          <pc:sldMk cId="2628080417" sldId="272"/>
+        </pc:sldMkLst>
+        <pc:picChg chg="del">
+          <ac:chgData name="Nguyễn Thanh Tùng" userId="b09325e3af7603c3" providerId="LiveId" clId="{1CA323F4-206D-4670-9373-4E4CB364F8E5}" dt="2019-06-06T15:57:16.625" v="52" actId="478"/>
+          <ac:picMkLst>
+            <pc:docMk/>
+            <pc:sldMk cId="2628080417" sldId="272"/>
+            <ac:picMk id="3" creationId="{DEB3AB59-4C57-44E5-8F38-F3F64860D4DC}"/>
+          </ac:picMkLst>
+        </pc:picChg>
+        <pc:picChg chg="add mod">
+          <ac:chgData name="Nguyễn Thanh Tùng" userId="b09325e3af7603c3" providerId="LiveId" clId="{1CA323F4-206D-4670-9373-4E4CB364F8E5}" dt="2019-06-06T15:57:37.353" v="58" actId="1076"/>
+          <ac:picMkLst>
+            <pc:docMk/>
+            <pc:sldMk cId="2628080417" sldId="272"/>
+            <ac:picMk id="6" creationId="{B816F89D-5DDC-40D6-B52D-D0FDFDE04F50}"/>
+          </ac:picMkLst>
+        </pc:picChg>
+      </pc:sldChg>
+      <pc:sldChg chg="del">
+        <pc:chgData name="Nguyễn Thanh Tùng" userId="b09325e3af7603c3" providerId="LiveId" clId="{1CA323F4-206D-4670-9373-4E4CB364F8E5}" dt="2019-06-06T15:57:44.975" v="59" actId="2696"/>
+        <pc:sldMkLst>
+          <pc:docMk/>
+          <pc:sldMk cId="1782058282" sldId="280"/>
+        </pc:sldMkLst>
+      </pc:sldChg>
+      <pc:sldChg chg="addSp delSp modSp">
+        <pc:chgData name="Nguyễn Thanh Tùng" userId="b09325e3af7603c3" providerId="LiveId" clId="{1CA323F4-206D-4670-9373-4E4CB364F8E5}" dt="2019-06-06T15:58:21.980" v="111" actId="14100"/>
+        <pc:sldMkLst>
+          <pc:docMk/>
+          <pc:sldMk cId="4212809496" sldId="281"/>
+        </pc:sldMkLst>
+        <pc:spChg chg="mod">
+          <ac:chgData name="Nguyễn Thanh Tùng" userId="b09325e3af7603c3" providerId="LiveId" clId="{1CA323F4-206D-4670-9373-4E4CB364F8E5}" dt="2019-06-06T15:58:14.769" v="108" actId="20577"/>
+          <ac:spMkLst>
+            <pc:docMk/>
+            <pc:sldMk cId="4212809496" sldId="281"/>
+            <ac:spMk id="108" creationId="{00000000-0000-0000-0000-000000000000}"/>
+          </ac:spMkLst>
+        </pc:spChg>
+        <pc:picChg chg="del">
+          <ac:chgData name="Nguyễn Thanh Tùng" userId="b09325e3af7603c3" providerId="LiveId" clId="{1CA323F4-206D-4670-9373-4E4CB364F8E5}" dt="2019-06-06T15:57:54.478" v="60" actId="478"/>
+          <ac:picMkLst>
+            <pc:docMk/>
+            <pc:sldMk cId="4212809496" sldId="281"/>
+            <ac:picMk id="3" creationId="{A91E4AC2-4644-49AD-AC40-EC18029E55EE}"/>
+          </ac:picMkLst>
+        </pc:picChg>
+        <pc:picChg chg="add mod">
+          <ac:chgData name="Nguyễn Thanh Tùng" userId="b09325e3af7603c3" providerId="LiveId" clId="{1CA323F4-206D-4670-9373-4E4CB364F8E5}" dt="2019-06-06T15:58:21.980" v="111" actId="14100"/>
+          <ac:picMkLst>
+            <pc:docMk/>
+            <pc:sldMk cId="4212809496" sldId="281"/>
+            <ac:picMk id="6" creationId="{DE12C18C-7F1B-42FF-803A-BD22217162B4}"/>
+          </ac:picMkLst>
+        </pc:picChg>
+      </pc:sldChg>
+      <pc:sldChg chg="addSp delSp modSp">
+        <pc:chgData name="Nguyễn Thanh Tùng" userId="b09325e3af7603c3" providerId="LiveId" clId="{1CA323F4-206D-4670-9373-4E4CB364F8E5}" dt="2019-06-06T15:58:37.209" v="116" actId="14100"/>
+        <pc:sldMkLst>
+          <pc:docMk/>
+          <pc:sldMk cId="4264203254" sldId="282"/>
+        </pc:sldMkLst>
+        <pc:picChg chg="del">
+          <ac:chgData name="Nguyễn Thanh Tùng" userId="b09325e3af7603c3" providerId="LiveId" clId="{1CA323F4-206D-4670-9373-4E4CB364F8E5}" dt="2019-06-06T15:58:25.875" v="112" actId="478"/>
+          <ac:picMkLst>
+            <pc:docMk/>
+            <pc:sldMk cId="4264203254" sldId="282"/>
+            <ac:picMk id="3" creationId="{F4AD911E-F3BA-4CBC-9B99-BDA6947FC6DE}"/>
+          </ac:picMkLst>
+        </pc:picChg>
+        <pc:picChg chg="add mod">
+          <ac:chgData name="Nguyễn Thanh Tùng" userId="b09325e3af7603c3" providerId="LiveId" clId="{1CA323F4-206D-4670-9373-4E4CB364F8E5}" dt="2019-06-06T15:58:37.209" v="116" actId="14100"/>
+          <ac:picMkLst>
+            <pc:docMk/>
+            <pc:sldMk cId="4264203254" sldId="282"/>
+            <ac:picMk id="6" creationId="{267EE2BA-D1E8-408D-9ED7-79E2056A7D59}"/>
+          </ac:picMkLst>
+        </pc:picChg>
+      </pc:sldChg>
+      <pc:sldChg chg="addSp delSp modSp">
+        <pc:chgData name="Nguyễn Thanh Tùng" userId="b09325e3af7603c3" providerId="LiveId" clId="{1CA323F4-206D-4670-9373-4E4CB364F8E5}" dt="2019-06-06T15:58:55.416" v="121" actId="14100"/>
+        <pc:sldMkLst>
+          <pc:docMk/>
+          <pc:sldMk cId="2942917468" sldId="283"/>
+        </pc:sldMkLst>
+        <pc:picChg chg="del">
+          <ac:chgData name="Nguyễn Thanh Tùng" userId="b09325e3af7603c3" providerId="LiveId" clId="{1CA323F4-206D-4670-9373-4E4CB364F8E5}" dt="2019-06-06T15:58:45.372" v="117" actId="478"/>
+          <ac:picMkLst>
+            <pc:docMk/>
+            <pc:sldMk cId="2942917468" sldId="283"/>
+            <ac:picMk id="3" creationId="{C36A490A-0C79-4287-A5E8-4B53C10A0643}"/>
+          </ac:picMkLst>
+        </pc:picChg>
+        <pc:picChg chg="add mod">
+          <ac:chgData name="Nguyễn Thanh Tùng" userId="b09325e3af7603c3" providerId="LiveId" clId="{1CA323F4-206D-4670-9373-4E4CB364F8E5}" dt="2019-06-06T15:58:55.416" v="121" actId="14100"/>
+          <ac:picMkLst>
+            <pc:docMk/>
+            <pc:sldMk cId="2942917468" sldId="283"/>
+            <ac:picMk id="6" creationId="{30E5CBB8-6A11-4400-B0E6-2DF9F8CD0142}"/>
+          </ac:picMkLst>
+        </pc:picChg>
+      </pc:sldChg>
+      <pc:sldChg chg="modSp">
+        <pc:chgData name="Nguyễn Thanh Tùng" userId="b09325e3af7603c3" providerId="LiveId" clId="{1CA323F4-206D-4670-9373-4E4CB364F8E5}" dt="2019-06-06T15:52:09.197" v="0" actId="207"/>
+        <pc:sldMkLst>
+          <pc:docMk/>
+          <pc:sldMk cId="1345025226" sldId="286"/>
+        </pc:sldMkLst>
+        <pc:spChg chg="mod">
+          <ac:chgData name="Nguyễn Thanh Tùng" userId="b09325e3af7603c3" providerId="LiveId" clId="{1CA323F4-206D-4670-9373-4E4CB364F8E5}" dt="2019-06-06T15:52:09.197" v="0" actId="207"/>
+          <ac:spMkLst>
+            <pc:docMk/>
+            <pc:sldMk cId="1345025226" sldId="286"/>
+            <ac:spMk id="4" creationId="{1A193434-50B2-4CC8-8049-CEC88989024A}"/>
+          </ac:spMkLst>
+        </pc:spChg>
+      </pc:sldChg>
+      <pc:sldChg chg="modSp">
+        <pc:chgData name="Nguyễn Thanh Tùng" userId="b09325e3af7603c3" providerId="LiveId" clId="{1CA323F4-206D-4670-9373-4E4CB364F8E5}" dt="2019-06-06T15:56:35.221" v="41" actId="20577"/>
+        <pc:sldMkLst>
+          <pc:docMk/>
+          <pc:sldMk cId="99770236" sldId="287"/>
+        </pc:sldMkLst>
+        <pc:spChg chg="mod">
+          <ac:chgData name="Nguyễn Thanh Tùng" userId="b09325e3af7603c3" providerId="LiveId" clId="{1CA323F4-206D-4670-9373-4E4CB364F8E5}" dt="2019-06-06T15:56:35.221" v="41" actId="20577"/>
+          <ac:spMkLst>
+            <pc:docMk/>
+            <pc:sldMk cId="99770236" sldId="287"/>
+            <ac:spMk id="4" creationId="{CD56E089-FE1D-4716-AD0C-5387C4B95892}"/>
+          </ac:spMkLst>
+        </pc:spChg>
+      </pc:sldChg>
+      <pc:sldChg chg="modSp">
+        <pc:chgData name="Nguyễn Thanh Tùng" userId="b09325e3af7603c3" providerId="LiveId" clId="{1CA323F4-206D-4670-9373-4E4CB364F8E5}" dt="2019-06-06T15:56:43.519" v="45" actId="20577"/>
+        <pc:sldMkLst>
+          <pc:docMk/>
+          <pc:sldMk cId="977934839" sldId="288"/>
+        </pc:sldMkLst>
+        <pc:spChg chg="mod">
+          <ac:chgData name="Nguyễn Thanh Tùng" userId="b09325e3af7603c3" providerId="LiveId" clId="{1CA323F4-206D-4670-9373-4E4CB364F8E5}" dt="2019-06-06T15:56:43.519" v="45" actId="20577"/>
+          <ac:spMkLst>
+            <pc:docMk/>
+            <pc:sldMk cId="977934839" sldId="288"/>
+            <ac:spMk id="94" creationId="{00000000-0000-0000-0000-000000000000}"/>
+          </ac:spMkLst>
+        </pc:spChg>
+      </pc:sldChg>
+      <pc:sldChg chg="addSp delSp modSp">
+        <pc:chgData name="Nguyễn Thanh Tùng" userId="b09325e3af7603c3" providerId="LiveId" clId="{1CA323F4-206D-4670-9373-4E4CB364F8E5}" dt="2019-06-06T15:59:45.528" v="126" actId="14100"/>
+        <pc:sldMkLst>
+          <pc:docMk/>
+          <pc:sldMk cId="1530991284" sldId="292"/>
+        </pc:sldMkLst>
+        <pc:picChg chg="del">
+          <ac:chgData name="Nguyễn Thanh Tùng" userId="b09325e3af7603c3" providerId="LiveId" clId="{1CA323F4-206D-4670-9373-4E4CB364F8E5}" dt="2019-06-06T15:59:34.869" v="122" actId="478"/>
+          <ac:picMkLst>
+            <pc:docMk/>
+            <pc:sldMk cId="1530991284" sldId="292"/>
+            <ac:picMk id="3" creationId="{665C44CB-651A-4005-A8C5-B1099D6F05E3}"/>
+          </ac:picMkLst>
+        </pc:picChg>
+        <pc:picChg chg="add mod">
+          <ac:chgData name="Nguyễn Thanh Tùng" userId="b09325e3af7603c3" providerId="LiveId" clId="{1CA323F4-206D-4670-9373-4E4CB364F8E5}" dt="2019-06-06T15:59:45.528" v="126" actId="14100"/>
+          <ac:picMkLst>
+            <pc:docMk/>
+            <pc:sldMk cId="1530991284" sldId="292"/>
+            <ac:picMk id="6" creationId="{FCF83695-1928-461A-8667-C34CA8CD9F41}"/>
+          </ac:picMkLst>
+        </pc:picChg>
+      </pc:sldChg>
+    </pc:docChg>
+  </pc:docChgLst>
   <pc:docChgLst>
     <pc:chgData name="Nguyễn Thanh Tùng" userId="b09325e3af7603c3" providerId="LiveId" clId="{4BA26896-BCA2-4850-986F-A99DA28AACC3}"/>
     <pc:docChg chg="undo custSel addSld delSld modSld modMainMaster">
@@ -1002,243 +1238,6 @@
       </pc:sldMasterChg>
     </pc:docChg>
   </pc:docChgLst>
-  <pc:docChgLst>
-    <pc:chgData name="Nguyễn Thanh Tùng" userId="b09325e3af7603c3" providerId="LiveId" clId="{1CA323F4-206D-4670-9373-4E4CB364F8E5}"/>
-    <pc:docChg chg="custSel delSld modSld">
-      <pc:chgData name="Nguyễn Thanh Tùng" userId="b09325e3af7603c3" providerId="LiveId" clId="{1CA323F4-206D-4670-9373-4E4CB364F8E5}" dt="2019-06-06T15:59:45.528" v="126" actId="14100"/>
-      <pc:docMkLst>
-        <pc:docMk/>
-      </pc:docMkLst>
-      <pc:sldChg chg="modSp">
-        <pc:chgData name="Nguyễn Thanh Tùng" userId="b09325e3af7603c3" providerId="LiveId" clId="{1CA323F4-206D-4670-9373-4E4CB364F8E5}" dt="2019-06-06T15:53:28.378" v="17" actId="20577"/>
-        <pc:sldMkLst>
-          <pc:docMk/>
-          <pc:sldMk cId="0" sldId="257"/>
-        </pc:sldMkLst>
-        <pc:spChg chg="mod">
-          <ac:chgData name="Nguyễn Thanh Tùng" userId="b09325e3af7603c3" providerId="LiveId" clId="{1CA323F4-206D-4670-9373-4E4CB364F8E5}" dt="2019-06-06T15:53:28.378" v="17" actId="20577"/>
-          <ac:spMkLst>
-            <pc:docMk/>
-            <pc:sldMk cId="0" sldId="257"/>
-            <ac:spMk id="10" creationId="{0731BBF1-2C5E-43DE-9C20-5419BFFA3A0D}"/>
-          </ac:spMkLst>
-        </pc:spChg>
-      </pc:sldChg>
-      <pc:sldChg chg="modSp">
-        <pc:chgData name="Nguyễn Thanh Tùng" userId="b09325e3af7603c3" providerId="LiveId" clId="{1CA323F4-206D-4670-9373-4E4CB364F8E5}" dt="2019-06-06T15:55:00.151" v="20"/>
-        <pc:sldMkLst>
-          <pc:docMk/>
-          <pc:sldMk cId="0" sldId="259"/>
-        </pc:sldMkLst>
-        <pc:spChg chg="mod">
-          <ac:chgData name="Nguyễn Thanh Tùng" userId="b09325e3af7603c3" providerId="LiveId" clId="{1CA323F4-206D-4670-9373-4E4CB364F8E5}" dt="2019-06-06T15:55:00.151" v="20"/>
-          <ac:spMkLst>
-            <pc:docMk/>
-            <pc:sldMk cId="0" sldId="259"/>
-            <ac:spMk id="4" creationId="{CD56E089-FE1D-4716-AD0C-5387C4B95892}"/>
-          </ac:spMkLst>
-        </pc:spChg>
-      </pc:sldChg>
-      <pc:sldChg chg="addSp delSp modSp">
-        <pc:chgData name="Nguyễn Thanh Tùng" userId="b09325e3af7603c3" providerId="LiveId" clId="{1CA323F4-206D-4670-9373-4E4CB364F8E5}" dt="2019-06-06T15:57:12.754" v="51" actId="1076"/>
-        <pc:sldMkLst>
-          <pc:docMk/>
-          <pc:sldMk cId="0" sldId="260"/>
-        </pc:sldMkLst>
-        <pc:picChg chg="del">
-          <ac:chgData name="Nguyễn Thanh Tùng" userId="b09325e3af7603c3" providerId="LiveId" clId="{1CA323F4-206D-4670-9373-4E4CB364F8E5}" dt="2019-06-06T15:57:05.368" v="47" actId="478"/>
-          <ac:picMkLst>
-            <pc:docMk/>
-            <pc:sldMk cId="0" sldId="260"/>
-            <ac:picMk id="3" creationId="{C15917DD-6CB6-4843-AA56-46A061E182FE}"/>
-          </ac:picMkLst>
-        </pc:picChg>
-        <pc:picChg chg="add mod">
-          <ac:chgData name="Nguyễn Thanh Tùng" userId="b09325e3af7603c3" providerId="LiveId" clId="{1CA323F4-206D-4670-9373-4E4CB364F8E5}" dt="2019-06-06T15:57:12.754" v="51" actId="1076"/>
-          <ac:picMkLst>
-            <pc:docMk/>
-            <pc:sldMk cId="0" sldId="260"/>
-            <ac:picMk id="6" creationId="{0AB12F1A-003F-4902-8184-2C13F5C65CA0}"/>
-          </ac:picMkLst>
-        </pc:picChg>
-      </pc:sldChg>
-      <pc:sldChg chg="addSp delSp modSp">
-        <pc:chgData name="Nguyễn Thanh Tùng" userId="b09325e3af7603c3" providerId="LiveId" clId="{1CA323F4-206D-4670-9373-4E4CB364F8E5}" dt="2019-06-06T15:57:37.353" v="58" actId="1076"/>
-        <pc:sldMkLst>
-          <pc:docMk/>
-          <pc:sldMk cId="2628080417" sldId="272"/>
-        </pc:sldMkLst>
-        <pc:picChg chg="del">
-          <ac:chgData name="Nguyễn Thanh Tùng" userId="b09325e3af7603c3" providerId="LiveId" clId="{1CA323F4-206D-4670-9373-4E4CB364F8E5}" dt="2019-06-06T15:57:16.625" v="52" actId="478"/>
-          <ac:picMkLst>
-            <pc:docMk/>
-            <pc:sldMk cId="2628080417" sldId="272"/>
-            <ac:picMk id="3" creationId="{DEB3AB59-4C57-44E5-8F38-F3F64860D4DC}"/>
-          </ac:picMkLst>
-        </pc:picChg>
-        <pc:picChg chg="add mod">
-          <ac:chgData name="Nguyễn Thanh Tùng" userId="b09325e3af7603c3" providerId="LiveId" clId="{1CA323F4-206D-4670-9373-4E4CB364F8E5}" dt="2019-06-06T15:57:37.353" v="58" actId="1076"/>
-          <ac:picMkLst>
-            <pc:docMk/>
-            <pc:sldMk cId="2628080417" sldId="272"/>
-            <ac:picMk id="6" creationId="{B816F89D-5DDC-40D6-B52D-D0FDFDE04F50}"/>
-          </ac:picMkLst>
-        </pc:picChg>
-      </pc:sldChg>
-      <pc:sldChg chg="del">
-        <pc:chgData name="Nguyễn Thanh Tùng" userId="b09325e3af7603c3" providerId="LiveId" clId="{1CA323F4-206D-4670-9373-4E4CB364F8E5}" dt="2019-06-06T15:57:44.975" v="59" actId="2696"/>
-        <pc:sldMkLst>
-          <pc:docMk/>
-          <pc:sldMk cId="1782058282" sldId="280"/>
-        </pc:sldMkLst>
-      </pc:sldChg>
-      <pc:sldChg chg="addSp delSp modSp">
-        <pc:chgData name="Nguyễn Thanh Tùng" userId="b09325e3af7603c3" providerId="LiveId" clId="{1CA323F4-206D-4670-9373-4E4CB364F8E5}" dt="2019-06-06T15:58:21.980" v="111" actId="14100"/>
-        <pc:sldMkLst>
-          <pc:docMk/>
-          <pc:sldMk cId="4212809496" sldId="281"/>
-        </pc:sldMkLst>
-        <pc:spChg chg="mod">
-          <ac:chgData name="Nguyễn Thanh Tùng" userId="b09325e3af7603c3" providerId="LiveId" clId="{1CA323F4-206D-4670-9373-4E4CB364F8E5}" dt="2019-06-06T15:58:14.769" v="108" actId="20577"/>
-          <ac:spMkLst>
-            <pc:docMk/>
-            <pc:sldMk cId="4212809496" sldId="281"/>
-            <ac:spMk id="108" creationId="{00000000-0000-0000-0000-000000000000}"/>
-          </ac:spMkLst>
-        </pc:spChg>
-        <pc:picChg chg="del">
-          <ac:chgData name="Nguyễn Thanh Tùng" userId="b09325e3af7603c3" providerId="LiveId" clId="{1CA323F4-206D-4670-9373-4E4CB364F8E5}" dt="2019-06-06T15:57:54.478" v="60" actId="478"/>
-          <ac:picMkLst>
-            <pc:docMk/>
-            <pc:sldMk cId="4212809496" sldId="281"/>
-            <ac:picMk id="3" creationId="{A91E4AC2-4644-49AD-AC40-EC18029E55EE}"/>
-          </ac:picMkLst>
-        </pc:picChg>
-        <pc:picChg chg="add mod">
-          <ac:chgData name="Nguyễn Thanh Tùng" userId="b09325e3af7603c3" providerId="LiveId" clId="{1CA323F4-206D-4670-9373-4E4CB364F8E5}" dt="2019-06-06T15:58:21.980" v="111" actId="14100"/>
-          <ac:picMkLst>
-            <pc:docMk/>
-            <pc:sldMk cId="4212809496" sldId="281"/>
-            <ac:picMk id="6" creationId="{DE12C18C-7F1B-42FF-803A-BD22217162B4}"/>
-          </ac:picMkLst>
-        </pc:picChg>
-      </pc:sldChg>
-      <pc:sldChg chg="addSp delSp modSp">
-        <pc:chgData name="Nguyễn Thanh Tùng" userId="b09325e3af7603c3" providerId="LiveId" clId="{1CA323F4-206D-4670-9373-4E4CB364F8E5}" dt="2019-06-06T15:58:37.209" v="116" actId="14100"/>
-        <pc:sldMkLst>
-          <pc:docMk/>
-          <pc:sldMk cId="4264203254" sldId="282"/>
-        </pc:sldMkLst>
-        <pc:picChg chg="del">
-          <ac:chgData name="Nguyễn Thanh Tùng" userId="b09325e3af7603c3" providerId="LiveId" clId="{1CA323F4-206D-4670-9373-4E4CB364F8E5}" dt="2019-06-06T15:58:25.875" v="112" actId="478"/>
-          <ac:picMkLst>
-            <pc:docMk/>
-            <pc:sldMk cId="4264203254" sldId="282"/>
-            <ac:picMk id="3" creationId="{F4AD911E-F3BA-4CBC-9B99-BDA6947FC6DE}"/>
-          </ac:picMkLst>
-        </pc:picChg>
-        <pc:picChg chg="add mod">
-          <ac:chgData name="Nguyễn Thanh Tùng" userId="b09325e3af7603c3" providerId="LiveId" clId="{1CA323F4-206D-4670-9373-4E4CB364F8E5}" dt="2019-06-06T15:58:37.209" v="116" actId="14100"/>
-          <ac:picMkLst>
-            <pc:docMk/>
-            <pc:sldMk cId="4264203254" sldId="282"/>
-            <ac:picMk id="6" creationId="{267EE2BA-D1E8-408D-9ED7-79E2056A7D59}"/>
-          </ac:picMkLst>
-        </pc:picChg>
-      </pc:sldChg>
-      <pc:sldChg chg="addSp delSp modSp">
-        <pc:chgData name="Nguyễn Thanh Tùng" userId="b09325e3af7603c3" providerId="LiveId" clId="{1CA323F4-206D-4670-9373-4E4CB364F8E5}" dt="2019-06-06T15:58:55.416" v="121" actId="14100"/>
-        <pc:sldMkLst>
-          <pc:docMk/>
-          <pc:sldMk cId="2942917468" sldId="283"/>
-        </pc:sldMkLst>
-        <pc:picChg chg="del">
-          <ac:chgData name="Nguyễn Thanh Tùng" userId="b09325e3af7603c3" providerId="LiveId" clId="{1CA323F4-206D-4670-9373-4E4CB364F8E5}" dt="2019-06-06T15:58:45.372" v="117" actId="478"/>
-          <ac:picMkLst>
-            <pc:docMk/>
-            <pc:sldMk cId="2942917468" sldId="283"/>
-            <ac:picMk id="3" creationId="{C36A490A-0C79-4287-A5E8-4B53C10A0643}"/>
-          </ac:picMkLst>
-        </pc:picChg>
-        <pc:picChg chg="add mod">
-          <ac:chgData name="Nguyễn Thanh Tùng" userId="b09325e3af7603c3" providerId="LiveId" clId="{1CA323F4-206D-4670-9373-4E4CB364F8E5}" dt="2019-06-06T15:58:55.416" v="121" actId="14100"/>
-          <ac:picMkLst>
-            <pc:docMk/>
-            <pc:sldMk cId="2942917468" sldId="283"/>
-            <ac:picMk id="6" creationId="{30E5CBB8-6A11-4400-B0E6-2DF9F8CD0142}"/>
-          </ac:picMkLst>
-        </pc:picChg>
-      </pc:sldChg>
-      <pc:sldChg chg="modSp">
-        <pc:chgData name="Nguyễn Thanh Tùng" userId="b09325e3af7603c3" providerId="LiveId" clId="{1CA323F4-206D-4670-9373-4E4CB364F8E5}" dt="2019-06-06T15:52:09.197" v="0" actId="207"/>
-        <pc:sldMkLst>
-          <pc:docMk/>
-          <pc:sldMk cId="1345025226" sldId="286"/>
-        </pc:sldMkLst>
-        <pc:spChg chg="mod">
-          <ac:chgData name="Nguyễn Thanh Tùng" userId="b09325e3af7603c3" providerId="LiveId" clId="{1CA323F4-206D-4670-9373-4E4CB364F8E5}" dt="2019-06-06T15:52:09.197" v="0" actId="207"/>
-          <ac:spMkLst>
-            <pc:docMk/>
-            <pc:sldMk cId="1345025226" sldId="286"/>
-            <ac:spMk id="4" creationId="{1A193434-50B2-4CC8-8049-CEC88989024A}"/>
-          </ac:spMkLst>
-        </pc:spChg>
-      </pc:sldChg>
-      <pc:sldChg chg="modSp">
-        <pc:chgData name="Nguyễn Thanh Tùng" userId="b09325e3af7603c3" providerId="LiveId" clId="{1CA323F4-206D-4670-9373-4E4CB364F8E5}" dt="2019-06-06T15:56:35.221" v="41" actId="20577"/>
-        <pc:sldMkLst>
-          <pc:docMk/>
-          <pc:sldMk cId="99770236" sldId="287"/>
-        </pc:sldMkLst>
-        <pc:spChg chg="mod">
-          <ac:chgData name="Nguyễn Thanh Tùng" userId="b09325e3af7603c3" providerId="LiveId" clId="{1CA323F4-206D-4670-9373-4E4CB364F8E5}" dt="2019-06-06T15:56:35.221" v="41" actId="20577"/>
-          <ac:spMkLst>
-            <pc:docMk/>
-            <pc:sldMk cId="99770236" sldId="287"/>
-            <ac:spMk id="4" creationId="{CD56E089-FE1D-4716-AD0C-5387C4B95892}"/>
-          </ac:spMkLst>
-        </pc:spChg>
-      </pc:sldChg>
-      <pc:sldChg chg="modSp">
-        <pc:chgData name="Nguyễn Thanh Tùng" userId="b09325e3af7603c3" providerId="LiveId" clId="{1CA323F4-206D-4670-9373-4E4CB364F8E5}" dt="2019-06-06T15:56:43.519" v="45" actId="20577"/>
-        <pc:sldMkLst>
-          <pc:docMk/>
-          <pc:sldMk cId="977934839" sldId="288"/>
-        </pc:sldMkLst>
-        <pc:spChg chg="mod">
-          <ac:chgData name="Nguyễn Thanh Tùng" userId="b09325e3af7603c3" providerId="LiveId" clId="{1CA323F4-206D-4670-9373-4E4CB364F8E5}" dt="2019-06-06T15:56:43.519" v="45" actId="20577"/>
-          <ac:spMkLst>
-            <pc:docMk/>
-            <pc:sldMk cId="977934839" sldId="288"/>
-            <ac:spMk id="94" creationId="{00000000-0000-0000-0000-000000000000}"/>
-          </ac:spMkLst>
-        </pc:spChg>
-      </pc:sldChg>
-      <pc:sldChg chg="addSp delSp modSp">
-        <pc:chgData name="Nguyễn Thanh Tùng" userId="b09325e3af7603c3" providerId="LiveId" clId="{1CA323F4-206D-4670-9373-4E4CB364F8E5}" dt="2019-06-06T15:59:45.528" v="126" actId="14100"/>
-        <pc:sldMkLst>
-          <pc:docMk/>
-          <pc:sldMk cId="1530991284" sldId="292"/>
-        </pc:sldMkLst>
-        <pc:picChg chg="del">
-          <ac:chgData name="Nguyễn Thanh Tùng" userId="b09325e3af7603c3" providerId="LiveId" clId="{1CA323F4-206D-4670-9373-4E4CB364F8E5}" dt="2019-06-06T15:59:34.869" v="122" actId="478"/>
-          <ac:picMkLst>
-            <pc:docMk/>
-            <pc:sldMk cId="1530991284" sldId="292"/>
-            <ac:picMk id="3" creationId="{665C44CB-651A-4005-A8C5-B1099D6F05E3}"/>
-          </ac:picMkLst>
-        </pc:picChg>
-        <pc:picChg chg="add mod">
-          <ac:chgData name="Nguyễn Thanh Tùng" userId="b09325e3af7603c3" providerId="LiveId" clId="{1CA323F4-206D-4670-9373-4E4CB364F8E5}" dt="2019-06-06T15:59:45.528" v="126" actId="14100"/>
-          <ac:picMkLst>
-            <pc:docMk/>
-            <pc:sldMk cId="1530991284" sldId="292"/>
-            <ac:picMk id="6" creationId="{FCF83695-1928-461A-8667-C34CA8CD9F41}"/>
-          </ac:picMkLst>
-        </pc:picChg>
-      </pc:sldChg>
-    </pc:docChg>
-  </pc:docChgLst>
 </pc:chgInfo>
 </file>
 
@@ -1953,7 +1952,7 @@
     </p:spTree>
     <p:extLst>
       <p:ext uri="{BB962C8B-B14F-4D97-AF65-F5344CB8AC3E}">
-        <p14:creationId xmlns:p14="http://schemas.microsoft.com/office/powerpoint/2010/main" val="2647253870"/>
+        <p14:creationId xmlns:p14="http://schemas.microsoft.com/office/powerpoint/2010/main" val="2016785976"/>
       </p:ext>
     </p:extLst>
   </p:cSld>
@@ -1964,115 +1963,6 @@
 </file>
 
 <file path=ppt/notesSlides/notesSlide11.xml><?xml version="1.0" encoding="utf-8"?>
-<p:notes xmlns:a="http://schemas.openxmlformats.org/drawingml/2006/main" xmlns:r="http://schemas.openxmlformats.org/officeDocument/2006/relationships" xmlns:p="http://schemas.openxmlformats.org/presentationml/2006/main" showMasterSp="0" showMasterPhAnim="0">
-  <p:cSld>
-    <p:spTree>
-      <p:nvGrpSpPr>
-        <p:cNvPr id="1" name="Shape 102"/>
-        <p:cNvGrpSpPr/>
-        <p:nvPr/>
-      </p:nvGrpSpPr>
-      <p:grpSpPr>
-        <a:xfrm>
-          <a:off x="0" y="0"/>
-          <a:ext cx="0" cy="0"/>
-          <a:chOff x="0" y="0"/>
-          <a:chExt cx="0" cy="0"/>
-        </a:xfrm>
-      </p:grpSpPr>
-      <p:sp>
-        <p:nvSpPr>
-          <p:cNvPr id="103" name="Shape 103"/>
-          <p:cNvSpPr txBox="1">
-            <a:spLocks noGrp="1"/>
-          </p:cNvSpPr>
-          <p:nvPr>
-            <p:ph type="body" idx="1"/>
-          </p:nvPr>
-        </p:nvSpPr>
-        <p:spPr>
-          <a:xfrm>
-            <a:off x="914400" y="4343400"/>
-            <a:ext cx="5029200" cy="4114800"/>
-          </a:xfrm>
-          <a:prstGeom prst="rect">
-            <a:avLst/>
-          </a:prstGeom>
-        </p:spPr>
-        <p:txBody>
-          <a:bodyPr spcFirstLastPara="1" wrap="square" lIns="91425" tIns="45700" rIns="91425" bIns="45700" anchor="t" anchorCtr="0">
-            <a:noAutofit/>
-          </a:bodyPr>
-          <a:lstStyle/>
-          <a:p>
-            <a:pPr marL="0" lvl="0" indent="0">
-              <a:spcBef>
-                <a:spcPts val="0"/>
-              </a:spcBef>
-              <a:spcAft>
-                <a:spcPts val="0"/>
-              </a:spcAft>
-              <a:buNone/>
-            </a:pPr>
-            <a:endParaRPr/>
-          </a:p>
-        </p:txBody>
-      </p:sp>
-      <p:sp>
-        <p:nvSpPr>
-          <p:cNvPr id="104" name="Shape 104"/>
-          <p:cNvSpPr>
-            <a:spLocks noGrp="1" noRot="1" noChangeAspect="1"/>
-          </p:cNvSpPr>
-          <p:nvPr>
-            <p:ph type="sldImg" idx="2"/>
-          </p:nvPr>
-        </p:nvSpPr>
-        <p:spPr>
-          <a:xfrm>
-            <a:off x="382588" y="685800"/>
-            <a:ext cx="6092825" cy="3429000"/>
-          </a:xfrm>
-          <a:custGeom>
-            <a:avLst/>
-            <a:gdLst/>
-            <a:ahLst/>
-            <a:cxnLst/>
-            <a:rect l="0" t="0" r="0" b="0"/>
-            <a:pathLst>
-              <a:path w="120000" h="120000" extrusionOk="0">
-                <a:moveTo>
-                  <a:pt x="0" y="0"/>
-                </a:moveTo>
-                <a:lnTo>
-                  <a:pt x="120000" y="0"/>
-                </a:lnTo>
-                <a:lnTo>
-                  <a:pt x="120000" y="120000"/>
-                </a:lnTo>
-                <a:lnTo>
-                  <a:pt x="0" y="120000"/>
-                </a:lnTo>
-                <a:close/>
-              </a:path>
-            </a:pathLst>
-          </a:custGeom>
-        </p:spPr>
-      </p:sp>
-    </p:spTree>
-    <p:extLst>
-      <p:ext uri="{BB962C8B-B14F-4D97-AF65-F5344CB8AC3E}">
-        <p14:creationId xmlns:p14="http://schemas.microsoft.com/office/powerpoint/2010/main" val="2016785976"/>
-      </p:ext>
-    </p:extLst>
-  </p:cSld>
-  <p:clrMapOvr>
-    <a:masterClrMapping/>
-  </p:clrMapOvr>
-</p:notes>
-</file>
-
-<file path=ppt/notesSlides/notesSlide12.xml><?xml version="1.0" encoding="utf-8"?>
 <p:notes xmlns:a="http://schemas.openxmlformats.org/drawingml/2006/main" xmlns:r="http://schemas.openxmlformats.org/officeDocument/2006/relationships" xmlns:p="http://schemas.openxmlformats.org/presentationml/2006/main" showMasterSp="0" showMasterPhAnim="0">
   <p:cSld>
     <p:spTree>
@@ -2181,7 +2071,7 @@
 </p:notes>
 </file>
 
-<file path=ppt/notesSlides/notesSlide13.xml><?xml version="1.0" encoding="utf-8"?>
+<file path=ppt/notesSlides/notesSlide12.xml><?xml version="1.0" encoding="utf-8"?>
 <p:notes xmlns:a="http://schemas.openxmlformats.org/drawingml/2006/main" xmlns:r="http://schemas.openxmlformats.org/officeDocument/2006/relationships" xmlns:p="http://schemas.openxmlformats.org/presentationml/2006/main" showMasterSp="0" showMasterPhAnim="0">
   <p:cSld>
     <p:spTree>
@@ -2281,6 +2171,115 @@
     <p:extLst>
       <p:ext uri="{BB962C8B-B14F-4D97-AF65-F5344CB8AC3E}">
         <p14:creationId xmlns:p14="http://schemas.microsoft.com/office/powerpoint/2010/main" val="2019039080"/>
+      </p:ext>
+    </p:extLst>
+  </p:cSld>
+  <p:clrMapOvr>
+    <a:masterClrMapping/>
+  </p:clrMapOvr>
+</p:notes>
+</file>
+
+<file path=ppt/notesSlides/notesSlide13.xml><?xml version="1.0" encoding="utf-8"?>
+<p:notes xmlns:a="http://schemas.openxmlformats.org/drawingml/2006/main" xmlns:r="http://schemas.openxmlformats.org/officeDocument/2006/relationships" xmlns:p="http://schemas.openxmlformats.org/presentationml/2006/main" showMasterSp="0" showMasterPhAnim="0">
+  <p:cSld>
+    <p:spTree>
+      <p:nvGrpSpPr>
+        <p:cNvPr id="1" name="Shape 102"/>
+        <p:cNvGrpSpPr/>
+        <p:nvPr/>
+      </p:nvGrpSpPr>
+      <p:grpSpPr>
+        <a:xfrm>
+          <a:off x="0" y="0"/>
+          <a:ext cx="0" cy="0"/>
+          <a:chOff x="0" y="0"/>
+          <a:chExt cx="0" cy="0"/>
+        </a:xfrm>
+      </p:grpSpPr>
+      <p:sp>
+        <p:nvSpPr>
+          <p:cNvPr id="103" name="Shape 103"/>
+          <p:cNvSpPr txBox="1">
+            <a:spLocks noGrp="1"/>
+          </p:cNvSpPr>
+          <p:nvPr>
+            <p:ph type="body" idx="1"/>
+          </p:nvPr>
+        </p:nvSpPr>
+        <p:spPr>
+          <a:xfrm>
+            <a:off x="914400" y="4343400"/>
+            <a:ext cx="5029200" cy="4114800"/>
+          </a:xfrm>
+          <a:prstGeom prst="rect">
+            <a:avLst/>
+          </a:prstGeom>
+        </p:spPr>
+        <p:txBody>
+          <a:bodyPr spcFirstLastPara="1" wrap="square" lIns="91425" tIns="45700" rIns="91425" bIns="45700" anchor="t" anchorCtr="0">
+            <a:noAutofit/>
+          </a:bodyPr>
+          <a:lstStyle/>
+          <a:p>
+            <a:pPr marL="0" lvl="0" indent="0">
+              <a:spcBef>
+                <a:spcPts val="0"/>
+              </a:spcBef>
+              <a:spcAft>
+                <a:spcPts val="0"/>
+              </a:spcAft>
+              <a:buNone/>
+            </a:pPr>
+            <a:endParaRPr/>
+          </a:p>
+        </p:txBody>
+      </p:sp>
+      <p:sp>
+        <p:nvSpPr>
+          <p:cNvPr id="104" name="Shape 104"/>
+          <p:cNvSpPr>
+            <a:spLocks noGrp="1" noRot="1" noChangeAspect="1"/>
+          </p:cNvSpPr>
+          <p:nvPr>
+            <p:ph type="sldImg" idx="2"/>
+          </p:nvPr>
+        </p:nvSpPr>
+        <p:spPr>
+          <a:xfrm>
+            <a:off x="382588" y="685800"/>
+            <a:ext cx="6092825" cy="3429000"/>
+          </a:xfrm>
+          <a:custGeom>
+            <a:avLst/>
+            <a:gdLst/>
+            <a:ahLst/>
+            <a:cxnLst/>
+            <a:rect l="0" t="0" r="0" b="0"/>
+            <a:pathLst>
+              <a:path w="120000" h="120000" extrusionOk="0">
+                <a:moveTo>
+                  <a:pt x="0" y="0"/>
+                </a:moveTo>
+                <a:lnTo>
+                  <a:pt x="120000" y="0"/>
+                </a:lnTo>
+                <a:lnTo>
+                  <a:pt x="120000" y="120000"/>
+                </a:lnTo>
+                <a:lnTo>
+                  <a:pt x="0" y="120000"/>
+                </a:lnTo>
+                <a:close/>
+              </a:path>
+            </a:pathLst>
+          </a:custGeom>
+        </p:spPr>
+      </p:sp>
+    </p:spTree>
+    <p:extLst>
+      <p:ext uri="{BB962C8B-B14F-4D97-AF65-F5344CB8AC3E}">
+        <p14:creationId xmlns:p14="http://schemas.microsoft.com/office/powerpoint/2010/main" val="1529551680"/>
       </p:ext>
     </p:extLst>
   </p:cSld>
@@ -2404,115 +2403,6 @@
   <p:cSld>
     <p:spTree>
       <p:nvGrpSpPr>
-        <p:cNvPr id="1" name="Shape 102"/>
-        <p:cNvGrpSpPr/>
-        <p:nvPr/>
-      </p:nvGrpSpPr>
-      <p:grpSpPr>
-        <a:xfrm>
-          <a:off x="0" y="0"/>
-          <a:ext cx="0" cy="0"/>
-          <a:chOff x="0" y="0"/>
-          <a:chExt cx="0" cy="0"/>
-        </a:xfrm>
-      </p:grpSpPr>
-      <p:sp>
-        <p:nvSpPr>
-          <p:cNvPr id="103" name="Shape 103"/>
-          <p:cNvSpPr txBox="1">
-            <a:spLocks noGrp="1"/>
-          </p:cNvSpPr>
-          <p:nvPr>
-            <p:ph type="body" idx="1"/>
-          </p:nvPr>
-        </p:nvSpPr>
-        <p:spPr>
-          <a:xfrm>
-            <a:off x="914400" y="4343400"/>
-            <a:ext cx="5029200" cy="4114800"/>
-          </a:xfrm>
-          <a:prstGeom prst="rect">
-            <a:avLst/>
-          </a:prstGeom>
-        </p:spPr>
-        <p:txBody>
-          <a:bodyPr spcFirstLastPara="1" wrap="square" lIns="91425" tIns="45700" rIns="91425" bIns="45700" anchor="t" anchorCtr="0">
-            <a:noAutofit/>
-          </a:bodyPr>
-          <a:lstStyle/>
-          <a:p>
-            <a:pPr marL="0" lvl="0" indent="0">
-              <a:spcBef>
-                <a:spcPts val="0"/>
-              </a:spcBef>
-              <a:spcAft>
-                <a:spcPts val="0"/>
-              </a:spcAft>
-              <a:buNone/>
-            </a:pPr>
-            <a:endParaRPr/>
-          </a:p>
-        </p:txBody>
-      </p:sp>
-      <p:sp>
-        <p:nvSpPr>
-          <p:cNvPr id="104" name="Shape 104"/>
-          <p:cNvSpPr>
-            <a:spLocks noGrp="1" noRot="1" noChangeAspect="1"/>
-          </p:cNvSpPr>
-          <p:nvPr>
-            <p:ph type="sldImg" idx="2"/>
-          </p:nvPr>
-        </p:nvSpPr>
-        <p:spPr>
-          <a:xfrm>
-            <a:off x="382588" y="685800"/>
-            <a:ext cx="6092825" cy="3429000"/>
-          </a:xfrm>
-          <a:custGeom>
-            <a:avLst/>
-            <a:gdLst/>
-            <a:ahLst/>
-            <a:cxnLst/>
-            <a:rect l="0" t="0" r="0" b="0"/>
-            <a:pathLst>
-              <a:path w="120000" h="120000" extrusionOk="0">
-                <a:moveTo>
-                  <a:pt x="0" y="0"/>
-                </a:moveTo>
-                <a:lnTo>
-                  <a:pt x="120000" y="0"/>
-                </a:lnTo>
-                <a:lnTo>
-                  <a:pt x="120000" y="120000"/>
-                </a:lnTo>
-                <a:lnTo>
-                  <a:pt x="0" y="120000"/>
-                </a:lnTo>
-                <a:close/>
-              </a:path>
-            </a:pathLst>
-          </a:custGeom>
-        </p:spPr>
-      </p:sp>
-    </p:spTree>
-    <p:extLst>
-      <p:ext uri="{BB962C8B-B14F-4D97-AF65-F5344CB8AC3E}">
-        <p14:creationId xmlns:p14="http://schemas.microsoft.com/office/powerpoint/2010/main" val="4269212285"/>
-      </p:ext>
-    </p:extLst>
-  </p:cSld>
-  <p:clrMapOvr>
-    <a:masterClrMapping/>
-  </p:clrMapOvr>
-</p:notes>
-</file>
-
-<file path=ppt/notesSlides/notesSlide16.xml><?xml version="1.0" encoding="utf-8"?>
-<p:notes xmlns:a="http://schemas.openxmlformats.org/drawingml/2006/main" xmlns:r="http://schemas.openxmlformats.org/officeDocument/2006/relationships" xmlns:p="http://schemas.openxmlformats.org/presentationml/2006/main" showMasterSp="0" showMasterPhAnim="0">
-  <p:cSld>
-    <p:spTree>
-      <p:nvGrpSpPr>
         <p:cNvPr id="1" name="Shape 151"/>
         <p:cNvGrpSpPr/>
         <p:nvPr/>
@@ -2612,7 +2502,7 @@
 </p:notes>
 </file>
 
-<file path=ppt/notesSlides/notesSlide17.xml><?xml version="1.0" encoding="utf-8"?>
+<file path=ppt/notesSlides/notesSlide16.xml><?xml version="1.0" encoding="utf-8"?>
 <p:notes xmlns:a="http://schemas.openxmlformats.org/drawingml/2006/main" xmlns:r="http://schemas.openxmlformats.org/officeDocument/2006/relationships" xmlns:p="http://schemas.openxmlformats.org/presentationml/2006/main" showMasterSp="0" showMasterPhAnim="0">
   <p:cSld>
     <p:spTree>
@@ -2721,7 +2611,7 @@
 </p:notes>
 </file>
 
-<file path=ppt/notesSlides/notesSlide18.xml><?xml version="1.0" encoding="utf-8"?>
+<file path=ppt/notesSlides/notesSlide17.xml><?xml version="1.0" encoding="utf-8"?>
 <p:notes xmlns:a="http://schemas.openxmlformats.org/drawingml/2006/main" xmlns:r="http://schemas.openxmlformats.org/officeDocument/2006/relationships" xmlns:p="http://schemas.openxmlformats.org/presentationml/2006/main" showMasterSp="0" showMasterPhAnim="0">
   <p:cSld>
     <p:spTree>
@@ -2830,7 +2720,7 @@
 </p:notes>
 </file>
 
-<file path=ppt/notesSlides/notesSlide19.xml><?xml version="1.0" encoding="utf-8"?>
+<file path=ppt/notesSlides/notesSlide18.xml><?xml version="1.0" encoding="utf-8"?>
 <p:notes xmlns:a="http://schemas.openxmlformats.org/drawingml/2006/main" xmlns:r="http://schemas.openxmlformats.org/officeDocument/2006/relationships" xmlns:p="http://schemas.openxmlformats.org/presentationml/2006/main" showMasterSp="0" showMasterPhAnim="0">
   <p:cSld>
     <p:spTree>
@@ -2930,6 +2820,115 @@
     <p:extLst>
       <p:ext uri="{BB962C8B-B14F-4D97-AF65-F5344CB8AC3E}">
         <p14:creationId xmlns:p14="http://schemas.microsoft.com/office/powerpoint/2010/main" val="1351777540"/>
+      </p:ext>
+    </p:extLst>
+  </p:cSld>
+  <p:clrMapOvr>
+    <a:masterClrMapping/>
+  </p:clrMapOvr>
+</p:notes>
+</file>
+
+<file path=ppt/notesSlides/notesSlide19.xml><?xml version="1.0" encoding="utf-8"?>
+<p:notes xmlns:a="http://schemas.openxmlformats.org/drawingml/2006/main" xmlns:r="http://schemas.openxmlformats.org/officeDocument/2006/relationships" xmlns:p="http://schemas.openxmlformats.org/presentationml/2006/main" showMasterSp="0" showMasterPhAnim="0">
+  <p:cSld>
+    <p:spTree>
+      <p:nvGrpSpPr>
+        <p:cNvPr id="1" name="Shape 151"/>
+        <p:cNvGrpSpPr/>
+        <p:nvPr/>
+      </p:nvGrpSpPr>
+      <p:grpSpPr>
+        <a:xfrm>
+          <a:off x="0" y="0"/>
+          <a:ext cx="0" cy="0"/>
+          <a:chOff x="0" y="0"/>
+          <a:chExt cx="0" cy="0"/>
+        </a:xfrm>
+      </p:grpSpPr>
+      <p:sp>
+        <p:nvSpPr>
+          <p:cNvPr id="152" name="Shape 152"/>
+          <p:cNvSpPr txBox="1">
+            <a:spLocks noGrp="1"/>
+          </p:cNvSpPr>
+          <p:nvPr>
+            <p:ph type="body" idx="1"/>
+          </p:nvPr>
+        </p:nvSpPr>
+        <p:spPr>
+          <a:xfrm>
+            <a:off x="914400" y="4343400"/>
+            <a:ext cx="5029200" cy="4114800"/>
+          </a:xfrm>
+          <a:prstGeom prst="rect">
+            <a:avLst/>
+          </a:prstGeom>
+        </p:spPr>
+        <p:txBody>
+          <a:bodyPr spcFirstLastPara="1" wrap="square" lIns="91425" tIns="45700" rIns="91425" bIns="45700" anchor="t" anchorCtr="0">
+            <a:noAutofit/>
+          </a:bodyPr>
+          <a:lstStyle/>
+          <a:p>
+            <a:pPr marL="0" lvl="0" indent="0">
+              <a:spcBef>
+                <a:spcPts val="0"/>
+              </a:spcBef>
+              <a:spcAft>
+                <a:spcPts val="0"/>
+              </a:spcAft>
+              <a:buNone/>
+            </a:pPr>
+            <a:endParaRPr/>
+          </a:p>
+        </p:txBody>
+      </p:sp>
+      <p:sp>
+        <p:nvSpPr>
+          <p:cNvPr id="153" name="Shape 153"/>
+          <p:cNvSpPr>
+            <a:spLocks noGrp="1" noRot="1" noChangeAspect="1"/>
+          </p:cNvSpPr>
+          <p:nvPr>
+            <p:ph type="sldImg" idx="2"/>
+          </p:nvPr>
+        </p:nvSpPr>
+        <p:spPr>
+          <a:xfrm>
+            <a:off x="382588" y="685800"/>
+            <a:ext cx="6092825" cy="3429000"/>
+          </a:xfrm>
+          <a:custGeom>
+            <a:avLst/>
+            <a:gdLst/>
+            <a:ahLst/>
+            <a:cxnLst/>
+            <a:rect l="0" t="0" r="0" b="0"/>
+            <a:pathLst>
+              <a:path w="120000" h="120000" extrusionOk="0">
+                <a:moveTo>
+                  <a:pt x="0" y="0"/>
+                </a:moveTo>
+                <a:lnTo>
+                  <a:pt x="120000" y="0"/>
+                </a:lnTo>
+                <a:lnTo>
+                  <a:pt x="120000" y="120000"/>
+                </a:lnTo>
+                <a:lnTo>
+                  <a:pt x="0" y="120000"/>
+                </a:lnTo>
+                <a:close/>
+              </a:path>
+            </a:pathLst>
+          </a:custGeom>
+        </p:spPr>
+      </p:sp>
+    </p:spTree>
+    <p:extLst>
+      <p:ext uri="{BB962C8B-B14F-4D97-AF65-F5344CB8AC3E}">
+        <p14:creationId xmlns:p14="http://schemas.microsoft.com/office/powerpoint/2010/main" val="3529963820"/>
       </p:ext>
     </p:extLst>
   </p:cSld>
@@ -3142,7 +3141,7 @@
     </p:spTree>
     <p:extLst>
       <p:ext uri="{BB962C8B-B14F-4D97-AF65-F5344CB8AC3E}">
-        <p14:creationId xmlns:p14="http://schemas.microsoft.com/office/powerpoint/2010/main" val="3529963820"/>
+        <p14:creationId xmlns:p14="http://schemas.microsoft.com/office/powerpoint/2010/main" val="2855938002"/>
       </p:ext>
     </p:extLst>
   </p:cSld>
@@ -3153,115 +3152,6 @@
 </file>
 
 <file path=ppt/notesSlides/notesSlide21.xml><?xml version="1.0" encoding="utf-8"?>
-<p:notes xmlns:a="http://schemas.openxmlformats.org/drawingml/2006/main" xmlns:r="http://schemas.openxmlformats.org/officeDocument/2006/relationships" xmlns:p="http://schemas.openxmlformats.org/presentationml/2006/main" showMasterSp="0" showMasterPhAnim="0">
-  <p:cSld>
-    <p:spTree>
-      <p:nvGrpSpPr>
-        <p:cNvPr id="1" name="Shape 151"/>
-        <p:cNvGrpSpPr/>
-        <p:nvPr/>
-      </p:nvGrpSpPr>
-      <p:grpSpPr>
-        <a:xfrm>
-          <a:off x="0" y="0"/>
-          <a:ext cx="0" cy="0"/>
-          <a:chOff x="0" y="0"/>
-          <a:chExt cx="0" cy="0"/>
-        </a:xfrm>
-      </p:grpSpPr>
-      <p:sp>
-        <p:nvSpPr>
-          <p:cNvPr id="152" name="Shape 152"/>
-          <p:cNvSpPr txBox="1">
-            <a:spLocks noGrp="1"/>
-          </p:cNvSpPr>
-          <p:nvPr>
-            <p:ph type="body" idx="1"/>
-          </p:nvPr>
-        </p:nvSpPr>
-        <p:spPr>
-          <a:xfrm>
-            <a:off x="914400" y="4343400"/>
-            <a:ext cx="5029200" cy="4114800"/>
-          </a:xfrm>
-          <a:prstGeom prst="rect">
-            <a:avLst/>
-          </a:prstGeom>
-        </p:spPr>
-        <p:txBody>
-          <a:bodyPr spcFirstLastPara="1" wrap="square" lIns="91425" tIns="45700" rIns="91425" bIns="45700" anchor="t" anchorCtr="0">
-            <a:noAutofit/>
-          </a:bodyPr>
-          <a:lstStyle/>
-          <a:p>
-            <a:pPr marL="0" lvl="0" indent="0">
-              <a:spcBef>
-                <a:spcPts val="0"/>
-              </a:spcBef>
-              <a:spcAft>
-                <a:spcPts val="0"/>
-              </a:spcAft>
-              <a:buNone/>
-            </a:pPr>
-            <a:endParaRPr/>
-          </a:p>
-        </p:txBody>
-      </p:sp>
-      <p:sp>
-        <p:nvSpPr>
-          <p:cNvPr id="153" name="Shape 153"/>
-          <p:cNvSpPr>
-            <a:spLocks noGrp="1" noRot="1" noChangeAspect="1"/>
-          </p:cNvSpPr>
-          <p:nvPr>
-            <p:ph type="sldImg" idx="2"/>
-          </p:nvPr>
-        </p:nvSpPr>
-        <p:spPr>
-          <a:xfrm>
-            <a:off x="382588" y="685800"/>
-            <a:ext cx="6092825" cy="3429000"/>
-          </a:xfrm>
-          <a:custGeom>
-            <a:avLst/>
-            <a:gdLst/>
-            <a:ahLst/>
-            <a:cxnLst/>
-            <a:rect l="0" t="0" r="0" b="0"/>
-            <a:pathLst>
-              <a:path w="120000" h="120000" extrusionOk="0">
-                <a:moveTo>
-                  <a:pt x="0" y="0"/>
-                </a:moveTo>
-                <a:lnTo>
-                  <a:pt x="120000" y="0"/>
-                </a:lnTo>
-                <a:lnTo>
-                  <a:pt x="120000" y="120000"/>
-                </a:lnTo>
-                <a:lnTo>
-                  <a:pt x="0" y="120000"/>
-                </a:lnTo>
-                <a:close/>
-              </a:path>
-            </a:pathLst>
-          </a:custGeom>
-        </p:spPr>
-      </p:sp>
-    </p:spTree>
-    <p:extLst>
-      <p:ext uri="{BB962C8B-B14F-4D97-AF65-F5344CB8AC3E}">
-        <p14:creationId xmlns:p14="http://schemas.microsoft.com/office/powerpoint/2010/main" val="2855938002"/>
-      </p:ext>
-    </p:extLst>
-  </p:cSld>
-  <p:clrMapOvr>
-    <a:masterClrMapping/>
-  </p:clrMapOvr>
-</p:notes>
-</file>
-
-<file path=ppt/notesSlides/notesSlide22.xml><?xml version="1.0" encoding="utf-8"?>
 <p:notes xmlns:a="http://schemas.openxmlformats.org/drawingml/2006/main" xmlns:r="http://schemas.openxmlformats.org/officeDocument/2006/relationships" xmlns:p="http://schemas.openxmlformats.org/presentationml/2006/main" showMasterSp="0" showMasterPhAnim="0">
   <p:cSld>
     <p:spTree>
@@ -3370,7 +3260,7 @@
 </p:notes>
 </file>
 
-<file path=ppt/notesSlides/notesSlide23.xml><?xml version="1.0" encoding="utf-8"?>
+<file path=ppt/notesSlides/notesSlide22.xml><?xml version="1.0" encoding="utf-8"?>
 <p:notes xmlns:a="http://schemas.openxmlformats.org/drawingml/2006/main" xmlns:r="http://schemas.openxmlformats.org/officeDocument/2006/relationships" xmlns:p="http://schemas.openxmlformats.org/presentationml/2006/main" showMasterSp="0" showMasterPhAnim="0">
   <p:cSld>
     <p:spTree>
@@ -3479,7 +3369,7 @@
 </p:notes>
 </file>
 
-<file path=ppt/notesSlides/notesSlide24.xml><?xml version="1.0" encoding="utf-8"?>
+<file path=ppt/notesSlides/notesSlide23.xml><?xml version="1.0" encoding="utf-8"?>
 <p:notes xmlns:a="http://schemas.openxmlformats.org/drawingml/2006/main" xmlns:r="http://schemas.openxmlformats.org/officeDocument/2006/relationships" xmlns:p="http://schemas.openxmlformats.org/presentationml/2006/main" showMasterSp="0" showMasterPhAnim="0">
   <p:cSld>
     <p:spTree>
@@ -3588,7 +3478,7 @@
 </p:notes>
 </file>
 
-<file path=ppt/notesSlides/notesSlide25.xml><?xml version="1.0" encoding="utf-8"?>
+<file path=ppt/notesSlides/notesSlide24.xml><?xml version="1.0" encoding="utf-8"?>
 <p:notes xmlns:a="http://schemas.openxmlformats.org/drawingml/2006/main" xmlns:r="http://schemas.openxmlformats.org/officeDocument/2006/relationships" xmlns:p="http://schemas.openxmlformats.org/presentationml/2006/main" showMasterSp="0" showMasterPhAnim="0">
   <p:cSld>
     <p:spTree>
@@ -3697,7 +3587,7 @@
 </p:notes>
 </file>
 
-<file path=ppt/notesSlides/notesSlide26.xml><?xml version="1.0" encoding="utf-8"?>
+<file path=ppt/notesSlides/notesSlide25.xml><?xml version="1.0" encoding="utf-8"?>
 <p:notes xmlns:a="http://schemas.openxmlformats.org/drawingml/2006/main" xmlns:r="http://schemas.openxmlformats.org/officeDocument/2006/relationships" xmlns:p="http://schemas.openxmlformats.org/presentationml/2006/main" showMasterSp="0" showMasterPhAnim="0">
   <p:cSld>
     <p:spTree>
@@ -3806,7 +3696,7 @@
 </p:notes>
 </file>
 
-<file path=ppt/notesSlides/notesSlide27.xml><?xml version="1.0" encoding="utf-8"?>
+<file path=ppt/notesSlides/notesSlide26.xml><?xml version="1.0" encoding="utf-8"?>
 <p:notes xmlns:a="http://schemas.openxmlformats.org/drawingml/2006/main" xmlns:r="http://schemas.openxmlformats.org/officeDocument/2006/relationships" xmlns:p="http://schemas.openxmlformats.org/presentationml/2006/main" showMasterSp="0" showMasterPhAnim="0">
   <p:cSld>
     <p:spTree>
@@ -3915,7 +3805,7 @@
 </p:notes>
 </file>
 
-<file path=ppt/notesSlides/notesSlide28.xml><?xml version="1.0" encoding="utf-8"?>
+<file path=ppt/notesSlides/notesSlide27.xml><?xml version="1.0" encoding="utf-8"?>
 <p:notes xmlns:a="http://schemas.openxmlformats.org/drawingml/2006/main" xmlns:r="http://schemas.openxmlformats.org/officeDocument/2006/relationships" xmlns:p="http://schemas.openxmlformats.org/presentationml/2006/main" showMasterSp="0" showMasterPhAnim="0">
   <p:cSld>
     <p:spTree>
@@ -4024,7 +3914,7 @@
 </p:notes>
 </file>
 
-<file path=ppt/notesSlides/notesSlide29.xml><?xml version="1.0" encoding="utf-8"?>
+<file path=ppt/notesSlides/notesSlide28.xml><?xml version="1.0" encoding="utf-8"?>
 <p:notes xmlns:a="http://schemas.openxmlformats.org/drawingml/2006/main" xmlns:r="http://schemas.openxmlformats.org/officeDocument/2006/relationships" xmlns:p="http://schemas.openxmlformats.org/presentationml/2006/main" showMasterSp="0" showMasterPhAnim="0">
   <p:cSld>
     <p:spTree>
@@ -4133,115 +4023,6 @@
   <p:cSld>
     <p:spTree>
       <p:nvGrpSpPr>
-        <p:cNvPr id="1" name="Shape 74"/>
-        <p:cNvGrpSpPr/>
-        <p:nvPr/>
-      </p:nvGrpSpPr>
-      <p:grpSpPr>
-        <a:xfrm>
-          <a:off x="0" y="0"/>
-          <a:ext cx="0" cy="0"/>
-          <a:chOff x="0" y="0"/>
-          <a:chExt cx="0" cy="0"/>
-        </a:xfrm>
-      </p:grpSpPr>
-      <p:sp>
-        <p:nvSpPr>
-          <p:cNvPr id="75" name="Shape 75"/>
-          <p:cNvSpPr txBox="1">
-            <a:spLocks noGrp="1"/>
-          </p:cNvSpPr>
-          <p:nvPr>
-            <p:ph type="body" idx="1"/>
-          </p:nvPr>
-        </p:nvSpPr>
-        <p:spPr>
-          <a:xfrm>
-            <a:off x="914400" y="4343400"/>
-            <a:ext cx="5029200" cy="4114800"/>
-          </a:xfrm>
-          <a:prstGeom prst="rect">
-            <a:avLst/>
-          </a:prstGeom>
-        </p:spPr>
-        <p:txBody>
-          <a:bodyPr spcFirstLastPara="1" wrap="square" lIns="91425" tIns="45700" rIns="91425" bIns="45700" anchor="t" anchorCtr="0">
-            <a:noAutofit/>
-          </a:bodyPr>
-          <a:lstStyle/>
-          <a:p>
-            <a:pPr marL="0" lvl="0" indent="0">
-              <a:spcBef>
-                <a:spcPts val="0"/>
-              </a:spcBef>
-              <a:spcAft>
-                <a:spcPts val="0"/>
-              </a:spcAft>
-              <a:buNone/>
-            </a:pPr>
-            <a:endParaRPr/>
-          </a:p>
-        </p:txBody>
-      </p:sp>
-      <p:sp>
-        <p:nvSpPr>
-          <p:cNvPr id="76" name="Shape 76"/>
-          <p:cNvSpPr>
-            <a:spLocks noGrp="1" noRot="1" noChangeAspect="1"/>
-          </p:cNvSpPr>
-          <p:nvPr>
-            <p:ph type="sldImg" idx="2"/>
-          </p:nvPr>
-        </p:nvSpPr>
-        <p:spPr>
-          <a:xfrm>
-            <a:off x="382588" y="685800"/>
-            <a:ext cx="6092825" cy="3429000"/>
-          </a:xfrm>
-          <a:custGeom>
-            <a:avLst/>
-            <a:gdLst/>
-            <a:ahLst/>
-            <a:cxnLst/>
-            <a:rect l="0" t="0" r="0" b="0"/>
-            <a:pathLst>
-              <a:path w="120000" h="120000" extrusionOk="0">
-                <a:moveTo>
-                  <a:pt x="0" y="0"/>
-                </a:moveTo>
-                <a:lnTo>
-                  <a:pt x="120000" y="0"/>
-                </a:lnTo>
-                <a:lnTo>
-                  <a:pt x="120000" y="120000"/>
-                </a:lnTo>
-                <a:lnTo>
-                  <a:pt x="0" y="120000"/>
-                </a:lnTo>
-                <a:close/>
-              </a:path>
-            </a:pathLst>
-          </a:custGeom>
-        </p:spPr>
-      </p:sp>
-    </p:spTree>
-    <p:extLst>
-      <p:ext uri="{BB962C8B-B14F-4D97-AF65-F5344CB8AC3E}">
-        <p14:creationId xmlns:p14="http://schemas.microsoft.com/office/powerpoint/2010/main" val="4233994270"/>
-      </p:ext>
-    </p:extLst>
-  </p:cSld>
-  <p:clrMapOvr>
-    <a:masterClrMapping/>
-  </p:clrMapOvr>
-</p:notes>
-</file>
-
-<file path=ppt/notesSlides/notesSlide4.xml><?xml version="1.0" encoding="utf-8"?>
-<p:notes xmlns:a="http://schemas.openxmlformats.org/drawingml/2006/main" xmlns:r="http://schemas.openxmlformats.org/officeDocument/2006/relationships" xmlns:p="http://schemas.openxmlformats.org/presentationml/2006/main" showMasterSp="0" showMasterPhAnim="0">
-  <p:cSld>
-    <p:spTree>
-      <p:nvGrpSpPr>
         <p:cNvPr id="1" name="Shape 88"/>
         <p:cNvGrpSpPr/>
         <p:nvPr/>
@@ -4341,7 +4122,7 @@
 </p:notes>
 </file>
 
-<file path=ppt/notesSlides/notesSlide5.xml><?xml version="1.0" encoding="utf-8"?>
+<file path=ppt/notesSlides/notesSlide4.xml><?xml version="1.0" encoding="utf-8"?>
 <p:notes xmlns:a="http://schemas.openxmlformats.org/drawingml/2006/main" xmlns:r="http://schemas.openxmlformats.org/officeDocument/2006/relationships" xmlns:p="http://schemas.openxmlformats.org/presentationml/2006/main" showMasterSp="0" showMasterPhAnim="0">
   <p:cSld>
     <p:spTree>
@@ -4450,7 +4231,7 @@
 </p:notes>
 </file>
 
-<file path=ppt/notesSlides/notesSlide6.xml><?xml version="1.0" encoding="utf-8"?>
+<file path=ppt/notesSlides/notesSlide5.xml><?xml version="1.0" encoding="utf-8"?>
 <p:notes xmlns:a="http://schemas.openxmlformats.org/drawingml/2006/main" xmlns:r="http://schemas.openxmlformats.org/officeDocument/2006/relationships" xmlns:p="http://schemas.openxmlformats.org/presentationml/2006/main" showMasterSp="0" showMasterPhAnim="0">
   <p:cSld>
     <p:spTree>
@@ -4559,7 +4340,7 @@
 </p:notes>
 </file>
 
-<file path=ppt/notesSlides/notesSlide7.xml><?xml version="1.0" encoding="utf-8"?>
+<file path=ppt/notesSlides/notesSlide6.xml><?xml version="1.0" encoding="utf-8"?>
 <p:notes xmlns:a="http://schemas.openxmlformats.org/drawingml/2006/main" xmlns:r="http://schemas.openxmlformats.org/officeDocument/2006/relationships" xmlns:p="http://schemas.openxmlformats.org/presentationml/2006/main" showMasterSp="0" showMasterPhAnim="0">
   <p:cSld>
     <p:spTree>
@@ -4663,7 +4444,7 @@
 </p:notes>
 </file>
 
-<file path=ppt/notesSlides/notesSlide8.xml><?xml version="1.0" encoding="utf-8"?>
+<file path=ppt/notesSlides/notesSlide7.xml><?xml version="1.0" encoding="utf-8"?>
 <p:notes xmlns:a="http://schemas.openxmlformats.org/drawingml/2006/main" xmlns:r="http://schemas.openxmlformats.org/officeDocument/2006/relationships" xmlns:p="http://schemas.openxmlformats.org/presentationml/2006/main" showMasterSp="0" showMasterPhAnim="0">
   <p:cSld>
     <p:spTree>
@@ -4772,7 +4553,7 @@
 </p:notes>
 </file>
 
-<file path=ppt/notesSlides/notesSlide9.xml><?xml version="1.0" encoding="utf-8"?>
+<file path=ppt/notesSlides/notesSlide8.xml><?xml version="1.0" encoding="utf-8"?>
 <p:notes xmlns:a="http://schemas.openxmlformats.org/drawingml/2006/main" xmlns:r="http://schemas.openxmlformats.org/officeDocument/2006/relationships" xmlns:p="http://schemas.openxmlformats.org/presentationml/2006/main" showMasterSp="0" showMasterPhAnim="0">
   <p:cSld>
     <p:spTree>
@@ -4872,6 +4653,115 @@
     <p:extLst>
       <p:ext uri="{BB962C8B-B14F-4D97-AF65-F5344CB8AC3E}">
         <p14:creationId xmlns:p14="http://schemas.microsoft.com/office/powerpoint/2010/main" val="1631288312"/>
+      </p:ext>
+    </p:extLst>
+  </p:cSld>
+  <p:clrMapOvr>
+    <a:masterClrMapping/>
+  </p:clrMapOvr>
+</p:notes>
+</file>
+
+<file path=ppt/notesSlides/notesSlide9.xml><?xml version="1.0" encoding="utf-8"?>
+<p:notes xmlns:a="http://schemas.openxmlformats.org/drawingml/2006/main" xmlns:r="http://schemas.openxmlformats.org/officeDocument/2006/relationships" xmlns:p="http://schemas.openxmlformats.org/presentationml/2006/main" showMasterSp="0" showMasterPhAnim="0">
+  <p:cSld>
+    <p:spTree>
+      <p:nvGrpSpPr>
+        <p:cNvPr id="1" name="Shape 102"/>
+        <p:cNvGrpSpPr/>
+        <p:nvPr/>
+      </p:nvGrpSpPr>
+      <p:grpSpPr>
+        <a:xfrm>
+          <a:off x="0" y="0"/>
+          <a:ext cx="0" cy="0"/>
+          <a:chOff x="0" y="0"/>
+          <a:chExt cx="0" cy="0"/>
+        </a:xfrm>
+      </p:grpSpPr>
+      <p:sp>
+        <p:nvSpPr>
+          <p:cNvPr id="103" name="Shape 103"/>
+          <p:cNvSpPr txBox="1">
+            <a:spLocks noGrp="1"/>
+          </p:cNvSpPr>
+          <p:nvPr>
+            <p:ph type="body" idx="1"/>
+          </p:nvPr>
+        </p:nvSpPr>
+        <p:spPr>
+          <a:xfrm>
+            <a:off x="914400" y="4343400"/>
+            <a:ext cx="5029200" cy="4114800"/>
+          </a:xfrm>
+          <a:prstGeom prst="rect">
+            <a:avLst/>
+          </a:prstGeom>
+        </p:spPr>
+        <p:txBody>
+          <a:bodyPr spcFirstLastPara="1" wrap="square" lIns="91425" tIns="45700" rIns="91425" bIns="45700" anchor="t" anchorCtr="0">
+            <a:noAutofit/>
+          </a:bodyPr>
+          <a:lstStyle/>
+          <a:p>
+            <a:pPr marL="0" lvl="0" indent="0">
+              <a:spcBef>
+                <a:spcPts val="0"/>
+              </a:spcBef>
+              <a:spcAft>
+                <a:spcPts val="0"/>
+              </a:spcAft>
+              <a:buNone/>
+            </a:pPr>
+            <a:endParaRPr/>
+          </a:p>
+        </p:txBody>
+      </p:sp>
+      <p:sp>
+        <p:nvSpPr>
+          <p:cNvPr id="104" name="Shape 104"/>
+          <p:cNvSpPr>
+            <a:spLocks noGrp="1" noRot="1" noChangeAspect="1"/>
+          </p:cNvSpPr>
+          <p:nvPr>
+            <p:ph type="sldImg" idx="2"/>
+          </p:nvPr>
+        </p:nvSpPr>
+        <p:spPr>
+          <a:xfrm>
+            <a:off x="382588" y="685800"/>
+            <a:ext cx="6092825" cy="3429000"/>
+          </a:xfrm>
+          <a:custGeom>
+            <a:avLst/>
+            <a:gdLst/>
+            <a:ahLst/>
+            <a:cxnLst/>
+            <a:rect l="0" t="0" r="0" b="0"/>
+            <a:pathLst>
+              <a:path w="120000" h="120000" extrusionOk="0">
+                <a:moveTo>
+                  <a:pt x="0" y="0"/>
+                </a:moveTo>
+                <a:lnTo>
+                  <a:pt x="120000" y="0"/>
+                </a:lnTo>
+                <a:lnTo>
+                  <a:pt x="120000" y="120000"/>
+                </a:lnTo>
+                <a:lnTo>
+                  <a:pt x="0" y="120000"/>
+                </a:lnTo>
+                <a:close/>
+              </a:path>
+            </a:pathLst>
+          </a:custGeom>
+        </p:spPr>
+      </p:sp>
+    </p:spTree>
+    <p:extLst>
+      <p:ext uri="{BB962C8B-B14F-4D97-AF65-F5344CB8AC3E}">
+        <p14:creationId xmlns:p14="http://schemas.microsoft.com/office/powerpoint/2010/main" val="2647253870"/>
       </p:ext>
     </p:extLst>
   </p:cSld>
@@ -18557,7 +18447,7 @@
               <a:buNone/>
             </a:pPr>
             <a:r>
-              <a:rPr lang="en-GB" sz="6000" b="0" i="0" u="none" strike="noStrike" cap="none" err="1">
+              <a:rPr lang="en-GB" sz="6000" b="1" i="0" u="none" strike="noStrike" cap="none">
                 <a:solidFill>
                   <a:srgbClr val="FFFFFF"/>
                 </a:solidFill>
@@ -18566,10 +18456,10 @@
                 <a:cs typeface="Helvetica Neue Light"/>
                 <a:sym typeface="Helvetica Neue Light"/>
               </a:rPr>
-              <a:t>Báo</a:t>
-            </a:r>
-            <a:r>
-              <a:rPr lang="en-GB" sz="6000" b="0" i="0" u="none" strike="noStrike" cap="none">
+              <a:t>Báo </a:t>
+            </a:r>
+            <a:r>
+              <a:rPr lang="en-GB" sz="6000" b="1">
                 <a:solidFill>
                   <a:srgbClr val="FFFFFF"/>
                 </a:solidFill>
@@ -18578,10 +18468,10 @@
                 <a:cs typeface="Helvetica Neue Light"/>
                 <a:sym typeface="Helvetica Neue Light"/>
               </a:rPr>
-              <a:t> </a:t>
-            </a:r>
-            <a:r>
-              <a:rPr lang="en-GB" sz="6000" b="0" i="0" u="none" strike="noStrike" cap="none" err="1">
+              <a:t>C</a:t>
+            </a:r>
+            <a:r>
+              <a:rPr lang="en-GB" sz="6000" b="1" i="0" u="none" strike="noStrike" cap="none">
                 <a:solidFill>
                   <a:srgbClr val="FFFFFF"/>
                 </a:solidFill>
@@ -18590,10 +18480,10 @@
                 <a:cs typeface="Helvetica Neue Light"/>
                 <a:sym typeface="Helvetica Neue Light"/>
               </a:rPr>
-              <a:t>cáo</a:t>
-            </a:r>
-            <a:r>
-              <a:rPr lang="en-GB" sz="6000" b="0" i="0" u="none" strike="noStrike" cap="none">
+              <a:t>áo </a:t>
+            </a:r>
+            <a:r>
+              <a:rPr lang="en-GB" sz="6000" b="1">
                 <a:solidFill>
                   <a:srgbClr val="FFFFFF"/>
                 </a:solidFill>
@@ -18602,57 +18492,9 @@
                 <a:cs typeface="Helvetica Neue Light"/>
                 <a:sym typeface="Helvetica Neue Light"/>
               </a:rPr>
-              <a:t> </a:t>
-            </a:r>
-            <a:r>
-              <a:rPr lang="en-GB" sz="6000" b="0" i="0" u="none" strike="noStrike" cap="none" err="1">
-                <a:solidFill>
-                  <a:srgbClr val="FFFFFF"/>
-                </a:solidFill>
-                <a:latin typeface="Helvetica Neue Light"/>
-                <a:ea typeface="Helvetica Neue Light"/>
-                <a:cs typeface="Helvetica Neue Light"/>
-                <a:sym typeface="Helvetica Neue Light"/>
-              </a:rPr>
-              <a:t>d</a:t>
-            </a:r>
-            <a:r>
-              <a:rPr lang="en-GB" sz="6000" err="1">
-                <a:solidFill>
-                  <a:srgbClr val="FFFFFF"/>
-                </a:solidFill>
-                <a:latin typeface="Helvetica Neue Light"/>
-                <a:ea typeface="Helvetica Neue Light"/>
-                <a:cs typeface="Helvetica Neue Light"/>
-                <a:sym typeface="Helvetica Neue Light"/>
-              </a:rPr>
-              <a:t>ự</a:t>
-            </a:r>
-            <a:r>
-              <a:rPr lang="en-GB" sz="6000">
-                <a:solidFill>
-                  <a:srgbClr val="FFFFFF"/>
-                </a:solidFill>
-                <a:latin typeface="Helvetica Neue Light"/>
-                <a:ea typeface="Helvetica Neue Light"/>
-                <a:cs typeface="Helvetica Neue Light"/>
-                <a:sym typeface="Helvetica Neue Light"/>
-              </a:rPr>
-              <a:t> </a:t>
-            </a:r>
-            <a:r>
-              <a:rPr lang="en-GB" sz="6000" err="1">
-                <a:solidFill>
-                  <a:srgbClr val="FFFFFF"/>
-                </a:solidFill>
-                <a:latin typeface="Helvetica Neue Light"/>
-                <a:ea typeface="Helvetica Neue Light"/>
-                <a:cs typeface="Helvetica Neue Light"/>
-                <a:sym typeface="Helvetica Neue Light"/>
-              </a:rPr>
-              <a:t>án</a:t>
-            </a:r>
-            <a:endParaRPr sz="6000" b="0" i="0" u="none" strike="noStrike" cap="none">
+              <a:t>Dự Án</a:t>
+            </a:r>
+            <a:endParaRPr sz="6000" b="1" i="0" u="none" strike="noStrike" cap="none">
               <a:solidFill>
                 <a:srgbClr val="FFFFFF"/>
               </a:solidFill>
@@ -18723,219 +18565,6 @@
         </p:nvSpPr>
         <p:spPr>
           <a:xfrm>
-            <a:off x="-2382" y="0"/>
-            <a:ext cx="17340264" cy="1271588"/>
-          </a:xfrm>
-          <a:prstGeom prst="rect">
-            <a:avLst/>
-          </a:prstGeom>
-          <a:solidFill>
-            <a:srgbClr val="06427B"/>
-          </a:solidFill>
-          <a:ln>
-            <a:noFill/>
-          </a:ln>
-        </p:spPr>
-        <p:txBody>
-          <a:bodyPr spcFirstLastPara="1" wrap="square" lIns="0" tIns="0" rIns="0" bIns="0" anchor="ctr" anchorCtr="0">
-            <a:noAutofit/>
-          </a:bodyPr>
-          <a:lstStyle/>
-          <a:p>
-            <a:pPr lvl="0" indent="381000">
-              <a:buClr>
-                <a:srgbClr val="FFFFFF"/>
-              </a:buClr>
-              <a:buSzPts val="4800"/>
-            </a:pPr>
-            <a:r>
-              <a:rPr lang="en-GB" sz="4800">
-                <a:solidFill>
-                  <a:srgbClr val="FFFFFF"/>
-                </a:solidFill>
-                <a:latin typeface="Helvetica Neue Light"/>
-                <a:ea typeface="Helvetica Neue Light"/>
-                <a:cs typeface="Helvetica Neue Light"/>
-                <a:sym typeface="Helvetica Neue Light"/>
-              </a:rPr>
-              <a:t>Activity</a:t>
-            </a:r>
-            <a:r>
-              <a:rPr lang="en-US" sz="4800">
-                <a:solidFill>
-                  <a:srgbClr val="FFFFFF"/>
-                </a:solidFill>
-                <a:latin typeface="Helvetica Neue Light"/>
-                <a:ea typeface="Helvetica Neue Light"/>
-                <a:cs typeface="Helvetica Neue Light"/>
-                <a:sym typeface="Helvetica Neue Light"/>
-              </a:rPr>
-              <a:t> Diagram</a:t>
-            </a:r>
-          </a:p>
-        </p:txBody>
-      </p:sp>
-      <p:pic>
-        <p:nvPicPr>
-          <p:cNvPr id="107" name="Shape 107"/>
-          <p:cNvPicPr preferRelativeResize="0"/>
-          <p:nvPr/>
-        </p:nvPicPr>
-        <p:blipFill>
-          <a:blip r:embed="rId3"/>
-          <a:stretch>
-            <a:fillRect/>
-          </a:stretch>
-        </p:blipFill>
-        <p:spPr>
-          <a:xfrm>
-            <a:off x="14677877" y="419470"/>
-            <a:ext cx="2409143" cy="441676"/>
-          </a:xfrm>
-          <a:prstGeom prst="rect">
-            <a:avLst/>
-          </a:prstGeom>
-          <a:noFill/>
-          <a:ln>
-            <a:noFill/>
-          </a:ln>
-        </p:spPr>
-      </p:pic>
-      <p:sp>
-        <p:nvSpPr>
-          <p:cNvPr id="108" name="Shape 108"/>
-          <p:cNvSpPr txBox="1">
-            <a:spLocks noGrp="1"/>
-          </p:cNvSpPr>
-          <p:nvPr>
-            <p:ph type="body" idx="1"/>
-          </p:nvPr>
-        </p:nvSpPr>
-        <p:spPr>
-          <a:xfrm>
-            <a:off x="381000" y="1651000"/>
-            <a:ext cx="16573500" cy="7745700"/>
-          </a:xfrm>
-          <a:prstGeom prst="rect">
-            <a:avLst/>
-          </a:prstGeom>
-          <a:noFill/>
-          <a:ln>
-            <a:noFill/>
-          </a:ln>
-        </p:spPr>
-        <p:txBody>
-          <a:bodyPr spcFirstLastPara="1" wrap="square" lIns="50800" tIns="50800" rIns="50800" bIns="50800" anchor="t" anchorCtr="0">
-            <a:noAutofit/>
-          </a:bodyPr>
-          <a:lstStyle/>
-          <a:p>
-            <a:pPr marL="25400" marR="0" lvl="0" indent="0" algn="l" rtl="0">
-              <a:lnSpc>
-                <a:spcPct val="100000"/>
-              </a:lnSpc>
-              <a:spcBef>
-                <a:spcPts val="0"/>
-              </a:spcBef>
-              <a:spcAft>
-                <a:spcPts val="0"/>
-              </a:spcAft>
-              <a:buClr>
-                <a:srgbClr val="000000"/>
-              </a:buClr>
-              <a:buSzPts val="3200"/>
-              <a:buNone/>
-            </a:pPr>
-            <a:r>
-              <a:rPr lang="en-GB" sz="3200" i="0" u="none" strike="noStrike" cap="none">
-                <a:solidFill>
-                  <a:srgbClr val="000000"/>
-                </a:solidFill>
-                <a:latin typeface="Times New Roman" panose="02020603050405020304" pitchFamily="18" charset="0"/>
-                <a:ea typeface="Helvetica Neue Light"/>
-                <a:cs typeface="Times New Roman" panose="02020603050405020304" pitchFamily="18" charset="0"/>
-                <a:sym typeface="Helvetica Neue Light"/>
-              </a:rPr>
-              <a:t>	Thanh toán	</a:t>
-            </a:r>
-            <a:endParaRPr sz="3200" i="0" u="none" strike="noStrike" cap="none">
-              <a:solidFill>
-                <a:srgbClr val="000000"/>
-              </a:solidFill>
-              <a:latin typeface="Times New Roman" panose="02020603050405020304" pitchFamily="18" charset="0"/>
-              <a:ea typeface="Helvetica Neue Light"/>
-              <a:cs typeface="Times New Roman" panose="02020603050405020304" pitchFamily="18" charset="0"/>
-              <a:sym typeface="Helvetica Neue Light"/>
-            </a:endParaRPr>
-          </a:p>
-        </p:txBody>
-      </p:sp>
-      <p:pic>
-        <p:nvPicPr>
-          <p:cNvPr id="6" name="Picture 5">
-            <a:extLst>
-              <a:ext uri="{FF2B5EF4-FFF2-40B4-BE49-F238E27FC236}">
-                <a16:creationId xmlns:a16="http://schemas.microsoft.com/office/drawing/2014/main" id="{267EE2BA-D1E8-408D-9ED7-79E2056A7D59}"/>
-              </a:ext>
-            </a:extLst>
-          </p:cNvPr>
-          <p:cNvPicPr/>
-          <p:nvPr/>
-        </p:nvPicPr>
-        <p:blipFill>
-          <a:blip r:embed="rId4"/>
-          <a:stretch>
-            <a:fillRect/>
-          </a:stretch>
-        </p:blipFill>
-        <p:spPr>
-          <a:xfrm>
-            <a:off x="3332797" y="1528788"/>
-            <a:ext cx="12828229" cy="8072412"/>
-          </a:xfrm>
-          <a:prstGeom prst="rect">
-            <a:avLst/>
-          </a:prstGeom>
-        </p:spPr>
-      </p:pic>
-    </p:spTree>
-    <p:extLst>
-      <p:ext uri="{BB962C8B-B14F-4D97-AF65-F5344CB8AC3E}">
-        <p14:creationId xmlns:p14="http://schemas.microsoft.com/office/powerpoint/2010/main" val="4264203254"/>
-      </p:ext>
-    </p:extLst>
-  </p:cSld>
-  <p:clrMapOvr>
-    <a:masterClrMapping/>
-  </p:clrMapOvr>
-</p:sld>
-</file>
-
-<file path=ppt/slides/slide11.xml><?xml version="1.0" encoding="utf-8"?>
-<p:sld xmlns:a="http://schemas.openxmlformats.org/drawingml/2006/main" xmlns:r="http://schemas.openxmlformats.org/officeDocument/2006/relationships" xmlns:p="http://schemas.openxmlformats.org/presentationml/2006/main">
-  <p:cSld>
-    <p:spTree>
-      <p:nvGrpSpPr>
-        <p:cNvPr id="1" name="Shape 105"/>
-        <p:cNvGrpSpPr/>
-        <p:nvPr/>
-      </p:nvGrpSpPr>
-      <p:grpSpPr>
-        <a:xfrm>
-          <a:off x="0" y="0"/>
-          <a:ext cx="0" cy="0"/>
-          <a:chOff x="0" y="0"/>
-          <a:chExt cx="0" cy="0"/>
-        </a:xfrm>
-      </p:grpSpPr>
-      <p:sp>
-        <p:nvSpPr>
-          <p:cNvPr id="106" name="Shape 106"/>
-          <p:cNvSpPr txBox="1"/>
-          <p:nvPr/>
-        </p:nvSpPr>
-        <p:spPr>
-          <a:xfrm>
             <a:off x="-4764" y="4514"/>
             <a:ext cx="17340264" cy="1271588"/>
           </a:xfrm>
@@ -19082,10 +18711,10 @@
       </p:sp>
       <p:pic>
         <p:nvPicPr>
-          <p:cNvPr id="6" name="Picture 5">
+          <p:cNvPr id="7" name="Picture 6">
             <a:extLst>
               <a:ext uri="{FF2B5EF4-FFF2-40B4-BE49-F238E27FC236}">
-                <a16:creationId xmlns:a16="http://schemas.microsoft.com/office/drawing/2014/main" id="{30E5CBB8-6A11-4400-B0E6-2DF9F8CD0142}"/>
+                <a16:creationId xmlns:a16="http://schemas.microsoft.com/office/drawing/2014/main" id="{DE05A459-F1AA-417E-B4BF-704EA0B346B2}"/>
               </a:ext>
             </a:extLst>
           </p:cNvPr>
@@ -19100,8 +18729,8 @@
         </p:blipFill>
         <p:spPr>
           <a:xfrm>
-            <a:off x="3244876" y="1501692"/>
-            <a:ext cx="13035419" cy="8247394"/>
+            <a:off x="3364147" y="1651000"/>
+            <a:ext cx="12081262" cy="7745700"/>
           </a:xfrm>
           <a:prstGeom prst="rect">
             <a:avLst/>
@@ -19121,7 +18750,7 @@
 </p:sld>
 </file>
 
-<file path=ppt/slides/slide12.xml><?xml version="1.0" encoding="utf-8"?>
+<file path=ppt/slides/slide11.xml><?xml version="1.0" encoding="utf-8"?>
 <p:sld xmlns:a="http://schemas.openxmlformats.org/drawingml/2006/main" xmlns:r="http://schemas.openxmlformats.org/officeDocument/2006/relationships" xmlns:p="http://schemas.openxmlformats.org/presentationml/2006/main">
   <p:cSld>
     <p:spTree>
@@ -19276,7 +18905,7 @@
                 <a:cs typeface="Times New Roman" panose="02020603050405020304" pitchFamily="18" charset="0"/>
                 <a:sym typeface="Helvetica Neue Light"/>
               </a:rPr>
-              <a:t>	Đăng nhập   </a:t>
+              <a:t>Đăng nhập   </a:t>
             </a:r>
             <a:endParaRPr sz="3200" i="0" u="none" strike="noStrike" cap="none">
               <a:solidFill>
@@ -19292,32 +18921,41 @@
       </p:sp>
       <p:pic>
         <p:nvPicPr>
-          <p:cNvPr id="3" name="Picture 2">
+          <p:cNvPr id="6" name="Picture 5">
             <a:extLst>
               <a:ext uri="{FF2B5EF4-FFF2-40B4-BE49-F238E27FC236}">
-                <a16:creationId xmlns:a16="http://schemas.microsoft.com/office/drawing/2014/main" id="{94795CAF-6787-43BF-82C0-15EFE6321B9E}"/>
+                <a16:creationId xmlns:a16="http://schemas.microsoft.com/office/drawing/2014/main" id="{998B5828-EABE-481A-BB10-839D37ABCC7A}"/>
               </a:ext>
             </a:extLst>
           </p:cNvPr>
-          <p:cNvPicPr>
-            <a:picLocks noChangeAspect="1"/>
-          </p:cNvPicPr>
+          <p:cNvPicPr/>
           <p:nvPr/>
         </p:nvPicPr>
         <p:blipFill>
-          <a:blip r:embed="rId4"/>
+          <a:blip r:embed="rId4">
+            <a:extLst>
+              <a:ext uri="{28A0092B-C50C-407E-A947-70E740481C1C}">
+                <a14:useLocalDpi xmlns:a14="http://schemas.microsoft.com/office/drawing/2010/main" val="0"/>
+              </a:ext>
+            </a:extLst>
+          </a:blip>
+          <a:srcRect/>
           <a:stretch>
             <a:fillRect/>
           </a:stretch>
         </p:blipFill>
-        <p:spPr>
+        <p:spPr bwMode="auto">
           <a:xfrm>
-            <a:off x="3209924" y="1280616"/>
-            <a:ext cx="14125575" cy="8289121"/>
+            <a:off x="2305878" y="1651000"/>
+            <a:ext cx="14781142" cy="8102600"/>
           </a:xfrm>
           <a:prstGeom prst="rect">
             <a:avLst/>
           </a:prstGeom>
+          <a:noFill/>
+          <a:ln>
+            <a:noFill/>
+          </a:ln>
         </p:spPr>
       </p:pic>
     </p:spTree>
@@ -19333,7 +18971,7 @@
 </p:sld>
 </file>
 
-<file path=ppt/slides/slide13.xml><?xml version="1.0" encoding="utf-8"?>
+<file path=ppt/slides/slide12.xml><?xml version="1.0" encoding="utf-8"?>
 <p:sld xmlns:a="http://schemas.openxmlformats.org/drawingml/2006/main" xmlns:r="http://schemas.openxmlformats.org/officeDocument/2006/relationships" xmlns:p="http://schemas.openxmlformats.org/presentationml/2006/main">
   <p:cSld>
     <p:spTree>
@@ -19488,10 +19126,28 @@
                 <a:cs typeface="Times New Roman" panose="02020603050405020304" pitchFamily="18" charset="0"/>
                 <a:sym typeface="Helvetica Neue Light"/>
               </a:rPr>
-              <a:t>	</a:t>
-            </a:r>
-            <a:r>
-              <a:rPr lang="en-GB" sz="3200" i="0" u="none" strike="noStrike" cap="none" err="1">
+              <a:t>Thêm sách vào</a:t>
+            </a:r>
+          </a:p>
+          <a:p>
+            <a:pPr marL="25400" marR="0" lvl="0" indent="0" algn="l" rtl="0">
+              <a:lnSpc>
+                <a:spcPct val="100000"/>
+              </a:lnSpc>
+              <a:spcBef>
+                <a:spcPts val="0"/>
+              </a:spcBef>
+              <a:spcAft>
+                <a:spcPts val="0"/>
+              </a:spcAft>
+              <a:buClr>
+                <a:srgbClr val="000000"/>
+              </a:buClr>
+              <a:buSzPts val="3200"/>
+              <a:buNone/>
+            </a:pPr>
+            <a:r>
+              <a:rPr lang="en-GB" sz="3200">
                 <a:solidFill>
                   <a:srgbClr val="000000"/>
                 </a:solidFill>
@@ -19500,67 +19156,7 @@
                 <a:cs typeface="Times New Roman" panose="02020603050405020304" pitchFamily="18" charset="0"/>
                 <a:sym typeface="Helvetica Neue Light"/>
               </a:rPr>
-              <a:t>Tạo</a:t>
-            </a:r>
-            <a:r>
-              <a:rPr lang="en-GB" sz="3200" i="0" u="none" strike="noStrike" cap="none">
-                <a:solidFill>
-                  <a:srgbClr val="000000"/>
-                </a:solidFill>
-                <a:latin typeface="Times New Roman" panose="02020603050405020304" pitchFamily="18" charset="0"/>
-                <a:ea typeface="Helvetica Neue Light"/>
-                <a:cs typeface="Times New Roman" panose="02020603050405020304" pitchFamily="18" charset="0"/>
-                <a:sym typeface="Helvetica Neue Light"/>
-              </a:rPr>
-              <a:t> </a:t>
-            </a:r>
-            <a:r>
-              <a:rPr lang="en-GB" sz="3200" i="0" u="none" strike="noStrike" cap="none" err="1">
-                <a:solidFill>
-                  <a:srgbClr val="000000"/>
-                </a:solidFill>
-                <a:latin typeface="Times New Roman" panose="02020603050405020304" pitchFamily="18" charset="0"/>
-                <a:ea typeface="Helvetica Neue Light"/>
-                <a:cs typeface="Times New Roman" panose="02020603050405020304" pitchFamily="18" charset="0"/>
-                <a:sym typeface="Helvetica Neue Light"/>
-              </a:rPr>
-              <a:t>giỏ</a:t>
-            </a:r>
-            <a:r>
-              <a:rPr lang="en-GB" sz="3200" i="0" u="none" strike="noStrike" cap="none">
-                <a:solidFill>
-                  <a:srgbClr val="000000"/>
-                </a:solidFill>
-                <a:latin typeface="Times New Roman" panose="02020603050405020304" pitchFamily="18" charset="0"/>
-                <a:ea typeface="Helvetica Neue Light"/>
-                <a:cs typeface="Times New Roman" panose="02020603050405020304" pitchFamily="18" charset="0"/>
-                <a:sym typeface="Helvetica Neue Light"/>
-              </a:rPr>
-              <a:t> </a:t>
-            </a:r>
-            <a:r>
-              <a:rPr lang="en-GB" sz="3200" i="0" u="none" strike="noStrike" cap="none" err="1">
-                <a:solidFill>
-                  <a:srgbClr val="000000"/>
-                </a:solidFill>
-                <a:latin typeface="Times New Roman" panose="02020603050405020304" pitchFamily="18" charset="0"/>
-                <a:ea typeface="Helvetica Neue Light"/>
-                <a:cs typeface="Times New Roman" panose="02020603050405020304" pitchFamily="18" charset="0"/>
-                <a:sym typeface="Helvetica Neue Light"/>
-              </a:rPr>
-              <a:t>hàng</a:t>
-            </a:r>
-            <a:r>
-              <a:rPr lang="en-GB" sz="3200" i="0" u="none" strike="noStrike" cap="none">
-                <a:solidFill>
-                  <a:srgbClr val="000000"/>
-                </a:solidFill>
-                <a:latin typeface="Times New Roman" panose="02020603050405020304" pitchFamily="18" charset="0"/>
-                <a:ea typeface="Helvetica Neue Light"/>
-                <a:cs typeface="Times New Roman" panose="02020603050405020304" pitchFamily="18" charset="0"/>
-                <a:sym typeface="Helvetica Neue Light"/>
-              </a:rPr>
-              <a:t>     </a:t>
+              <a:t>giỏ hàng</a:t>
             </a:r>
             <a:endParaRPr sz="3200" i="0" u="none" strike="noStrike" cap="none">
               <a:solidFill>
@@ -19576,32 +19172,41 @@
       </p:sp>
       <p:pic>
         <p:nvPicPr>
-          <p:cNvPr id="3" name="Picture 2">
+          <p:cNvPr id="6" name="Picture 5">
             <a:extLst>
               <a:ext uri="{FF2B5EF4-FFF2-40B4-BE49-F238E27FC236}">
-                <a16:creationId xmlns:a16="http://schemas.microsoft.com/office/drawing/2014/main" id="{44829A59-339D-4D06-B3BA-B2BA602C3B47}"/>
+                <a16:creationId xmlns:a16="http://schemas.microsoft.com/office/drawing/2014/main" id="{4E260B89-CDAB-4B52-B04B-6195097846B6}"/>
               </a:ext>
             </a:extLst>
           </p:cNvPr>
-          <p:cNvPicPr>
-            <a:picLocks noChangeAspect="1"/>
-          </p:cNvPicPr>
+          <p:cNvPicPr/>
           <p:nvPr/>
         </p:nvPicPr>
         <p:blipFill>
-          <a:blip r:embed="rId4"/>
+          <a:blip r:embed="rId4">
+            <a:extLst>
+              <a:ext uri="{28A0092B-C50C-407E-A947-70E740481C1C}">
+                <a14:useLocalDpi xmlns:a14="http://schemas.microsoft.com/office/drawing/2010/main" val="0"/>
+              </a:ext>
+            </a:extLst>
+          </a:blip>
+          <a:srcRect/>
           <a:stretch>
             <a:fillRect/>
           </a:stretch>
         </p:blipFill>
-        <p:spPr>
+        <p:spPr bwMode="auto">
           <a:xfrm>
-            <a:off x="3762226" y="1271588"/>
-            <a:ext cx="13573273" cy="8482012"/>
+            <a:off x="2990504" y="1480212"/>
+            <a:ext cx="13963996" cy="8120987"/>
           </a:xfrm>
           <a:prstGeom prst="rect">
             <a:avLst/>
           </a:prstGeom>
+          <a:noFill/>
+          <a:ln>
+            <a:noFill/>
+          </a:ln>
         </p:spPr>
       </p:pic>
     </p:spTree>
@@ -19617,7 +19222,7 @@
 </p:sld>
 </file>
 
-<file path=ppt/slides/slide14.xml><?xml version="1.0" encoding="utf-8"?>
+<file path=ppt/slides/slide13.xml><?xml version="1.0" encoding="utf-8"?>
 <p:sld xmlns:a="http://schemas.openxmlformats.org/drawingml/2006/main" xmlns:r="http://schemas.openxmlformats.org/officeDocument/2006/relationships" xmlns:p="http://schemas.openxmlformats.org/presentationml/2006/main">
   <p:cSld>
     <p:spTree>
@@ -19772,43 +19377,7 @@
                 <a:cs typeface="Times New Roman" panose="02020603050405020304" pitchFamily="18" charset="0"/>
                 <a:sym typeface="Helvetica Neue Light"/>
               </a:rPr>
-              <a:t>	</a:t>
-            </a:r>
-            <a:r>
-              <a:rPr lang="en-GB" sz="3200" err="1">
-                <a:solidFill>
-                  <a:srgbClr val="000000"/>
-                </a:solidFill>
-                <a:latin typeface="Times New Roman" panose="02020603050405020304" pitchFamily="18" charset="0"/>
-                <a:ea typeface="Helvetica Neue Light"/>
-                <a:cs typeface="Times New Roman" panose="02020603050405020304" pitchFamily="18" charset="0"/>
-                <a:sym typeface="Helvetica Neue Light"/>
-              </a:rPr>
-              <a:t>Đánh</a:t>
-            </a:r>
-            <a:r>
-              <a:rPr lang="en-GB" sz="3200">
-                <a:solidFill>
-                  <a:srgbClr val="000000"/>
-                </a:solidFill>
-                <a:latin typeface="Times New Roman" panose="02020603050405020304" pitchFamily="18" charset="0"/>
-                <a:ea typeface="Helvetica Neue Light"/>
-                <a:cs typeface="Times New Roman" panose="02020603050405020304" pitchFamily="18" charset="0"/>
-                <a:sym typeface="Helvetica Neue Light"/>
-              </a:rPr>
-              <a:t> </a:t>
-            </a:r>
-            <a:r>
-              <a:rPr lang="en-GB" sz="3200" err="1">
-                <a:solidFill>
-                  <a:srgbClr val="000000"/>
-                </a:solidFill>
-                <a:latin typeface="Times New Roman" panose="02020603050405020304" pitchFamily="18" charset="0"/>
-                <a:ea typeface="Helvetica Neue Light"/>
-                <a:cs typeface="Times New Roman" panose="02020603050405020304" pitchFamily="18" charset="0"/>
-                <a:sym typeface="Helvetica Neue Light"/>
-              </a:rPr>
-              <a:t>giá</a:t>
+              <a:t>Thanh toán</a:t>
             </a:r>
             <a:endParaRPr sz="3200" i="0" u="none" strike="noStrike" cap="none">
               <a:solidFill>
@@ -19824,10 +19393,10 @@
       </p:sp>
       <p:pic>
         <p:nvPicPr>
-          <p:cNvPr id="6" name="Picture 5">
+          <p:cNvPr id="7" name="Picture 6">
             <a:extLst>
               <a:ext uri="{FF2B5EF4-FFF2-40B4-BE49-F238E27FC236}">
-                <a16:creationId xmlns:a16="http://schemas.microsoft.com/office/drawing/2014/main" id="{141443A0-230B-4D8D-A7AB-AFD401E8F664}"/>
+                <a16:creationId xmlns:a16="http://schemas.microsoft.com/office/drawing/2014/main" id="{B3737FA0-987C-4DD7-8F88-AA87671FB85E}"/>
               </a:ext>
             </a:extLst>
           </p:cNvPr>
@@ -19849,8 +19418,8 @@
         </p:blipFill>
         <p:spPr bwMode="auto">
           <a:xfrm>
-            <a:off x="2986974" y="1869962"/>
-            <a:ext cx="13690887" cy="7526738"/>
+            <a:off x="2266122" y="1651000"/>
+            <a:ext cx="14688377" cy="8102600"/>
           </a:xfrm>
           <a:prstGeom prst="rect">
             <a:avLst/>
@@ -19864,7 +19433,7 @@
     </p:spTree>
     <p:extLst>
       <p:ext uri="{BB962C8B-B14F-4D97-AF65-F5344CB8AC3E}">
-        <p14:creationId xmlns:p14="http://schemas.microsoft.com/office/powerpoint/2010/main" val="3141650864"/>
+        <p14:creationId xmlns:p14="http://schemas.microsoft.com/office/powerpoint/2010/main" val="787992569"/>
       </p:ext>
     </p:extLst>
   </p:cSld>
@@ -19874,7 +19443,7 @@
 </p:sld>
 </file>
 
-<file path=ppt/slides/slide15.xml><?xml version="1.0" encoding="utf-8"?>
+<file path=ppt/slides/slide14.xml><?xml version="1.0" encoding="utf-8"?>
 <p:sld xmlns:a="http://schemas.openxmlformats.org/drawingml/2006/main" xmlns:r="http://schemas.openxmlformats.org/officeDocument/2006/relationships" xmlns:p="http://schemas.openxmlformats.org/presentationml/2006/main">
   <p:cSld>
     <p:spTree>
@@ -19934,7 +19503,7 @@
                 <a:cs typeface="Helvetica Neue Light"/>
                 <a:sym typeface="Helvetica Neue Light"/>
               </a:rPr>
-              <a:t>Sơ đồ quan hệ thực thể( ERD)</a:t>
+              <a:t>Sequence Diagram</a:t>
             </a:r>
             <a:endParaRPr lang="en-US" sz="4800">
               <a:solidFill>
@@ -20020,7 +19589,7 @@
               <a:buNone/>
             </a:pPr>
             <a:r>
-              <a:rPr lang="en-GB" sz="3200" i="0" u="none" strike="noStrike" cap="none">
+              <a:rPr lang="en-GB" sz="3200">
                 <a:solidFill>
                   <a:srgbClr val="000000"/>
                 </a:solidFill>
@@ -20029,10 +19598,10 @@
                 <a:cs typeface="Times New Roman" panose="02020603050405020304" pitchFamily="18" charset="0"/>
                 <a:sym typeface="Helvetica Neue Light"/>
               </a:rPr>
-              <a:t>	</a:t>
-            </a:r>
-            <a:r>
-              <a:rPr lang="en-GB" sz="4000" i="0" u="none" strike="noStrike" cap="none">
+              <a:t>Đánh </a:t>
+            </a:r>
+            <a:r>
+              <a:rPr lang="en-GB" sz="3200" err="1">
                 <a:solidFill>
                   <a:srgbClr val="000000"/>
                 </a:solidFill>
@@ -20041,27 +19610,9 @@
                 <a:cs typeface="Times New Roman" panose="02020603050405020304" pitchFamily="18" charset="0"/>
                 <a:sym typeface="Helvetica Neue Light"/>
               </a:rPr>
-              <a:t>Bản vẽ thiết kế</a:t>
-            </a:r>
-          </a:p>
-          <a:p>
-            <a:pPr marL="25400" marR="0" lvl="0" indent="0" algn="l" rtl="0">
-              <a:lnSpc>
-                <a:spcPct val="100000"/>
-              </a:lnSpc>
-              <a:spcBef>
-                <a:spcPts val="0"/>
-              </a:spcBef>
-              <a:spcAft>
-                <a:spcPts val="0"/>
-              </a:spcAft>
-              <a:buClr>
-                <a:srgbClr val="000000"/>
-              </a:buClr>
-              <a:buSzPts val="3200"/>
-              <a:buNone/>
-            </a:pPr>
-            <a:endParaRPr sz="4000" i="0" u="none" strike="noStrike" cap="none">
+              <a:t>giá</a:t>
+            </a:r>
+            <a:endParaRPr sz="3200" i="0" u="none" strike="noStrike" cap="none">
               <a:solidFill>
                 <a:srgbClr val="000000"/>
               </a:solidFill>
@@ -20075,38 +19626,47 @@
       </p:sp>
       <p:pic>
         <p:nvPicPr>
-          <p:cNvPr id="3" name="Picture 2">
+          <p:cNvPr id="7" name="Picture 6">
             <a:extLst>
               <a:ext uri="{FF2B5EF4-FFF2-40B4-BE49-F238E27FC236}">
-                <a16:creationId xmlns:a16="http://schemas.microsoft.com/office/drawing/2014/main" id="{5192A8DE-31B9-433D-A536-DC59094DC1C7}"/>
+                <a16:creationId xmlns:a16="http://schemas.microsoft.com/office/drawing/2014/main" id="{36595D7C-FB78-42C2-A575-347FA2DFD94B}"/>
               </a:ext>
             </a:extLst>
           </p:cNvPr>
-          <p:cNvPicPr>
-            <a:picLocks noChangeAspect="1"/>
-          </p:cNvPicPr>
+          <p:cNvPicPr/>
           <p:nvPr/>
         </p:nvPicPr>
         <p:blipFill>
-          <a:blip r:embed="rId4"/>
+          <a:blip r:embed="rId4">
+            <a:extLst>
+              <a:ext uri="{28A0092B-C50C-407E-A947-70E740481C1C}">
+                <a14:useLocalDpi xmlns:a14="http://schemas.microsoft.com/office/drawing/2010/main" val="0"/>
+              </a:ext>
+            </a:extLst>
+          </a:blip>
+          <a:srcRect/>
           <a:stretch>
             <a:fillRect/>
           </a:stretch>
         </p:blipFill>
-        <p:spPr>
+        <p:spPr bwMode="auto">
           <a:xfrm>
-            <a:off x="0" y="2343150"/>
-            <a:ext cx="17335500" cy="7410450"/>
+            <a:off x="1967948" y="1271588"/>
+            <a:ext cx="14986552" cy="8482012"/>
           </a:xfrm>
           <a:prstGeom prst="rect">
             <a:avLst/>
           </a:prstGeom>
+          <a:noFill/>
+          <a:ln>
+            <a:noFill/>
+          </a:ln>
         </p:spPr>
       </p:pic>
     </p:spTree>
     <p:extLst>
       <p:ext uri="{BB962C8B-B14F-4D97-AF65-F5344CB8AC3E}">
-        <p14:creationId xmlns:p14="http://schemas.microsoft.com/office/powerpoint/2010/main" val="3540900304"/>
+        <p14:creationId xmlns:p14="http://schemas.microsoft.com/office/powerpoint/2010/main" val="3141650864"/>
       </p:ext>
     </p:extLst>
   </p:cSld>
@@ -20116,7 +19676,7 @@
 </p:sld>
 </file>
 
-<file path=ppt/slides/slide16.xml><?xml version="1.0" encoding="utf-8"?>
+<file path=ppt/slides/slide15.xml><?xml version="1.0" encoding="utf-8"?>
 <p:sld xmlns:a="http://schemas.openxmlformats.org/drawingml/2006/main" xmlns:r="http://schemas.openxmlformats.org/officeDocument/2006/relationships" xmlns:p="http://schemas.openxmlformats.org/presentationml/2006/main">
   <p:cSld>
     <p:spTree>
@@ -20344,7 +19904,7 @@
 </p:sld>
 </file>
 
-<file path=ppt/slides/slide17.xml><?xml version="1.0" encoding="utf-8"?>
+<file path=ppt/slides/slide16.xml><?xml version="1.0" encoding="utf-8"?>
 <p:sld xmlns:a="http://schemas.openxmlformats.org/drawingml/2006/main" xmlns:r="http://schemas.openxmlformats.org/officeDocument/2006/relationships" xmlns:p="http://schemas.openxmlformats.org/presentationml/2006/main">
   <p:cSld>
     <p:spTree>
@@ -20511,7 +20071,7 @@
               <a:buNone/>
             </a:pPr>
             <a:r>
-              <a:rPr lang="en-GB" sz="4800" i="0" u="none" strike="noStrike" cap="none">
+              <a:rPr lang="en-GB" sz="3600" i="0" u="none" strike="noStrike" cap="none">
                 <a:solidFill>
                   <a:srgbClr val="000000"/>
                 </a:solidFill>
@@ -20520,7 +20080,7 @@
                 <a:cs typeface="Times New Roman" panose="02020603050405020304" pitchFamily="18" charset="0"/>
                 <a:sym typeface="Helvetica Neue Light"/>
               </a:rPr>
-              <a:t>	Mô hình 3 tầng</a:t>
+              <a:t>Mô hình 3 tầng</a:t>
             </a:r>
           </a:p>
           <a:p>
@@ -20540,7 +20100,7 @@
               <a:buSzPts val="3200"/>
               <a:buNone/>
             </a:pPr>
-            <a:endParaRPr lang="vi-VN" sz="4800" i="0" u="none" strike="noStrike" cap="none">
+            <a:endParaRPr lang="vi-VN" sz="3600" i="0" u="none" strike="noStrike" cap="none">
               <a:solidFill>
                 <a:srgbClr val="000000"/>
               </a:solidFill>
@@ -20554,10 +20114,10 @@
       </p:sp>
       <p:pic>
         <p:nvPicPr>
-          <p:cNvPr id="6" name="Picture 5">
+          <p:cNvPr id="7" name="Picture 6">
             <a:extLst>
               <a:ext uri="{FF2B5EF4-FFF2-40B4-BE49-F238E27FC236}">
-                <a16:creationId xmlns:a16="http://schemas.microsoft.com/office/drawing/2014/main" id="{FCF83695-1928-461A-8667-C34CA8CD9F41}"/>
+                <a16:creationId xmlns:a16="http://schemas.microsoft.com/office/drawing/2014/main" id="{C6CA2629-CFEF-47F1-B76E-CF671D13D9A4}"/>
               </a:ext>
             </a:extLst>
           </p:cNvPr>
@@ -20565,25 +20125,30 @@
           <p:nvPr/>
         </p:nvPicPr>
         <p:blipFill>
-          <a:blip r:embed="rId4">
+          <a:blip r:embed="rId4" cstate="print">
             <a:extLst>
               <a:ext uri="{28A0092B-C50C-407E-A947-70E740481C1C}">
                 <a14:useLocalDpi xmlns:a14="http://schemas.microsoft.com/office/drawing/2010/main" val="0"/>
               </a:ext>
             </a:extLst>
           </a:blip>
+          <a:srcRect/>
           <a:stretch>
             <a:fillRect/>
           </a:stretch>
         </p:blipFill>
-        <p:spPr>
+        <p:spPr bwMode="auto">
           <a:xfrm>
-            <a:off x="381000" y="2525062"/>
-            <a:ext cx="16573500" cy="7056260"/>
+            <a:off x="381000" y="2359839"/>
+            <a:ext cx="16573500" cy="7201604"/>
           </a:xfrm>
           <a:prstGeom prst="rect">
             <a:avLst/>
           </a:prstGeom>
+          <a:noFill/>
+          <a:ln>
+            <a:noFill/>
+          </a:ln>
         </p:spPr>
       </p:pic>
     </p:spTree>
@@ -20599,7 +20164,7 @@
 </p:sld>
 </file>
 
-<file path=ppt/slides/slide18.xml><?xml version="1.0" encoding="utf-8"?>
+<file path=ppt/slides/slide17.xml><?xml version="1.0" encoding="utf-8"?>
 <p:sld xmlns:a="http://schemas.openxmlformats.org/drawingml/2006/main" xmlns:r="http://schemas.openxmlformats.org/officeDocument/2006/relationships" xmlns:p="http://schemas.openxmlformats.org/presentationml/2006/main">
   <p:cSld>
     <p:spTree>
@@ -21344,7 +20909,7 @@
 </p:sld>
 </file>
 
-<file path=ppt/slides/slide19.xml><?xml version="1.0" encoding="utf-8"?>
+<file path=ppt/slides/slide18.xml><?xml version="1.0" encoding="utf-8"?>
 <p:sld xmlns:a="http://schemas.openxmlformats.org/drawingml/2006/main" xmlns:r="http://schemas.openxmlformats.org/officeDocument/2006/relationships" xmlns:p="http://schemas.openxmlformats.org/presentationml/2006/main">
   <p:cSld>
     <p:spTree>
@@ -22089,605 +21654,7 @@
 </p:sld>
 </file>
 
-<file path=ppt/slides/slide2.xml><?xml version="1.0" encoding="utf-8"?>
-<p:sld xmlns:a="http://schemas.openxmlformats.org/drawingml/2006/main" xmlns:r="http://schemas.openxmlformats.org/officeDocument/2006/relationships" xmlns:p="http://schemas.openxmlformats.org/presentationml/2006/main">
-  <p:cSld>
-    <p:spTree>
-      <p:nvGrpSpPr>
-        <p:cNvPr id="1" name="Shape 77"/>
-        <p:cNvGrpSpPr/>
-        <p:nvPr/>
-      </p:nvGrpSpPr>
-      <p:grpSpPr>
-        <a:xfrm>
-          <a:off x="0" y="0"/>
-          <a:ext cx="0" cy="0"/>
-          <a:chOff x="0" y="0"/>
-          <a:chExt cx="0" cy="0"/>
-        </a:xfrm>
-      </p:grpSpPr>
-      <p:pic>
-        <p:nvPicPr>
-          <p:cNvPr id="78" name="Shape 78" descr="Group"/>
-          <p:cNvPicPr preferRelativeResize="0"/>
-          <p:nvPr/>
-        </p:nvPicPr>
-        <p:blipFill rotWithShape="1">
-          <a:blip r:embed="rId3">
-            <a:alphaModFix/>
-          </a:blip>
-          <a:srcRect/>
-          <a:stretch/>
-        </p:blipFill>
-        <p:spPr>
-          <a:xfrm>
-            <a:off x="0" y="5205"/>
-            <a:ext cx="17340264" cy="9742190"/>
-          </a:xfrm>
-          <a:prstGeom prst="rect">
-            <a:avLst/>
-          </a:prstGeom>
-          <a:noFill/>
-          <a:ln>
-            <a:noFill/>
-          </a:ln>
-        </p:spPr>
-      </p:pic>
-      <p:sp>
-        <p:nvSpPr>
-          <p:cNvPr id="9" name="TextBox 8">
-            <a:extLst>
-              <a:ext uri="{FF2B5EF4-FFF2-40B4-BE49-F238E27FC236}">
-                <a16:creationId xmlns:a16="http://schemas.microsoft.com/office/drawing/2014/main" id="{CF5FEDA2-A5A8-4A6B-AFE6-DE9199AD8B56}"/>
-              </a:ext>
-            </a:extLst>
-          </p:cNvPr>
-          <p:cNvSpPr txBox="1"/>
-          <p:nvPr/>
-        </p:nvSpPr>
-        <p:spPr>
-          <a:xfrm>
-            <a:off x="5884986" y="1524001"/>
-            <a:ext cx="5580184" cy="1631216"/>
-          </a:xfrm>
-          <a:prstGeom prst="rect">
-            <a:avLst/>
-          </a:prstGeom>
-          <a:noFill/>
-        </p:spPr>
-        <p:txBody>
-          <a:bodyPr wrap="square" rtlCol="0">
-            <a:spAutoFit/>
-          </a:bodyPr>
-          <a:lstStyle/>
-          <a:p>
-            <a:r>
-              <a:rPr lang="en-GB" sz="6000" b="1" i="1" err="1">
-                <a:solidFill>
-                  <a:schemeClr val="bg2">
-                    <a:lumMod val="20000"/>
-                    <a:lumOff val="80000"/>
-                  </a:schemeClr>
-                </a:solidFill>
-              </a:rPr>
-              <a:t>Báo</a:t>
-            </a:r>
-            <a:r>
-              <a:rPr lang="en-GB" sz="6000" b="1" i="1">
-                <a:solidFill>
-                  <a:schemeClr val="bg2">
-                    <a:lumMod val="20000"/>
-                    <a:lumOff val="80000"/>
-                  </a:schemeClr>
-                </a:solidFill>
-              </a:rPr>
-              <a:t> </a:t>
-            </a:r>
-            <a:r>
-              <a:rPr lang="en-GB" sz="6000" b="1" i="1" err="1">
-                <a:solidFill>
-                  <a:schemeClr val="bg2">
-                    <a:lumMod val="20000"/>
-                    <a:lumOff val="80000"/>
-                  </a:schemeClr>
-                </a:solidFill>
-              </a:rPr>
-              <a:t>cáo</a:t>
-            </a:r>
-            <a:r>
-              <a:rPr lang="en-GB" sz="6000" b="1" i="1">
-                <a:solidFill>
-                  <a:schemeClr val="bg2">
-                    <a:lumMod val="20000"/>
-                    <a:lumOff val="80000"/>
-                  </a:schemeClr>
-                </a:solidFill>
-              </a:rPr>
-              <a:t> </a:t>
-            </a:r>
-            <a:r>
-              <a:rPr lang="en-GB" sz="6000" b="1" i="1" err="1">
-                <a:solidFill>
-                  <a:schemeClr val="bg2">
-                    <a:lumMod val="20000"/>
-                    <a:lumOff val="80000"/>
-                  </a:schemeClr>
-                </a:solidFill>
-              </a:rPr>
-              <a:t>dự</a:t>
-            </a:r>
-            <a:r>
-              <a:rPr lang="en-GB" sz="6000" b="1" i="1">
-                <a:solidFill>
-                  <a:schemeClr val="bg2">
-                    <a:lumMod val="20000"/>
-                    <a:lumOff val="80000"/>
-                  </a:schemeClr>
-                </a:solidFill>
-              </a:rPr>
-              <a:t> </a:t>
-            </a:r>
-            <a:r>
-              <a:rPr lang="en-GB" sz="6000" b="1" i="1" err="1">
-                <a:solidFill>
-                  <a:schemeClr val="bg2">
-                    <a:lumMod val="20000"/>
-                    <a:lumOff val="80000"/>
-                  </a:schemeClr>
-                </a:solidFill>
-              </a:rPr>
-              <a:t>án</a:t>
-            </a:r>
-            <a:endParaRPr lang="en-GB" sz="6000" b="1" i="1">
-              <a:solidFill>
-                <a:schemeClr val="bg2">
-                  <a:lumMod val="20000"/>
-                  <a:lumOff val="80000"/>
-                </a:schemeClr>
-              </a:solidFill>
-            </a:endParaRPr>
-          </a:p>
-          <a:p>
-            <a:r>
-              <a:rPr lang="en-GB" sz="4000" b="1" i="1">
-                <a:solidFill>
-                  <a:schemeClr val="bg2">
-                    <a:lumMod val="20000"/>
-                    <a:lumOff val="80000"/>
-                  </a:schemeClr>
-                </a:solidFill>
-              </a:rPr>
-              <a:t>         </a:t>
-            </a:r>
-            <a:r>
-              <a:rPr lang="en-GB" sz="4000" b="1" i="1" err="1">
-                <a:solidFill>
-                  <a:schemeClr val="bg2">
-                    <a:lumMod val="20000"/>
-                    <a:lumOff val="80000"/>
-                  </a:schemeClr>
-                </a:solidFill>
-              </a:rPr>
-              <a:t>Ebook</a:t>
-            </a:r>
-            <a:r>
-              <a:rPr lang="en-GB" sz="4000" b="1" i="1">
-                <a:solidFill>
-                  <a:schemeClr val="bg2">
-                    <a:lumMod val="20000"/>
-                    <a:lumOff val="80000"/>
-                  </a:schemeClr>
-                </a:solidFill>
-              </a:rPr>
-              <a:t> Store</a:t>
-            </a:r>
-            <a:endParaRPr lang="en-US" sz="4000" b="1" i="1">
-              <a:solidFill>
-                <a:schemeClr val="bg2">
-                  <a:lumMod val="20000"/>
-                  <a:lumOff val="80000"/>
-                </a:schemeClr>
-              </a:solidFill>
-            </a:endParaRPr>
-          </a:p>
-        </p:txBody>
-      </p:sp>
-      <p:sp>
-        <p:nvSpPr>
-          <p:cNvPr id="10" name="TextBox 9">
-            <a:extLst>
-              <a:ext uri="{FF2B5EF4-FFF2-40B4-BE49-F238E27FC236}">
-                <a16:creationId xmlns:a16="http://schemas.microsoft.com/office/drawing/2014/main" id="{0731BBF1-2C5E-43DE-9C20-5419BFFA3A0D}"/>
-              </a:ext>
-            </a:extLst>
-          </p:cNvPr>
-          <p:cNvSpPr txBox="1"/>
-          <p:nvPr/>
-        </p:nvSpPr>
-        <p:spPr>
-          <a:xfrm>
-            <a:off x="1125416" y="4501662"/>
-            <a:ext cx="15310338" cy="3046988"/>
-          </a:xfrm>
-          <a:prstGeom prst="rect">
-            <a:avLst/>
-          </a:prstGeom>
-          <a:noFill/>
-        </p:spPr>
-        <p:txBody>
-          <a:bodyPr wrap="square" rtlCol="0">
-            <a:spAutoFit/>
-          </a:bodyPr>
-          <a:lstStyle/>
-          <a:p>
-            <a:r>
-              <a:rPr lang="en-GB" sz="3200" err="1">
-                <a:solidFill>
-                  <a:schemeClr val="bg2">
-                    <a:lumMod val="20000"/>
-                    <a:lumOff val="80000"/>
-                  </a:schemeClr>
-                </a:solidFill>
-              </a:rPr>
-              <a:t>Học</a:t>
-            </a:r>
-            <a:r>
-              <a:rPr lang="en-GB" sz="3200">
-                <a:solidFill>
-                  <a:schemeClr val="bg2">
-                    <a:lumMod val="20000"/>
-                    <a:lumOff val="80000"/>
-                  </a:schemeClr>
-                </a:solidFill>
-              </a:rPr>
-              <a:t> </a:t>
-            </a:r>
-            <a:r>
-              <a:rPr lang="en-GB" sz="3200" err="1">
-                <a:solidFill>
-                  <a:schemeClr val="bg2">
-                    <a:lumMod val="20000"/>
-                    <a:lumOff val="80000"/>
-                  </a:schemeClr>
-                </a:solidFill>
-              </a:rPr>
-              <a:t>kì</a:t>
-            </a:r>
-            <a:r>
-              <a:rPr lang="en-GB" sz="3200">
-                <a:solidFill>
-                  <a:schemeClr val="bg2">
-                    <a:lumMod val="20000"/>
-                    <a:lumOff val="80000"/>
-                  </a:schemeClr>
-                </a:solidFill>
-              </a:rPr>
-              <a:t>:                                    1</a:t>
-            </a:r>
-          </a:p>
-          <a:p>
-            <a:r>
-              <a:rPr lang="en-GB" sz="3200" err="1">
-                <a:solidFill>
-                  <a:schemeClr val="bg2">
-                    <a:lumMod val="20000"/>
-                    <a:lumOff val="80000"/>
-                  </a:schemeClr>
-                </a:solidFill>
-              </a:rPr>
-              <a:t>Lớp</a:t>
-            </a:r>
-            <a:r>
-              <a:rPr lang="en-GB" sz="3200">
-                <a:solidFill>
-                  <a:schemeClr val="bg2">
-                    <a:lumMod val="20000"/>
-                    <a:lumOff val="80000"/>
-                  </a:schemeClr>
-                </a:solidFill>
-              </a:rPr>
-              <a:t>:                                        PF03</a:t>
-            </a:r>
-          </a:p>
-          <a:p>
-            <a:r>
-              <a:rPr lang="en-GB" sz="3200" err="1">
-                <a:solidFill>
-                  <a:schemeClr val="bg2">
-                    <a:lumMod val="20000"/>
-                    <a:lumOff val="80000"/>
-                  </a:schemeClr>
-                </a:solidFill>
-              </a:rPr>
-              <a:t>Nhóm</a:t>
-            </a:r>
-            <a:r>
-              <a:rPr lang="en-GB" sz="3200">
-                <a:solidFill>
-                  <a:schemeClr val="bg2">
-                    <a:lumMod val="20000"/>
-                    <a:lumOff val="80000"/>
-                  </a:schemeClr>
-                </a:solidFill>
-              </a:rPr>
-              <a:t>:                                    G02</a:t>
-            </a:r>
-          </a:p>
-          <a:p>
-            <a:r>
-              <a:rPr lang="en-GB" sz="3200" err="1">
-                <a:solidFill>
-                  <a:schemeClr val="bg2">
-                    <a:lumMod val="20000"/>
-                    <a:lumOff val="80000"/>
-                  </a:schemeClr>
-                </a:solidFill>
-              </a:rPr>
-              <a:t>Giảng</a:t>
-            </a:r>
-            <a:r>
-              <a:rPr lang="en-GB" sz="3200">
-                <a:solidFill>
-                  <a:schemeClr val="bg2">
-                    <a:lumMod val="20000"/>
-                    <a:lumOff val="80000"/>
-                  </a:schemeClr>
-                </a:solidFill>
-              </a:rPr>
-              <a:t> </a:t>
-            </a:r>
-            <a:r>
-              <a:rPr lang="en-GB" sz="3200" err="1">
-                <a:solidFill>
-                  <a:schemeClr val="bg2">
-                    <a:lumMod val="20000"/>
-                    <a:lumOff val="80000"/>
-                  </a:schemeClr>
-                </a:solidFill>
-              </a:rPr>
-              <a:t>viên</a:t>
-            </a:r>
-            <a:r>
-              <a:rPr lang="en-GB" sz="3200">
-                <a:solidFill>
-                  <a:schemeClr val="bg2">
-                    <a:lumMod val="20000"/>
-                    <a:lumOff val="80000"/>
-                  </a:schemeClr>
-                </a:solidFill>
-              </a:rPr>
-              <a:t> h</a:t>
-            </a:r>
-            <a:r>
-              <a:rPr lang="vi-VN" sz="3200">
-                <a:solidFill>
-                  <a:schemeClr val="bg2">
-                    <a:lumMod val="20000"/>
-                    <a:lumOff val="80000"/>
-                  </a:schemeClr>
-                </a:solidFill>
-              </a:rPr>
-              <a:t>ư</a:t>
-            </a:r>
-            <a:r>
-              <a:rPr lang="en-GB" sz="3200" err="1">
-                <a:solidFill>
-                  <a:schemeClr val="bg2">
-                    <a:lumMod val="20000"/>
-                    <a:lumOff val="80000"/>
-                  </a:schemeClr>
-                </a:solidFill>
-              </a:rPr>
-              <a:t>ớng</a:t>
-            </a:r>
-            <a:r>
-              <a:rPr lang="en-GB" sz="3200">
-                <a:solidFill>
-                  <a:schemeClr val="bg2">
-                    <a:lumMod val="20000"/>
-                    <a:lumOff val="80000"/>
-                  </a:schemeClr>
-                </a:solidFill>
-              </a:rPr>
-              <a:t> </a:t>
-            </a:r>
-            <a:r>
-              <a:rPr lang="en-GB" sz="3200" err="1">
-                <a:solidFill>
-                  <a:schemeClr val="bg2">
-                    <a:lumMod val="20000"/>
-                    <a:lumOff val="80000"/>
-                  </a:schemeClr>
-                </a:solidFill>
-              </a:rPr>
-              <a:t>dẫn</a:t>
-            </a:r>
-            <a:r>
-              <a:rPr lang="en-GB" sz="3200">
-                <a:solidFill>
-                  <a:schemeClr val="bg2">
-                    <a:lumMod val="20000"/>
-                    <a:lumOff val="80000"/>
-                  </a:schemeClr>
-                </a:solidFill>
-              </a:rPr>
-              <a:t>:          </a:t>
-            </a:r>
-            <a:r>
-              <a:rPr lang="en-GB" sz="3200" err="1">
-                <a:solidFill>
-                  <a:schemeClr val="bg2">
-                    <a:lumMod val="20000"/>
-                    <a:lumOff val="80000"/>
-                  </a:schemeClr>
-                </a:solidFill>
-              </a:rPr>
-              <a:t>Đào</a:t>
-            </a:r>
-            <a:r>
-              <a:rPr lang="en-GB" sz="3200">
-                <a:solidFill>
-                  <a:schemeClr val="bg2">
-                    <a:lumMod val="20000"/>
-                    <a:lumOff val="80000"/>
-                  </a:schemeClr>
-                </a:solidFill>
-              </a:rPr>
-              <a:t> </a:t>
-            </a:r>
-            <a:r>
-              <a:rPr lang="en-GB" sz="3200" err="1">
-                <a:solidFill>
-                  <a:schemeClr val="bg2">
-                    <a:lumMod val="20000"/>
-                    <a:lumOff val="80000"/>
-                  </a:schemeClr>
-                </a:solidFill>
-              </a:rPr>
-              <a:t>Văn</a:t>
-            </a:r>
-            <a:r>
-              <a:rPr lang="en-GB" sz="3200">
-                <a:solidFill>
-                  <a:schemeClr val="bg2">
-                    <a:lumMod val="20000"/>
-                    <a:lumOff val="80000"/>
-                  </a:schemeClr>
-                </a:solidFill>
-              </a:rPr>
-              <a:t> </a:t>
-            </a:r>
-            <a:r>
-              <a:rPr lang="en-GB" sz="3200" err="1">
-                <a:solidFill>
-                  <a:schemeClr val="bg2">
-                    <a:lumMod val="20000"/>
-                    <a:lumOff val="80000"/>
-                  </a:schemeClr>
-                </a:solidFill>
-              </a:rPr>
-              <a:t>Đức</a:t>
-            </a:r>
-            <a:endParaRPr lang="en-GB" sz="3200">
-              <a:solidFill>
-                <a:schemeClr val="bg2">
-                  <a:lumMod val="20000"/>
-                  <a:lumOff val="80000"/>
-                </a:schemeClr>
-              </a:solidFill>
-            </a:endParaRPr>
-          </a:p>
-          <a:p>
-            <a:r>
-              <a:rPr lang="en-GB" sz="3200" err="1">
-                <a:solidFill>
-                  <a:schemeClr val="bg2">
-                    <a:lumMod val="20000"/>
-                    <a:lumOff val="80000"/>
-                  </a:schemeClr>
-                </a:solidFill>
-              </a:rPr>
-              <a:t>Thành</a:t>
-            </a:r>
-            <a:r>
-              <a:rPr lang="en-GB" sz="3200">
-                <a:solidFill>
-                  <a:schemeClr val="bg2">
-                    <a:lumMod val="20000"/>
-                    <a:lumOff val="80000"/>
-                  </a:schemeClr>
-                </a:solidFill>
-              </a:rPr>
-              <a:t> </a:t>
-            </a:r>
-            <a:r>
-              <a:rPr lang="en-GB" sz="3200" err="1">
-                <a:solidFill>
-                  <a:schemeClr val="bg2">
-                    <a:lumMod val="20000"/>
-                    <a:lumOff val="80000"/>
-                  </a:schemeClr>
-                </a:solidFill>
-              </a:rPr>
-              <a:t>viên</a:t>
-            </a:r>
-            <a:r>
-              <a:rPr lang="en-GB" sz="3200">
-                <a:solidFill>
-                  <a:schemeClr val="bg2">
-                    <a:lumMod val="20000"/>
-                    <a:lumOff val="80000"/>
-                  </a:schemeClr>
-                </a:solidFill>
-              </a:rPr>
-              <a:t>:                            NDE18030 - Nguyễn Thanh Tùng</a:t>
-            </a:r>
-          </a:p>
-          <a:p>
-            <a:r>
-              <a:rPr lang="en-GB" sz="3200">
-                <a:solidFill>
-                  <a:schemeClr val="bg2">
-                    <a:lumMod val="20000"/>
-                    <a:lumOff val="80000"/>
-                  </a:schemeClr>
-                </a:solidFill>
-              </a:rPr>
-              <a:t>                                               NDE18074 - Nguyễn </a:t>
-            </a:r>
-            <a:r>
-              <a:rPr lang="en-GB" sz="3200" err="1">
-                <a:solidFill>
-                  <a:schemeClr val="bg2">
-                    <a:lumMod val="20000"/>
-                    <a:lumOff val="80000"/>
-                  </a:schemeClr>
-                </a:solidFill>
-              </a:rPr>
-              <a:t>Trung</a:t>
-            </a:r>
-            <a:r>
-              <a:rPr lang="en-GB" sz="3200">
-                <a:solidFill>
-                  <a:schemeClr val="bg2">
-                    <a:lumMod val="20000"/>
-                    <a:lumOff val="80000"/>
-                  </a:schemeClr>
-                </a:solidFill>
-              </a:rPr>
-              <a:t> </a:t>
-            </a:r>
-            <a:r>
-              <a:rPr lang="en-GB" sz="3200" err="1">
-                <a:solidFill>
-                  <a:schemeClr val="bg2">
-                    <a:lumMod val="20000"/>
-                    <a:lumOff val="80000"/>
-                  </a:schemeClr>
-                </a:solidFill>
-              </a:rPr>
-              <a:t>Thăng</a:t>
-            </a:r>
-            <a:endParaRPr lang="en-US" sz="3200">
-              <a:solidFill>
-                <a:schemeClr val="bg2">
-                  <a:lumMod val="20000"/>
-                  <a:lumOff val="80000"/>
-                </a:schemeClr>
-              </a:solidFill>
-            </a:endParaRPr>
-          </a:p>
-        </p:txBody>
-      </p:sp>
-    </p:spTree>
-  </p:cSld>
-  <p:clrMapOvr>
-    <a:masterClrMapping/>
-  </p:clrMapOvr>
-</p:sld>
-</file>
-
-<file path=ppt/slides/slide20.xml><?xml version="1.0" encoding="utf-8"?>
+<file path=ppt/slides/slide19.xml><?xml version="1.0" encoding="utf-8"?>
 <p:sld xmlns:a="http://schemas.openxmlformats.org/drawingml/2006/main" xmlns:r="http://schemas.openxmlformats.org/officeDocument/2006/relationships" xmlns:p="http://schemas.openxmlformats.org/presentationml/2006/main">
   <p:cSld>
     <p:spTree>
@@ -22910,7 +21877,545 @@
 </p:sld>
 </file>
 
-<file path=ppt/slides/slide21.xml><?xml version="1.0" encoding="utf-8"?>
+<file path=ppt/slides/slide2.xml><?xml version="1.0" encoding="utf-8"?>
+<p:sld xmlns:a="http://schemas.openxmlformats.org/drawingml/2006/main" xmlns:r="http://schemas.openxmlformats.org/officeDocument/2006/relationships" xmlns:p="http://schemas.openxmlformats.org/presentationml/2006/main">
+  <p:cSld>
+    <p:spTree>
+      <p:nvGrpSpPr>
+        <p:cNvPr id="1" name="Shape 77"/>
+        <p:cNvGrpSpPr/>
+        <p:nvPr/>
+      </p:nvGrpSpPr>
+      <p:grpSpPr>
+        <a:xfrm>
+          <a:off x="0" y="0"/>
+          <a:ext cx="0" cy="0"/>
+          <a:chOff x="0" y="0"/>
+          <a:chExt cx="0" cy="0"/>
+        </a:xfrm>
+      </p:grpSpPr>
+      <p:pic>
+        <p:nvPicPr>
+          <p:cNvPr id="78" name="Shape 78" descr="Group"/>
+          <p:cNvPicPr preferRelativeResize="0"/>
+          <p:nvPr/>
+        </p:nvPicPr>
+        <p:blipFill rotWithShape="1">
+          <a:blip r:embed="rId3">
+            <a:alphaModFix/>
+          </a:blip>
+          <a:srcRect/>
+          <a:stretch/>
+        </p:blipFill>
+        <p:spPr>
+          <a:xfrm>
+            <a:off x="0" y="5205"/>
+            <a:ext cx="17340264" cy="9742190"/>
+          </a:xfrm>
+          <a:prstGeom prst="rect">
+            <a:avLst/>
+          </a:prstGeom>
+          <a:noFill/>
+          <a:ln>
+            <a:noFill/>
+          </a:ln>
+        </p:spPr>
+      </p:pic>
+      <p:sp>
+        <p:nvSpPr>
+          <p:cNvPr id="9" name="TextBox 8">
+            <a:extLst>
+              <a:ext uri="{FF2B5EF4-FFF2-40B4-BE49-F238E27FC236}">
+                <a16:creationId xmlns:a16="http://schemas.microsoft.com/office/drawing/2014/main" id="{CF5FEDA2-A5A8-4A6B-AFE6-DE9199AD8B56}"/>
+              </a:ext>
+            </a:extLst>
+          </p:cNvPr>
+          <p:cNvSpPr txBox="1"/>
+          <p:nvPr/>
+        </p:nvSpPr>
+        <p:spPr>
+          <a:xfrm>
+            <a:off x="5239260" y="1487309"/>
+            <a:ext cx="6856979" cy="1631216"/>
+          </a:xfrm>
+          <a:prstGeom prst="rect">
+            <a:avLst/>
+          </a:prstGeom>
+          <a:noFill/>
+        </p:spPr>
+        <p:txBody>
+          <a:bodyPr wrap="square" rtlCol="0">
+            <a:spAutoFit/>
+          </a:bodyPr>
+          <a:lstStyle/>
+          <a:p>
+            <a:pPr algn="ctr"/>
+            <a:r>
+              <a:rPr lang="en-GB" sz="6000" b="1">
+                <a:solidFill>
+                  <a:schemeClr val="bg2">
+                    <a:lumMod val="20000"/>
+                    <a:lumOff val="80000"/>
+                  </a:schemeClr>
+                </a:solidFill>
+                <a:latin typeface="Helvetica Neue Light" panose="020B0604020202020204" charset="0"/>
+              </a:rPr>
+              <a:t>Báo Cáo Dự Án</a:t>
+            </a:r>
+          </a:p>
+          <a:p>
+            <a:pPr algn="ctr"/>
+            <a:r>
+              <a:rPr lang="en-GB" sz="4000" b="1">
+                <a:solidFill>
+                  <a:schemeClr val="bg2">
+                    <a:lumMod val="20000"/>
+                    <a:lumOff val="80000"/>
+                  </a:schemeClr>
+                </a:solidFill>
+                <a:latin typeface="Helvetica Neue Light" panose="020B0604020202020204" charset="0"/>
+              </a:rPr>
+              <a:t>Ebook Store</a:t>
+            </a:r>
+            <a:endParaRPr lang="en-US" sz="4000" b="1">
+              <a:solidFill>
+                <a:schemeClr val="bg2">
+                  <a:lumMod val="20000"/>
+                  <a:lumOff val="80000"/>
+                </a:schemeClr>
+              </a:solidFill>
+              <a:latin typeface="Helvetica Neue Light" panose="020B0604020202020204" charset="0"/>
+            </a:endParaRPr>
+          </a:p>
+        </p:txBody>
+      </p:sp>
+      <p:sp>
+        <p:nvSpPr>
+          <p:cNvPr id="10" name="TextBox 9">
+            <a:extLst>
+              <a:ext uri="{FF2B5EF4-FFF2-40B4-BE49-F238E27FC236}">
+                <a16:creationId xmlns:a16="http://schemas.microsoft.com/office/drawing/2014/main" id="{0731BBF1-2C5E-43DE-9C20-5419BFFA3A0D}"/>
+              </a:ext>
+            </a:extLst>
+          </p:cNvPr>
+          <p:cNvSpPr txBox="1"/>
+          <p:nvPr/>
+        </p:nvSpPr>
+        <p:spPr>
+          <a:xfrm>
+            <a:off x="1125416" y="4501662"/>
+            <a:ext cx="15310338" cy="3046988"/>
+          </a:xfrm>
+          <a:prstGeom prst="rect">
+            <a:avLst/>
+          </a:prstGeom>
+          <a:noFill/>
+        </p:spPr>
+        <p:txBody>
+          <a:bodyPr wrap="square" rtlCol="0">
+            <a:spAutoFit/>
+          </a:bodyPr>
+          <a:lstStyle/>
+          <a:p>
+            <a:r>
+              <a:rPr lang="en-GB" sz="3200" err="1">
+                <a:solidFill>
+                  <a:schemeClr val="bg2">
+                    <a:lumMod val="20000"/>
+                    <a:lumOff val="80000"/>
+                  </a:schemeClr>
+                </a:solidFill>
+                <a:latin typeface="Helvetica Neue Light" panose="020B0604020202020204" charset="0"/>
+              </a:rPr>
+              <a:t>Học</a:t>
+            </a:r>
+            <a:r>
+              <a:rPr lang="en-GB" sz="3200">
+                <a:solidFill>
+                  <a:schemeClr val="bg2">
+                    <a:lumMod val="20000"/>
+                    <a:lumOff val="80000"/>
+                  </a:schemeClr>
+                </a:solidFill>
+                <a:latin typeface="Helvetica Neue Light" panose="020B0604020202020204" charset="0"/>
+              </a:rPr>
+              <a:t> </a:t>
+            </a:r>
+            <a:r>
+              <a:rPr lang="en-GB" sz="3200" err="1">
+                <a:solidFill>
+                  <a:schemeClr val="bg2">
+                    <a:lumMod val="20000"/>
+                    <a:lumOff val="80000"/>
+                  </a:schemeClr>
+                </a:solidFill>
+                <a:latin typeface="Helvetica Neue Light" panose="020B0604020202020204" charset="0"/>
+              </a:rPr>
+              <a:t>kì</a:t>
+            </a:r>
+            <a:r>
+              <a:rPr lang="en-GB" sz="3200">
+                <a:solidFill>
+                  <a:schemeClr val="bg2">
+                    <a:lumMod val="20000"/>
+                    <a:lumOff val="80000"/>
+                  </a:schemeClr>
+                </a:solidFill>
+                <a:latin typeface="Helvetica Neue Light" panose="020B0604020202020204" charset="0"/>
+              </a:rPr>
+              <a:t>:                                    SEM 1</a:t>
+            </a:r>
+          </a:p>
+          <a:p>
+            <a:r>
+              <a:rPr lang="en-GB" sz="3200" err="1">
+                <a:solidFill>
+                  <a:schemeClr val="bg2">
+                    <a:lumMod val="20000"/>
+                    <a:lumOff val="80000"/>
+                  </a:schemeClr>
+                </a:solidFill>
+                <a:latin typeface="Helvetica Neue Light" panose="020B0604020202020204" charset="0"/>
+              </a:rPr>
+              <a:t>Lớp</a:t>
+            </a:r>
+            <a:r>
+              <a:rPr lang="en-GB" sz="3200">
+                <a:solidFill>
+                  <a:schemeClr val="bg2">
+                    <a:lumMod val="20000"/>
+                    <a:lumOff val="80000"/>
+                  </a:schemeClr>
+                </a:solidFill>
+                <a:latin typeface="Helvetica Neue Light" panose="020B0604020202020204" charset="0"/>
+              </a:rPr>
+              <a:t>:                                        PF03</a:t>
+            </a:r>
+          </a:p>
+          <a:p>
+            <a:r>
+              <a:rPr lang="en-GB" sz="3200" err="1">
+                <a:solidFill>
+                  <a:schemeClr val="bg2">
+                    <a:lumMod val="20000"/>
+                    <a:lumOff val="80000"/>
+                  </a:schemeClr>
+                </a:solidFill>
+                <a:latin typeface="Helvetica Neue Light" panose="020B0604020202020204" charset="0"/>
+              </a:rPr>
+              <a:t>Nhóm</a:t>
+            </a:r>
+            <a:r>
+              <a:rPr lang="en-GB" sz="3200">
+                <a:solidFill>
+                  <a:schemeClr val="bg2">
+                    <a:lumMod val="20000"/>
+                    <a:lumOff val="80000"/>
+                  </a:schemeClr>
+                </a:solidFill>
+                <a:latin typeface="Helvetica Neue Light" panose="020B0604020202020204" charset="0"/>
+              </a:rPr>
+              <a:t>:                                    G02</a:t>
+            </a:r>
+          </a:p>
+          <a:p>
+            <a:r>
+              <a:rPr lang="en-GB" sz="3200" err="1">
+                <a:solidFill>
+                  <a:schemeClr val="bg2">
+                    <a:lumMod val="20000"/>
+                    <a:lumOff val="80000"/>
+                  </a:schemeClr>
+                </a:solidFill>
+                <a:latin typeface="Helvetica Neue Light" panose="020B0604020202020204" charset="0"/>
+              </a:rPr>
+              <a:t>Giảng</a:t>
+            </a:r>
+            <a:r>
+              <a:rPr lang="en-GB" sz="3200">
+                <a:solidFill>
+                  <a:schemeClr val="bg2">
+                    <a:lumMod val="20000"/>
+                    <a:lumOff val="80000"/>
+                  </a:schemeClr>
+                </a:solidFill>
+                <a:latin typeface="Helvetica Neue Light" panose="020B0604020202020204" charset="0"/>
+              </a:rPr>
+              <a:t> </a:t>
+            </a:r>
+            <a:r>
+              <a:rPr lang="en-GB" sz="3200" err="1">
+                <a:solidFill>
+                  <a:schemeClr val="bg2">
+                    <a:lumMod val="20000"/>
+                    <a:lumOff val="80000"/>
+                  </a:schemeClr>
+                </a:solidFill>
+                <a:latin typeface="Helvetica Neue Light" panose="020B0604020202020204" charset="0"/>
+              </a:rPr>
+              <a:t>viên</a:t>
+            </a:r>
+            <a:r>
+              <a:rPr lang="en-GB" sz="3200">
+                <a:solidFill>
+                  <a:schemeClr val="bg2">
+                    <a:lumMod val="20000"/>
+                    <a:lumOff val="80000"/>
+                  </a:schemeClr>
+                </a:solidFill>
+                <a:latin typeface="Helvetica Neue Light" panose="020B0604020202020204" charset="0"/>
+              </a:rPr>
+              <a:t> h</a:t>
+            </a:r>
+            <a:r>
+              <a:rPr lang="vi-VN" sz="3200">
+                <a:solidFill>
+                  <a:schemeClr val="bg2">
+                    <a:lumMod val="20000"/>
+                    <a:lumOff val="80000"/>
+                  </a:schemeClr>
+                </a:solidFill>
+              </a:rPr>
+              <a:t>ư</a:t>
+            </a:r>
+            <a:r>
+              <a:rPr lang="en-GB" sz="3200" err="1">
+                <a:solidFill>
+                  <a:schemeClr val="bg2">
+                    <a:lumMod val="20000"/>
+                    <a:lumOff val="80000"/>
+                  </a:schemeClr>
+                </a:solidFill>
+                <a:latin typeface="Helvetica Neue Light" panose="020B0604020202020204" charset="0"/>
+              </a:rPr>
+              <a:t>ớng</a:t>
+            </a:r>
+            <a:r>
+              <a:rPr lang="en-GB" sz="3200">
+                <a:solidFill>
+                  <a:schemeClr val="bg2">
+                    <a:lumMod val="20000"/>
+                    <a:lumOff val="80000"/>
+                  </a:schemeClr>
+                </a:solidFill>
+                <a:latin typeface="Helvetica Neue Light" panose="020B0604020202020204" charset="0"/>
+              </a:rPr>
+              <a:t> </a:t>
+            </a:r>
+            <a:r>
+              <a:rPr lang="en-GB" sz="3200" err="1">
+                <a:solidFill>
+                  <a:schemeClr val="bg2">
+                    <a:lumMod val="20000"/>
+                    <a:lumOff val="80000"/>
+                  </a:schemeClr>
+                </a:solidFill>
+                <a:latin typeface="Helvetica Neue Light" panose="020B0604020202020204" charset="0"/>
+              </a:rPr>
+              <a:t>dẫn</a:t>
+            </a:r>
+            <a:r>
+              <a:rPr lang="en-GB" sz="3200">
+                <a:solidFill>
+                  <a:schemeClr val="bg2">
+                    <a:lumMod val="20000"/>
+                    <a:lumOff val="80000"/>
+                  </a:schemeClr>
+                </a:solidFill>
+                <a:latin typeface="Helvetica Neue Light" panose="020B0604020202020204" charset="0"/>
+              </a:rPr>
+              <a:t>:          </a:t>
+            </a:r>
+            <a:r>
+              <a:rPr lang="en-GB" sz="3200" err="1">
+                <a:solidFill>
+                  <a:schemeClr val="bg2">
+                    <a:lumMod val="20000"/>
+                    <a:lumOff val="80000"/>
+                  </a:schemeClr>
+                </a:solidFill>
+                <a:latin typeface="Helvetica Neue Light" panose="020B0604020202020204" charset="0"/>
+              </a:rPr>
+              <a:t>Đào</a:t>
+            </a:r>
+            <a:r>
+              <a:rPr lang="en-GB" sz="3200">
+                <a:solidFill>
+                  <a:schemeClr val="bg2">
+                    <a:lumMod val="20000"/>
+                    <a:lumOff val="80000"/>
+                  </a:schemeClr>
+                </a:solidFill>
+                <a:latin typeface="Helvetica Neue Light" panose="020B0604020202020204" charset="0"/>
+              </a:rPr>
+              <a:t> </a:t>
+            </a:r>
+            <a:r>
+              <a:rPr lang="en-GB" sz="3200" err="1">
+                <a:solidFill>
+                  <a:schemeClr val="bg2">
+                    <a:lumMod val="20000"/>
+                    <a:lumOff val="80000"/>
+                  </a:schemeClr>
+                </a:solidFill>
+                <a:latin typeface="Helvetica Neue Light" panose="020B0604020202020204" charset="0"/>
+              </a:rPr>
+              <a:t>Văn</a:t>
+            </a:r>
+            <a:r>
+              <a:rPr lang="en-GB" sz="3200">
+                <a:solidFill>
+                  <a:schemeClr val="bg2">
+                    <a:lumMod val="20000"/>
+                    <a:lumOff val="80000"/>
+                  </a:schemeClr>
+                </a:solidFill>
+                <a:latin typeface="Helvetica Neue Light" panose="020B0604020202020204" charset="0"/>
+              </a:rPr>
+              <a:t> </a:t>
+            </a:r>
+            <a:r>
+              <a:rPr lang="en-GB" sz="3200" err="1">
+                <a:solidFill>
+                  <a:schemeClr val="bg2">
+                    <a:lumMod val="20000"/>
+                    <a:lumOff val="80000"/>
+                  </a:schemeClr>
+                </a:solidFill>
+                <a:latin typeface="Helvetica Neue Light" panose="020B0604020202020204" charset="0"/>
+              </a:rPr>
+              <a:t>Đức</a:t>
+            </a:r>
+            <a:endParaRPr lang="en-GB" sz="3200">
+              <a:solidFill>
+                <a:schemeClr val="bg2">
+                  <a:lumMod val="20000"/>
+                  <a:lumOff val="80000"/>
+                </a:schemeClr>
+              </a:solidFill>
+              <a:latin typeface="Helvetica Neue Light" panose="020B0604020202020204" charset="0"/>
+            </a:endParaRPr>
+          </a:p>
+          <a:p>
+            <a:r>
+              <a:rPr lang="en-GB" sz="3200" err="1">
+                <a:solidFill>
+                  <a:schemeClr val="bg2">
+                    <a:lumMod val="20000"/>
+                    <a:lumOff val="80000"/>
+                  </a:schemeClr>
+                </a:solidFill>
+                <a:latin typeface="Helvetica Neue Light" panose="020B0604020202020204" charset="0"/>
+              </a:rPr>
+              <a:t>Thành</a:t>
+            </a:r>
+            <a:r>
+              <a:rPr lang="en-GB" sz="3200">
+                <a:solidFill>
+                  <a:schemeClr val="bg2">
+                    <a:lumMod val="20000"/>
+                    <a:lumOff val="80000"/>
+                  </a:schemeClr>
+                </a:solidFill>
+                <a:latin typeface="Helvetica Neue Light" panose="020B0604020202020204" charset="0"/>
+              </a:rPr>
+              <a:t> </a:t>
+            </a:r>
+            <a:r>
+              <a:rPr lang="en-GB" sz="3200" err="1">
+                <a:solidFill>
+                  <a:schemeClr val="bg2">
+                    <a:lumMod val="20000"/>
+                    <a:lumOff val="80000"/>
+                  </a:schemeClr>
+                </a:solidFill>
+                <a:latin typeface="Helvetica Neue Light" panose="020B0604020202020204" charset="0"/>
+              </a:rPr>
+              <a:t>viên</a:t>
+            </a:r>
+            <a:r>
+              <a:rPr lang="en-GB" sz="3200">
+                <a:solidFill>
+                  <a:schemeClr val="bg2">
+                    <a:lumMod val="20000"/>
+                    <a:lumOff val="80000"/>
+                  </a:schemeClr>
+                </a:solidFill>
+                <a:latin typeface="Helvetica Neue Light" panose="020B0604020202020204" charset="0"/>
+              </a:rPr>
+              <a:t>:                            NDE18030 - Nguyễn Thanh Tùng</a:t>
+            </a:r>
+          </a:p>
+          <a:p>
+            <a:r>
+              <a:rPr lang="en-GB" sz="3200">
+                <a:solidFill>
+                  <a:schemeClr val="bg2">
+                    <a:lumMod val="20000"/>
+                    <a:lumOff val="80000"/>
+                  </a:schemeClr>
+                </a:solidFill>
+                <a:latin typeface="Helvetica Neue Light" panose="020B0604020202020204" charset="0"/>
+              </a:rPr>
+              <a:t>                                               NDE18074 - Nguyễn </a:t>
+            </a:r>
+            <a:r>
+              <a:rPr lang="en-GB" sz="3200" err="1">
+                <a:solidFill>
+                  <a:schemeClr val="bg2">
+                    <a:lumMod val="20000"/>
+                    <a:lumOff val="80000"/>
+                  </a:schemeClr>
+                </a:solidFill>
+                <a:latin typeface="Helvetica Neue Light" panose="020B0604020202020204" charset="0"/>
+              </a:rPr>
+              <a:t>Trung</a:t>
+            </a:r>
+            <a:r>
+              <a:rPr lang="en-GB" sz="3200">
+                <a:solidFill>
+                  <a:schemeClr val="bg2">
+                    <a:lumMod val="20000"/>
+                    <a:lumOff val="80000"/>
+                  </a:schemeClr>
+                </a:solidFill>
+                <a:latin typeface="Helvetica Neue Light" panose="020B0604020202020204" charset="0"/>
+              </a:rPr>
+              <a:t> </a:t>
+            </a:r>
+            <a:r>
+              <a:rPr lang="en-GB" sz="3200" err="1">
+                <a:solidFill>
+                  <a:schemeClr val="bg2">
+                    <a:lumMod val="20000"/>
+                    <a:lumOff val="80000"/>
+                  </a:schemeClr>
+                </a:solidFill>
+                <a:latin typeface="Helvetica Neue Light" panose="020B0604020202020204" charset="0"/>
+              </a:rPr>
+              <a:t>Thăng</a:t>
+            </a:r>
+            <a:endParaRPr lang="en-US" sz="3200">
+              <a:solidFill>
+                <a:schemeClr val="bg2">
+                  <a:lumMod val="20000"/>
+                  <a:lumOff val="80000"/>
+                </a:schemeClr>
+              </a:solidFill>
+              <a:latin typeface="Helvetica Neue Light" panose="020B0604020202020204" charset="0"/>
+            </a:endParaRPr>
+          </a:p>
+        </p:txBody>
+      </p:sp>
+    </p:spTree>
+  </p:cSld>
+  <p:clrMapOvr>
+    <a:masterClrMapping/>
+  </p:clrMapOvr>
+</p:sld>
+</file>
+
+<file path=ppt/slides/slide20.xml><?xml version="1.0" encoding="utf-8"?>
 <p:sld xmlns:a="http://schemas.openxmlformats.org/drawingml/2006/main" xmlns:r="http://schemas.openxmlformats.org/officeDocument/2006/relationships" xmlns:p="http://schemas.openxmlformats.org/presentationml/2006/main">
   <p:cSld>
     <p:spTree>
@@ -23073,10 +22578,10 @@
       </p:sp>
       <p:pic>
         <p:nvPicPr>
-          <p:cNvPr id="6" name="Picture 5">
+          <p:cNvPr id="7" name="Picture 6">
             <a:extLst>
               <a:ext uri="{FF2B5EF4-FFF2-40B4-BE49-F238E27FC236}">
-                <a16:creationId xmlns:a16="http://schemas.microsoft.com/office/drawing/2014/main" id="{2105AE8B-5364-4708-96EA-1FBC5E2825E0}"/>
+                <a16:creationId xmlns:a16="http://schemas.microsoft.com/office/drawing/2014/main" id="{DD6292B3-A56D-494B-ADD7-471CA5A7968E}"/>
               </a:ext>
             </a:extLst>
           </p:cNvPr>
@@ -23084,30 +22589,19 @@
           <p:nvPr/>
         </p:nvPicPr>
         <p:blipFill>
-          <a:blip r:embed="rId4">
-            <a:extLst>
-              <a:ext uri="{28A0092B-C50C-407E-A947-70E740481C1C}">
-                <a14:useLocalDpi xmlns:a14="http://schemas.microsoft.com/office/drawing/2010/main" val="0"/>
-              </a:ext>
-            </a:extLst>
-          </a:blip>
-          <a:srcRect/>
+          <a:blip r:embed="rId4"/>
           <a:stretch>
             <a:fillRect/>
           </a:stretch>
         </p:blipFill>
-        <p:spPr bwMode="auto">
+        <p:spPr>
           <a:xfrm>
-            <a:off x="3145954" y="2861228"/>
-            <a:ext cx="10669436" cy="4593120"/>
+            <a:off x="2133854" y="2543176"/>
+            <a:ext cx="13067792" cy="5769458"/>
           </a:xfrm>
           <a:prstGeom prst="rect">
             <a:avLst/>
           </a:prstGeom>
-          <a:noFill/>
-          <a:ln>
-            <a:noFill/>
-          </a:ln>
         </p:spPr>
       </p:pic>
     </p:spTree>
@@ -23123,7 +22617,7 @@
 </p:sld>
 </file>
 
-<file path=ppt/slides/slide22.xml><?xml version="1.0" encoding="utf-8"?>
+<file path=ppt/slides/slide21.xml><?xml version="1.0" encoding="utf-8"?>
 <p:sld xmlns:a="http://schemas.openxmlformats.org/drawingml/2006/main" xmlns:r="http://schemas.openxmlformats.org/officeDocument/2006/relationships" xmlns:p="http://schemas.openxmlformats.org/presentationml/2006/main">
   <p:cSld>
     <p:spTree>
@@ -23294,10 +22788,10 @@
       </p:sp>
       <p:pic>
         <p:nvPicPr>
-          <p:cNvPr id="6" name="Picture 5">
+          <p:cNvPr id="7" name="Picture 6">
             <a:extLst>
               <a:ext uri="{FF2B5EF4-FFF2-40B4-BE49-F238E27FC236}">
-                <a16:creationId xmlns:a16="http://schemas.microsoft.com/office/drawing/2014/main" id="{B32644AD-08D5-4035-8945-96B6C4D60600}"/>
+                <a16:creationId xmlns:a16="http://schemas.microsoft.com/office/drawing/2014/main" id="{F6BFE5F6-8407-4533-9801-8928C2927513}"/>
               </a:ext>
             </a:extLst>
           </p:cNvPr>
@@ -23312,8 +22806,8 @@
         </p:blipFill>
         <p:spPr>
           <a:xfrm>
-            <a:off x="3483250" y="2875824"/>
-            <a:ext cx="10232750" cy="4419497"/>
+            <a:off x="2567185" y="2749620"/>
+            <a:ext cx="12371112" cy="5002902"/>
           </a:xfrm>
           <a:prstGeom prst="rect">
             <a:avLst/>
@@ -23333,7 +22827,7 @@
 </p:sld>
 </file>
 
-<file path=ppt/slides/slide23.xml><?xml version="1.0" encoding="utf-8"?>
+<file path=ppt/slides/slide22.xml><?xml version="1.0" encoding="utf-8"?>
 <p:sld xmlns:a="http://schemas.openxmlformats.org/drawingml/2006/main" xmlns:r="http://schemas.openxmlformats.org/officeDocument/2006/relationships" xmlns:p="http://schemas.openxmlformats.org/presentationml/2006/main">
   <p:cSld>
     <p:spTree>
@@ -23496,10 +22990,10 @@
       </p:sp>
       <p:pic>
         <p:nvPicPr>
-          <p:cNvPr id="6" name="Picture 5">
+          <p:cNvPr id="7" name="Picture 6">
             <a:extLst>
               <a:ext uri="{FF2B5EF4-FFF2-40B4-BE49-F238E27FC236}">
-                <a16:creationId xmlns:a16="http://schemas.microsoft.com/office/drawing/2014/main" id="{17FEED69-23AC-4F30-8BDE-9F8AAC41431B}"/>
+                <a16:creationId xmlns:a16="http://schemas.microsoft.com/office/drawing/2014/main" id="{6DB787A7-0A20-48A4-BA21-8BC1188CAE98}"/>
               </a:ext>
             </a:extLst>
           </p:cNvPr>
@@ -23514,8 +23008,8 @@
         </p:blipFill>
         <p:spPr>
           <a:xfrm>
-            <a:off x="1554942" y="1515467"/>
-            <a:ext cx="14327506" cy="7818663"/>
+            <a:off x="887771" y="1682030"/>
+            <a:ext cx="15559958" cy="7652100"/>
           </a:xfrm>
           <a:prstGeom prst="rect">
             <a:avLst/>
@@ -23535,7 +23029,7 @@
 </p:sld>
 </file>
 
-<file path=ppt/slides/slide24.xml><?xml version="1.0" encoding="utf-8"?>
+<file path=ppt/slides/slide23.xml><?xml version="1.0" encoding="utf-8"?>
 <p:sld xmlns:a="http://schemas.openxmlformats.org/drawingml/2006/main" xmlns:r="http://schemas.openxmlformats.org/officeDocument/2006/relationships" xmlns:p="http://schemas.openxmlformats.org/presentationml/2006/main">
   <p:cSld>
     <p:spTree>
@@ -23698,10 +23192,10 @@
       </p:sp>
       <p:pic>
         <p:nvPicPr>
-          <p:cNvPr id="6" name="Picture 5">
+          <p:cNvPr id="7" name="Picture 6">
             <a:extLst>
               <a:ext uri="{FF2B5EF4-FFF2-40B4-BE49-F238E27FC236}">
-                <a16:creationId xmlns:a16="http://schemas.microsoft.com/office/drawing/2014/main" id="{B7FB7194-093C-4DBC-B6F3-62B7C6FF60B4}"/>
+                <a16:creationId xmlns:a16="http://schemas.microsoft.com/office/drawing/2014/main" id="{BBEB1158-8F31-445C-872E-B6156C50EF50}"/>
               </a:ext>
             </a:extLst>
           </p:cNvPr>
@@ -23716,8 +23210,8 @@
         </p:blipFill>
         <p:spPr>
           <a:xfrm>
-            <a:off x="2588895" y="1592765"/>
-            <a:ext cx="11484914" cy="7839657"/>
+            <a:off x="1016979" y="1448352"/>
+            <a:ext cx="15301541" cy="7885778"/>
           </a:xfrm>
           <a:prstGeom prst="rect">
             <a:avLst/>
@@ -23737,7 +23231,7 @@
 </p:sld>
 </file>
 
-<file path=ppt/slides/slide25.xml><?xml version="1.0" encoding="utf-8"?>
+<file path=ppt/slides/slide24.xml><?xml version="1.0" encoding="utf-8"?>
 <p:sld xmlns:a="http://schemas.openxmlformats.org/drawingml/2006/main" xmlns:r="http://schemas.openxmlformats.org/officeDocument/2006/relationships" xmlns:p="http://schemas.openxmlformats.org/presentationml/2006/main">
   <p:cSld>
     <p:spTree>
@@ -23900,10 +23394,10 @@
       </p:sp>
       <p:pic>
         <p:nvPicPr>
-          <p:cNvPr id="6" name="Picture 5">
+          <p:cNvPr id="7" name="Picture 6">
             <a:extLst>
               <a:ext uri="{FF2B5EF4-FFF2-40B4-BE49-F238E27FC236}">
-                <a16:creationId xmlns:a16="http://schemas.microsoft.com/office/drawing/2014/main" id="{A4EF7864-2E36-4C07-9572-08AF58080F4C}"/>
+                <a16:creationId xmlns:a16="http://schemas.microsoft.com/office/drawing/2014/main" id="{3F727E1A-AF6F-4E84-969E-712E0B5667EB}"/>
               </a:ext>
             </a:extLst>
           </p:cNvPr>
@@ -23918,8 +23412,8 @@
         </p:blipFill>
         <p:spPr>
           <a:xfrm>
-            <a:off x="2996648" y="1490249"/>
-            <a:ext cx="11057283" cy="7554360"/>
+            <a:off x="2173770" y="1682030"/>
+            <a:ext cx="12987959" cy="6945135"/>
           </a:xfrm>
           <a:prstGeom prst="rect">
             <a:avLst/>
@@ -23939,7 +23433,7 @@
 </p:sld>
 </file>
 
-<file path=ppt/slides/slide26.xml><?xml version="1.0" encoding="utf-8"?>
+<file path=ppt/slides/slide25.xml><?xml version="1.0" encoding="utf-8"?>
 <p:sld xmlns:a="http://schemas.openxmlformats.org/drawingml/2006/main" xmlns:r="http://schemas.openxmlformats.org/officeDocument/2006/relationships" xmlns:p="http://schemas.openxmlformats.org/presentationml/2006/main">
   <p:cSld>
     <p:spTree>
@@ -24102,10 +23596,10 @@
       </p:sp>
       <p:pic>
         <p:nvPicPr>
-          <p:cNvPr id="6" name="Picture 5">
+          <p:cNvPr id="7" name="Picture 6">
             <a:extLst>
               <a:ext uri="{FF2B5EF4-FFF2-40B4-BE49-F238E27FC236}">
-                <a16:creationId xmlns:a16="http://schemas.microsoft.com/office/drawing/2014/main" id="{6391538F-AE92-4D4E-8180-8F835F794700}"/>
+                <a16:creationId xmlns:a16="http://schemas.microsoft.com/office/drawing/2014/main" id="{2B51C4E4-AE96-45CE-B8C7-F7E009CFA8C5}"/>
               </a:ext>
             </a:extLst>
           </p:cNvPr>
@@ -24120,8 +23614,8 @@
         </p:blipFill>
         <p:spPr>
           <a:xfrm>
-            <a:off x="3426515" y="1946930"/>
-            <a:ext cx="9613624" cy="7336218"/>
+            <a:off x="1934299" y="1691058"/>
+            <a:ext cx="13466901" cy="7461970"/>
           </a:xfrm>
           <a:prstGeom prst="rect">
             <a:avLst/>
@@ -24141,7 +23635,7 @@
 </p:sld>
 </file>
 
-<file path=ppt/slides/slide27.xml><?xml version="1.0" encoding="utf-8"?>
+<file path=ppt/slides/slide26.xml><?xml version="1.0" encoding="utf-8"?>
 <p:sld xmlns:a="http://schemas.openxmlformats.org/drawingml/2006/main" xmlns:r="http://schemas.openxmlformats.org/officeDocument/2006/relationships" xmlns:p="http://schemas.openxmlformats.org/presentationml/2006/main">
   <p:cSld>
     <p:spTree>
@@ -24304,10 +23798,10 @@
       </p:sp>
       <p:pic>
         <p:nvPicPr>
-          <p:cNvPr id="6" name="Picture 5">
+          <p:cNvPr id="7" name="Picture 6">
             <a:extLst>
               <a:ext uri="{FF2B5EF4-FFF2-40B4-BE49-F238E27FC236}">
-                <a16:creationId xmlns:a16="http://schemas.microsoft.com/office/drawing/2014/main" id="{2B58F6C0-1B24-44BF-A800-AEFDB8CE90D5}"/>
+                <a16:creationId xmlns:a16="http://schemas.microsoft.com/office/drawing/2014/main" id="{F0B9E62C-1169-438F-92CB-692AE3C0F503}"/>
               </a:ext>
             </a:extLst>
           </p:cNvPr>
@@ -24322,8 +23816,8 @@
         </p:blipFill>
         <p:spPr>
           <a:xfrm>
-            <a:off x="3147559" y="3159403"/>
-            <a:ext cx="11210363" cy="4056406"/>
+            <a:off x="3073356" y="2510046"/>
+            <a:ext cx="11358770" cy="4338637"/>
           </a:xfrm>
           <a:prstGeom prst="rect">
             <a:avLst/>
@@ -24343,7 +23837,7 @@
 </p:sld>
 </file>
 
-<file path=ppt/slides/slide28.xml><?xml version="1.0" encoding="utf-8"?>
+<file path=ppt/slides/slide27.xml><?xml version="1.0" encoding="utf-8"?>
 <p:sld xmlns:a="http://schemas.openxmlformats.org/drawingml/2006/main" xmlns:r="http://schemas.openxmlformats.org/officeDocument/2006/relationships" xmlns:p="http://schemas.openxmlformats.org/presentationml/2006/main">
   <p:cSld>
     <p:spTree>
@@ -24524,8 +24018,8 @@
         </p:blipFill>
         <p:spPr>
           <a:xfrm>
-            <a:off x="3691617" y="2998925"/>
-            <a:ext cx="10986260" cy="3755749"/>
+            <a:off x="1572363" y="2979047"/>
+            <a:ext cx="14330246" cy="4236762"/>
           </a:xfrm>
           <a:prstGeom prst="rect">
             <a:avLst/>
@@ -24545,7 +24039,7 @@
 </p:sld>
 </file>
 
-<file path=ppt/slides/slide29.xml><?xml version="1.0" encoding="utf-8"?>
+<file path=ppt/slides/slide28.xml><?xml version="1.0" encoding="utf-8"?>
 <p:sld xmlns:a="http://schemas.openxmlformats.org/drawingml/2006/main" xmlns:r="http://schemas.openxmlformats.org/officeDocument/2006/relationships" xmlns:p="http://schemas.openxmlformats.org/presentationml/2006/main">
   <p:cSld>
     <p:spTree>
@@ -24660,1155 +24154,6 @@
   <p:cSld>
     <p:spTree>
       <p:nvGrpSpPr>
-        <p:cNvPr id="1" name="Shape 77"/>
-        <p:cNvGrpSpPr/>
-        <p:nvPr/>
-      </p:nvGrpSpPr>
-      <p:grpSpPr>
-        <a:xfrm>
-          <a:off x="0" y="0"/>
-          <a:ext cx="0" cy="0"/>
-          <a:chOff x="0" y="0"/>
-          <a:chExt cx="0" cy="0"/>
-        </a:xfrm>
-      </p:grpSpPr>
-      <p:pic>
-        <p:nvPicPr>
-          <p:cNvPr id="78" name="Shape 78" descr="Group"/>
-          <p:cNvPicPr preferRelativeResize="0"/>
-          <p:nvPr/>
-        </p:nvPicPr>
-        <p:blipFill rotWithShape="1">
-          <a:blip r:embed="rId3">
-            <a:alphaModFix/>
-          </a:blip>
-          <a:srcRect/>
-          <a:stretch/>
-        </p:blipFill>
-        <p:spPr>
-          <a:xfrm>
-            <a:off x="0" y="0"/>
-            <a:ext cx="17340264" cy="9742190"/>
-          </a:xfrm>
-          <a:prstGeom prst="rect">
-            <a:avLst/>
-          </a:prstGeom>
-          <a:noFill/>
-          <a:ln>
-            <a:noFill/>
-          </a:ln>
-        </p:spPr>
-      </p:pic>
-      <p:sp>
-        <p:nvSpPr>
-          <p:cNvPr id="2" name="TextBox 1">
-            <a:extLst>
-              <a:ext uri="{FF2B5EF4-FFF2-40B4-BE49-F238E27FC236}">
-                <a16:creationId xmlns:a16="http://schemas.microsoft.com/office/drawing/2014/main" id="{1D75D704-8492-4012-A4A5-F266E6178E60}"/>
-              </a:ext>
-            </a:extLst>
-          </p:cNvPr>
-          <p:cNvSpPr txBox="1"/>
-          <p:nvPr/>
-        </p:nvSpPr>
-        <p:spPr>
-          <a:xfrm>
-            <a:off x="3962400" y="1289540"/>
-            <a:ext cx="4360985" cy="707886"/>
-          </a:xfrm>
-          <a:prstGeom prst="rect">
-            <a:avLst/>
-          </a:prstGeom>
-          <a:noFill/>
-        </p:spPr>
-        <p:txBody>
-          <a:bodyPr wrap="square" rtlCol="0">
-            <a:spAutoFit/>
-          </a:bodyPr>
-          <a:lstStyle/>
-          <a:p>
-            <a:r>
-              <a:rPr lang="en-GB" sz="4000" b="1" i="1" err="1">
-                <a:solidFill>
-                  <a:schemeClr val="bg2">
-                    <a:lumMod val="20000"/>
-                    <a:lumOff val="80000"/>
-                  </a:schemeClr>
-                </a:solidFill>
-              </a:rPr>
-              <a:t>Mục</a:t>
-            </a:r>
-            <a:r>
-              <a:rPr lang="en-GB" sz="4000" b="1" i="1">
-                <a:solidFill>
-                  <a:schemeClr val="bg2">
-                    <a:lumMod val="20000"/>
-                    <a:lumOff val="80000"/>
-                  </a:schemeClr>
-                </a:solidFill>
-              </a:rPr>
-              <a:t> </a:t>
-            </a:r>
-            <a:r>
-              <a:rPr lang="en-GB" sz="4000" b="1" i="1" err="1">
-                <a:solidFill>
-                  <a:schemeClr val="bg2">
-                    <a:lumMod val="20000"/>
-                    <a:lumOff val="80000"/>
-                  </a:schemeClr>
-                </a:solidFill>
-              </a:rPr>
-              <a:t>lục</a:t>
-            </a:r>
-            <a:endParaRPr lang="en-US" sz="4000" b="1" i="1">
-              <a:solidFill>
-                <a:schemeClr val="bg2">
-                  <a:lumMod val="20000"/>
-                  <a:lumOff val="80000"/>
-                </a:schemeClr>
-              </a:solidFill>
-            </a:endParaRPr>
-          </a:p>
-        </p:txBody>
-      </p:sp>
-      <p:sp>
-        <p:nvSpPr>
-          <p:cNvPr id="3" name="TextBox 2">
-            <a:extLst>
-              <a:ext uri="{FF2B5EF4-FFF2-40B4-BE49-F238E27FC236}">
-                <a16:creationId xmlns:a16="http://schemas.microsoft.com/office/drawing/2014/main" id="{9959659E-2D5C-446A-A87E-6E3F868A2675}"/>
-              </a:ext>
-            </a:extLst>
-          </p:cNvPr>
-          <p:cNvSpPr txBox="1"/>
-          <p:nvPr/>
-        </p:nvSpPr>
-        <p:spPr>
-          <a:xfrm>
-            <a:off x="6494585" y="3892062"/>
-            <a:ext cx="3282461" cy="584775"/>
-          </a:xfrm>
-          <a:prstGeom prst="rect">
-            <a:avLst/>
-          </a:prstGeom>
-          <a:noFill/>
-        </p:spPr>
-        <p:txBody>
-          <a:bodyPr wrap="square" rtlCol="0">
-            <a:spAutoFit/>
-          </a:bodyPr>
-          <a:lstStyle/>
-          <a:p>
-            <a:endParaRPr lang="en-US" sz="3200"/>
-          </a:p>
-        </p:txBody>
-      </p:sp>
-      <p:sp>
-        <p:nvSpPr>
-          <p:cNvPr id="4" name="TextBox 3">
-            <a:extLst>
-              <a:ext uri="{FF2B5EF4-FFF2-40B4-BE49-F238E27FC236}">
-                <a16:creationId xmlns:a16="http://schemas.microsoft.com/office/drawing/2014/main" id="{1A193434-50B2-4CC8-8049-CEC88989024A}"/>
-              </a:ext>
-            </a:extLst>
-          </p:cNvPr>
-          <p:cNvSpPr txBox="1"/>
-          <p:nvPr/>
-        </p:nvSpPr>
-        <p:spPr>
-          <a:xfrm>
-            <a:off x="3217221" y="2830883"/>
-            <a:ext cx="9834899" cy="4524315"/>
-          </a:xfrm>
-          <a:prstGeom prst="rect">
-            <a:avLst/>
-          </a:prstGeom>
-          <a:noFill/>
-        </p:spPr>
-        <p:txBody>
-          <a:bodyPr wrap="square" rtlCol="0">
-            <a:spAutoFit/>
-          </a:bodyPr>
-          <a:lstStyle/>
-          <a:p>
-            <a:r>
-              <a:rPr lang="en-GB" sz="3200" i="1">
-                <a:solidFill>
-                  <a:schemeClr val="bg2">
-                    <a:lumMod val="20000"/>
-                    <a:lumOff val="80000"/>
-                  </a:schemeClr>
-                </a:solidFill>
-                <a:sym typeface="Wingdings" panose="05000000000000000000" pitchFamily="2" charset="2"/>
-              </a:rPr>
-              <a:t></a:t>
-            </a:r>
-            <a:r>
-              <a:rPr lang="en-GB" sz="3200" i="1" err="1">
-                <a:solidFill>
-                  <a:srgbClr val="FFFFFF"/>
-                </a:solidFill>
-                <a:hlinkClick r:id="rId4" action="ppaction://hlinksldjump">
-                  <a:extLst>
-                    <a:ext uri="{A12FA001-AC4F-418D-AE19-62706E023703}">
-                      <ahyp:hlinkClr xmlns:ahyp="http://schemas.microsoft.com/office/drawing/2018/hyperlinkcolor" val="tx"/>
-                    </a:ext>
-                  </a:extLst>
-                </a:hlinkClick>
-              </a:rPr>
-              <a:t>Giới</a:t>
-            </a:r>
-            <a:r>
-              <a:rPr lang="en-GB" sz="3200" i="1">
-                <a:solidFill>
-                  <a:srgbClr val="FFFFFF"/>
-                </a:solidFill>
-                <a:hlinkClick r:id="rId4" action="ppaction://hlinksldjump">
-                  <a:extLst>
-                    <a:ext uri="{A12FA001-AC4F-418D-AE19-62706E023703}">
-                      <ahyp:hlinkClr xmlns:ahyp="http://schemas.microsoft.com/office/drawing/2018/hyperlinkcolor" val="tx"/>
-                    </a:ext>
-                  </a:extLst>
-                </a:hlinkClick>
-              </a:rPr>
-              <a:t> </a:t>
-            </a:r>
-            <a:r>
-              <a:rPr lang="en-GB" sz="3200" i="1" err="1">
-                <a:solidFill>
-                  <a:srgbClr val="FFFFFF"/>
-                </a:solidFill>
-                <a:hlinkClick r:id="rId4" action="ppaction://hlinksldjump">
-                  <a:extLst>
-                    <a:ext uri="{A12FA001-AC4F-418D-AE19-62706E023703}">
-                      <ahyp:hlinkClr xmlns:ahyp="http://schemas.microsoft.com/office/drawing/2018/hyperlinkcolor" val="tx"/>
-                    </a:ext>
-                  </a:extLst>
-                </a:hlinkClick>
-              </a:rPr>
-              <a:t>thiệu</a:t>
-            </a:r>
-            <a:r>
-              <a:rPr lang="en-GB" sz="3200" i="1">
-                <a:solidFill>
-                  <a:srgbClr val="FFFFFF"/>
-                </a:solidFill>
-                <a:hlinkClick r:id="rId4" action="ppaction://hlinksldjump">
-                  <a:extLst>
-                    <a:ext uri="{A12FA001-AC4F-418D-AE19-62706E023703}">
-                      <ahyp:hlinkClr xmlns:ahyp="http://schemas.microsoft.com/office/drawing/2018/hyperlinkcolor" val="tx"/>
-                    </a:ext>
-                  </a:extLst>
-                </a:hlinkClick>
-              </a:rPr>
-              <a:t> </a:t>
-            </a:r>
-            <a:r>
-              <a:rPr lang="en-GB" sz="3200" i="1" err="1">
-                <a:solidFill>
-                  <a:srgbClr val="FFFFFF"/>
-                </a:solidFill>
-                <a:hlinkClick r:id="rId4" action="ppaction://hlinksldjump">
-                  <a:extLst>
-                    <a:ext uri="{A12FA001-AC4F-418D-AE19-62706E023703}">
-                      <ahyp:hlinkClr xmlns:ahyp="http://schemas.microsoft.com/office/drawing/2018/hyperlinkcolor" val="tx"/>
-                    </a:ext>
-                  </a:extLst>
-                </a:hlinkClick>
-              </a:rPr>
-              <a:t>dự</a:t>
-            </a:r>
-            <a:r>
-              <a:rPr lang="en-GB" sz="3200" i="1">
-                <a:solidFill>
-                  <a:srgbClr val="FFFFFF"/>
-                </a:solidFill>
-                <a:hlinkClick r:id="rId4" action="ppaction://hlinksldjump">
-                  <a:extLst>
-                    <a:ext uri="{A12FA001-AC4F-418D-AE19-62706E023703}">
-                      <ahyp:hlinkClr xmlns:ahyp="http://schemas.microsoft.com/office/drawing/2018/hyperlinkcolor" val="tx"/>
-                    </a:ext>
-                  </a:extLst>
-                </a:hlinkClick>
-              </a:rPr>
-              <a:t> </a:t>
-            </a:r>
-            <a:r>
-              <a:rPr lang="en-GB" sz="3200" i="1" err="1">
-                <a:solidFill>
-                  <a:srgbClr val="FFFFFF"/>
-                </a:solidFill>
-                <a:hlinkClick r:id="rId4" action="ppaction://hlinksldjump">
-                  <a:extLst>
-                    <a:ext uri="{A12FA001-AC4F-418D-AE19-62706E023703}">
-                      <ahyp:hlinkClr xmlns:ahyp="http://schemas.microsoft.com/office/drawing/2018/hyperlinkcolor" val="tx"/>
-                    </a:ext>
-                  </a:extLst>
-                </a:hlinkClick>
-              </a:rPr>
-              <a:t>án</a:t>
-            </a:r>
-            <a:r>
-              <a:rPr lang="en-GB" sz="3200" i="1">
-                <a:solidFill>
-                  <a:srgbClr val="FFFFFF"/>
-                </a:solidFill>
-                <a:hlinkClick r:id="rId4" action="ppaction://hlinksldjump">
-                  <a:extLst>
-                    <a:ext uri="{A12FA001-AC4F-418D-AE19-62706E023703}">
-                      <ahyp:hlinkClr xmlns:ahyp="http://schemas.microsoft.com/office/drawing/2018/hyperlinkcolor" val="tx"/>
-                    </a:ext>
-                  </a:extLst>
-                </a:hlinkClick>
-              </a:rPr>
-              <a:t>………………………………………</a:t>
-            </a:r>
-            <a:r>
-              <a:rPr lang="en-GB" sz="3200" i="1">
-                <a:solidFill>
-                  <a:srgbClr val="FFFFFF"/>
-                </a:solidFill>
-              </a:rPr>
-              <a:t>4</a:t>
-            </a:r>
-          </a:p>
-          <a:p>
-            <a:r>
-              <a:rPr lang="en-GB" sz="3200" i="1">
-                <a:solidFill>
-                  <a:srgbClr val="FFFFFF"/>
-                </a:solidFill>
-                <a:sym typeface="Wingdings" panose="05000000000000000000" pitchFamily="2" charset="2"/>
-              </a:rPr>
-              <a:t> </a:t>
-            </a:r>
-            <a:r>
-              <a:rPr lang="en-US" sz="3200" i="1">
-                <a:solidFill>
-                  <a:srgbClr val="FFFFFF"/>
-                </a:solidFill>
-                <a:hlinkClick r:id="rId5" action="ppaction://hlinksldjump">
-                  <a:extLst>
-                    <a:ext uri="{A12FA001-AC4F-418D-AE19-62706E023703}">
-                      <ahyp:hlinkClr xmlns:ahyp="http://schemas.microsoft.com/office/drawing/2018/hyperlinkcolor" val="tx"/>
-                    </a:ext>
-                  </a:extLst>
-                </a:hlinkClick>
-              </a:rPr>
-              <a:t>Activity Diagram……………………………….........</a:t>
-            </a:r>
-            <a:r>
-              <a:rPr lang="en-US" sz="3200" i="1">
-                <a:solidFill>
-                  <a:srgbClr val="FFFFFF"/>
-                </a:solidFill>
-              </a:rPr>
-              <a:t>8</a:t>
-            </a:r>
-          </a:p>
-          <a:p>
-            <a:r>
-              <a:rPr lang="en-GB" sz="3200" i="1">
-                <a:solidFill>
-                  <a:srgbClr val="FFFFFF"/>
-                </a:solidFill>
-                <a:sym typeface="Wingdings" panose="05000000000000000000" pitchFamily="2" charset="2"/>
-              </a:rPr>
-              <a:t> </a:t>
-            </a:r>
-            <a:r>
-              <a:rPr lang="en-US" sz="3200" i="1">
-                <a:solidFill>
-                  <a:srgbClr val="FFFFFF"/>
-                </a:solidFill>
-                <a:hlinkClick r:id="rId6" action="ppaction://hlinksldjump">
-                  <a:extLst>
-                    <a:ext uri="{A12FA001-AC4F-418D-AE19-62706E023703}">
-                      <ahyp:hlinkClr xmlns:ahyp="http://schemas.microsoft.com/office/drawing/2018/hyperlinkcolor" val="tx"/>
-                    </a:ext>
-                  </a:extLst>
-                </a:hlinkClick>
-              </a:rPr>
-              <a:t>Sequence Diagram…………………………….…..</a:t>
-            </a:r>
-            <a:r>
-              <a:rPr lang="en-US" sz="3200" i="1">
-                <a:solidFill>
-                  <a:srgbClr val="FFFFFF"/>
-                </a:solidFill>
-              </a:rPr>
-              <a:t>13</a:t>
-            </a:r>
-          </a:p>
-          <a:p>
-            <a:r>
-              <a:rPr lang="en-GB" sz="3200" i="1">
-                <a:solidFill>
-                  <a:srgbClr val="FFFFFF"/>
-                </a:solidFill>
-                <a:sym typeface="Wingdings" panose="05000000000000000000" pitchFamily="2" charset="2"/>
-              </a:rPr>
-              <a:t> </a:t>
-            </a:r>
-            <a:r>
-              <a:rPr lang="en-US" sz="3200" i="1">
-                <a:solidFill>
-                  <a:srgbClr val="FFFFFF"/>
-                </a:solidFill>
-                <a:hlinkClick r:id="rId7" action="ppaction://hlinksldjump">
-                  <a:extLst>
-                    <a:ext uri="{A12FA001-AC4F-418D-AE19-62706E023703}">
-                      <ahyp:hlinkClr xmlns:ahyp="http://schemas.microsoft.com/office/drawing/2018/hyperlinkcolor" val="tx"/>
-                    </a:ext>
-                  </a:extLst>
-                </a:hlinkClick>
-              </a:rPr>
-              <a:t>S</a:t>
-            </a:r>
-            <a:r>
-              <a:rPr lang="vi-VN" sz="3200" i="1">
-                <a:solidFill>
-                  <a:srgbClr val="FFFFFF"/>
-                </a:solidFill>
-                <a:hlinkClick r:id="rId7" action="ppaction://hlinksldjump">
-                  <a:extLst>
-                    <a:ext uri="{A12FA001-AC4F-418D-AE19-62706E023703}">
-                      <ahyp:hlinkClr xmlns:ahyp="http://schemas.microsoft.com/office/drawing/2018/hyperlinkcolor" val="tx"/>
-                    </a:ext>
-                  </a:extLst>
-                </a:hlinkClick>
-              </a:rPr>
-              <a:t>ơ</a:t>
-            </a:r>
-            <a:r>
-              <a:rPr lang="en-GB" sz="3200" i="1">
-                <a:solidFill>
-                  <a:srgbClr val="FFFFFF"/>
-                </a:solidFill>
-                <a:hlinkClick r:id="rId7" action="ppaction://hlinksldjump">
-                  <a:extLst>
-                    <a:ext uri="{A12FA001-AC4F-418D-AE19-62706E023703}">
-                      <ahyp:hlinkClr xmlns:ahyp="http://schemas.microsoft.com/office/drawing/2018/hyperlinkcolor" val="tx"/>
-                    </a:ext>
-                  </a:extLst>
-                </a:hlinkClick>
-              </a:rPr>
-              <a:t> </a:t>
-            </a:r>
-            <a:r>
-              <a:rPr lang="en-GB" sz="3200" i="1" err="1">
-                <a:solidFill>
-                  <a:srgbClr val="FFFFFF"/>
-                </a:solidFill>
-                <a:hlinkClick r:id="rId7" action="ppaction://hlinksldjump">
-                  <a:extLst>
-                    <a:ext uri="{A12FA001-AC4F-418D-AE19-62706E023703}">
-                      <ahyp:hlinkClr xmlns:ahyp="http://schemas.microsoft.com/office/drawing/2018/hyperlinkcolor" val="tx"/>
-                    </a:ext>
-                  </a:extLst>
-                </a:hlinkClick>
-              </a:rPr>
-              <a:t>đồ</a:t>
-            </a:r>
-            <a:r>
-              <a:rPr lang="en-GB" sz="3200" i="1">
-                <a:solidFill>
-                  <a:srgbClr val="FFFFFF"/>
-                </a:solidFill>
-                <a:hlinkClick r:id="rId7" action="ppaction://hlinksldjump">
-                  <a:extLst>
-                    <a:ext uri="{A12FA001-AC4F-418D-AE19-62706E023703}">
-                      <ahyp:hlinkClr xmlns:ahyp="http://schemas.microsoft.com/office/drawing/2018/hyperlinkcolor" val="tx"/>
-                    </a:ext>
-                  </a:extLst>
-                </a:hlinkClick>
-              </a:rPr>
-              <a:t> </a:t>
-            </a:r>
-            <a:r>
-              <a:rPr lang="en-GB" sz="3200" i="1" err="1">
-                <a:solidFill>
-                  <a:srgbClr val="FFFFFF"/>
-                </a:solidFill>
-                <a:hlinkClick r:id="rId7" action="ppaction://hlinksldjump">
-                  <a:extLst>
-                    <a:ext uri="{A12FA001-AC4F-418D-AE19-62706E023703}">
-                      <ahyp:hlinkClr xmlns:ahyp="http://schemas.microsoft.com/office/drawing/2018/hyperlinkcolor" val="tx"/>
-                    </a:ext>
-                  </a:extLst>
-                </a:hlinkClick>
-              </a:rPr>
-              <a:t>quan</a:t>
-            </a:r>
-            <a:r>
-              <a:rPr lang="en-GB" sz="3200" i="1">
-                <a:solidFill>
-                  <a:srgbClr val="FFFFFF"/>
-                </a:solidFill>
-                <a:hlinkClick r:id="rId7" action="ppaction://hlinksldjump">
-                  <a:extLst>
-                    <a:ext uri="{A12FA001-AC4F-418D-AE19-62706E023703}">
-                      <ahyp:hlinkClr xmlns:ahyp="http://schemas.microsoft.com/office/drawing/2018/hyperlinkcolor" val="tx"/>
-                    </a:ext>
-                  </a:extLst>
-                </a:hlinkClick>
-              </a:rPr>
-              <a:t> </a:t>
-            </a:r>
-            <a:r>
-              <a:rPr lang="en-GB" sz="3200" i="1" err="1">
-                <a:solidFill>
-                  <a:srgbClr val="FFFFFF"/>
-                </a:solidFill>
-                <a:hlinkClick r:id="rId7" action="ppaction://hlinksldjump">
-                  <a:extLst>
-                    <a:ext uri="{A12FA001-AC4F-418D-AE19-62706E023703}">
-                      <ahyp:hlinkClr xmlns:ahyp="http://schemas.microsoft.com/office/drawing/2018/hyperlinkcolor" val="tx"/>
-                    </a:ext>
-                  </a:extLst>
-                </a:hlinkClick>
-              </a:rPr>
-              <a:t>hệ</a:t>
-            </a:r>
-            <a:r>
-              <a:rPr lang="en-GB" sz="3200" i="1">
-                <a:solidFill>
-                  <a:srgbClr val="FFFFFF"/>
-                </a:solidFill>
-                <a:hlinkClick r:id="rId7" action="ppaction://hlinksldjump">
-                  <a:extLst>
-                    <a:ext uri="{A12FA001-AC4F-418D-AE19-62706E023703}">
-                      <ahyp:hlinkClr xmlns:ahyp="http://schemas.microsoft.com/office/drawing/2018/hyperlinkcolor" val="tx"/>
-                    </a:ext>
-                  </a:extLst>
-                </a:hlinkClick>
-              </a:rPr>
-              <a:t> </a:t>
-            </a:r>
-            <a:r>
-              <a:rPr lang="en-GB" sz="3200" i="1" err="1">
-                <a:solidFill>
-                  <a:srgbClr val="FFFFFF"/>
-                </a:solidFill>
-                <a:hlinkClick r:id="rId7" action="ppaction://hlinksldjump">
-                  <a:extLst>
-                    <a:ext uri="{A12FA001-AC4F-418D-AE19-62706E023703}">
-                      <ahyp:hlinkClr xmlns:ahyp="http://schemas.microsoft.com/office/drawing/2018/hyperlinkcolor" val="tx"/>
-                    </a:ext>
-                  </a:extLst>
-                </a:hlinkClick>
-              </a:rPr>
-              <a:t>thực</a:t>
-            </a:r>
-            <a:r>
-              <a:rPr lang="en-GB" sz="3200" i="1">
-                <a:solidFill>
-                  <a:srgbClr val="FFFFFF"/>
-                </a:solidFill>
-                <a:hlinkClick r:id="rId7" action="ppaction://hlinksldjump">
-                  <a:extLst>
-                    <a:ext uri="{A12FA001-AC4F-418D-AE19-62706E023703}">
-                      <ahyp:hlinkClr xmlns:ahyp="http://schemas.microsoft.com/office/drawing/2018/hyperlinkcolor" val="tx"/>
-                    </a:ext>
-                  </a:extLst>
-                </a:hlinkClick>
-              </a:rPr>
-              <a:t> </a:t>
-            </a:r>
-            <a:r>
-              <a:rPr lang="en-GB" sz="3200" i="1" err="1">
-                <a:solidFill>
-                  <a:srgbClr val="FFFFFF"/>
-                </a:solidFill>
-                <a:hlinkClick r:id="rId7" action="ppaction://hlinksldjump">
-                  <a:extLst>
-                    <a:ext uri="{A12FA001-AC4F-418D-AE19-62706E023703}">
-                      <ahyp:hlinkClr xmlns:ahyp="http://schemas.microsoft.com/office/drawing/2018/hyperlinkcolor" val="tx"/>
-                    </a:ext>
-                  </a:extLst>
-                </a:hlinkClick>
-              </a:rPr>
-              <a:t>thể</a:t>
-            </a:r>
-            <a:r>
-              <a:rPr lang="en-GB" sz="3200" i="1">
-                <a:solidFill>
-                  <a:srgbClr val="FFFFFF"/>
-                </a:solidFill>
-                <a:hlinkClick r:id="rId7" action="ppaction://hlinksldjump">
-                  <a:extLst>
-                    <a:ext uri="{A12FA001-AC4F-418D-AE19-62706E023703}">
-                      <ahyp:hlinkClr xmlns:ahyp="http://schemas.microsoft.com/office/drawing/2018/hyperlinkcolor" val="tx"/>
-                    </a:ext>
-                  </a:extLst>
-                </a:hlinkClick>
-              </a:rPr>
-              <a:t>(ERD)…………………....</a:t>
-            </a:r>
-            <a:r>
-              <a:rPr lang="en-GB" sz="3200" i="1">
-                <a:solidFill>
-                  <a:srgbClr val="FFFFFF"/>
-                </a:solidFill>
-              </a:rPr>
-              <a:t>16</a:t>
-            </a:r>
-          </a:p>
-          <a:p>
-            <a:r>
-              <a:rPr lang="en-GB" sz="3200" i="1">
-                <a:solidFill>
-                  <a:srgbClr val="FFFFFF"/>
-                </a:solidFill>
-                <a:sym typeface="Wingdings" panose="05000000000000000000" pitchFamily="2" charset="2"/>
-              </a:rPr>
-              <a:t> </a:t>
-            </a:r>
-            <a:r>
-              <a:rPr lang="en-US" sz="3200" i="1" err="1">
-                <a:solidFill>
-                  <a:srgbClr val="FFFFFF"/>
-                </a:solidFill>
-                <a:hlinkClick r:id="rId8" action="ppaction://hlinksldjump">
-                  <a:extLst>
-                    <a:ext uri="{A12FA001-AC4F-418D-AE19-62706E023703}">
-                      <ahyp:hlinkClr xmlns:ahyp="http://schemas.microsoft.com/office/drawing/2018/hyperlinkcolor" val="tx"/>
-                    </a:ext>
-                  </a:extLst>
-                </a:hlinkClick>
-              </a:rPr>
-              <a:t>Thiết</a:t>
-            </a:r>
-            <a:r>
-              <a:rPr lang="en-US" sz="3200" i="1">
-                <a:solidFill>
-                  <a:srgbClr val="FFFFFF"/>
-                </a:solidFill>
-                <a:hlinkClick r:id="rId8" action="ppaction://hlinksldjump">
-                  <a:extLst>
-                    <a:ext uri="{A12FA001-AC4F-418D-AE19-62706E023703}">
-                      <ahyp:hlinkClr xmlns:ahyp="http://schemas.microsoft.com/office/drawing/2018/hyperlinkcolor" val="tx"/>
-                    </a:ext>
-                  </a:extLst>
-                </a:hlinkClick>
-              </a:rPr>
-              <a:t> </a:t>
-            </a:r>
-            <a:r>
-              <a:rPr lang="en-US" sz="3200" i="1" err="1">
-                <a:solidFill>
-                  <a:srgbClr val="FFFFFF"/>
-                </a:solidFill>
-                <a:hlinkClick r:id="rId8" action="ppaction://hlinksldjump">
-                  <a:extLst>
-                    <a:ext uri="{A12FA001-AC4F-418D-AE19-62706E023703}">
-                      <ahyp:hlinkClr xmlns:ahyp="http://schemas.microsoft.com/office/drawing/2018/hyperlinkcolor" val="tx"/>
-                    </a:ext>
-                  </a:extLst>
-                </a:hlinkClick>
-              </a:rPr>
-              <a:t>kế</a:t>
-            </a:r>
-            <a:r>
-              <a:rPr lang="en-US" sz="3200" i="1">
-                <a:solidFill>
-                  <a:srgbClr val="FFFFFF"/>
-                </a:solidFill>
-                <a:hlinkClick r:id="rId8" action="ppaction://hlinksldjump">
-                  <a:extLst>
-                    <a:ext uri="{A12FA001-AC4F-418D-AE19-62706E023703}">
-                      <ahyp:hlinkClr xmlns:ahyp="http://schemas.microsoft.com/office/drawing/2018/hyperlinkcolor" val="tx"/>
-                    </a:ext>
-                  </a:extLst>
-                </a:hlinkClick>
-              </a:rPr>
-              <a:t> l</a:t>
-            </a:r>
-            <a:r>
-              <a:rPr lang="en-GB" sz="3200" i="1" err="1">
-                <a:solidFill>
-                  <a:srgbClr val="FFFFFF"/>
-                </a:solidFill>
-                <a:hlinkClick r:id="rId8" action="ppaction://hlinksldjump">
-                  <a:extLst>
-                    <a:ext uri="{A12FA001-AC4F-418D-AE19-62706E023703}">
-                      <ahyp:hlinkClr xmlns:ahyp="http://schemas.microsoft.com/office/drawing/2018/hyperlinkcolor" val="tx"/>
-                    </a:ext>
-                  </a:extLst>
-                </a:hlinkClick>
-              </a:rPr>
-              <a:t>ớp</a:t>
-            </a:r>
-            <a:r>
-              <a:rPr lang="en-GB" sz="3200" i="1">
-                <a:solidFill>
-                  <a:srgbClr val="FFFFFF"/>
-                </a:solidFill>
-                <a:hlinkClick r:id="rId8" action="ppaction://hlinksldjump">
-                  <a:extLst>
-                    <a:ext uri="{A12FA001-AC4F-418D-AE19-62706E023703}">
-                      <ahyp:hlinkClr xmlns:ahyp="http://schemas.microsoft.com/office/drawing/2018/hyperlinkcolor" val="tx"/>
-                    </a:ext>
-                  </a:extLst>
-                </a:hlinkClick>
-              </a:rPr>
-              <a:t>(Class Diagram)………………….…..</a:t>
-            </a:r>
-            <a:r>
-              <a:rPr lang="en-GB" sz="3200" i="1">
-                <a:solidFill>
-                  <a:srgbClr val="FFFFFF"/>
-                </a:solidFill>
-              </a:rPr>
-              <a:t>17</a:t>
-            </a:r>
-          </a:p>
-          <a:p>
-            <a:r>
-              <a:rPr lang="en-GB" sz="3200" i="1">
-                <a:solidFill>
-                  <a:srgbClr val="FFFFFF"/>
-                </a:solidFill>
-                <a:sym typeface="Wingdings" panose="05000000000000000000" pitchFamily="2" charset="2"/>
-              </a:rPr>
-              <a:t> </a:t>
-            </a:r>
-            <a:r>
-              <a:rPr lang="en-GB" sz="3200" i="1">
-                <a:solidFill>
-                  <a:srgbClr val="FFFFFF"/>
-                </a:solidFill>
-                <a:hlinkClick r:id="rId9" action="ppaction://hlinksldjump">
-                  <a:extLst>
-                    <a:ext uri="{A12FA001-AC4F-418D-AE19-62706E023703}">
-                      <ahyp:hlinkClr xmlns:ahyp="http://schemas.microsoft.com/office/drawing/2018/hyperlinkcolor" val="tx"/>
-                    </a:ext>
-                  </a:extLst>
-                </a:hlinkClick>
-              </a:rPr>
-              <a:t>S</a:t>
-            </a:r>
-            <a:r>
-              <a:rPr lang="vi-VN" sz="3200" i="1">
-                <a:solidFill>
-                  <a:srgbClr val="FFFFFF"/>
-                </a:solidFill>
-                <a:hlinkClick r:id="rId9" action="ppaction://hlinksldjump">
-                  <a:extLst>
-                    <a:ext uri="{A12FA001-AC4F-418D-AE19-62706E023703}">
-                      <ahyp:hlinkClr xmlns:ahyp="http://schemas.microsoft.com/office/drawing/2018/hyperlinkcolor" val="tx"/>
-                    </a:ext>
-                  </a:extLst>
-                </a:hlinkClick>
-              </a:rPr>
-              <a:t>ơ</a:t>
-            </a:r>
-            <a:r>
-              <a:rPr lang="en-GB" sz="3200" i="1">
-                <a:solidFill>
-                  <a:srgbClr val="FFFFFF"/>
-                </a:solidFill>
-                <a:hlinkClick r:id="rId9" action="ppaction://hlinksldjump">
-                  <a:extLst>
-                    <a:ext uri="{A12FA001-AC4F-418D-AE19-62706E023703}">
-                      <ahyp:hlinkClr xmlns:ahyp="http://schemas.microsoft.com/office/drawing/2018/hyperlinkcolor" val="tx"/>
-                    </a:ext>
-                  </a:extLst>
-                </a:hlinkClick>
-              </a:rPr>
-              <a:t> </a:t>
-            </a:r>
-            <a:r>
-              <a:rPr lang="en-GB" sz="3200" i="1" err="1">
-                <a:solidFill>
-                  <a:srgbClr val="FFFFFF"/>
-                </a:solidFill>
-                <a:hlinkClick r:id="rId9" action="ppaction://hlinksldjump">
-                  <a:extLst>
-                    <a:ext uri="{A12FA001-AC4F-418D-AE19-62706E023703}">
-                      <ahyp:hlinkClr xmlns:ahyp="http://schemas.microsoft.com/office/drawing/2018/hyperlinkcolor" val="tx"/>
-                    </a:ext>
-                  </a:extLst>
-                </a:hlinkClick>
-              </a:rPr>
-              <a:t>đồ</a:t>
-            </a:r>
-            <a:r>
-              <a:rPr lang="en-GB" sz="3200" i="1">
-                <a:solidFill>
-                  <a:srgbClr val="FFFFFF"/>
-                </a:solidFill>
-                <a:hlinkClick r:id="rId9" action="ppaction://hlinksldjump">
-                  <a:extLst>
-                    <a:ext uri="{A12FA001-AC4F-418D-AE19-62706E023703}">
-                      <ahyp:hlinkClr xmlns:ahyp="http://schemas.microsoft.com/office/drawing/2018/hyperlinkcolor" val="tx"/>
-                    </a:ext>
-                  </a:extLst>
-                </a:hlinkClick>
-              </a:rPr>
-              <a:t> </a:t>
-            </a:r>
-            <a:r>
-              <a:rPr lang="en-GB" sz="3200" i="1" err="1">
-                <a:solidFill>
-                  <a:srgbClr val="FFFFFF"/>
-                </a:solidFill>
-                <a:hlinkClick r:id="rId9" action="ppaction://hlinksldjump">
-                  <a:extLst>
-                    <a:ext uri="{A12FA001-AC4F-418D-AE19-62706E023703}">
-                      <ahyp:hlinkClr xmlns:ahyp="http://schemas.microsoft.com/office/drawing/2018/hyperlinkcolor" val="tx"/>
-                    </a:ext>
-                  </a:extLst>
-                </a:hlinkClick>
-              </a:rPr>
-              <a:t>lớp</a:t>
-            </a:r>
-            <a:r>
-              <a:rPr lang="en-GB" sz="3200" i="1">
-                <a:solidFill>
-                  <a:srgbClr val="FFFFFF"/>
-                </a:solidFill>
-                <a:hlinkClick r:id="rId9" action="ppaction://hlinksldjump">
-                  <a:extLst>
-                    <a:ext uri="{A12FA001-AC4F-418D-AE19-62706E023703}">
-                      <ahyp:hlinkClr xmlns:ahyp="http://schemas.microsoft.com/office/drawing/2018/hyperlinkcolor" val="tx"/>
-                    </a:ext>
-                  </a:extLst>
-                </a:hlinkClick>
-              </a:rPr>
-              <a:t>……………………………………….…..</a:t>
-            </a:r>
-            <a:r>
-              <a:rPr lang="en-GB" sz="3200" i="1">
-                <a:solidFill>
-                  <a:srgbClr val="FFFFFF"/>
-                </a:solidFill>
-              </a:rPr>
-              <a:t>18</a:t>
-            </a:r>
-          </a:p>
-          <a:p>
-            <a:r>
-              <a:rPr lang="en-GB" sz="3200" i="1">
-                <a:solidFill>
-                  <a:srgbClr val="FFFFFF"/>
-                </a:solidFill>
-                <a:sym typeface="Wingdings" panose="05000000000000000000" pitchFamily="2" charset="2"/>
-              </a:rPr>
-              <a:t> </a:t>
-            </a:r>
-            <a:r>
-              <a:rPr lang="en-US" sz="3200" i="1" err="1">
-                <a:solidFill>
-                  <a:srgbClr val="FFFFFF"/>
-                </a:solidFill>
-                <a:hlinkClick r:id="rId10" action="ppaction://hlinksldjump">
-                  <a:extLst>
-                    <a:ext uri="{A12FA001-AC4F-418D-AE19-62706E023703}">
-                      <ahyp:hlinkClr xmlns:ahyp="http://schemas.microsoft.com/office/drawing/2018/hyperlinkcolor" val="tx"/>
-                    </a:ext>
-                  </a:extLst>
-                </a:hlinkClick>
-              </a:rPr>
-              <a:t>Kiểm</a:t>
-            </a:r>
-            <a:r>
-              <a:rPr lang="en-US" sz="3200" i="1">
-                <a:solidFill>
-                  <a:srgbClr val="FFFFFF"/>
-                </a:solidFill>
-                <a:hlinkClick r:id="rId10" action="ppaction://hlinksldjump">
-                  <a:extLst>
-                    <a:ext uri="{A12FA001-AC4F-418D-AE19-62706E023703}">
-                      <ahyp:hlinkClr xmlns:ahyp="http://schemas.microsoft.com/office/drawing/2018/hyperlinkcolor" val="tx"/>
-                    </a:ext>
-                  </a:extLst>
-                </a:hlinkClick>
-              </a:rPr>
-              <a:t> </a:t>
-            </a:r>
-            <a:r>
-              <a:rPr lang="en-US" sz="3200" i="1" err="1">
-                <a:solidFill>
-                  <a:srgbClr val="FFFFFF"/>
-                </a:solidFill>
-                <a:hlinkClick r:id="rId10" action="ppaction://hlinksldjump">
-                  <a:extLst>
-                    <a:ext uri="{A12FA001-AC4F-418D-AE19-62706E023703}">
-                      <ahyp:hlinkClr xmlns:ahyp="http://schemas.microsoft.com/office/drawing/2018/hyperlinkcolor" val="tx"/>
-                    </a:ext>
-                  </a:extLst>
-                </a:hlinkClick>
-              </a:rPr>
-              <a:t>th</a:t>
-            </a:r>
-            <a:r>
-              <a:rPr lang="en-GB" sz="3200" i="1">
-                <a:solidFill>
-                  <a:srgbClr val="FFFFFF"/>
-                </a:solidFill>
-                <a:hlinkClick r:id="rId10" action="ppaction://hlinksldjump">
-                  <a:extLst>
-                    <a:ext uri="{A12FA001-AC4F-418D-AE19-62706E023703}">
-                      <ahyp:hlinkClr xmlns:ahyp="http://schemas.microsoft.com/office/drawing/2018/hyperlinkcolor" val="tx"/>
-                    </a:ext>
-                  </a:extLst>
-                </a:hlinkClick>
-              </a:rPr>
-              <a:t>ử DAL………………………………….…..</a:t>
-            </a:r>
-            <a:r>
-              <a:rPr lang="en-GB" sz="3200" i="1">
-                <a:solidFill>
-                  <a:srgbClr val="FFFFFF"/>
-                </a:solidFill>
-              </a:rPr>
-              <a:t>19</a:t>
-            </a:r>
-          </a:p>
-          <a:p>
-            <a:r>
-              <a:rPr lang="en-GB" sz="3200" i="1">
-                <a:solidFill>
-                  <a:srgbClr val="FFFFFF"/>
-                </a:solidFill>
-                <a:sym typeface="Wingdings" panose="05000000000000000000" pitchFamily="2" charset="2"/>
-              </a:rPr>
-              <a:t> </a:t>
-            </a:r>
-            <a:r>
-              <a:rPr lang="en-GB" sz="3200" i="1" err="1">
-                <a:solidFill>
-                  <a:srgbClr val="FFFFFF"/>
-                </a:solidFill>
-                <a:hlinkClick r:id="rId11" action="ppaction://hlinksldjump">
-                  <a:extLst>
-                    <a:ext uri="{A12FA001-AC4F-418D-AE19-62706E023703}">
-                      <ahyp:hlinkClr xmlns:ahyp="http://schemas.microsoft.com/office/drawing/2018/hyperlinkcolor" val="tx"/>
-                    </a:ext>
-                  </a:extLst>
-                </a:hlinkClick>
-              </a:rPr>
-              <a:t>Kiểm</a:t>
-            </a:r>
-            <a:r>
-              <a:rPr lang="en-GB" sz="3200" i="1">
-                <a:solidFill>
-                  <a:srgbClr val="FFFFFF"/>
-                </a:solidFill>
-                <a:hlinkClick r:id="rId11" action="ppaction://hlinksldjump">
-                  <a:extLst>
-                    <a:ext uri="{A12FA001-AC4F-418D-AE19-62706E023703}">
-                      <ahyp:hlinkClr xmlns:ahyp="http://schemas.microsoft.com/office/drawing/2018/hyperlinkcolor" val="tx"/>
-                    </a:ext>
-                  </a:extLst>
-                </a:hlinkClick>
-              </a:rPr>
-              <a:t> </a:t>
-            </a:r>
-            <a:r>
-              <a:rPr lang="en-GB" sz="3200" i="1" err="1">
-                <a:solidFill>
-                  <a:srgbClr val="FFFFFF"/>
-                </a:solidFill>
-                <a:hlinkClick r:id="rId11" action="ppaction://hlinksldjump">
-                  <a:extLst>
-                    <a:ext uri="{A12FA001-AC4F-418D-AE19-62706E023703}">
-                      <ahyp:hlinkClr xmlns:ahyp="http://schemas.microsoft.com/office/drawing/2018/hyperlinkcolor" val="tx"/>
-                    </a:ext>
-                  </a:extLst>
-                </a:hlinkClick>
-              </a:rPr>
-              <a:t>thử</a:t>
-            </a:r>
-            <a:r>
-              <a:rPr lang="en-GB" sz="3200" i="1">
-                <a:solidFill>
-                  <a:srgbClr val="FFFFFF"/>
-                </a:solidFill>
-                <a:hlinkClick r:id="rId11" action="ppaction://hlinksldjump">
-                  <a:extLst>
-                    <a:ext uri="{A12FA001-AC4F-418D-AE19-62706E023703}">
-                      <ahyp:hlinkClr xmlns:ahyp="http://schemas.microsoft.com/office/drawing/2018/hyperlinkcolor" val="tx"/>
-                    </a:ext>
-                  </a:extLst>
-                </a:hlinkClick>
-              </a:rPr>
-              <a:t> BL........................................................</a:t>
-            </a:r>
-            <a:r>
-              <a:rPr lang="en-GB" sz="3200" i="1">
-                <a:solidFill>
-                  <a:srgbClr val="FFFFFF"/>
-                </a:solidFill>
-              </a:rPr>
-              <a:t>20</a:t>
-            </a:r>
-          </a:p>
-          <a:p>
-            <a:r>
-              <a:rPr lang="en-GB" sz="3200" i="1">
-                <a:solidFill>
-                  <a:srgbClr val="FFFFFF"/>
-                </a:solidFill>
-                <a:sym typeface="Wingdings" panose="05000000000000000000" pitchFamily="2" charset="2"/>
-              </a:rPr>
-              <a:t> </a:t>
-            </a:r>
-            <a:r>
-              <a:rPr lang="en-GB" sz="3200" i="1" err="1">
-                <a:solidFill>
-                  <a:srgbClr val="FFFFFF"/>
-                </a:solidFill>
-                <a:hlinkClick r:id="rId12" action="ppaction://hlinksldjump">
-                  <a:extLst>
-                    <a:ext uri="{A12FA001-AC4F-418D-AE19-62706E023703}">
-                      <ahyp:hlinkClr xmlns:ahyp="http://schemas.microsoft.com/office/drawing/2018/hyperlinkcolor" val="tx"/>
-                    </a:ext>
-                  </a:extLst>
-                </a:hlinkClick>
-              </a:rPr>
-              <a:t>Thiết</a:t>
-            </a:r>
-            <a:r>
-              <a:rPr lang="en-GB" sz="3200" i="1">
-                <a:solidFill>
-                  <a:srgbClr val="FFFFFF"/>
-                </a:solidFill>
-                <a:hlinkClick r:id="rId12" action="ppaction://hlinksldjump">
-                  <a:extLst>
-                    <a:ext uri="{A12FA001-AC4F-418D-AE19-62706E023703}">
-                      <ahyp:hlinkClr xmlns:ahyp="http://schemas.microsoft.com/office/drawing/2018/hyperlinkcolor" val="tx"/>
-                    </a:ext>
-                  </a:extLst>
-                </a:hlinkClick>
-              </a:rPr>
-              <a:t> </a:t>
-            </a:r>
-            <a:r>
-              <a:rPr lang="en-GB" sz="3200" i="1" err="1">
-                <a:solidFill>
-                  <a:srgbClr val="FFFFFF"/>
-                </a:solidFill>
-                <a:hlinkClick r:id="rId12" action="ppaction://hlinksldjump">
-                  <a:extLst>
-                    <a:ext uri="{A12FA001-AC4F-418D-AE19-62706E023703}">
-                      <ahyp:hlinkClr xmlns:ahyp="http://schemas.microsoft.com/office/drawing/2018/hyperlinkcolor" val="tx"/>
-                    </a:ext>
-                  </a:extLst>
-                </a:hlinkClick>
-              </a:rPr>
-              <a:t>kế</a:t>
-            </a:r>
-            <a:r>
-              <a:rPr lang="en-GB" sz="3200" i="1">
-                <a:solidFill>
-                  <a:srgbClr val="FFFFFF"/>
-                </a:solidFill>
-                <a:hlinkClick r:id="rId12" action="ppaction://hlinksldjump">
-                  <a:extLst>
-                    <a:ext uri="{A12FA001-AC4F-418D-AE19-62706E023703}">
-                      <ahyp:hlinkClr xmlns:ahyp="http://schemas.microsoft.com/office/drawing/2018/hyperlinkcolor" val="tx"/>
-                    </a:ext>
-                  </a:extLst>
-                </a:hlinkClick>
-              </a:rPr>
-              <a:t> </a:t>
-            </a:r>
-            <a:r>
-              <a:rPr lang="en-GB" sz="3200" i="1" err="1">
-                <a:solidFill>
-                  <a:srgbClr val="FFFFFF"/>
-                </a:solidFill>
-                <a:hlinkClick r:id="rId12" action="ppaction://hlinksldjump">
-                  <a:extLst>
-                    <a:ext uri="{A12FA001-AC4F-418D-AE19-62706E023703}">
-                      <ahyp:hlinkClr xmlns:ahyp="http://schemas.microsoft.com/office/drawing/2018/hyperlinkcolor" val="tx"/>
-                    </a:ext>
-                  </a:extLst>
-                </a:hlinkClick>
-              </a:rPr>
-              <a:t>giao</a:t>
-            </a:r>
-            <a:r>
-              <a:rPr lang="en-GB" sz="3200" i="1">
-                <a:solidFill>
-                  <a:srgbClr val="FFFFFF"/>
-                </a:solidFill>
-                <a:hlinkClick r:id="rId12" action="ppaction://hlinksldjump">
-                  <a:extLst>
-                    <a:ext uri="{A12FA001-AC4F-418D-AE19-62706E023703}">
-                      <ahyp:hlinkClr xmlns:ahyp="http://schemas.microsoft.com/office/drawing/2018/hyperlinkcolor" val="tx"/>
-                    </a:ext>
-                  </a:extLst>
-                </a:hlinkClick>
-              </a:rPr>
-              <a:t> </a:t>
-            </a:r>
-            <a:r>
-              <a:rPr lang="en-GB" sz="3200" i="1" err="1">
-                <a:solidFill>
-                  <a:srgbClr val="FFFFFF"/>
-                </a:solidFill>
-                <a:hlinkClick r:id="rId12" action="ppaction://hlinksldjump">
-                  <a:extLst>
-                    <a:ext uri="{A12FA001-AC4F-418D-AE19-62706E023703}">
-                      <ahyp:hlinkClr xmlns:ahyp="http://schemas.microsoft.com/office/drawing/2018/hyperlinkcolor" val="tx"/>
-                    </a:ext>
-                  </a:extLst>
-                </a:hlinkClick>
-              </a:rPr>
-              <a:t>diện</a:t>
-            </a:r>
-            <a:r>
-              <a:rPr lang="en-GB" sz="3200" i="1">
-                <a:solidFill>
-                  <a:srgbClr val="FFFFFF"/>
-                </a:solidFill>
-                <a:hlinkClick r:id="rId12" action="ppaction://hlinksldjump">
-                  <a:extLst>
-                    <a:ext uri="{A12FA001-AC4F-418D-AE19-62706E023703}">
-                      <ahyp:hlinkClr xmlns:ahyp="http://schemas.microsoft.com/office/drawing/2018/hyperlinkcolor" val="tx"/>
-                    </a:ext>
-                  </a:extLst>
-                </a:hlinkClick>
-              </a:rPr>
-              <a:t>(GUI)…..………………….…...</a:t>
-            </a:r>
-            <a:r>
-              <a:rPr lang="en-GB" sz="3200" i="1">
-                <a:solidFill>
-                  <a:srgbClr val="FFFFFF"/>
-                </a:solidFill>
-              </a:rPr>
-              <a:t>21</a:t>
-            </a:r>
-            <a:endParaRPr lang="en-US" sz="3200" i="1">
-              <a:solidFill>
-                <a:srgbClr val="FFFFFF"/>
-              </a:solidFill>
-            </a:endParaRPr>
-          </a:p>
-        </p:txBody>
-      </p:sp>
-    </p:spTree>
-    <p:extLst>
-      <p:ext uri="{BB962C8B-B14F-4D97-AF65-F5344CB8AC3E}">
-        <p14:creationId xmlns:p14="http://schemas.microsoft.com/office/powerpoint/2010/main" val="1345025226"/>
-      </p:ext>
-    </p:extLst>
-  </p:cSld>
-  <p:clrMapOvr>
-    <a:masterClrMapping/>
-  </p:clrMapOvr>
-</p:sld>
-</file>
-
-<file path=ppt/slides/slide4.xml><?xml version="1.0" encoding="utf-8"?>
-<p:sld xmlns:a="http://schemas.openxmlformats.org/drawingml/2006/main" xmlns:r="http://schemas.openxmlformats.org/officeDocument/2006/relationships" xmlns:p="http://schemas.openxmlformats.org/presentationml/2006/main">
-  <p:cSld>
-    <p:spTree>
-      <p:nvGrpSpPr>
         <p:cNvPr id="1" name="Shape 91"/>
         <p:cNvGrpSpPr/>
         <p:nvPr/>
@@ -26062,7 +24407,7 @@
         <p:spPr>
           <a:xfrm>
             <a:off x="732692" y="1691058"/>
-            <a:ext cx="14296877" cy="6832640"/>
+            <a:ext cx="14296877" cy="6186309"/>
           </a:xfrm>
           <a:prstGeom prst="rect">
             <a:avLst/>
@@ -26076,159 +24421,148 @@
           <a:lstStyle/>
           <a:p>
             <a:r>
-              <a:rPr lang="en-GB" sz="3600">
-                <a:latin typeface="Times New Roman" panose="02020603050405020304" pitchFamily="18" charset="0"/>
-                <a:cs typeface="Times New Roman" panose="02020603050405020304" pitchFamily="18" charset="0"/>
-              </a:rPr>
-              <a:t>1.Hệ </a:t>
-            </a:r>
-            <a:r>
-              <a:rPr lang="en-GB" sz="3600" err="1">
+              <a:rPr lang="en-GB" sz="3600" b="1">
+                <a:latin typeface="Times New Roman" panose="02020603050405020304" pitchFamily="18" charset="0"/>
+                <a:cs typeface="Times New Roman" panose="02020603050405020304" pitchFamily="18" charset="0"/>
+              </a:rPr>
+              <a:t>1. Hệ </a:t>
+            </a:r>
+            <a:r>
+              <a:rPr lang="en-GB" sz="3600" b="1" err="1">
                 <a:latin typeface="Times New Roman" panose="02020603050405020304" pitchFamily="18" charset="0"/>
                 <a:cs typeface="Times New Roman" panose="02020603050405020304" pitchFamily="18" charset="0"/>
               </a:rPr>
               <a:t>thống</a:t>
             </a:r>
             <a:r>
-              <a:rPr lang="en-GB" sz="3600">
+              <a:rPr lang="en-GB" sz="3600" b="1">
                 <a:latin typeface="Times New Roman" panose="02020603050405020304" pitchFamily="18" charset="0"/>
                 <a:cs typeface="Times New Roman" panose="02020603050405020304" pitchFamily="18" charset="0"/>
               </a:rPr>
               <a:t> </a:t>
             </a:r>
             <a:r>
-              <a:rPr lang="en-GB" sz="3600" err="1">
+              <a:rPr lang="en-GB" sz="3600" b="1" err="1">
                 <a:latin typeface="Times New Roman" panose="02020603050405020304" pitchFamily="18" charset="0"/>
                 <a:cs typeface="Times New Roman" panose="02020603050405020304" pitchFamily="18" charset="0"/>
               </a:rPr>
               <a:t>dự</a:t>
             </a:r>
             <a:r>
-              <a:rPr lang="en-GB" sz="3600">
+              <a:rPr lang="en-GB" sz="3600" b="1">
                 <a:latin typeface="Times New Roman" panose="02020603050405020304" pitchFamily="18" charset="0"/>
                 <a:cs typeface="Times New Roman" panose="02020603050405020304" pitchFamily="18" charset="0"/>
               </a:rPr>
               <a:t> </a:t>
             </a:r>
             <a:r>
-              <a:rPr lang="en-GB" sz="3600" err="1">
+              <a:rPr lang="en-GB" sz="3600" b="1" err="1">
                 <a:latin typeface="Times New Roman" panose="02020603050405020304" pitchFamily="18" charset="0"/>
                 <a:cs typeface="Times New Roman" panose="02020603050405020304" pitchFamily="18" charset="0"/>
               </a:rPr>
               <a:t>định</a:t>
             </a:r>
             <a:r>
-              <a:rPr lang="en-GB" sz="3600">
+              <a:rPr lang="en-GB" sz="3600" b="1">
                 <a:latin typeface="Times New Roman" panose="02020603050405020304" pitchFamily="18" charset="0"/>
                 <a:cs typeface="Times New Roman" panose="02020603050405020304" pitchFamily="18" charset="0"/>
               </a:rPr>
               <a:t> </a:t>
             </a:r>
             <a:r>
-              <a:rPr lang="en-GB" sz="3600" err="1">
+              <a:rPr lang="en-GB" sz="3600" b="1" err="1">
                 <a:latin typeface="Times New Roman" panose="02020603050405020304" pitchFamily="18" charset="0"/>
                 <a:cs typeface="Times New Roman" panose="02020603050405020304" pitchFamily="18" charset="0"/>
               </a:rPr>
               <a:t>sẽ</a:t>
             </a:r>
             <a:r>
-              <a:rPr lang="en-GB" sz="3600">
+              <a:rPr lang="en-GB" sz="3600" b="1">
                 <a:latin typeface="Times New Roman" panose="02020603050405020304" pitchFamily="18" charset="0"/>
                 <a:cs typeface="Times New Roman" panose="02020603050405020304" pitchFamily="18" charset="0"/>
               </a:rPr>
               <a:t> </a:t>
             </a:r>
             <a:r>
-              <a:rPr lang="en-GB" sz="3600" err="1">
+              <a:rPr lang="en-GB" sz="3600" b="1" err="1">
                 <a:latin typeface="Times New Roman" panose="02020603050405020304" pitchFamily="18" charset="0"/>
                 <a:cs typeface="Times New Roman" panose="02020603050405020304" pitchFamily="18" charset="0"/>
               </a:rPr>
               <a:t>làm</a:t>
             </a:r>
-            <a:endParaRPr lang="en-GB" sz="3600">
+            <a:endParaRPr lang="en-GB" sz="3600" b="1">
               <a:latin typeface="Times New Roman" panose="02020603050405020304" pitchFamily="18" charset="0"/>
               <a:cs typeface="Times New Roman" panose="02020603050405020304" pitchFamily="18" charset="0"/>
             </a:endParaRPr>
           </a:p>
           <a:p>
             <a:r>
-              <a:rPr lang="en-GB" sz="3400">
+              <a:rPr lang="en-GB" sz="3600">
                 <a:latin typeface="Times New Roman" panose="02020603050405020304" pitchFamily="18" charset="0"/>
                 <a:cs typeface="Times New Roman" panose="02020603050405020304" pitchFamily="18" charset="0"/>
               </a:rPr>
               <a:t>       </a:t>
             </a:r>
             <a:r>
-              <a:rPr lang="en-GB" sz="3400" err="1">
+              <a:rPr lang="en-GB" sz="3600" err="1">
                 <a:latin typeface="Times New Roman" panose="02020603050405020304" pitchFamily="18" charset="0"/>
                 <a:cs typeface="Times New Roman" panose="02020603050405020304" pitchFamily="18" charset="0"/>
               </a:rPr>
               <a:t>Bán</a:t>
             </a:r>
             <a:r>
-              <a:rPr lang="en-GB" sz="3400">
+              <a:rPr lang="en-GB" sz="3600">
                 <a:latin typeface="Times New Roman" panose="02020603050405020304" pitchFamily="18" charset="0"/>
                 <a:cs typeface="Times New Roman" panose="02020603050405020304" pitchFamily="18" charset="0"/>
               </a:rPr>
               <a:t> </a:t>
             </a:r>
             <a:r>
-              <a:rPr lang="en-GB" sz="3400" err="1">
+              <a:rPr lang="en-GB" sz="3600" err="1">
                 <a:latin typeface="Times New Roman" panose="02020603050405020304" pitchFamily="18" charset="0"/>
                 <a:cs typeface="Times New Roman" panose="02020603050405020304" pitchFamily="18" charset="0"/>
               </a:rPr>
               <a:t>sách</a:t>
             </a:r>
             <a:r>
-              <a:rPr lang="en-GB" sz="3400">
+              <a:rPr lang="en-GB" sz="3600">
                 <a:latin typeface="Times New Roman" panose="02020603050405020304" pitchFamily="18" charset="0"/>
                 <a:cs typeface="Times New Roman" panose="02020603050405020304" pitchFamily="18" charset="0"/>
               </a:rPr>
               <a:t> </a:t>
             </a:r>
             <a:r>
-              <a:rPr lang="en-GB" sz="3400" err="1">
+              <a:rPr lang="en-GB" sz="3600" err="1">
                 <a:latin typeface="Times New Roman" panose="02020603050405020304" pitchFamily="18" charset="0"/>
                 <a:cs typeface="Times New Roman" panose="02020603050405020304" pitchFamily="18" charset="0"/>
               </a:rPr>
               <a:t>điện</a:t>
             </a:r>
             <a:r>
-              <a:rPr lang="en-GB" sz="3400">
-                <a:latin typeface="Times New Roman" panose="02020603050405020304" pitchFamily="18" charset="0"/>
-                <a:cs typeface="Times New Roman" panose="02020603050405020304" pitchFamily="18" charset="0"/>
-              </a:rPr>
-              <a:t> </a:t>
-            </a:r>
-            <a:r>
-              <a:rPr lang="en-GB" sz="3400" err="1">
-                <a:latin typeface="Times New Roman" panose="02020603050405020304" pitchFamily="18" charset="0"/>
-                <a:cs typeface="Times New Roman" panose="02020603050405020304" pitchFamily="18" charset="0"/>
-              </a:rPr>
-              <a:t>tử</a:t>
-            </a:r>
-            <a:endParaRPr lang="en-GB" sz="3400">
-              <a:latin typeface="Times New Roman" panose="02020603050405020304" pitchFamily="18" charset="0"/>
-              <a:cs typeface="Times New Roman" panose="02020603050405020304" pitchFamily="18" charset="0"/>
-            </a:endParaRPr>
+              <a:rPr lang="en-GB" sz="3600">
+                <a:latin typeface="Times New Roman" panose="02020603050405020304" pitchFamily="18" charset="0"/>
+                <a:cs typeface="Times New Roman" panose="02020603050405020304" pitchFamily="18" charset="0"/>
+              </a:rPr>
+              <a:t> tử</a:t>
+            </a:r>
           </a:p>
           <a:p>
             <a:r>
-              <a:rPr lang="en-GB" sz="3600">
-                <a:latin typeface="Times New Roman" panose="02020603050405020304" pitchFamily="18" charset="0"/>
-                <a:cs typeface="Times New Roman" panose="02020603050405020304" pitchFamily="18" charset="0"/>
-              </a:rPr>
-              <a:t>2.Mục </a:t>
-            </a:r>
-            <a:r>
-              <a:rPr lang="en-GB" sz="3600" err="1">
+              <a:rPr lang="en-GB" sz="3600" b="1">
+                <a:latin typeface="Times New Roman" panose="02020603050405020304" pitchFamily="18" charset="0"/>
+                <a:cs typeface="Times New Roman" panose="02020603050405020304" pitchFamily="18" charset="0"/>
+              </a:rPr>
+              <a:t>2. Mục </a:t>
+            </a:r>
+            <a:r>
+              <a:rPr lang="en-GB" sz="3600" b="1" err="1">
                 <a:latin typeface="Times New Roman" panose="02020603050405020304" pitchFamily="18" charset="0"/>
                 <a:cs typeface="Times New Roman" panose="02020603050405020304" pitchFamily="18" charset="0"/>
               </a:rPr>
               <a:t>đích</a:t>
             </a:r>
             <a:r>
-              <a:rPr lang="en-GB" sz="3600">
+              <a:rPr lang="en-GB" sz="3600" b="1">
                 <a:latin typeface="Times New Roman" panose="02020603050405020304" pitchFamily="18" charset="0"/>
                 <a:cs typeface="Times New Roman" panose="02020603050405020304" pitchFamily="18" charset="0"/>
               </a:rPr>
@@ -26237,637 +24571,637 @@
           </a:p>
           <a:p>
             <a:r>
-              <a:rPr lang="en-GB" sz="4300">
+              <a:rPr lang="en-GB" sz="3600">
                 <a:latin typeface="Times New Roman" panose="02020603050405020304" pitchFamily="18" charset="0"/>
                 <a:cs typeface="Times New Roman" panose="02020603050405020304" pitchFamily="18" charset="0"/>
               </a:rPr>
               <a:t>       </a:t>
             </a:r>
             <a:r>
-              <a:rPr lang="en-GB" sz="3400" err="1">
+              <a:rPr lang="en-GB" sz="3600" err="1">
                 <a:latin typeface="Times New Roman" panose="02020603050405020304" pitchFamily="18" charset="0"/>
                 <a:cs typeface="Times New Roman" panose="02020603050405020304" pitchFamily="18" charset="0"/>
               </a:rPr>
               <a:t>Tạo</a:t>
             </a:r>
             <a:r>
-              <a:rPr lang="en-GB" sz="3400">
+              <a:rPr lang="en-GB" sz="3600">
                 <a:latin typeface="Times New Roman" panose="02020603050405020304" pitchFamily="18" charset="0"/>
                 <a:cs typeface="Times New Roman" panose="02020603050405020304" pitchFamily="18" charset="0"/>
               </a:rPr>
               <a:t> </a:t>
             </a:r>
             <a:r>
-              <a:rPr lang="en-GB" sz="3400" err="1">
+              <a:rPr lang="en-GB" sz="3600" err="1">
                 <a:latin typeface="Times New Roman" panose="02020603050405020304" pitchFamily="18" charset="0"/>
                 <a:cs typeface="Times New Roman" panose="02020603050405020304" pitchFamily="18" charset="0"/>
               </a:rPr>
               <a:t>một</a:t>
             </a:r>
             <a:r>
-              <a:rPr lang="en-GB" sz="3400">
+              <a:rPr lang="en-GB" sz="3600">
                 <a:latin typeface="Times New Roman" panose="02020603050405020304" pitchFamily="18" charset="0"/>
                 <a:cs typeface="Times New Roman" panose="02020603050405020304" pitchFamily="18" charset="0"/>
               </a:rPr>
               <a:t> </a:t>
             </a:r>
             <a:r>
-              <a:rPr lang="en-GB" sz="3400" err="1">
+              <a:rPr lang="en-GB" sz="3600" err="1">
                 <a:latin typeface="Times New Roman" panose="02020603050405020304" pitchFamily="18" charset="0"/>
                 <a:cs typeface="Times New Roman" panose="02020603050405020304" pitchFamily="18" charset="0"/>
               </a:rPr>
               <a:t>cửa</a:t>
             </a:r>
             <a:r>
-              <a:rPr lang="en-GB" sz="3400">
+              <a:rPr lang="en-GB" sz="3600">
                 <a:latin typeface="Times New Roman" panose="02020603050405020304" pitchFamily="18" charset="0"/>
                 <a:cs typeface="Times New Roman" panose="02020603050405020304" pitchFamily="18" charset="0"/>
               </a:rPr>
               <a:t> </a:t>
             </a:r>
             <a:r>
-              <a:rPr lang="en-GB" sz="3400" err="1">
+              <a:rPr lang="en-GB" sz="3600" err="1">
                 <a:latin typeface="Times New Roman" panose="02020603050405020304" pitchFamily="18" charset="0"/>
                 <a:cs typeface="Times New Roman" panose="02020603050405020304" pitchFamily="18" charset="0"/>
               </a:rPr>
               <a:t>hàng</a:t>
             </a:r>
             <a:r>
-              <a:rPr lang="en-GB" sz="3400">
+              <a:rPr lang="en-GB" sz="3600">
                 <a:latin typeface="Times New Roman" panose="02020603050405020304" pitchFamily="18" charset="0"/>
                 <a:cs typeface="Times New Roman" panose="02020603050405020304" pitchFamily="18" charset="0"/>
               </a:rPr>
               <a:t> </a:t>
             </a:r>
             <a:r>
-              <a:rPr lang="en-GB" sz="3400" err="1">
+              <a:rPr lang="en-GB" sz="3600" err="1">
                 <a:latin typeface="Times New Roman" panose="02020603050405020304" pitchFamily="18" charset="0"/>
                 <a:cs typeface="Times New Roman" panose="02020603050405020304" pitchFamily="18" charset="0"/>
               </a:rPr>
               <a:t>bán</a:t>
             </a:r>
             <a:r>
-              <a:rPr lang="en-GB" sz="3400">
+              <a:rPr lang="en-GB" sz="3600">
                 <a:latin typeface="Times New Roman" panose="02020603050405020304" pitchFamily="18" charset="0"/>
                 <a:cs typeface="Times New Roman" panose="02020603050405020304" pitchFamily="18" charset="0"/>
               </a:rPr>
               <a:t> </a:t>
             </a:r>
             <a:r>
-              <a:rPr lang="en-GB" sz="3400" err="1">
+              <a:rPr lang="en-GB" sz="3600" err="1">
                 <a:latin typeface="Times New Roman" panose="02020603050405020304" pitchFamily="18" charset="0"/>
                 <a:cs typeface="Times New Roman" panose="02020603050405020304" pitchFamily="18" charset="0"/>
               </a:rPr>
               <a:t>sách</a:t>
             </a:r>
             <a:r>
-              <a:rPr lang="en-GB" sz="3400">
+              <a:rPr lang="en-GB" sz="3600">
                 <a:latin typeface="Times New Roman" panose="02020603050405020304" pitchFamily="18" charset="0"/>
                 <a:cs typeface="Times New Roman" panose="02020603050405020304" pitchFamily="18" charset="0"/>
               </a:rPr>
               <a:t> </a:t>
             </a:r>
             <a:r>
-              <a:rPr lang="en-GB" sz="3400" err="1">
-                <a:latin typeface="Times New Roman" panose="02020603050405020304" pitchFamily="18" charset="0"/>
-                <a:cs typeface="Times New Roman" panose="02020603050405020304" pitchFamily="18" charset="0"/>
-              </a:rPr>
-              <a:t>online,mang</a:t>
-            </a:r>
-            <a:r>
-              <a:rPr lang="en-GB" sz="3400">
+              <a:rPr lang="en-GB" sz="3600" err="1">
+                <a:latin typeface="Times New Roman" panose="02020603050405020304" pitchFamily="18" charset="0"/>
+                <a:cs typeface="Times New Roman" panose="02020603050405020304" pitchFamily="18" charset="0"/>
+              </a:rPr>
+              <a:t>online</a:t>
+            </a:r>
+            <a:r>
+              <a:rPr lang="en-GB" sz="3600">
+                <a:latin typeface="Times New Roman" panose="02020603050405020304" pitchFamily="18" charset="0"/>
+                <a:cs typeface="Times New Roman" panose="02020603050405020304" pitchFamily="18" charset="0"/>
+              </a:rPr>
+              <a:t>, mang </a:t>
+            </a:r>
+            <a:r>
+              <a:rPr lang="en-GB" sz="3600" err="1">
+                <a:latin typeface="Times New Roman" panose="02020603050405020304" pitchFamily="18" charset="0"/>
+                <a:cs typeface="Times New Roman" panose="02020603050405020304" pitchFamily="18" charset="0"/>
+              </a:rPr>
+              <a:t>đến</a:t>
+            </a:r>
+            <a:r>
+              <a:rPr lang="en-GB" sz="3600">
                 <a:latin typeface="Times New Roman" panose="02020603050405020304" pitchFamily="18" charset="0"/>
                 <a:cs typeface="Times New Roman" panose="02020603050405020304" pitchFamily="18" charset="0"/>
               </a:rPr>
               <a:t> </a:t>
             </a:r>
             <a:r>
-              <a:rPr lang="en-GB" sz="3400" err="1">
-                <a:latin typeface="Times New Roman" panose="02020603050405020304" pitchFamily="18" charset="0"/>
-                <a:cs typeface="Times New Roman" panose="02020603050405020304" pitchFamily="18" charset="0"/>
-              </a:rPr>
-              <a:t>đến</a:t>
-            </a:r>
-            <a:r>
-              <a:rPr lang="en-GB" sz="3400">
+              <a:rPr lang="en-GB" sz="3600" err="1">
+                <a:latin typeface="Times New Roman" panose="02020603050405020304" pitchFamily="18" charset="0"/>
+                <a:cs typeface="Times New Roman" panose="02020603050405020304" pitchFamily="18" charset="0"/>
+              </a:rPr>
+              <a:t>cho</a:t>
+            </a:r>
+            <a:r>
+              <a:rPr lang="en-GB" sz="3600">
+                <a:latin typeface="Times New Roman" panose="02020603050405020304" pitchFamily="18" charset="0"/>
+                <a:cs typeface="Times New Roman" panose="02020603050405020304" pitchFamily="18" charset="0"/>
+              </a:rPr>
+              <a:t> ng</a:t>
+            </a:r>
+            <a:r>
+              <a:rPr lang="vi-VN" sz="3600">
+                <a:latin typeface="Times New Roman" panose="02020603050405020304" pitchFamily="18" charset="0"/>
+                <a:cs typeface="Times New Roman" panose="02020603050405020304" pitchFamily="18" charset="0"/>
+              </a:rPr>
+              <a:t>ư</a:t>
+            </a:r>
+            <a:r>
+              <a:rPr lang="en-GB" sz="3600" err="1">
+                <a:latin typeface="Times New Roman" panose="02020603050405020304" pitchFamily="18" charset="0"/>
+                <a:cs typeface="Times New Roman" panose="02020603050405020304" pitchFamily="18" charset="0"/>
+              </a:rPr>
+              <a:t>ời</a:t>
+            </a:r>
+            <a:r>
+              <a:rPr lang="en-GB" sz="3600">
                 <a:latin typeface="Times New Roman" panose="02020603050405020304" pitchFamily="18" charset="0"/>
                 <a:cs typeface="Times New Roman" panose="02020603050405020304" pitchFamily="18" charset="0"/>
               </a:rPr>
               <a:t> </a:t>
             </a:r>
             <a:r>
-              <a:rPr lang="en-GB" sz="3400" err="1">
-                <a:latin typeface="Times New Roman" panose="02020603050405020304" pitchFamily="18" charset="0"/>
-                <a:cs typeface="Times New Roman" panose="02020603050405020304" pitchFamily="18" charset="0"/>
-              </a:rPr>
-              <a:t>cho</a:t>
-            </a:r>
-            <a:r>
-              <a:rPr lang="en-GB" sz="3400">
-                <a:latin typeface="Times New Roman" panose="02020603050405020304" pitchFamily="18" charset="0"/>
-                <a:cs typeface="Times New Roman" panose="02020603050405020304" pitchFamily="18" charset="0"/>
-              </a:rPr>
-              <a:t> ng</a:t>
-            </a:r>
-            <a:r>
-              <a:rPr lang="vi-VN" sz="3400">
-                <a:latin typeface="Times New Roman" panose="02020603050405020304" pitchFamily="18" charset="0"/>
-                <a:cs typeface="Times New Roman" panose="02020603050405020304" pitchFamily="18" charset="0"/>
-              </a:rPr>
-              <a:t>ư</a:t>
-            </a:r>
-            <a:r>
-              <a:rPr lang="en-GB" sz="3400" err="1">
-                <a:latin typeface="Times New Roman" panose="02020603050405020304" pitchFamily="18" charset="0"/>
-                <a:cs typeface="Times New Roman" panose="02020603050405020304" pitchFamily="18" charset="0"/>
-              </a:rPr>
-              <a:t>ời</a:t>
-            </a:r>
-            <a:r>
-              <a:rPr lang="en-GB" sz="3400">
+              <a:rPr lang="en-GB" sz="3600" err="1">
+                <a:latin typeface="Times New Roman" panose="02020603050405020304" pitchFamily="18" charset="0"/>
+                <a:cs typeface="Times New Roman" panose="02020603050405020304" pitchFamily="18" charset="0"/>
+              </a:rPr>
+              <a:t>dùng</a:t>
+            </a:r>
+            <a:r>
+              <a:rPr lang="en-GB" sz="3600">
                 <a:latin typeface="Times New Roman" panose="02020603050405020304" pitchFamily="18" charset="0"/>
                 <a:cs typeface="Times New Roman" panose="02020603050405020304" pitchFamily="18" charset="0"/>
               </a:rPr>
               <a:t> </a:t>
             </a:r>
             <a:r>
-              <a:rPr lang="en-GB" sz="3400" err="1">
-                <a:latin typeface="Times New Roman" panose="02020603050405020304" pitchFamily="18" charset="0"/>
-                <a:cs typeface="Times New Roman" panose="02020603050405020304" pitchFamily="18" charset="0"/>
-              </a:rPr>
-              <a:t>dùng</a:t>
-            </a:r>
-            <a:r>
-              <a:rPr lang="en-GB" sz="3400">
+              <a:rPr lang="en-GB" sz="3600" err="1">
+                <a:latin typeface="Times New Roman" panose="02020603050405020304" pitchFamily="18" charset="0"/>
+                <a:cs typeface="Times New Roman" panose="02020603050405020304" pitchFamily="18" charset="0"/>
+              </a:rPr>
+              <a:t>những</a:t>
+            </a:r>
+            <a:r>
+              <a:rPr lang="en-GB" sz="3600">
                 <a:latin typeface="Times New Roman" panose="02020603050405020304" pitchFamily="18" charset="0"/>
                 <a:cs typeface="Times New Roman" panose="02020603050405020304" pitchFamily="18" charset="0"/>
               </a:rPr>
               <a:t> </a:t>
             </a:r>
             <a:r>
-              <a:rPr lang="en-GB" sz="3400" err="1">
-                <a:latin typeface="Times New Roman" panose="02020603050405020304" pitchFamily="18" charset="0"/>
-                <a:cs typeface="Times New Roman" panose="02020603050405020304" pitchFamily="18" charset="0"/>
-              </a:rPr>
-              <a:t>những</a:t>
-            </a:r>
-            <a:r>
-              <a:rPr lang="en-GB" sz="3400">
+              <a:rPr lang="en-GB" sz="3600" err="1">
+                <a:latin typeface="Times New Roman" panose="02020603050405020304" pitchFamily="18" charset="0"/>
+                <a:cs typeface="Times New Roman" panose="02020603050405020304" pitchFamily="18" charset="0"/>
+              </a:rPr>
+              <a:t>cuốn</a:t>
+            </a:r>
+            <a:r>
+              <a:rPr lang="en-GB" sz="3600">
                 <a:latin typeface="Times New Roman" panose="02020603050405020304" pitchFamily="18" charset="0"/>
                 <a:cs typeface="Times New Roman" panose="02020603050405020304" pitchFamily="18" charset="0"/>
               </a:rPr>
               <a:t> </a:t>
             </a:r>
             <a:r>
-              <a:rPr lang="en-GB" sz="3400" err="1">
-                <a:latin typeface="Times New Roman" panose="02020603050405020304" pitchFamily="18" charset="0"/>
-                <a:cs typeface="Times New Roman" panose="02020603050405020304" pitchFamily="18" charset="0"/>
-              </a:rPr>
-              <a:t>cuốn</a:t>
-            </a:r>
-            <a:r>
-              <a:rPr lang="en-GB" sz="3400">
+              <a:rPr lang="en-GB" sz="3600" err="1">
+                <a:latin typeface="Times New Roman" panose="02020603050405020304" pitchFamily="18" charset="0"/>
+                <a:cs typeface="Times New Roman" panose="02020603050405020304" pitchFamily="18" charset="0"/>
+              </a:rPr>
+              <a:t>sách</a:t>
+            </a:r>
+            <a:r>
+              <a:rPr lang="en-GB" sz="3600">
                 <a:latin typeface="Times New Roman" panose="02020603050405020304" pitchFamily="18" charset="0"/>
                 <a:cs typeface="Times New Roman" panose="02020603050405020304" pitchFamily="18" charset="0"/>
               </a:rPr>
               <a:t> </a:t>
             </a:r>
             <a:r>
-              <a:rPr lang="en-GB" sz="3400" err="1">
+              <a:rPr lang="en-GB" sz="3600" err="1">
+                <a:latin typeface="Times New Roman" panose="02020603050405020304" pitchFamily="18" charset="0"/>
+                <a:cs typeface="Times New Roman" panose="02020603050405020304" pitchFamily="18" charset="0"/>
+              </a:rPr>
+              <a:t>hay</a:t>
+            </a:r>
+            <a:r>
+              <a:rPr lang="en-GB" sz="3600">
+                <a:latin typeface="Times New Roman" panose="02020603050405020304" pitchFamily="18" charset="0"/>
+                <a:cs typeface="Times New Roman" panose="02020603050405020304" pitchFamily="18" charset="0"/>
+              </a:rPr>
+              <a:t>, giúp </a:t>
+            </a:r>
+            <a:r>
+              <a:rPr lang="en-GB" sz="3600" err="1">
+                <a:latin typeface="Times New Roman" panose="02020603050405020304" pitchFamily="18" charset="0"/>
+                <a:cs typeface="Times New Roman" panose="02020603050405020304" pitchFamily="18" charset="0"/>
+              </a:rPr>
+              <a:t>họ</a:t>
+            </a:r>
+            <a:r>
+              <a:rPr lang="en-GB" sz="3600">
+                <a:latin typeface="Times New Roman" panose="02020603050405020304" pitchFamily="18" charset="0"/>
+                <a:cs typeface="Times New Roman" panose="02020603050405020304" pitchFamily="18" charset="0"/>
+              </a:rPr>
+              <a:t> </a:t>
+            </a:r>
+            <a:r>
+              <a:rPr lang="en-GB" sz="3600" err="1">
+                <a:latin typeface="Times New Roman" panose="02020603050405020304" pitchFamily="18" charset="0"/>
+                <a:cs typeface="Times New Roman" panose="02020603050405020304" pitchFamily="18" charset="0"/>
+              </a:rPr>
+              <a:t>có</a:t>
+            </a:r>
+            <a:r>
+              <a:rPr lang="en-GB" sz="3600">
+                <a:latin typeface="Times New Roman" panose="02020603050405020304" pitchFamily="18" charset="0"/>
+                <a:cs typeface="Times New Roman" panose="02020603050405020304" pitchFamily="18" charset="0"/>
+              </a:rPr>
+              <a:t> </a:t>
+            </a:r>
+            <a:r>
+              <a:rPr lang="en-GB" sz="3600" err="1">
+                <a:latin typeface="Times New Roman" panose="02020603050405020304" pitchFamily="18" charset="0"/>
+                <a:cs typeface="Times New Roman" panose="02020603050405020304" pitchFamily="18" charset="0"/>
+              </a:rPr>
+              <a:t>thể</a:t>
+            </a:r>
+            <a:r>
+              <a:rPr lang="en-GB" sz="3600">
+                <a:latin typeface="Times New Roman" panose="02020603050405020304" pitchFamily="18" charset="0"/>
+                <a:cs typeface="Times New Roman" panose="02020603050405020304" pitchFamily="18" charset="0"/>
+              </a:rPr>
+              <a:t> </a:t>
+            </a:r>
+            <a:r>
+              <a:rPr lang="en-GB" sz="3600" err="1">
+                <a:latin typeface="Times New Roman" panose="02020603050405020304" pitchFamily="18" charset="0"/>
+                <a:cs typeface="Times New Roman" panose="02020603050405020304" pitchFamily="18" charset="0"/>
+              </a:rPr>
+              <a:t>đọc</a:t>
+            </a:r>
+            <a:r>
+              <a:rPr lang="en-GB" sz="3600">
+                <a:latin typeface="Times New Roman" panose="02020603050405020304" pitchFamily="18" charset="0"/>
+                <a:cs typeface="Times New Roman" panose="02020603050405020304" pitchFamily="18" charset="0"/>
+              </a:rPr>
+              <a:t> </a:t>
+            </a:r>
+            <a:r>
+              <a:rPr lang="en-GB" sz="3600" err="1">
                 <a:latin typeface="Times New Roman" panose="02020603050405020304" pitchFamily="18" charset="0"/>
                 <a:cs typeface="Times New Roman" panose="02020603050405020304" pitchFamily="18" charset="0"/>
               </a:rPr>
               <a:t>sách</a:t>
             </a:r>
             <a:r>
-              <a:rPr lang="en-GB" sz="3400">
+              <a:rPr lang="en-GB" sz="3600">
+                <a:latin typeface="Times New Roman" panose="02020603050405020304" pitchFamily="18" charset="0"/>
+                <a:cs typeface="Times New Roman" panose="02020603050405020304" pitchFamily="18" charset="0"/>
+              </a:rPr>
+              <a:t> ở </a:t>
+            </a:r>
+            <a:r>
+              <a:rPr lang="en-GB" sz="3600" err="1">
+                <a:latin typeface="Times New Roman" panose="02020603050405020304" pitchFamily="18" charset="0"/>
+                <a:cs typeface="Times New Roman" panose="02020603050405020304" pitchFamily="18" charset="0"/>
+              </a:rPr>
+              <a:t>mọi</a:t>
+            </a:r>
+            <a:r>
+              <a:rPr lang="en-GB" sz="3600">
                 <a:latin typeface="Times New Roman" panose="02020603050405020304" pitchFamily="18" charset="0"/>
                 <a:cs typeface="Times New Roman" panose="02020603050405020304" pitchFamily="18" charset="0"/>
               </a:rPr>
               <a:t> </a:t>
             </a:r>
             <a:r>
-              <a:rPr lang="en-GB" sz="3400" err="1">
-                <a:latin typeface="Times New Roman" panose="02020603050405020304" pitchFamily="18" charset="0"/>
-                <a:cs typeface="Times New Roman" panose="02020603050405020304" pitchFamily="18" charset="0"/>
-              </a:rPr>
-              <a:t>hay,giúp</a:t>
-            </a:r>
-            <a:r>
-              <a:rPr lang="en-GB" sz="3400">
+              <a:rPr lang="en-GB" sz="3600" err="1">
+                <a:latin typeface="Times New Roman" panose="02020603050405020304" pitchFamily="18" charset="0"/>
+                <a:cs typeface="Times New Roman" panose="02020603050405020304" pitchFamily="18" charset="0"/>
+              </a:rPr>
+              <a:t>lúc</a:t>
+            </a:r>
+            <a:r>
+              <a:rPr lang="en-GB" sz="3600">
                 <a:latin typeface="Times New Roman" panose="02020603050405020304" pitchFamily="18" charset="0"/>
                 <a:cs typeface="Times New Roman" panose="02020603050405020304" pitchFamily="18" charset="0"/>
               </a:rPr>
               <a:t> </a:t>
             </a:r>
             <a:r>
-              <a:rPr lang="en-GB" sz="3400" err="1">
-                <a:latin typeface="Times New Roman" panose="02020603050405020304" pitchFamily="18" charset="0"/>
-                <a:cs typeface="Times New Roman" panose="02020603050405020304" pitchFamily="18" charset="0"/>
-              </a:rPr>
-              <a:t>họ</a:t>
-            </a:r>
-            <a:r>
-              <a:rPr lang="en-GB" sz="3400">
+              <a:rPr lang="en-GB" sz="3600" err="1">
+                <a:latin typeface="Times New Roman" panose="02020603050405020304" pitchFamily="18" charset="0"/>
+                <a:cs typeface="Times New Roman" panose="02020603050405020304" pitchFamily="18" charset="0"/>
+              </a:rPr>
+              <a:t>mọi</a:t>
+            </a:r>
+            <a:r>
+              <a:rPr lang="en-GB" sz="3600">
+                <a:latin typeface="Times New Roman" panose="02020603050405020304" pitchFamily="18" charset="0"/>
+                <a:cs typeface="Times New Roman" panose="02020603050405020304" pitchFamily="18" charset="0"/>
+              </a:rPr>
+              <a:t> n</a:t>
+            </a:r>
+            <a:r>
+              <a:rPr lang="vi-VN" sz="3600">
+                <a:latin typeface="Times New Roman" panose="02020603050405020304" pitchFamily="18" charset="0"/>
+                <a:cs typeface="Times New Roman" panose="02020603050405020304" pitchFamily="18" charset="0"/>
+              </a:rPr>
+              <a:t>ơ</a:t>
+            </a:r>
+            <a:r>
+              <a:rPr lang="en-GB" sz="3600" err="1">
+                <a:latin typeface="Times New Roman" panose="02020603050405020304" pitchFamily="18" charset="0"/>
+                <a:cs typeface="Times New Roman" panose="02020603050405020304" pitchFamily="18" charset="0"/>
+              </a:rPr>
+              <a:t>i</a:t>
+            </a:r>
+            <a:r>
+              <a:rPr lang="en-GB" sz="3600">
                 <a:latin typeface="Times New Roman" panose="02020603050405020304" pitchFamily="18" charset="0"/>
                 <a:cs typeface="Times New Roman" panose="02020603050405020304" pitchFamily="18" charset="0"/>
               </a:rPr>
               <a:t> </a:t>
             </a:r>
             <a:r>
-              <a:rPr lang="en-GB" sz="3400" err="1">
+              <a:rPr lang="en-GB" sz="3600" err="1">
+                <a:latin typeface="Times New Roman" panose="02020603050405020304" pitchFamily="18" charset="0"/>
+                <a:cs typeface="Times New Roman" panose="02020603050405020304" pitchFamily="18" charset="0"/>
+              </a:rPr>
+              <a:t>chỉ</a:t>
+            </a:r>
+            <a:r>
+              <a:rPr lang="en-GB" sz="3600">
+                <a:latin typeface="Times New Roman" panose="02020603050405020304" pitchFamily="18" charset="0"/>
+                <a:cs typeface="Times New Roman" panose="02020603050405020304" pitchFamily="18" charset="0"/>
+              </a:rPr>
+              <a:t> </a:t>
+            </a:r>
+            <a:r>
+              <a:rPr lang="en-GB" sz="3600" err="1">
+                <a:latin typeface="Times New Roman" panose="02020603050405020304" pitchFamily="18" charset="0"/>
+                <a:cs typeface="Times New Roman" panose="02020603050405020304" pitchFamily="18" charset="0"/>
+              </a:rPr>
+              <a:t>cần</a:t>
+            </a:r>
+            <a:r>
+              <a:rPr lang="en-GB" sz="3600">
+                <a:latin typeface="Times New Roman" panose="02020603050405020304" pitchFamily="18" charset="0"/>
+                <a:cs typeface="Times New Roman" panose="02020603050405020304" pitchFamily="18" charset="0"/>
+              </a:rPr>
+              <a:t> </a:t>
+            </a:r>
+            <a:r>
+              <a:rPr lang="en-GB" sz="3600" err="1">
                 <a:latin typeface="Times New Roman" panose="02020603050405020304" pitchFamily="18" charset="0"/>
                 <a:cs typeface="Times New Roman" panose="02020603050405020304" pitchFamily="18" charset="0"/>
               </a:rPr>
               <a:t>có</a:t>
             </a:r>
             <a:r>
-              <a:rPr lang="en-GB" sz="3400">
+              <a:rPr lang="en-GB" sz="3600">
                 <a:latin typeface="Times New Roman" panose="02020603050405020304" pitchFamily="18" charset="0"/>
                 <a:cs typeface="Times New Roman" panose="02020603050405020304" pitchFamily="18" charset="0"/>
               </a:rPr>
               <a:t> </a:t>
             </a:r>
             <a:r>
-              <a:rPr lang="en-GB" sz="3400" err="1">
+              <a:rPr lang="en-GB" sz="3600" err="1">
+                <a:latin typeface="Times New Roman" panose="02020603050405020304" pitchFamily="18" charset="0"/>
+                <a:cs typeface="Times New Roman" panose="02020603050405020304" pitchFamily="18" charset="0"/>
+              </a:rPr>
+              <a:t>điện</a:t>
+            </a:r>
+            <a:r>
+              <a:rPr lang="en-GB" sz="3600">
+                <a:latin typeface="Times New Roman" panose="02020603050405020304" pitchFamily="18" charset="0"/>
+                <a:cs typeface="Times New Roman" panose="02020603050405020304" pitchFamily="18" charset="0"/>
+              </a:rPr>
+              <a:t> </a:t>
+            </a:r>
+            <a:r>
+              <a:rPr lang="en-GB" sz="3600" err="1">
+                <a:latin typeface="Times New Roman" panose="02020603050405020304" pitchFamily="18" charset="0"/>
+                <a:cs typeface="Times New Roman" panose="02020603050405020304" pitchFamily="18" charset="0"/>
+              </a:rPr>
+              <a:t>thoại</a:t>
+            </a:r>
+            <a:r>
+              <a:rPr lang="en-GB" sz="3600">
+                <a:latin typeface="Times New Roman" panose="02020603050405020304" pitchFamily="18" charset="0"/>
+                <a:cs typeface="Times New Roman" panose="02020603050405020304" pitchFamily="18" charset="0"/>
+              </a:rPr>
+              <a:t>, máy </a:t>
+            </a:r>
+            <a:r>
+              <a:rPr lang="en-GB" sz="3600" err="1">
+                <a:latin typeface="Times New Roman" panose="02020603050405020304" pitchFamily="18" charset="0"/>
+                <a:cs typeface="Times New Roman" panose="02020603050405020304" pitchFamily="18" charset="0"/>
+              </a:rPr>
+              <a:t>tính</a:t>
+            </a:r>
+            <a:r>
+              <a:rPr lang="en-GB" sz="3600">
+                <a:latin typeface="Times New Roman" panose="02020603050405020304" pitchFamily="18" charset="0"/>
+                <a:cs typeface="Times New Roman" panose="02020603050405020304" pitchFamily="18" charset="0"/>
+              </a:rPr>
+              <a:t> </a:t>
+            </a:r>
+            <a:r>
+              <a:rPr lang="en-GB" sz="3600" err="1">
+                <a:latin typeface="Times New Roman" panose="02020603050405020304" pitchFamily="18" charset="0"/>
+                <a:cs typeface="Times New Roman" panose="02020603050405020304" pitchFamily="18" charset="0"/>
+              </a:rPr>
+              <a:t>bảng</a:t>
+            </a:r>
+            <a:r>
+              <a:rPr lang="en-GB" sz="3600">
+                <a:latin typeface="Times New Roman" panose="02020603050405020304" pitchFamily="18" charset="0"/>
+                <a:cs typeface="Times New Roman" panose="02020603050405020304" pitchFamily="18" charset="0"/>
+              </a:rPr>
+              <a:t>, laptop, máy </a:t>
+            </a:r>
+            <a:r>
+              <a:rPr lang="en-GB" sz="3600" err="1">
+                <a:latin typeface="Times New Roman" panose="02020603050405020304" pitchFamily="18" charset="0"/>
+                <a:cs typeface="Times New Roman" panose="02020603050405020304" pitchFamily="18" charset="0"/>
+              </a:rPr>
+              <a:t>tính</a:t>
+            </a:r>
+            <a:r>
+              <a:rPr lang="en-GB" sz="3600">
+                <a:latin typeface="Times New Roman" panose="02020603050405020304" pitchFamily="18" charset="0"/>
+                <a:cs typeface="Times New Roman" panose="02020603050405020304" pitchFamily="18" charset="0"/>
+              </a:rPr>
+              <a:t>…</a:t>
+            </a:r>
+            <a:r>
+              <a:rPr lang="en-GB" sz="3600" err="1">
+                <a:latin typeface="Times New Roman" panose="02020603050405020304" pitchFamily="18" charset="0"/>
+                <a:cs typeface="Times New Roman" panose="02020603050405020304" pitchFamily="18" charset="0"/>
+              </a:rPr>
+              <a:t>là</a:t>
+            </a:r>
+            <a:r>
+              <a:rPr lang="en-GB" sz="3600">
+                <a:latin typeface="Times New Roman" panose="02020603050405020304" pitchFamily="18" charset="0"/>
+                <a:cs typeface="Times New Roman" panose="02020603050405020304" pitchFamily="18" charset="0"/>
+              </a:rPr>
+              <a:t> </a:t>
+            </a:r>
+            <a:r>
+              <a:rPr lang="en-GB" sz="3600" err="1">
+                <a:latin typeface="Times New Roman" panose="02020603050405020304" pitchFamily="18" charset="0"/>
+                <a:cs typeface="Times New Roman" panose="02020603050405020304" pitchFamily="18" charset="0"/>
+              </a:rPr>
+              <a:t>có</a:t>
+            </a:r>
+            <a:r>
+              <a:rPr lang="en-GB" sz="3600">
+                <a:latin typeface="Times New Roman" panose="02020603050405020304" pitchFamily="18" charset="0"/>
+                <a:cs typeface="Times New Roman" panose="02020603050405020304" pitchFamily="18" charset="0"/>
+              </a:rPr>
+              <a:t> </a:t>
+            </a:r>
+            <a:r>
+              <a:rPr lang="en-GB" sz="3600" err="1">
                 <a:latin typeface="Times New Roman" panose="02020603050405020304" pitchFamily="18" charset="0"/>
                 <a:cs typeface="Times New Roman" panose="02020603050405020304" pitchFamily="18" charset="0"/>
               </a:rPr>
               <a:t>thể</a:t>
             </a:r>
             <a:r>
-              <a:rPr lang="en-GB" sz="3400">
+              <a:rPr lang="en-GB" sz="3600">
                 <a:latin typeface="Times New Roman" panose="02020603050405020304" pitchFamily="18" charset="0"/>
                 <a:cs typeface="Times New Roman" panose="02020603050405020304" pitchFamily="18" charset="0"/>
               </a:rPr>
               <a:t> </a:t>
             </a:r>
             <a:r>
-              <a:rPr lang="en-GB" sz="3400" err="1">
+              <a:rPr lang="en-GB" sz="3600" err="1">
                 <a:latin typeface="Times New Roman" panose="02020603050405020304" pitchFamily="18" charset="0"/>
                 <a:cs typeface="Times New Roman" panose="02020603050405020304" pitchFamily="18" charset="0"/>
               </a:rPr>
               <a:t>đọc</a:t>
             </a:r>
             <a:r>
-              <a:rPr lang="en-GB" sz="3400">
+              <a:rPr lang="en-GB" sz="3600">
                 <a:latin typeface="Times New Roman" panose="02020603050405020304" pitchFamily="18" charset="0"/>
                 <a:cs typeface="Times New Roman" panose="02020603050405020304" pitchFamily="18" charset="0"/>
               </a:rPr>
               <a:t> </a:t>
             </a:r>
             <a:r>
-              <a:rPr lang="en-GB" sz="3400" err="1">
+              <a:rPr lang="en-GB" sz="3600" err="1">
                 <a:latin typeface="Times New Roman" panose="02020603050405020304" pitchFamily="18" charset="0"/>
                 <a:cs typeface="Times New Roman" panose="02020603050405020304" pitchFamily="18" charset="0"/>
               </a:rPr>
               <a:t>sách</a:t>
             </a:r>
             <a:r>
-              <a:rPr lang="en-GB" sz="3400">
-                <a:latin typeface="Times New Roman" panose="02020603050405020304" pitchFamily="18" charset="0"/>
-                <a:cs typeface="Times New Roman" panose="02020603050405020304" pitchFamily="18" charset="0"/>
-              </a:rPr>
-              <a:t> ở </a:t>
-            </a:r>
-            <a:r>
-              <a:rPr lang="en-GB" sz="3400" err="1">
-                <a:latin typeface="Times New Roman" panose="02020603050405020304" pitchFamily="18" charset="0"/>
-                <a:cs typeface="Times New Roman" panose="02020603050405020304" pitchFamily="18" charset="0"/>
-              </a:rPr>
-              <a:t>mọi</a:t>
-            </a:r>
-            <a:r>
-              <a:rPr lang="en-GB" sz="3400">
+              <a:rPr lang="en-GB" sz="3600">
                 <a:latin typeface="Times New Roman" panose="02020603050405020304" pitchFamily="18" charset="0"/>
                 <a:cs typeface="Times New Roman" panose="02020603050405020304" pitchFamily="18" charset="0"/>
               </a:rPr>
               <a:t> </a:t>
             </a:r>
             <a:r>
-              <a:rPr lang="en-GB" sz="3400" err="1">
-                <a:latin typeface="Times New Roman" panose="02020603050405020304" pitchFamily="18" charset="0"/>
-                <a:cs typeface="Times New Roman" panose="02020603050405020304" pitchFamily="18" charset="0"/>
-              </a:rPr>
-              <a:t>lúc</a:t>
-            </a:r>
-            <a:r>
-              <a:rPr lang="en-GB" sz="3400">
+              <a:rPr lang="en-GB" sz="3600" err="1">
+                <a:latin typeface="Times New Roman" panose="02020603050405020304" pitchFamily="18" charset="0"/>
+                <a:cs typeface="Times New Roman" panose="02020603050405020304" pitchFamily="18" charset="0"/>
+              </a:rPr>
+              <a:t>vừa</a:t>
+            </a:r>
+            <a:r>
+              <a:rPr lang="en-GB" sz="3600">
                 <a:latin typeface="Times New Roman" panose="02020603050405020304" pitchFamily="18" charset="0"/>
                 <a:cs typeface="Times New Roman" panose="02020603050405020304" pitchFamily="18" charset="0"/>
               </a:rPr>
               <a:t> </a:t>
             </a:r>
             <a:r>
-              <a:rPr lang="en-GB" sz="3400" err="1">
-                <a:latin typeface="Times New Roman" panose="02020603050405020304" pitchFamily="18" charset="0"/>
-                <a:cs typeface="Times New Roman" panose="02020603050405020304" pitchFamily="18" charset="0"/>
-              </a:rPr>
-              <a:t>mọi</a:t>
-            </a:r>
-            <a:r>
-              <a:rPr lang="en-GB" sz="3400">
-                <a:latin typeface="Times New Roman" panose="02020603050405020304" pitchFamily="18" charset="0"/>
-                <a:cs typeface="Times New Roman" panose="02020603050405020304" pitchFamily="18" charset="0"/>
-              </a:rPr>
-              <a:t> n</a:t>
-            </a:r>
-            <a:r>
-              <a:rPr lang="vi-VN" sz="3400">
-                <a:latin typeface="Times New Roman" panose="02020603050405020304" pitchFamily="18" charset="0"/>
-                <a:cs typeface="Times New Roman" panose="02020603050405020304" pitchFamily="18" charset="0"/>
-              </a:rPr>
-              <a:t>ơ</a:t>
-            </a:r>
-            <a:r>
-              <a:rPr lang="en-GB" sz="3400" err="1">
-                <a:latin typeface="Times New Roman" panose="02020603050405020304" pitchFamily="18" charset="0"/>
-                <a:cs typeface="Times New Roman" panose="02020603050405020304" pitchFamily="18" charset="0"/>
-              </a:rPr>
-              <a:t>i</a:t>
-            </a:r>
-            <a:r>
-              <a:rPr lang="en-GB" sz="3400">
+              <a:rPr lang="en-GB" sz="3600" err="1">
+                <a:latin typeface="Times New Roman" panose="02020603050405020304" pitchFamily="18" charset="0"/>
+                <a:cs typeface="Times New Roman" panose="02020603050405020304" pitchFamily="18" charset="0"/>
+              </a:rPr>
+              <a:t>tiện</a:t>
+            </a:r>
+            <a:r>
+              <a:rPr lang="en-GB" sz="3600">
                 <a:latin typeface="Times New Roman" panose="02020603050405020304" pitchFamily="18" charset="0"/>
                 <a:cs typeface="Times New Roman" panose="02020603050405020304" pitchFamily="18" charset="0"/>
               </a:rPr>
               <a:t> </a:t>
             </a:r>
             <a:r>
-              <a:rPr lang="en-GB" sz="3400" err="1">
-                <a:latin typeface="Times New Roman" panose="02020603050405020304" pitchFamily="18" charset="0"/>
-                <a:cs typeface="Times New Roman" panose="02020603050405020304" pitchFamily="18" charset="0"/>
-              </a:rPr>
-              <a:t>chỉ</a:t>
-            </a:r>
-            <a:r>
-              <a:rPr lang="en-GB" sz="3400">
+              <a:rPr lang="en-GB" sz="3600" err="1">
+                <a:latin typeface="Times New Roman" panose="02020603050405020304" pitchFamily="18" charset="0"/>
+                <a:cs typeface="Times New Roman" panose="02020603050405020304" pitchFamily="18" charset="0"/>
+              </a:rPr>
+              <a:t>lợi</a:t>
+            </a:r>
+            <a:r>
+              <a:rPr lang="en-GB" sz="3600">
                 <a:latin typeface="Times New Roman" panose="02020603050405020304" pitchFamily="18" charset="0"/>
                 <a:cs typeface="Times New Roman" panose="02020603050405020304" pitchFamily="18" charset="0"/>
               </a:rPr>
               <a:t> </a:t>
             </a:r>
             <a:r>
-              <a:rPr lang="en-GB" sz="3400" err="1">
-                <a:latin typeface="Times New Roman" panose="02020603050405020304" pitchFamily="18" charset="0"/>
-                <a:cs typeface="Times New Roman" panose="02020603050405020304" pitchFamily="18" charset="0"/>
-              </a:rPr>
-              <a:t>cần</a:t>
-            </a:r>
-            <a:r>
-              <a:rPr lang="en-GB" sz="3400">
+              <a:rPr lang="en-GB" sz="3600" err="1">
+                <a:latin typeface="Times New Roman" panose="02020603050405020304" pitchFamily="18" charset="0"/>
+                <a:cs typeface="Times New Roman" panose="02020603050405020304" pitchFamily="18" charset="0"/>
+              </a:rPr>
+              <a:t>vừa</a:t>
+            </a:r>
+            <a:r>
+              <a:rPr lang="en-GB" sz="3600">
                 <a:latin typeface="Times New Roman" panose="02020603050405020304" pitchFamily="18" charset="0"/>
                 <a:cs typeface="Times New Roman" panose="02020603050405020304" pitchFamily="18" charset="0"/>
               </a:rPr>
               <a:t> </a:t>
             </a:r>
             <a:r>
-              <a:rPr lang="en-GB" sz="3400" err="1">
-                <a:latin typeface="Times New Roman" panose="02020603050405020304" pitchFamily="18" charset="0"/>
-                <a:cs typeface="Times New Roman" panose="02020603050405020304" pitchFamily="18" charset="0"/>
-              </a:rPr>
-              <a:t>có</a:t>
-            </a:r>
-            <a:r>
-              <a:rPr lang="en-GB" sz="3400">
+              <a:rPr lang="en-GB" sz="3600" err="1">
+                <a:latin typeface="Times New Roman" panose="02020603050405020304" pitchFamily="18" charset="0"/>
+                <a:cs typeface="Times New Roman" panose="02020603050405020304" pitchFamily="18" charset="0"/>
+              </a:rPr>
+              <a:t>tiết</a:t>
+            </a:r>
+            <a:r>
+              <a:rPr lang="en-GB" sz="3600">
                 <a:latin typeface="Times New Roman" panose="02020603050405020304" pitchFamily="18" charset="0"/>
                 <a:cs typeface="Times New Roman" panose="02020603050405020304" pitchFamily="18" charset="0"/>
               </a:rPr>
               <a:t> </a:t>
             </a:r>
             <a:r>
-              <a:rPr lang="en-GB" sz="3400" err="1">
-                <a:latin typeface="Times New Roman" panose="02020603050405020304" pitchFamily="18" charset="0"/>
-                <a:cs typeface="Times New Roman" panose="02020603050405020304" pitchFamily="18" charset="0"/>
-              </a:rPr>
-              <a:t>điện</a:t>
-            </a:r>
-            <a:r>
-              <a:rPr lang="en-GB" sz="3400">
-                <a:latin typeface="Times New Roman" panose="02020603050405020304" pitchFamily="18" charset="0"/>
-                <a:cs typeface="Times New Roman" panose="02020603050405020304" pitchFamily="18" charset="0"/>
-              </a:rPr>
-              <a:t> </a:t>
-            </a:r>
-            <a:r>
-              <a:rPr lang="en-GB" sz="3400" err="1">
-                <a:latin typeface="Times New Roman" panose="02020603050405020304" pitchFamily="18" charset="0"/>
-                <a:cs typeface="Times New Roman" panose="02020603050405020304" pitchFamily="18" charset="0"/>
-              </a:rPr>
-              <a:t>thoại,máy</a:t>
-            </a:r>
-            <a:r>
-              <a:rPr lang="en-GB" sz="3400">
-                <a:latin typeface="Times New Roman" panose="02020603050405020304" pitchFamily="18" charset="0"/>
-                <a:cs typeface="Times New Roman" panose="02020603050405020304" pitchFamily="18" charset="0"/>
-              </a:rPr>
-              <a:t> </a:t>
-            </a:r>
-            <a:r>
-              <a:rPr lang="en-GB" sz="3400" err="1">
-                <a:latin typeface="Times New Roman" panose="02020603050405020304" pitchFamily="18" charset="0"/>
-                <a:cs typeface="Times New Roman" panose="02020603050405020304" pitchFamily="18" charset="0"/>
-              </a:rPr>
-              <a:t>tính</a:t>
-            </a:r>
-            <a:r>
-              <a:rPr lang="en-GB" sz="3400">
-                <a:latin typeface="Times New Roman" panose="02020603050405020304" pitchFamily="18" charset="0"/>
-                <a:cs typeface="Times New Roman" panose="02020603050405020304" pitchFamily="18" charset="0"/>
-              </a:rPr>
-              <a:t> </a:t>
-            </a:r>
-            <a:r>
-              <a:rPr lang="en-GB" sz="3400" err="1">
-                <a:latin typeface="Times New Roman" panose="02020603050405020304" pitchFamily="18" charset="0"/>
-                <a:cs typeface="Times New Roman" panose="02020603050405020304" pitchFamily="18" charset="0"/>
-              </a:rPr>
-              <a:t>bảng,laptop,máy</a:t>
-            </a:r>
-            <a:r>
-              <a:rPr lang="en-GB" sz="3400">
-                <a:latin typeface="Times New Roman" panose="02020603050405020304" pitchFamily="18" charset="0"/>
-                <a:cs typeface="Times New Roman" panose="02020603050405020304" pitchFamily="18" charset="0"/>
-              </a:rPr>
-              <a:t> </a:t>
-            </a:r>
-            <a:r>
-              <a:rPr lang="en-GB" sz="3400" err="1">
-                <a:latin typeface="Times New Roman" panose="02020603050405020304" pitchFamily="18" charset="0"/>
-                <a:cs typeface="Times New Roman" panose="02020603050405020304" pitchFamily="18" charset="0"/>
-              </a:rPr>
-              <a:t>tính</a:t>
-            </a:r>
-            <a:r>
-              <a:rPr lang="en-GB" sz="3400">
-                <a:latin typeface="Times New Roman" panose="02020603050405020304" pitchFamily="18" charset="0"/>
-                <a:cs typeface="Times New Roman" panose="02020603050405020304" pitchFamily="18" charset="0"/>
-              </a:rPr>
-              <a:t>…</a:t>
-            </a:r>
-            <a:r>
-              <a:rPr lang="en-GB" sz="3400" err="1">
-                <a:latin typeface="Times New Roman" panose="02020603050405020304" pitchFamily="18" charset="0"/>
-                <a:cs typeface="Times New Roman" panose="02020603050405020304" pitchFamily="18" charset="0"/>
-              </a:rPr>
-              <a:t>là</a:t>
-            </a:r>
-            <a:r>
-              <a:rPr lang="en-GB" sz="3400">
-                <a:latin typeface="Times New Roman" panose="02020603050405020304" pitchFamily="18" charset="0"/>
-                <a:cs typeface="Times New Roman" panose="02020603050405020304" pitchFamily="18" charset="0"/>
-              </a:rPr>
-              <a:t> </a:t>
-            </a:r>
-            <a:r>
-              <a:rPr lang="en-GB" sz="3400" err="1">
-                <a:latin typeface="Times New Roman" panose="02020603050405020304" pitchFamily="18" charset="0"/>
-                <a:cs typeface="Times New Roman" panose="02020603050405020304" pitchFamily="18" charset="0"/>
-              </a:rPr>
-              <a:t>có</a:t>
-            </a:r>
-            <a:r>
-              <a:rPr lang="en-GB" sz="3400">
-                <a:latin typeface="Times New Roman" panose="02020603050405020304" pitchFamily="18" charset="0"/>
-                <a:cs typeface="Times New Roman" panose="02020603050405020304" pitchFamily="18" charset="0"/>
-              </a:rPr>
-              <a:t> </a:t>
-            </a:r>
-            <a:r>
-              <a:rPr lang="en-GB" sz="3400" err="1">
-                <a:latin typeface="Times New Roman" panose="02020603050405020304" pitchFamily="18" charset="0"/>
-                <a:cs typeface="Times New Roman" panose="02020603050405020304" pitchFamily="18" charset="0"/>
-              </a:rPr>
-              <a:t>thể</a:t>
-            </a:r>
-            <a:r>
-              <a:rPr lang="en-GB" sz="3400">
-                <a:latin typeface="Times New Roman" panose="02020603050405020304" pitchFamily="18" charset="0"/>
-                <a:cs typeface="Times New Roman" panose="02020603050405020304" pitchFamily="18" charset="0"/>
-              </a:rPr>
-              <a:t> </a:t>
-            </a:r>
-            <a:r>
-              <a:rPr lang="en-GB" sz="3400" err="1">
-                <a:latin typeface="Times New Roman" panose="02020603050405020304" pitchFamily="18" charset="0"/>
-                <a:cs typeface="Times New Roman" panose="02020603050405020304" pitchFamily="18" charset="0"/>
-              </a:rPr>
-              <a:t>đọc</a:t>
-            </a:r>
-            <a:r>
-              <a:rPr lang="en-GB" sz="3400">
-                <a:latin typeface="Times New Roman" panose="02020603050405020304" pitchFamily="18" charset="0"/>
-                <a:cs typeface="Times New Roman" panose="02020603050405020304" pitchFamily="18" charset="0"/>
-              </a:rPr>
-              <a:t> </a:t>
-            </a:r>
-            <a:r>
-              <a:rPr lang="en-GB" sz="3400" err="1">
-                <a:latin typeface="Times New Roman" panose="02020603050405020304" pitchFamily="18" charset="0"/>
-                <a:cs typeface="Times New Roman" panose="02020603050405020304" pitchFamily="18" charset="0"/>
-              </a:rPr>
-              <a:t>sách</a:t>
-            </a:r>
-            <a:r>
-              <a:rPr lang="en-GB" sz="3400">
-                <a:latin typeface="Times New Roman" panose="02020603050405020304" pitchFamily="18" charset="0"/>
-                <a:cs typeface="Times New Roman" panose="02020603050405020304" pitchFamily="18" charset="0"/>
-              </a:rPr>
-              <a:t> </a:t>
-            </a:r>
-            <a:r>
-              <a:rPr lang="en-GB" sz="3400" err="1">
-                <a:latin typeface="Times New Roman" panose="02020603050405020304" pitchFamily="18" charset="0"/>
-                <a:cs typeface="Times New Roman" panose="02020603050405020304" pitchFamily="18" charset="0"/>
-              </a:rPr>
-              <a:t>vừa</a:t>
-            </a:r>
-            <a:r>
-              <a:rPr lang="en-GB" sz="3400">
-                <a:latin typeface="Times New Roman" panose="02020603050405020304" pitchFamily="18" charset="0"/>
-                <a:cs typeface="Times New Roman" panose="02020603050405020304" pitchFamily="18" charset="0"/>
-              </a:rPr>
-              <a:t> </a:t>
-            </a:r>
-            <a:r>
-              <a:rPr lang="en-GB" sz="3400" err="1">
-                <a:latin typeface="Times New Roman" panose="02020603050405020304" pitchFamily="18" charset="0"/>
-                <a:cs typeface="Times New Roman" panose="02020603050405020304" pitchFamily="18" charset="0"/>
-              </a:rPr>
-              <a:t>tiện</a:t>
-            </a:r>
-            <a:r>
-              <a:rPr lang="en-GB" sz="3400">
-                <a:latin typeface="Times New Roman" panose="02020603050405020304" pitchFamily="18" charset="0"/>
-                <a:cs typeface="Times New Roman" panose="02020603050405020304" pitchFamily="18" charset="0"/>
-              </a:rPr>
-              <a:t> </a:t>
-            </a:r>
-            <a:r>
-              <a:rPr lang="en-GB" sz="3400" err="1">
-                <a:latin typeface="Times New Roman" panose="02020603050405020304" pitchFamily="18" charset="0"/>
-                <a:cs typeface="Times New Roman" panose="02020603050405020304" pitchFamily="18" charset="0"/>
-              </a:rPr>
-              <a:t>lợi</a:t>
-            </a:r>
-            <a:r>
-              <a:rPr lang="en-GB" sz="3400">
-                <a:latin typeface="Times New Roman" panose="02020603050405020304" pitchFamily="18" charset="0"/>
-                <a:cs typeface="Times New Roman" panose="02020603050405020304" pitchFamily="18" charset="0"/>
-              </a:rPr>
-              <a:t> </a:t>
-            </a:r>
-            <a:r>
-              <a:rPr lang="en-GB" sz="3400" err="1">
-                <a:latin typeface="Times New Roman" panose="02020603050405020304" pitchFamily="18" charset="0"/>
-                <a:cs typeface="Times New Roman" panose="02020603050405020304" pitchFamily="18" charset="0"/>
-              </a:rPr>
-              <a:t>vừa</a:t>
-            </a:r>
-            <a:r>
-              <a:rPr lang="en-GB" sz="3400">
-                <a:latin typeface="Times New Roman" panose="02020603050405020304" pitchFamily="18" charset="0"/>
-                <a:cs typeface="Times New Roman" panose="02020603050405020304" pitchFamily="18" charset="0"/>
-              </a:rPr>
-              <a:t> </a:t>
-            </a:r>
-            <a:r>
-              <a:rPr lang="en-GB" sz="3400" err="1">
-                <a:latin typeface="Times New Roman" panose="02020603050405020304" pitchFamily="18" charset="0"/>
-                <a:cs typeface="Times New Roman" panose="02020603050405020304" pitchFamily="18" charset="0"/>
-              </a:rPr>
-              <a:t>tiết</a:t>
-            </a:r>
-            <a:r>
-              <a:rPr lang="en-GB" sz="3400">
-                <a:latin typeface="Times New Roman" panose="02020603050405020304" pitchFamily="18" charset="0"/>
-                <a:cs typeface="Times New Roman" panose="02020603050405020304" pitchFamily="18" charset="0"/>
-              </a:rPr>
-              <a:t> </a:t>
-            </a:r>
-            <a:r>
-              <a:rPr lang="en-GB" sz="3400" err="1">
+              <a:rPr lang="en-GB" sz="3600" err="1">
                 <a:latin typeface="Times New Roman" panose="02020603050405020304" pitchFamily="18" charset="0"/>
                 <a:cs typeface="Times New Roman" panose="02020603050405020304" pitchFamily="18" charset="0"/>
               </a:rPr>
               <a:t>kiệm</a:t>
             </a:r>
             <a:r>
-              <a:rPr lang="en-GB" sz="3400">
+              <a:rPr lang="en-GB" sz="3600">
                 <a:latin typeface="Times New Roman" panose="02020603050405020304" pitchFamily="18" charset="0"/>
                 <a:cs typeface="Times New Roman" panose="02020603050405020304" pitchFamily="18" charset="0"/>
               </a:rPr>
               <a:t> chi </a:t>
             </a:r>
             <a:r>
-              <a:rPr lang="en-GB" sz="4300" err="1">
+              <a:rPr lang="en-GB" sz="3600" err="1">
                 <a:latin typeface="Times New Roman" panose="02020603050405020304" pitchFamily="18" charset="0"/>
                 <a:cs typeface="Times New Roman" panose="02020603050405020304" pitchFamily="18" charset="0"/>
               </a:rPr>
               <a:t>phí</a:t>
             </a:r>
             <a:r>
-              <a:rPr lang="en-GB" sz="4300">
+              <a:rPr lang="en-GB" sz="3600">
                 <a:latin typeface="Times New Roman" panose="02020603050405020304" pitchFamily="18" charset="0"/>
                 <a:cs typeface="Times New Roman" panose="02020603050405020304" pitchFamily="18" charset="0"/>
               </a:rPr>
@@ -26875,10 +25209,41 @@
             </a:r>
           </a:p>
           <a:p>
-            <a:endParaRPr lang="en-GB" sz="3600">
-              <a:latin typeface="Times New Roman" panose="02020603050405020304" pitchFamily="18" charset="0"/>
-              <a:cs typeface="Times New Roman" panose="02020603050405020304" pitchFamily="18" charset="0"/>
-            </a:endParaRPr>
+            <a:r>
+              <a:rPr lang="en-GB" sz="3600" b="1">
+                <a:latin typeface="Times New Roman" panose="02020603050405020304" pitchFamily="18" charset="0"/>
+                <a:cs typeface="Times New Roman" panose="02020603050405020304" pitchFamily="18" charset="0"/>
+              </a:rPr>
+              <a:t>3. Phạm vi </a:t>
+            </a:r>
+            <a:r>
+              <a:rPr lang="en-GB" sz="3600" b="1" err="1">
+                <a:latin typeface="Times New Roman" panose="02020603050405020304" pitchFamily="18" charset="0"/>
+                <a:cs typeface="Times New Roman" panose="02020603050405020304" pitchFamily="18" charset="0"/>
+              </a:rPr>
+              <a:t>sử</a:t>
+            </a:r>
+            <a:r>
+              <a:rPr lang="en-GB" sz="3600" b="1">
+                <a:latin typeface="Times New Roman" panose="02020603050405020304" pitchFamily="18" charset="0"/>
+                <a:cs typeface="Times New Roman" panose="02020603050405020304" pitchFamily="18" charset="0"/>
+              </a:rPr>
+              <a:t> </a:t>
+            </a:r>
+            <a:r>
+              <a:rPr lang="en-GB" sz="3600" b="1" err="1">
+                <a:latin typeface="Times New Roman" panose="02020603050405020304" pitchFamily="18" charset="0"/>
+                <a:cs typeface="Times New Roman" panose="02020603050405020304" pitchFamily="18" charset="0"/>
+              </a:rPr>
+              <a:t>dụng</a:t>
+            </a:r>
+            <a:r>
+              <a:rPr lang="en-GB" sz="3600" b="1">
+                <a:latin typeface="Times New Roman" panose="02020603050405020304" pitchFamily="18" charset="0"/>
+                <a:cs typeface="Times New Roman" panose="02020603050405020304" pitchFamily="18" charset="0"/>
+              </a:rPr>
+              <a:t> </a:t>
+            </a:r>
           </a:p>
           <a:p>
             <a:r>
@@ -26886,14 +25251,14 @@
                 <a:latin typeface="Times New Roman" panose="02020603050405020304" pitchFamily="18" charset="0"/>
                 <a:cs typeface="Times New Roman" panose="02020603050405020304" pitchFamily="18" charset="0"/>
               </a:rPr>
-              <a:t>3.Phạm vi </a:t>
+              <a:t>         </a:t>
             </a:r>
             <a:r>
               <a:rPr lang="en-GB" sz="3600" err="1">
                 <a:latin typeface="Times New Roman" panose="02020603050405020304" pitchFamily="18" charset="0"/>
                 <a:cs typeface="Times New Roman" panose="02020603050405020304" pitchFamily="18" charset="0"/>
               </a:rPr>
-              <a:t>sử</a:t>
+              <a:t>Các</a:t>
             </a:r>
             <a:r>
               <a:rPr lang="en-GB" sz="3600">
@@ -26907,158 +25272,104 @@
                 <a:latin typeface="Times New Roman" panose="02020603050405020304" pitchFamily="18" charset="0"/>
                 <a:cs typeface="Times New Roman" panose="02020603050405020304" pitchFamily="18" charset="0"/>
               </a:rPr>
-              <a:t>dụng</a:t>
+              <a:t>trang</a:t>
             </a:r>
             <a:r>
               <a:rPr lang="en-GB" sz="3600">
                 <a:latin typeface="Times New Roman" panose="02020603050405020304" pitchFamily="18" charset="0"/>
                 <a:cs typeface="Times New Roman" panose="02020603050405020304" pitchFamily="18" charset="0"/>
               </a:rPr>
+              <a:t> web </a:t>
+            </a:r>
+            <a:r>
+              <a:rPr lang="en-GB" sz="3600" err="1">
+                <a:latin typeface="Times New Roman" panose="02020603050405020304" pitchFamily="18" charset="0"/>
+                <a:cs typeface="Times New Roman" panose="02020603050405020304" pitchFamily="18" charset="0"/>
+              </a:rPr>
+              <a:t>bán</a:t>
+            </a:r>
+            <a:r>
+              <a:rPr lang="en-GB" sz="3600">
+                <a:latin typeface="Times New Roman" panose="02020603050405020304" pitchFamily="18" charset="0"/>
+                <a:cs typeface="Times New Roman" panose="02020603050405020304" pitchFamily="18" charset="0"/>
+              </a:rPr>
               <a:t> </a:t>
+            </a:r>
+            <a:r>
+              <a:rPr lang="en-GB" sz="3600" err="1">
+                <a:latin typeface="Times New Roman" panose="02020603050405020304" pitchFamily="18" charset="0"/>
+                <a:cs typeface="Times New Roman" panose="02020603050405020304" pitchFamily="18" charset="0"/>
+              </a:rPr>
+              <a:t>sách</a:t>
+            </a:r>
+            <a:r>
+              <a:rPr lang="en-GB" sz="3600">
+                <a:latin typeface="Times New Roman" panose="02020603050405020304" pitchFamily="18" charset="0"/>
+                <a:cs typeface="Times New Roman" panose="02020603050405020304" pitchFamily="18" charset="0"/>
+              </a:rPr>
+              <a:t> </a:t>
+            </a:r>
+            <a:r>
+              <a:rPr lang="en-GB" sz="3600" err="1">
+                <a:latin typeface="Times New Roman" panose="02020603050405020304" pitchFamily="18" charset="0"/>
+                <a:cs typeface="Times New Roman" panose="02020603050405020304" pitchFamily="18" charset="0"/>
+              </a:rPr>
+              <a:t>điện</a:t>
+            </a:r>
+            <a:r>
+              <a:rPr lang="en-GB" sz="3600">
+                <a:latin typeface="Times New Roman" panose="02020603050405020304" pitchFamily="18" charset="0"/>
+                <a:cs typeface="Times New Roman" panose="02020603050405020304" pitchFamily="18" charset="0"/>
+              </a:rPr>
+              <a:t> tử</a:t>
             </a:r>
           </a:p>
           <a:p>
             <a:r>
-              <a:rPr lang="en-GB" sz="3400">
-                <a:latin typeface="Times New Roman" panose="02020603050405020304" pitchFamily="18" charset="0"/>
-                <a:cs typeface="Times New Roman" panose="02020603050405020304" pitchFamily="18" charset="0"/>
-              </a:rPr>
-              <a:t>         </a:t>
-            </a:r>
-            <a:r>
-              <a:rPr lang="en-GB" sz="3400" err="1">
-                <a:latin typeface="Times New Roman" panose="02020603050405020304" pitchFamily="18" charset="0"/>
-                <a:cs typeface="Times New Roman" panose="02020603050405020304" pitchFamily="18" charset="0"/>
-              </a:rPr>
-              <a:t>Các</a:t>
-            </a:r>
-            <a:r>
-              <a:rPr lang="en-GB" sz="3400">
+              <a:rPr lang="en-GB" sz="3600" b="1">
+                <a:latin typeface="Times New Roman" panose="02020603050405020304" pitchFamily="18" charset="0"/>
+                <a:cs typeface="Times New Roman" panose="02020603050405020304" pitchFamily="18" charset="0"/>
+              </a:rPr>
+              <a:t>4. Tên </a:t>
+            </a:r>
+            <a:r>
+              <a:rPr lang="en-GB" sz="3600" b="1" err="1">
+                <a:latin typeface="Times New Roman" panose="02020603050405020304" pitchFamily="18" charset="0"/>
+                <a:cs typeface="Times New Roman" panose="02020603050405020304" pitchFamily="18" charset="0"/>
+              </a:rPr>
+              <a:t>hệ</a:t>
+            </a:r>
+            <a:r>
+              <a:rPr lang="en-GB" sz="3600" b="1">
                 <a:latin typeface="Times New Roman" panose="02020603050405020304" pitchFamily="18" charset="0"/>
                 <a:cs typeface="Times New Roman" panose="02020603050405020304" pitchFamily="18" charset="0"/>
               </a:rPr>
               <a:t> </a:t>
             </a:r>
             <a:r>
-              <a:rPr lang="en-GB" sz="3400" err="1">
-                <a:latin typeface="Times New Roman" panose="02020603050405020304" pitchFamily="18" charset="0"/>
-                <a:cs typeface="Times New Roman" panose="02020603050405020304" pitchFamily="18" charset="0"/>
-              </a:rPr>
-              <a:t>trang</a:t>
-            </a:r>
-            <a:r>
-              <a:rPr lang="en-GB" sz="3400">
-                <a:latin typeface="Times New Roman" panose="02020603050405020304" pitchFamily="18" charset="0"/>
-                <a:cs typeface="Times New Roman" panose="02020603050405020304" pitchFamily="18" charset="0"/>
-              </a:rPr>
-              <a:t> web </a:t>
-            </a:r>
-            <a:r>
-              <a:rPr lang="en-GB" sz="3400" err="1">
-                <a:latin typeface="Times New Roman" panose="02020603050405020304" pitchFamily="18" charset="0"/>
-                <a:cs typeface="Times New Roman" panose="02020603050405020304" pitchFamily="18" charset="0"/>
-              </a:rPr>
-              <a:t>bán</a:t>
-            </a:r>
-            <a:r>
-              <a:rPr lang="en-GB" sz="3400">
+              <a:rPr lang="en-GB" sz="3600" b="1" err="1">
+                <a:latin typeface="Times New Roman" panose="02020603050405020304" pitchFamily="18" charset="0"/>
+                <a:cs typeface="Times New Roman" panose="02020603050405020304" pitchFamily="18" charset="0"/>
+              </a:rPr>
+              <a:t>thống</a:t>
+            </a:r>
+            <a:r>
+              <a:rPr lang="en-GB" sz="3600" b="1">
                 <a:latin typeface="Times New Roman" panose="02020603050405020304" pitchFamily="18" charset="0"/>
                 <a:cs typeface="Times New Roman" panose="02020603050405020304" pitchFamily="18" charset="0"/>
               </a:rPr>
               <a:t> </a:t>
             </a:r>
-            <a:r>
-              <a:rPr lang="en-GB" sz="3400" err="1">
-                <a:latin typeface="Times New Roman" panose="02020603050405020304" pitchFamily="18" charset="0"/>
-                <a:cs typeface="Times New Roman" panose="02020603050405020304" pitchFamily="18" charset="0"/>
-              </a:rPr>
-              <a:t>sách</a:t>
-            </a:r>
-            <a:r>
-              <a:rPr lang="en-GB" sz="3400">
-                <a:latin typeface="Times New Roman" panose="02020603050405020304" pitchFamily="18" charset="0"/>
-                <a:cs typeface="Times New Roman" panose="02020603050405020304" pitchFamily="18" charset="0"/>
-              </a:rPr>
-              <a:t> </a:t>
-            </a:r>
-            <a:r>
-              <a:rPr lang="en-GB" sz="3400" err="1">
-                <a:latin typeface="Times New Roman" panose="02020603050405020304" pitchFamily="18" charset="0"/>
-                <a:cs typeface="Times New Roman" panose="02020603050405020304" pitchFamily="18" charset="0"/>
-              </a:rPr>
-              <a:t>điện</a:t>
-            </a:r>
-            <a:r>
-              <a:rPr lang="en-GB" sz="3400">
-                <a:latin typeface="Times New Roman" panose="02020603050405020304" pitchFamily="18" charset="0"/>
-                <a:cs typeface="Times New Roman" panose="02020603050405020304" pitchFamily="18" charset="0"/>
-              </a:rPr>
-              <a:t> </a:t>
-            </a:r>
-            <a:r>
-              <a:rPr lang="en-GB" sz="3400" err="1">
-                <a:latin typeface="Times New Roman" panose="02020603050405020304" pitchFamily="18" charset="0"/>
-                <a:cs typeface="Times New Roman" panose="02020603050405020304" pitchFamily="18" charset="0"/>
-              </a:rPr>
-              <a:t>tử</a:t>
-            </a:r>
-            <a:endParaRPr lang="en-GB" sz="3400">
-              <a:latin typeface="Times New Roman" panose="02020603050405020304" pitchFamily="18" charset="0"/>
-              <a:cs typeface="Times New Roman" panose="02020603050405020304" pitchFamily="18" charset="0"/>
-            </a:endParaRPr>
           </a:p>
           <a:p>
-            <a:endParaRPr lang="en-GB" sz="3600">
-              <a:latin typeface="Times New Roman" panose="02020603050405020304" pitchFamily="18" charset="0"/>
-              <a:cs typeface="Times New Roman" panose="02020603050405020304" pitchFamily="18" charset="0"/>
-            </a:endParaRPr>
-          </a:p>
-          <a:p>
             <a:r>
               <a:rPr lang="en-GB" sz="3600">
                 <a:latin typeface="Times New Roman" panose="02020603050405020304" pitchFamily="18" charset="0"/>
                 <a:cs typeface="Times New Roman" panose="02020603050405020304" pitchFamily="18" charset="0"/>
               </a:rPr>
-              <a:t>4.Tên </a:t>
-            </a:r>
-            <a:r>
-              <a:rPr lang="en-GB" sz="3600" err="1">
-                <a:latin typeface="Times New Roman" panose="02020603050405020304" pitchFamily="18" charset="0"/>
-                <a:cs typeface="Times New Roman" panose="02020603050405020304" pitchFamily="18" charset="0"/>
-              </a:rPr>
-              <a:t>hệ</a:t>
-            </a:r>
-            <a:r>
-              <a:rPr lang="en-GB" sz="3600">
-                <a:latin typeface="Times New Roman" panose="02020603050405020304" pitchFamily="18" charset="0"/>
-                <a:cs typeface="Times New Roman" panose="02020603050405020304" pitchFamily="18" charset="0"/>
-              </a:rPr>
-              <a:t> </a:t>
-            </a:r>
-            <a:r>
-              <a:rPr lang="en-GB" sz="3600" err="1">
-                <a:latin typeface="Times New Roman" panose="02020603050405020304" pitchFamily="18" charset="0"/>
-                <a:cs typeface="Times New Roman" panose="02020603050405020304" pitchFamily="18" charset="0"/>
-              </a:rPr>
-              <a:t>thống</a:t>
-            </a:r>
-            <a:r>
-              <a:rPr lang="en-GB" sz="3600">
-                <a:latin typeface="Times New Roman" panose="02020603050405020304" pitchFamily="18" charset="0"/>
-                <a:cs typeface="Times New Roman" panose="02020603050405020304" pitchFamily="18" charset="0"/>
-              </a:rPr>
-              <a:t> </a:t>
-            </a:r>
-          </a:p>
-          <a:p>
-            <a:r>
-              <a:rPr lang="en-GB" sz="3400">
-                <a:latin typeface="Times New Roman" panose="02020603050405020304" pitchFamily="18" charset="0"/>
-                <a:cs typeface="Times New Roman" panose="02020603050405020304" pitchFamily="18" charset="0"/>
-              </a:rPr>
               <a:t>         E-books Store</a:t>
             </a:r>
-            <a:endParaRPr lang="en-US" sz="3400">
+            <a:endParaRPr lang="en-US" sz="3600">
               <a:latin typeface="Times New Roman" panose="02020603050405020304" pitchFamily="18" charset="0"/>
               <a:cs typeface="Times New Roman" panose="02020603050405020304" pitchFamily="18" charset="0"/>
             </a:endParaRPr>
@@ -27073,7 +25384,7 @@
 </p:sld>
 </file>
 
-<file path=ppt/slides/slide5.xml><?xml version="1.0" encoding="utf-8"?>
+<file path=ppt/slides/slide4.xml><?xml version="1.0" encoding="utf-8"?>
 <p:sld xmlns:a="http://schemas.openxmlformats.org/drawingml/2006/main" xmlns:r="http://schemas.openxmlformats.org/officeDocument/2006/relationships" xmlns:p="http://schemas.openxmlformats.org/presentationml/2006/main">
   <p:cSld>
     <p:spTree>
@@ -27336,7 +25647,7 @@
               <a:buSzPts val="3200"/>
             </a:pPr>
             <a:r>
-              <a:rPr lang="en-GB" sz="4000">
+              <a:rPr lang="en-GB" sz="4000" b="1">
                 <a:latin typeface="Times New Roman" panose="02020603050405020304" pitchFamily="18" charset="0"/>
                 <a:ea typeface="Helvetica Neue Light"/>
                 <a:cs typeface="Times New Roman" panose="02020603050405020304" pitchFamily="18" charset="0"/>
@@ -27345,16 +25656,16 @@
               <a:t> </a:t>
             </a:r>
             <a:r>
-              <a:rPr lang="en-GB" sz="3600">
-                <a:latin typeface="Times New Roman" panose="02020603050405020304" pitchFamily="18" charset="0"/>
-                <a:ea typeface="Helvetica Neue Light"/>
-                <a:cs typeface="Times New Roman" panose="02020603050405020304" pitchFamily="18" charset="0"/>
-                <a:sym typeface="Helvetica Neue Light"/>
-              </a:rPr>
-              <a:t>5.Phân </a:t>
-            </a:r>
-            <a:r>
-              <a:rPr lang="en-GB" sz="3600" err="1">
+              <a:rPr lang="en-GB" sz="3600" b="1">
+                <a:latin typeface="Times New Roman" panose="02020603050405020304" pitchFamily="18" charset="0"/>
+                <a:ea typeface="Helvetica Neue Light"/>
+                <a:cs typeface="Times New Roman" panose="02020603050405020304" pitchFamily="18" charset="0"/>
+                <a:sym typeface="Helvetica Neue Light"/>
+              </a:rPr>
+              <a:t>5. Phân </a:t>
+            </a:r>
+            <a:r>
+              <a:rPr lang="en-GB" sz="3600" b="1" err="1">
                 <a:latin typeface="Times New Roman" panose="02020603050405020304" pitchFamily="18" charset="0"/>
                 <a:ea typeface="Helvetica Neue Light"/>
                 <a:cs typeface="Times New Roman" panose="02020603050405020304" pitchFamily="18" charset="0"/>
@@ -27363,7 +25674,7 @@
               <a:t>tích</a:t>
             </a:r>
             <a:r>
-              <a:rPr lang="en-GB" sz="3600">
+              <a:rPr lang="en-GB" sz="3600" b="1">
                 <a:latin typeface="Times New Roman" panose="02020603050405020304" pitchFamily="18" charset="0"/>
                 <a:ea typeface="Helvetica Neue Light"/>
                 <a:cs typeface="Times New Roman" panose="02020603050405020304" pitchFamily="18" charset="0"/>
@@ -27372,7 +25683,7 @@
               <a:t> </a:t>
             </a:r>
             <a:r>
-              <a:rPr lang="en-GB" sz="3600" err="1">
+              <a:rPr lang="en-GB" sz="3600" b="1" err="1">
                 <a:latin typeface="Times New Roman" panose="02020603050405020304" pitchFamily="18" charset="0"/>
                 <a:ea typeface="Helvetica Neue Light"/>
                 <a:cs typeface="Times New Roman" panose="02020603050405020304" pitchFamily="18" charset="0"/>
@@ -27381,7 +25692,7 @@
               <a:t>yêu</a:t>
             </a:r>
             <a:r>
-              <a:rPr lang="en-GB" sz="3600">
+              <a:rPr lang="en-GB" sz="3600" b="1">
                 <a:latin typeface="Times New Roman" panose="02020603050405020304" pitchFamily="18" charset="0"/>
                 <a:ea typeface="Helvetica Neue Light"/>
                 <a:cs typeface="Times New Roman" panose="02020603050405020304" pitchFamily="18" charset="0"/>
@@ -27390,7 +25701,7 @@
               <a:t> </a:t>
             </a:r>
             <a:r>
-              <a:rPr lang="en-GB" sz="3600" err="1">
+              <a:rPr lang="en-GB" sz="3600" b="1" err="1">
                 <a:latin typeface="Times New Roman" panose="02020603050405020304" pitchFamily="18" charset="0"/>
                 <a:ea typeface="Helvetica Neue Light"/>
                 <a:cs typeface="Times New Roman" panose="02020603050405020304" pitchFamily="18" charset="0"/>
@@ -27399,7 +25710,7 @@
               <a:t>cầu</a:t>
             </a:r>
             <a:r>
-              <a:rPr lang="en-GB" sz="3600">
+              <a:rPr lang="en-GB" sz="3600" b="1">
                 <a:latin typeface="Times New Roman" panose="02020603050405020304" pitchFamily="18" charset="0"/>
                 <a:ea typeface="Helvetica Neue Light"/>
                 <a:cs typeface="Times New Roman" panose="02020603050405020304" pitchFamily="18" charset="0"/>
@@ -27408,7 +25719,7 @@
               <a:t> </a:t>
             </a:r>
             <a:r>
-              <a:rPr lang="en-GB" sz="3600" err="1">
+              <a:rPr lang="en-GB" sz="3600" b="1" err="1">
                 <a:latin typeface="Times New Roman" panose="02020603050405020304" pitchFamily="18" charset="0"/>
                 <a:ea typeface="Helvetica Neue Light"/>
                 <a:cs typeface="Times New Roman" panose="02020603050405020304" pitchFamily="18" charset="0"/>
@@ -27417,7 +25728,7 @@
               <a:t>hệ</a:t>
             </a:r>
             <a:r>
-              <a:rPr lang="en-GB" sz="3600">
+              <a:rPr lang="en-GB" sz="3600" b="1">
                 <a:latin typeface="Times New Roman" panose="02020603050405020304" pitchFamily="18" charset="0"/>
                 <a:ea typeface="Helvetica Neue Light"/>
                 <a:cs typeface="Times New Roman" panose="02020603050405020304" pitchFamily="18" charset="0"/>
@@ -27426,7 +25737,7 @@
               <a:t> </a:t>
             </a:r>
             <a:r>
-              <a:rPr lang="en-GB" sz="3600" err="1">
+              <a:rPr lang="en-GB" sz="3600" b="1" err="1">
                 <a:latin typeface="Times New Roman" panose="02020603050405020304" pitchFamily="18" charset="0"/>
                 <a:ea typeface="Helvetica Neue Light"/>
                 <a:cs typeface="Times New Roman" panose="02020603050405020304" pitchFamily="18" charset="0"/>
@@ -27434,7 +25745,7 @@
               </a:rPr>
               <a:t>thống</a:t>
             </a:r>
-            <a:endParaRPr lang="en-GB" sz="3600">
+            <a:endParaRPr lang="en-GB" sz="3600" b="1">
               <a:latin typeface="Times New Roman" panose="02020603050405020304" pitchFamily="18" charset="0"/>
               <a:ea typeface="Helvetica Neue Light"/>
               <a:cs typeface="Times New Roman" panose="02020603050405020304" pitchFamily="18" charset="0"/>
@@ -27821,6 +26132,24 @@
                 <a:cs typeface="Times New Roman" panose="02020603050405020304" pitchFamily="18" charset="0"/>
                 <a:sym typeface="Helvetica Neue Light"/>
               </a:rPr>
+              <a:t> nhằm giải quyết các khó khăn gặp phải, khiến việc đọc sách trở nên dễ dàng. Giờ đây khách </a:t>
+            </a:r>
+            <a:r>
+              <a:rPr lang="en-GB" sz="3400" err="1">
+                <a:latin typeface="Times New Roman" panose="02020603050405020304" pitchFamily="18" charset="0"/>
+                <a:ea typeface="Helvetica Neue Light"/>
+                <a:cs typeface="Times New Roman" panose="02020603050405020304" pitchFamily="18" charset="0"/>
+                <a:sym typeface="Helvetica Neue Light"/>
+              </a:rPr>
+              <a:t>hàng</a:t>
+            </a:r>
+            <a:r>
+              <a:rPr lang="en-GB" sz="3400">
+                <a:latin typeface="Times New Roman" panose="02020603050405020304" pitchFamily="18" charset="0"/>
+                <a:ea typeface="Helvetica Neue Light"/>
+                <a:cs typeface="Times New Roman" panose="02020603050405020304" pitchFamily="18" charset="0"/>
+                <a:sym typeface="Helvetica Neue Light"/>
+              </a:rPr>
               <a:t> </a:t>
             </a:r>
             <a:r>
@@ -27830,7 +26159,7 @@
                 <a:cs typeface="Times New Roman" panose="02020603050405020304" pitchFamily="18" charset="0"/>
                 <a:sym typeface="Helvetica Neue Light"/>
               </a:rPr>
-              <a:t>nhằm</a:t>
+              <a:t>chỉ</a:t>
             </a:r>
             <a:r>
               <a:rPr lang="en-GB" sz="3400">
@@ -27839,6 +26168,24 @@
                 <a:cs typeface="Times New Roman" panose="02020603050405020304" pitchFamily="18" charset="0"/>
                 <a:sym typeface="Helvetica Neue Light"/>
               </a:rPr>
+              <a:t> cần </a:t>
+            </a:r>
+            <a:r>
+              <a:rPr lang="en-GB" sz="3400" err="1">
+                <a:latin typeface="Times New Roman" panose="02020603050405020304" pitchFamily="18" charset="0"/>
+                <a:ea typeface="Helvetica Neue Light"/>
+                <a:cs typeface="Times New Roman" panose="02020603050405020304" pitchFamily="18" charset="0"/>
+                <a:sym typeface="Helvetica Neue Light"/>
+              </a:rPr>
+              <a:t>ngồi</a:t>
+            </a:r>
+            <a:r>
+              <a:rPr lang="en-GB" sz="3400">
+                <a:latin typeface="Times New Roman" panose="02020603050405020304" pitchFamily="18" charset="0"/>
+                <a:ea typeface="Helvetica Neue Light"/>
+                <a:cs typeface="Times New Roman" panose="02020603050405020304" pitchFamily="18" charset="0"/>
+                <a:sym typeface="Helvetica Neue Light"/>
+              </a:rPr>
               <a:t> </a:t>
             </a:r>
             <a:r>
@@ -27848,7 +26195,7 @@
                 <a:cs typeface="Times New Roman" panose="02020603050405020304" pitchFamily="18" charset="0"/>
                 <a:sym typeface="Helvetica Neue Light"/>
               </a:rPr>
-              <a:t>giải</a:t>
+              <a:t>nhà</a:t>
             </a:r>
             <a:r>
               <a:rPr lang="en-GB" sz="3400">
@@ -27866,7 +26213,7 @@
                 <a:cs typeface="Times New Roman" panose="02020603050405020304" pitchFamily="18" charset="0"/>
                 <a:sym typeface="Helvetica Neue Light"/>
               </a:rPr>
-              <a:t>quyết</a:t>
+              <a:t>truy</a:t>
             </a:r>
             <a:r>
               <a:rPr lang="en-GB" sz="3400">
@@ -27884,6 +26231,474 @@
                 <a:cs typeface="Times New Roman" panose="02020603050405020304" pitchFamily="18" charset="0"/>
                 <a:sym typeface="Helvetica Neue Light"/>
               </a:rPr>
+              <a:t>cập</a:t>
+            </a:r>
+            <a:r>
+              <a:rPr lang="en-GB" sz="3400">
+                <a:latin typeface="Times New Roman" panose="02020603050405020304" pitchFamily="18" charset="0"/>
+                <a:ea typeface="Helvetica Neue Light"/>
+                <a:cs typeface="Times New Roman" panose="02020603050405020304" pitchFamily="18" charset="0"/>
+                <a:sym typeface="Helvetica Neue Light"/>
+              </a:rPr>
+              <a:t> Internet </a:t>
+            </a:r>
+            <a:r>
+              <a:rPr lang="en-GB" sz="3400" err="1">
+                <a:latin typeface="Times New Roman" panose="02020603050405020304" pitchFamily="18" charset="0"/>
+                <a:ea typeface="Helvetica Neue Light"/>
+                <a:cs typeface="Times New Roman" panose="02020603050405020304" pitchFamily="18" charset="0"/>
+                <a:sym typeface="Helvetica Neue Light"/>
+              </a:rPr>
+              <a:t>chỉ</a:t>
+            </a:r>
+            <a:r>
+              <a:rPr lang="en-GB" sz="3400">
+                <a:latin typeface="Times New Roman" panose="02020603050405020304" pitchFamily="18" charset="0"/>
+                <a:ea typeface="Helvetica Neue Light"/>
+                <a:cs typeface="Times New Roman" panose="02020603050405020304" pitchFamily="18" charset="0"/>
+                <a:sym typeface="Helvetica Neue Light"/>
+              </a:rPr>
+              <a:t> </a:t>
+            </a:r>
+            <a:r>
+              <a:rPr lang="en-GB" sz="3400" err="1">
+                <a:latin typeface="Times New Roman" panose="02020603050405020304" pitchFamily="18" charset="0"/>
+                <a:ea typeface="Helvetica Neue Light"/>
+                <a:cs typeface="Times New Roman" panose="02020603050405020304" pitchFamily="18" charset="0"/>
+                <a:sym typeface="Helvetica Neue Light"/>
+              </a:rPr>
+              <a:t>trong</a:t>
+            </a:r>
+            <a:r>
+              <a:rPr lang="en-GB" sz="3400">
+                <a:latin typeface="Times New Roman" panose="02020603050405020304" pitchFamily="18" charset="0"/>
+                <a:ea typeface="Helvetica Neue Light"/>
+                <a:cs typeface="Times New Roman" panose="02020603050405020304" pitchFamily="18" charset="0"/>
+                <a:sym typeface="Helvetica Neue Light"/>
+              </a:rPr>
+              <a:t> </a:t>
+            </a:r>
+            <a:r>
+              <a:rPr lang="en-GB" sz="3400" err="1">
+                <a:latin typeface="Times New Roman" panose="02020603050405020304" pitchFamily="18" charset="0"/>
+                <a:ea typeface="Helvetica Neue Light"/>
+                <a:cs typeface="Times New Roman" panose="02020603050405020304" pitchFamily="18" charset="0"/>
+                <a:sym typeface="Helvetica Neue Light"/>
+              </a:rPr>
+              <a:t>giây</a:t>
+            </a:r>
+            <a:r>
+              <a:rPr lang="en-GB" sz="3400">
+                <a:latin typeface="Times New Roman" panose="02020603050405020304" pitchFamily="18" charset="0"/>
+                <a:ea typeface="Helvetica Neue Light"/>
+                <a:cs typeface="Times New Roman" panose="02020603050405020304" pitchFamily="18" charset="0"/>
+                <a:sym typeface="Helvetica Neue Light"/>
+              </a:rPr>
+              <a:t> </a:t>
+            </a:r>
+            <a:r>
+              <a:rPr lang="en-GB" sz="3400" err="1">
+                <a:latin typeface="Times New Roman" panose="02020603050405020304" pitchFamily="18" charset="0"/>
+                <a:ea typeface="Helvetica Neue Light"/>
+                <a:cs typeface="Times New Roman" panose="02020603050405020304" pitchFamily="18" charset="0"/>
+                <a:sym typeface="Helvetica Neue Light"/>
+              </a:rPr>
+              <a:t>lát</a:t>
+            </a:r>
+            <a:r>
+              <a:rPr lang="en-GB" sz="3400">
+                <a:latin typeface="Times New Roman" panose="02020603050405020304" pitchFamily="18" charset="0"/>
+                <a:ea typeface="Helvetica Neue Light"/>
+                <a:cs typeface="Times New Roman" panose="02020603050405020304" pitchFamily="18" charset="0"/>
+                <a:sym typeface="Helvetica Neue Light"/>
+              </a:rPr>
+              <a:t> </a:t>
+            </a:r>
+            <a:r>
+              <a:rPr lang="en-GB" sz="3400" err="1">
+                <a:latin typeface="Times New Roman" panose="02020603050405020304" pitchFamily="18" charset="0"/>
+                <a:ea typeface="Helvetica Neue Light"/>
+                <a:cs typeface="Times New Roman" panose="02020603050405020304" pitchFamily="18" charset="0"/>
+                <a:sym typeface="Helvetica Neue Light"/>
+              </a:rPr>
+              <a:t>là</a:t>
+            </a:r>
+            <a:r>
+              <a:rPr lang="en-GB" sz="3400">
+                <a:latin typeface="Times New Roman" panose="02020603050405020304" pitchFamily="18" charset="0"/>
+                <a:ea typeface="Helvetica Neue Light"/>
+                <a:cs typeface="Times New Roman" panose="02020603050405020304" pitchFamily="18" charset="0"/>
+                <a:sym typeface="Helvetica Neue Light"/>
+              </a:rPr>
+              <a:t> </a:t>
+            </a:r>
+            <a:r>
+              <a:rPr lang="en-GB" sz="3400" err="1">
+                <a:latin typeface="Times New Roman" panose="02020603050405020304" pitchFamily="18" charset="0"/>
+                <a:ea typeface="Helvetica Neue Light"/>
+                <a:cs typeface="Times New Roman" panose="02020603050405020304" pitchFamily="18" charset="0"/>
+                <a:sym typeface="Helvetica Neue Light"/>
+              </a:rPr>
+              <a:t>đã</a:t>
+            </a:r>
+            <a:r>
+              <a:rPr lang="en-GB" sz="3400">
+                <a:latin typeface="Times New Roman" panose="02020603050405020304" pitchFamily="18" charset="0"/>
+                <a:ea typeface="Helvetica Neue Light"/>
+                <a:cs typeface="Times New Roman" panose="02020603050405020304" pitchFamily="18" charset="0"/>
+                <a:sym typeface="Helvetica Neue Light"/>
+              </a:rPr>
+              <a:t> </a:t>
+            </a:r>
+            <a:r>
+              <a:rPr lang="en-GB" sz="3400" err="1">
+                <a:latin typeface="Times New Roman" panose="02020603050405020304" pitchFamily="18" charset="0"/>
+                <a:ea typeface="Helvetica Neue Light"/>
+                <a:cs typeface="Times New Roman" panose="02020603050405020304" pitchFamily="18" charset="0"/>
+                <a:sym typeface="Helvetica Neue Light"/>
+              </a:rPr>
+              <a:t>có</a:t>
+            </a:r>
+            <a:r>
+              <a:rPr lang="en-GB" sz="3400">
+                <a:latin typeface="Times New Roman" panose="02020603050405020304" pitchFamily="18" charset="0"/>
+                <a:ea typeface="Helvetica Neue Light"/>
+                <a:cs typeface="Times New Roman" panose="02020603050405020304" pitchFamily="18" charset="0"/>
+                <a:sym typeface="Helvetica Neue Light"/>
+              </a:rPr>
+              <a:t> </a:t>
+            </a:r>
+            <a:r>
+              <a:rPr lang="en-GB" sz="3400" err="1">
+                <a:latin typeface="Times New Roman" panose="02020603050405020304" pitchFamily="18" charset="0"/>
+                <a:ea typeface="Helvetica Neue Light"/>
+                <a:cs typeface="Times New Roman" panose="02020603050405020304" pitchFamily="18" charset="0"/>
+                <a:sym typeface="Helvetica Neue Light"/>
+              </a:rPr>
+              <a:t>trong</a:t>
+            </a:r>
+            <a:r>
+              <a:rPr lang="en-GB" sz="3400">
+                <a:latin typeface="Times New Roman" panose="02020603050405020304" pitchFamily="18" charset="0"/>
+                <a:ea typeface="Helvetica Neue Light"/>
+                <a:cs typeface="Times New Roman" panose="02020603050405020304" pitchFamily="18" charset="0"/>
+                <a:sym typeface="Helvetica Neue Light"/>
+              </a:rPr>
+              <a:t> tay </a:t>
+            </a:r>
+            <a:r>
+              <a:rPr lang="en-GB" sz="3400" err="1">
+                <a:latin typeface="Times New Roman" panose="02020603050405020304" pitchFamily="18" charset="0"/>
+                <a:ea typeface="Helvetica Neue Light"/>
+                <a:cs typeface="Times New Roman" panose="02020603050405020304" pitchFamily="18" charset="0"/>
+                <a:sym typeface="Helvetica Neue Light"/>
+              </a:rPr>
+              <a:t>những</a:t>
+            </a:r>
+            <a:r>
+              <a:rPr lang="en-GB" sz="3400">
+                <a:latin typeface="Times New Roman" panose="02020603050405020304" pitchFamily="18" charset="0"/>
+                <a:ea typeface="Helvetica Neue Light"/>
+                <a:cs typeface="Times New Roman" panose="02020603050405020304" pitchFamily="18" charset="0"/>
+                <a:sym typeface="Helvetica Neue Light"/>
+              </a:rPr>
+              <a:t> </a:t>
+            </a:r>
+            <a:r>
+              <a:rPr lang="en-GB" sz="3400" err="1">
+                <a:latin typeface="Times New Roman" panose="02020603050405020304" pitchFamily="18" charset="0"/>
+                <a:ea typeface="Helvetica Neue Light"/>
+                <a:cs typeface="Times New Roman" panose="02020603050405020304" pitchFamily="18" charset="0"/>
+                <a:sym typeface="Helvetica Neue Light"/>
+              </a:rPr>
+              <a:t>quyển</a:t>
+            </a:r>
+            <a:r>
+              <a:rPr lang="en-GB" sz="3400">
+                <a:latin typeface="Times New Roman" panose="02020603050405020304" pitchFamily="18" charset="0"/>
+                <a:ea typeface="Helvetica Neue Light"/>
+                <a:cs typeface="Times New Roman" panose="02020603050405020304" pitchFamily="18" charset="0"/>
+                <a:sym typeface="Helvetica Neue Light"/>
+              </a:rPr>
+              <a:t> </a:t>
+            </a:r>
+            <a:r>
+              <a:rPr lang="en-GB" sz="3400" err="1">
+                <a:latin typeface="Times New Roman" panose="02020603050405020304" pitchFamily="18" charset="0"/>
+                <a:ea typeface="Helvetica Neue Light"/>
+                <a:cs typeface="Times New Roman" panose="02020603050405020304" pitchFamily="18" charset="0"/>
+                <a:sym typeface="Helvetica Neue Light"/>
+              </a:rPr>
+              <a:t>sách</a:t>
+            </a:r>
+            <a:r>
+              <a:rPr lang="en-GB" sz="3400">
+                <a:latin typeface="Times New Roman" panose="02020603050405020304" pitchFamily="18" charset="0"/>
+                <a:ea typeface="Helvetica Neue Light"/>
+                <a:cs typeface="Times New Roman" panose="02020603050405020304" pitchFamily="18" charset="0"/>
+                <a:sym typeface="Helvetica Neue Light"/>
+              </a:rPr>
+              <a:t> hay </a:t>
+            </a:r>
+            <a:r>
+              <a:rPr lang="en-GB" sz="3400" err="1">
+                <a:latin typeface="Times New Roman" panose="02020603050405020304" pitchFamily="18" charset="0"/>
+                <a:ea typeface="Helvetica Neue Light"/>
+                <a:cs typeface="Times New Roman" panose="02020603050405020304" pitchFamily="18" charset="0"/>
+                <a:sym typeface="Helvetica Neue Light"/>
+              </a:rPr>
+              <a:t>để</a:t>
+            </a:r>
+            <a:r>
+              <a:rPr lang="en-GB" sz="3400">
+                <a:latin typeface="Times New Roman" panose="02020603050405020304" pitchFamily="18" charset="0"/>
+                <a:ea typeface="Helvetica Neue Light"/>
+                <a:cs typeface="Times New Roman" panose="02020603050405020304" pitchFamily="18" charset="0"/>
+                <a:sym typeface="Helvetica Neue Light"/>
+              </a:rPr>
+              <a:t> </a:t>
+            </a:r>
+            <a:r>
+              <a:rPr lang="en-GB" sz="3400" err="1">
+                <a:latin typeface="Times New Roman" panose="02020603050405020304" pitchFamily="18" charset="0"/>
+                <a:ea typeface="Helvetica Neue Light"/>
+                <a:cs typeface="Times New Roman" panose="02020603050405020304" pitchFamily="18" charset="0"/>
+                <a:sym typeface="Helvetica Neue Light"/>
+              </a:rPr>
+              <a:t>đọc</a:t>
+            </a:r>
+            <a:r>
+              <a:rPr lang="en-GB" sz="3400">
+                <a:latin typeface="Times New Roman" panose="02020603050405020304" pitchFamily="18" charset="0"/>
+                <a:ea typeface="Helvetica Neue Light"/>
+                <a:cs typeface="Times New Roman" panose="02020603050405020304" pitchFamily="18" charset="0"/>
+                <a:sym typeface="Helvetica Neue Light"/>
+              </a:rPr>
+              <a:t> </a:t>
+            </a:r>
+            <a:r>
+              <a:rPr lang="en-GB" sz="3400" err="1">
+                <a:latin typeface="Times New Roman" panose="02020603050405020304" pitchFamily="18" charset="0"/>
+                <a:ea typeface="Helvetica Neue Light"/>
+                <a:cs typeface="Times New Roman" panose="02020603050405020304" pitchFamily="18" charset="0"/>
+                <a:sym typeface="Helvetica Neue Light"/>
+              </a:rPr>
+              <a:t>thay</a:t>
+            </a:r>
+            <a:r>
+              <a:rPr lang="en-GB" sz="3400">
+                <a:latin typeface="Times New Roman" panose="02020603050405020304" pitchFamily="18" charset="0"/>
+                <a:ea typeface="Helvetica Neue Light"/>
+                <a:cs typeface="Times New Roman" panose="02020603050405020304" pitchFamily="18" charset="0"/>
+                <a:sym typeface="Helvetica Neue Light"/>
+              </a:rPr>
+              <a:t> </a:t>
+            </a:r>
+            <a:r>
+              <a:rPr lang="en-GB" sz="3400" err="1">
+                <a:latin typeface="Times New Roman" panose="02020603050405020304" pitchFamily="18" charset="0"/>
+                <a:ea typeface="Helvetica Neue Light"/>
+                <a:cs typeface="Times New Roman" panose="02020603050405020304" pitchFamily="18" charset="0"/>
+                <a:sym typeface="Helvetica Neue Light"/>
+              </a:rPr>
+              <a:t>vì</a:t>
+            </a:r>
+            <a:r>
+              <a:rPr lang="en-GB" sz="3400">
+                <a:latin typeface="Times New Roman" panose="02020603050405020304" pitchFamily="18" charset="0"/>
+                <a:ea typeface="Helvetica Neue Light"/>
+                <a:cs typeface="Times New Roman" panose="02020603050405020304" pitchFamily="18" charset="0"/>
+                <a:sym typeface="Helvetica Neue Light"/>
+              </a:rPr>
+              <a:t> </a:t>
+            </a:r>
+            <a:r>
+              <a:rPr lang="en-GB" sz="3400" err="1">
+                <a:latin typeface="Times New Roman" panose="02020603050405020304" pitchFamily="18" charset="0"/>
+                <a:ea typeface="Helvetica Neue Light"/>
+                <a:cs typeface="Times New Roman" panose="02020603050405020304" pitchFamily="18" charset="0"/>
+                <a:sym typeface="Helvetica Neue Light"/>
+              </a:rPr>
+              <a:t>phải</a:t>
+            </a:r>
+            <a:r>
+              <a:rPr lang="en-GB" sz="3400">
+                <a:latin typeface="Times New Roman" panose="02020603050405020304" pitchFamily="18" charset="0"/>
+                <a:ea typeface="Helvetica Neue Light"/>
+                <a:cs typeface="Times New Roman" panose="02020603050405020304" pitchFamily="18" charset="0"/>
+                <a:sym typeface="Helvetica Neue Light"/>
+              </a:rPr>
+              <a:t> </a:t>
+            </a:r>
+            <a:r>
+              <a:rPr lang="en-GB" sz="3400" err="1">
+                <a:latin typeface="Times New Roman" panose="02020603050405020304" pitchFamily="18" charset="0"/>
+                <a:ea typeface="Helvetica Neue Light"/>
+                <a:cs typeface="Times New Roman" panose="02020603050405020304" pitchFamily="18" charset="0"/>
+                <a:sym typeface="Helvetica Neue Light"/>
+              </a:rPr>
+              <a:t>tới</a:t>
+            </a:r>
+            <a:r>
+              <a:rPr lang="en-GB" sz="3400">
+                <a:latin typeface="Times New Roman" panose="02020603050405020304" pitchFamily="18" charset="0"/>
+                <a:ea typeface="Helvetica Neue Light"/>
+                <a:cs typeface="Times New Roman" panose="02020603050405020304" pitchFamily="18" charset="0"/>
+                <a:sym typeface="Helvetica Neue Light"/>
+              </a:rPr>
+              <a:t> </a:t>
+            </a:r>
+            <a:r>
+              <a:rPr lang="en-GB" sz="3400" err="1">
+                <a:latin typeface="Times New Roman" panose="02020603050405020304" pitchFamily="18" charset="0"/>
+                <a:ea typeface="Helvetica Neue Light"/>
+                <a:cs typeface="Times New Roman" panose="02020603050405020304" pitchFamily="18" charset="0"/>
+                <a:sym typeface="Helvetica Neue Light"/>
+              </a:rPr>
+              <a:t>cửa</a:t>
+            </a:r>
+            <a:r>
+              <a:rPr lang="en-GB" sz="3400">
+                <a:latin typeface="Times New Roman" panose="02020603050405020304" pitchFamily="18" charset="0"/>
+                <a:ea typeface="Helvetica Neue Light"/>
+                <a:cs typeface="Times New Roman" panose="02020603050405020304" pitchFamily="18" charset="0"/>
+                <a:sym typeface="Helvetica Neue Light"/>
+              </a:rPr>
+              <a:t> hang </a:t>
+            </a:r>
+            <a:r>
+              <a:rPr lang="en-GB" sz="3400" err="1">
+                <a:latin typeface="Times New Roman" panose="02020603050405020304" pitchFamily="18" charset="0"/>
+                <a:ea typeface="Helvetica Neue Light"/>
+                <a:cs typeface="Times New Roman" panose="02020603050405020304" pitchFamily="18" charset="0"/>
+                <a:sym typeface="Helvetica Neue Light"/>
+              </a:rPr>
+              <a:t>sách</a:t>
+            </a:r>
+            <a:r>
+              <a:rPr lang="en-GB" sz="3400">
+                <a:latin typeface="Times New Roman" panose="02020603050405020304" pitchFamily="18" charset="0"/>
+                <a:ea typeface="Helvetica Neue Light"/>
+                <a:cs typeface="Times New Roman" panose="02020603050405020304" pitchFamily="18" charset="0"/>
+                <a:sym typeface="Helvetica Neue Light"/>
+              </a:rPr>
+              <a:t> </a:t>
+            </a:r>
+            <a:r>
+              <a:rPr lang="en-GB" sz="3400" err="1">
+                <a:latin typeface="Times New Roman" panose="02020603050405020304" pitchFamily="18" charset="0"/>
+                <a:ea typeface="Helvetica Neue Light"/>
+                <a:cs typeface="Times New Roman" panose="02020603050405020304" pitchFamily="18" charset="0"/>
+                <a:sym typeface="Helvetica Neue Light"/>
+              </a:rPr>
+              <a:t>nh</a:t>
+            </a:r>
+            <a:r>
+              <a:rPr lang="vi-VN" sz="3400">
+                <a:latin typeface="Times New Roman" panose="02020603050405020304" pitchFamily="18" charset="0"/>
+                <a:ea typeface="Helvetica Neue Light"/>
+                <a:cs typeface="Times New Roman" panose="02020603050405020304" pitchFamily="18" charset="0"/>
+                <a:sym typeface="Helvetica Neue Light"/>
+              </a:rPr>
+              <a:t>ư</a:t>
+            </a:r>
+            <a:r>
+              <a:rPr lang="en-GB" sz="3400">
+                <a:latin typeface="Times New Roman" panose="02020603050405020304" pitchFamily="18" charset="0"/>
+                <a:ea typeface="Helvetica Neue Light"/>
+                <a:cs typeface="Times New Roman" panose="02020603050405020304" pitchFamily="18" charset="0"/>
+                <a:sym typeface="Helvetica Neue Light"/>
+              </a:rPr>
+              <a:t> tr</a:t>
+            </a:r>
+            <a:r>
+              <a:rPr lang="vi-VN" sz="3400">
+                <a:latin typeface="Times New Roman" panose="02020603050405020304" pitchFamily="18" charset="0"/>
+                <a:ea typeface="Helvetica Neue Light"/>
+                <a:cs typeface="Times New Roman" panose="02020603050405020304" pitchFamily="18" charset="0"/>
+                <a:sym typeface="Helvetica Neue Light"/>
+              </a:rPr>
+              <a:t>ư</a:t>
+            </a:r>
+            <a:r>
+              <a:rPr lang="en-GB" sz="3400" err="1">
+                <a:latin typeface="Times New Roman" panose="02020603050405020304" pitchFamily="18" charset="0"/>
+                <a:ea typeface="Helvetica Neue Light"/>
+                <a:cs typeface="Times New Roman" panose="02020603050405020304" pitchFamily="18" charset="0"/>
+                <a:sym typeface="Helvetica Neue Light"/>
+              </a:rPr>
+              <a:t>ớc</a:t>
+            </a:r>
+            <a:r>
+              <a:rPr lang="en-GB" sz="3400">
+                <a:latin typeface="Times New Roman" panose="02020603050405020304" pitchFamily="18" charset="0"/>
+                <a:ea typeface="Helvetica Neue Light"/>
+                <a:cs typeface="Times New Roman" panose="02020603050405020304" pitchFamily="18" charset="0"/>
+                <a:sym typeface="Helvetica Neue Light"/>
+              </a:rPr>
+              <a:t>. </a:t>
+            </a:r>
+            <a:r>
+              <a:rPr lang="en-GB" sz="3400" err="1">
+                <a:latin typeface="Times New Roman" panose="02020603050405020304" pitchFamily="18" charset="0"/>
+                <a:ea typeface="Helvetica Neue Light"/>
+                <a:cs typeface="Times New Roman" panose="02020603050405020304" pitchFamily="18" charset="0"/>
+                <a:sym typeface="Helvetica Neue Light"/>
+              </a:rPr>
+              <a:t>Hệ</a:t>
+            </a:r>
+            <a:r>
+              <a:rPr lang="en-GB" sz="3400">
+                <a:latin typeface="Times New Roman" panose="02020603050405020304" pitchFamily="18" charset="0"/>
+                <a:ea typeface="Helvetica Neue Light"/>
+                <a:cs typeface="Times New Roman" panose="02020603050405020304" pitchFamily="18" charset="0"/>
+                <a:sym typeface="Helvetica Neue Light"/>
+              </a:rPr>
+              <a:t> </a:t>
+            </a:r>
+            <a:r>
+              <a:rPr lang="en-GB" sz="3400" err="1">
+                <a:latin typeface="Times New Roman" panose="02020603050405020304" pitchFamily="18" charset="0"/>
+                <a:ea typeface="Helvetica Neue Light"/>
+                <a:cs typeface="Times New Roman" panose="02020603050405020304" pitchFamily="18" charset="0"/>
+                <a:sym typeface="Helvetica Neue Light"/>
+              </a:rPr>
+              <a:t>thống</a:t>
+            </a:r>
+            <a:r>
+              <a:rPr lang="en-GB" sz="3400">
+                <a:latin typeface="Times New Roman" panose="02020603050405020304" pitchFamily="18" charset="0"/>
+                <a:ea typeface="Helvetica Neue Light"/>
+                <a:cs typeface="Times New Roman" panose="02020603050405020304" pitchFamily="18" charset="0"/>
+                <a:sym typeface="Helvetica Neue Light"/>
+              </a:rPr>
+              <a:t> </a:t>
+            </a:r>
+            <a:r>
+              <a:rPr lang="en-GB" sz="3400" err="1">
+                <a:latin typeface="Times New Roman" panose="02020603050405020304" pitchFamily="18" charset="0"/>
+                <a:ea typeface="Helvetica Neue Light"/>
+                <a:cs typeface="Times New Roman" panose="02020603050405020304" pitchFamily="18" charset="0"/>
+                <a:sym typeface="Helvetica Neue Light"/>
+              </a:rPr>
+              <a:t>có</a:t>
+            </a:r>
+            <a:r>
+              <a:rPr lang="en-GB" sz="3400">
+                <a:latin typeface="Times New Roman" panose="02020603050405020304" pitchFamily="18" charset="0"/>
+                <a:ea typeface="Helvetica Neue Light"/>
+                <a:cs typeface="Times New Roman" panose="02020603050405020304" pitchFamily="18" charset="0"/>
+                <a:sym typeface="Helvetica Neue Light"/>
+              </a:rPr>
+              <a:t> </a:t>
+            </a:r>
+            <a:r>
+              <a:rPr lang="en-GB" sz="3400" err="1">
+                <a:latin typeface="Times New Roman" panose="02020603050405020304" pitchFamily="18" charset="0"/>
+                <a:ea typeface="Helvetica Neue Light"/>
+                <a:cs typeface="Times New Roman" panose="02020603050405020304" pitchFamily="18" charset="0"/>
+                <a:sym typeface="Helvetica Neue Light"/>
+              </a:rPr>
               <a:t>các</a:t>
             </a:r>
             <a:r>
@@ -27902,7 +26717,7 @@
                 <a:cs typeface="Times New Roman" panose="02020603050405020304" pitchFamily="18" charset="0"/>
                 <a:sym typeface="Helvetica Neue Light"/>
               </a:rPr>
-              <a:t>khó</a:t>
+              <a:t>chức</a:t>
             </a:r>
             <a:r>
               <a:rPr lang="en-GB" sz="3400">
@@ -27920,7 +26735,7 @@
                 <a:cs typeface="Times New Roman" panose="02020603050405020304" pitchFamily="18" charset="0"/>
                 <a:sym typeface="Helvetica Neue Light"/>
               </a:rPr>
-              <a:t>khăn</a:t>
+              <a:t>năng</a:t>
             </a:r>
             <a:r>
               <a:rPr lang="en-GB" sz="3400">
@@ -27938,7 +26753,7 @@
                 <a:cs typeface="Times New Roman" panose="02020603050405020304" pitchFamily="18" charset="0"/>
                 <a:sym typeface="Helvetica Neue Light"/>
               </a:rPr>
-              <a:t>gặp</a:t>
+              <a:t>đăng</a:t>
             </a:r>
             <a:r>
               <a:rPr lang="en-GB" sz="3400">
@@ -27956,7 +26771,7 @@
                 <a:cs typeface="Times New Roman" panose="02020603050405020304" pitchFamily="18" charset="0"/>
                 <a:sym typeface="Helvetica Neue Light"/>
               </a:rPr>
-              <a:t>phải,khiến</a:t>
+              <a:t>nhập</a:t>
             </a:r>
             <a:r>
               <a:rPr lang="en-GB" sz="3400">
@@ -27965,6 +26780,42 @@
                 <a:cs typeface="Times New Roman" panose="02020603050405020304" pitchFamily="18" charset="0"/>
                 <a:sym typeface="Helvetica Neue Light"/>
               </a:rPr>
+              <a:t>, xem </a:t>
+            </a:r>
+            <a:r>
+              <a:rPr lang="en-GB" sz="3400" err="1">
+                <a:latin typeface="Times New Roman" panose="02020603050405020304" pitchFamily="18" charset="0"/>
+                <a:ea typeface="Helvetica Neue Light"/>
+                <a:cs typeface="Times New Roman" panose="02020603050405020304" pitchFamily="18" charset="0"/>
+                <a:sym typeface="Helvetica Neue Light"/>
+              </a:rPr>
+              <a:t>sách</a:t>
+            </a:r>
+            <a:r>
+              <a:rPr lang="en-GB" sz="3400">
+                <a:latin typeface="Times New Roman" panose="02020603050405020304" pitchFamily="18" charset="0"/>
+                <a:ea typeface="Helvetica Neue Light"/>
+                <a:cs typeface="Times New Roman" panose="02020603050405020304" pitchFamily="18" charset="0"/>
+                <a:sym typeface="Helvetica Neue Light"/>
+              </a:rPr>
+              <a:t>, thêm </a:t>
+            </a:r>
+            <a:r>
+              <a:rPr lang="en-GB" sz="3400" err="1">
+                <a:latin typeface="Times New Roman" panose="02020603050405020304" pitchFamily="18" charset="0"/>
+                <a:ea typeface="Helvetica Neue Light"/>
+                <a:cs typeface="Times New Roman" panose="02020603050405020304" pitchFamily="18" charset="0"/>
+                <a:sym typeface="Helvetica Neue Light"/>
+              </a:rPr>
+              <a:t>sách</a:t>
+            </a:r>
+            <a:r>
+              <a:rPr lang="en-GB" sz="3400">
+                <a:latin typeface="Times New Roman" panose="02020603050405020304" pitchFamily="18" charset="0"/>
+                <a:ea typeface="Helvetica Neue Light"/>
+                <a:cs typeface="Times New Roman" panose="02020603050405020304" pitchFamily="18" charset="0"/>
+                <a:sym typeface="Helvetica Neue Light"/>
+              </a:rPr>
               <a:t> </a:t>
             </a:r>
             <a:r>
@@ -27974,7 +26825,7 @@
                 <a:cs typeface="Times New Roman" panose="02020603050405020304" pitchFamily="18" charset="0"/>
                 <a:sym typeface="Helvetica Neue Light"/>
               </a:rPr>
-              <a:t>việc</a:t>
+              <a:t>vào</a:t>
             </a:r>
             <a:r>
               <a:rPr lang="en-GB" sz="3400">
@@ -27992,7 +26843,7 @@
                 <a:cs typeface="Times New Roman" panose="02020603050405020304" pitchFamily="18" charset="0"/>
                 <a:sym typeface="Helvetica Neue Light"/>
               </a:rPr>
-              <a:t>đọc</a:t>
+              <a:t>giỏ</a:t>
             </a:r>
             <a:r>
               <a:rPr lang="en-GB" sz="3400">
@@ -28010,7 +26861,7 @@
                 <a:cs typeface="Times New Roman" panose="02020603050405020304" pitchFamily="18" charset="0"/>
                 <a:sym typeface="Helvetica Neue Light"/>
               </a:rPr>
-              <a:t>sách</a:t>
+              <a:t>hàng</a:t>
             </a:r>
             <a:r>
               <a:rPr lang="en-GB" sz="3400">
@@ -28028,7 +26879,7 @@
                 <a:cs typeface="Times New Roman" panose="02020603050405020304" pitchFamily="18" charset="0"/>
                 <a:sym typeface="Helvetica Neue Light"/>
               </a:rPr>
-              <a:t>trở</a:t>
+              <a:t>thanh</a:t>
             </a:r>
             <a:r>
               <a:rPr lang="en-GB" sz="3400">
@@ -28046,7 +26897,7 @@
                 <a:cs typeface="Times New Roman" panose="02020603050405020304" pitchFamily="18" charset="0"/>
                 <a:sym typeface="Helvetica Neue Light"/>
               </a:rPr>
-              <a:t>nên</a:t>
+              <a:t>toán</a:t>
             </a:r>
             <a:r>
               <a:rPr lang="en-GB" sz="3400">
@@ -28055,6 +26906,24 @@
                 <a:cs typeface="Times New Roman" panose="02020603050405020304" pitchFamily="18" charset="0"/>
                 <a:sym typeface="Helvetica Neue Light"/>
               </a:rPr>
+              <a:t>, quản </a:t>
+            </a:r>
+            <a:r>
+              <a:rPr lang="en-GB" sz="3400" err="1">
+                <a:latin typeface="Times New Roman" panose="02020603050405020304" pitchFamily="18" charset="0"/>
+                <a:ea typeface="Helvetica Neue Light"/>
+                <a:cs typeface="Times New Roman" panose="02020603050405020304" pitchFamily="18" charset="0"/>
+                <a:sym typeface="Helvetica Neue Light"/>
+              </a:rPr>
+              <a:t>lý</a:t>
+            </a:r>
+            <a:r>
+              <a:rPr lang="en-GB" sz="3400">
+                <a:latin typeface="Times New Roman" panose="02020603050405020304" pitchFamily="18" charset="0"/>
+                <a:ea typeface="Helvetica Neue Light"/>
+                <a:cs typeface="Times New Roman" panose="02020603050405020304" pitchFamily="18" charset="0"/>
+                <a:sym typeface="Helvetica Neue Light"/>
+              </a:rPr>
               <a:t> </a:t>
             </a:r>
             <a:r>
@@ -28064,7 +26933,7 @@
                 <a:cs typeface="Times New Roman" panose="02020603050405020304" pitchFamily="18" charset="0"/>
                 <a:sym typeface="Helvetica Neue Light"/>
               </a:rPr>
-              <a:t>dễ</a:t>
+              <a:t>thông</a:t>
             </a:r>
             <a:r>
               <a:rPr lang="en-GB" sz="3400">
@@ -28073,6 +26942,33 @@
                 <a:cs typeface="Times New Roman" panose="02020603050405020304" pitchFamily="18" charset="0"/>
                 <a:sym typeface="Helvetica Neue Light"/>
               </a:rPr>
+              <a:t> tin ng</a:t>
+            </a:r>
+            <a:r>
+              <a:rPr lang="vi-VN" sz="3400">
+                <a:latin typeface="Times New Roman" panose="02020603050405020304" pitchFamily="18" charset="0"/>
+                <a:ea typeface="Helvetica Neue Light"/>
+                <a:cs typeface="Times New Roman" panose="02020603050405020304" pitchFamily="18" charset="0"/>
+                <a:sym typeface="Helvetica Neue Light"/>
+              </a:rPr>
+              <a:t>ư</a:t>
+            </a:r>
+            <a:r>
+              <a:rPr lang="en-GB" sz="3400" err="1">
+                <a:latin typeface="Times New Roman" panose="02020603050405020304" pitchFamily="18" charset="0"/>
+                <a:ea typeface="Helvetica Neue Light"/>
+                <a:cs typeface="Times New Roman" panose="02020603050405020304" pitchFamily="18" charset="0"/>
+                <a:sym typeface="Helvetica Neue Light"/>
+              </a:rPr>
+              <a:t>ời</a:t>
+            </a:r>
+            <a:r>
+              <a:rPr lang="en-GB" sz="3400">
+                <a:latin typeface="Times New Roman" panose="02020603050405020304" pitchFamily="18" charset="0"/>
+                <a:ea typeface="Helvetica Neue Light"/>
+                <a:cs typeface="Times New Roman" panose="02020603050405020304" pitchFamily="18" charset="0"/>
+                <a:sym typeface="Helvetica Neue Light"/>
+              </a:rPr>
               <a:t> </a:t>
             </a:r>
             <a:r>
@@ -28082,7 +26978,7 @@
                 <a:cs typeface="Times New Roman" panose="02020603050405020304" pitchFamily="18" charset="0"/>
                 <a:sym typeface="Helvetica Neue Light"/>
               </a:rPr>
-              <a:t>dàng.Giờ</a:t>
+              <a:t>dùng</a:t>
             </a:r>
             <a:r>
               <a:rPr lang="en-GB" sz="3400">
@@ -28091,934 +26987,7 @@
                 <a:cs typeface="Times New Roman" panose="02020603050405020304" pitchFamily="18" charset="0"/>
                 <a:sym typeface="Helvetica Neue Light"/>
               </a:rPr>
-              <a:t> </a:t>
-            </a:r>
-            <a:r>
-              <a:rPr lang="en-GB" sz="3400" err="1">
-                <a:latin typeface="Times New Roman" panose="02020603050405020304" pitchFamily="18" charset="0"/>
-                <a:ea typeface="Helvetica Neue Light"/>
-                <a:cs typeface="Times New Roman" panose="02020603050405020304" pitchFamily="18" charset="0"/>
-                <a:sym typeface="Helvetica Neue Light"/>
-              </a:rPr>
-              <a:t>đây</a:t>
-            </a:r>
-            <a:r>
-              <a:rPr lang="en-GB" sz="3400">
-                <a:latin typeface="Times New Roman" panose="02020603050405020304" pitchFamily="18" charset="0"/>
-                <a:ea typeface="Helvetica Neue Light"/>
-                <a:cs typeface="Times New Roman" panose="02020603050405020304" pitchFamily="18" charset="0"/>
-                <a:sym typeface="Helvetica Neue Light"/>
-              </a:rPr>
-              <a:t> </a:t>
-            </a:r>
-            <a:r>
-              <a:rPr lang="en-GB" sz="3400" err="1">
-                <a:latin typeface="Times New Roman" panose="02020603050405020304" pitchFamily="18" charset="0"/>
-                <a:ea typeface="Helvetica Neue Light"/>
-                <a:cs typeface="Times New Roman" panose="02020603050405020304" pitchFamily="18" charset="0"/>
-                <a:sym typeface="Helvetica Neue Light"/>
-              </a:rPr>
-              <a:t>khách</a:t>
-            </a:r>
-            <a:r>
-              <a:rPr lang="en-GB" sz="3400">
-                <a:latin typeface="Times New Roman" panose="02020603050405020304" pitchFamily="18" charset="0"/>
-                <a:ea typeface="Helvetica Neue Light"/>
-                <a:cs typeface="Times New Roman" panose="02020603050405020304" pitchFamily="18" charset="0"/>
-                <a:sym typeface="Helvetica Neue Light"/>
-              </a:rPr>
-              <a:t> </a:t>
-            </a:r>
-            <a:r>
-              <a:rPr lang="en-GB" sz="3400" err="1">
-                <a:latin typeface="Times New Roman" panose="02020603050405020304" pitchFamily="18" charset="0"/>
-                <a:ea typeface="Helvetica Neue Light"/>
-                <a:cs typeface="Times New Roman" panose="02020603050405020304" pitchFamily="18" charset="0"/>
-                <a:sym typeface="Helvetica Neue Light"/>
-              </a:rPr>
-              <a:t>hàng</a:t>
-            </a:r>
-            <a:r>
-              <a:rPr lang="en-GB" sz="3400">
-                <a:latin typeface="Times New Roman" panose="02020603050405020304" pitchFamily="18" charset="0"/>
-                <a:ea typeface="Helvetica Neue Light"/>
-                <a:cs typeface="Times New Roman" panose="02020603050405020304" pitchFamily="18" charset="0"/>
-                <a:sym typeface="Helvetica Neue Light"/>
-              </a:rPr>
-              <a:t> </a:t>
-            </a:r>
-            <a:r>
-              <a:rPr lang="en-GB" sz="3400" err="1">
-                <a:latin typeface="Times New Roman" panose="02020603050405020304" pitchFamily="18" charset="0"/>
-                <a:ea typeface="Helvetica Neue Light"/>
-                <a:cs typeface="Times New Roman" panose="02020603050405020304" pitchFamily="18" charset="0"/>
-                <a:sym typeface="Helvetica Neue Light"/>
-              </a:rPr>
-              <a:t>chỉ</a:t>
-            </a:r>
-            <a:r>
-              <a:rPr lang="en-GB" sz="3400">
-                <a:latin typeface="Times New Roman" panose="02020603050405020304" pitchFamily="18" charset="0"/>
-                <a:ea typeface="Helvetica Neue Light"/>
-                <a:cs typeface="Times New Roman" panose="02020603050405020304" pitchFamily="18" charset="0"/>
-                <a:sym typeface="Helvetica Neue Light"/>
-              </a:rPr>
-              <a:t> 	</a:t>
-            </a:r>
-            <a:r>
-              <a:rPr lang="en-GB" sz="3400" err="1">
-                <a:latin typeface="Times New Roman" panose="02020603050405020304" pitchFamily="18" charset="0"/>
-                <a:ea typeface="Helvetica Neue Light"/>
-                <a:cs typeface="Times New Roman" panose="02020603050405020304" pitchFamily="18" charset="0"/>
-                <a:sym typeface="Helvetica Neue Light"/>
-              </a:rPr>
-              <a:t>cần</a:t>
-            </a:r>
-            <a:r>
-              <a:rPr lang="en-GB" sz="3400">
-                <a:latin typeface="Times New Roman" panose="02020603050405020304" pitchFamily="18" charset="0"/>
-                <a:ea typeface="Helvetica Neue Light"/>
-                <a:cs typeface="Times New Roman" panose="02020603050405020304" pitchFamily="18" charset="0"/>
-                <a:sym typeface="Helvetica Neue Light"/>
-              </a:rPr>
-              <a:t> </a:t>
-            </a:r>
-            <a:r>
-              <a:rPr lang="en-GB" sz="3400" err="1">
-                <a:latin typeface="Times New Roman" panose="02020603050405020304" pitchFamily="18" charset="0"/>
-                <a:ea typeface="Helvetica Neue Light"/>
-                <a:cs typeface="Times New Roman" panose="02020603050405020304" pitchFamily="18" charset="0"/>
-                <a:sym typeface="Helvetica Neue Light"/>
-              </a:rPr>
-              <a:t>ngồi</a:t>
-            </a:r>
-            <a:r>
-              <a:rPr lang="en-GB" sz="3400">
-                <a:latin typeface="Times New Roman" panose="02020603050405020304" pitchFamily="18" charset="0"/>
-                <a:ea typeface="Helvetica Neue Light"/>
-                <a:cs typeface="Times New Roman" panose="02020603050405020304" pitchFamily="18" charset="0"/>
-                <a:sym typeface="Helvetica Neue Light"/>
-              </a:rPr>
-              <a:t> </a:t>
-            </a:r>
-            <a:r>
-              <a:rPr lang="en-GB" sz="3400" err="1">
-                <a:latin typeface="Times New Roman" panose="02020603050405020304" pitchFamily="18" charset="0"/>
-                <a:ea typeface="Helvetica Neue Light"/>
-                <a:cs typeface="Times New Roman" panose="02020603050405020304" pitchFamily="18" charset="0"/>
-                <a:sym typeface="Helvetica Neue Light"/>
-              </a:rPr>
-              <a:t>nhà</a:t>
-            </a:r>
-            <a:r>
-              <a:rPr lang="en-GB" sz="3400">
-                <a:latin typeface="Times New Roman" panose="02020603050405020304" pitchFamily="18" charset="0"/>
-                <a:ea typeface="Helvetica Neue Light"/>
-                <a:cs typeface="Times New Roman" panose="02020603050405020304" pitchFamily="18" charset="0"/>
-                <a:sym typeface="Helvetica Neue Light"/>
-              </a:rPr>
-              <a:t> </a:t>
-            </a:r>
-            <a:r>
-              <a:rPr lang="en-GB" sz="3400" err="1">
-                <a:latin typeface="Times New Roman" panose="02020603050405020304" pitchFamily="18" charset="0"/>
-                <a:ea typeface="Helvetica Neue Light"/>
-                <a:cs typeface="Times New Roman" panose="02020603050405020304" pitchFamily="18" charset="0"/>
-                <a:sym typeface="Helvetica Neue Light"/>
-              </a:rPr>
-              <a:t>truy</a:t>
-            </a:r>
-            <a:r>
-              <a:rPr lang="en-GB" sz="3400">
-                <a:latin typeface="Times New Roman" panose="02020603050405020304" pitchFamily="18" charset="0"/>
-                <a:ea typeface="Helvetica Neue Light"/>
-                <a:cs typeface="Times New Roman" panose="02020603050405020304" pitchFamily="18" charset="0"/>
-                <a:sym typeface="Helvetica Neue Light"/>
-              </a:rPr>
-              <a:t> </a:t>
-            </a:r>
-            <a:r>
-              <a:rPr lang="en-GB" sz="3400" err="1">
-                <a:latin typeface="Times New Roman" panose="02020603050405020304" pitchFamily="18" charset="0"/>
-                <a:ea typeface="Helvetica Neue Light"/>
-                <a:cs typeface="Times New Roman" panose="02020603050405020304" pitchFamily="18" charset="0"/>
-                <a:sym typeface="Helvetica Neue Light"/>
-              </a:rPr>
-              <a:t>cập</a:t>
-            </a:r>
-            <a:r>
-              <a:rPr lang="en-GB" sz="3400">
-                <a:latin typeface="Times New Roman" panose="02020603050405020304" pitchFamily="18" charset="0"/>
-                <a:ea typeface="Helvetica Neue Light"/>
-                <a:cs typeface="Times New Roman" panose="02020603050405020304" pitchFamily="18" charset="0"/>
-                <a:sym typeface="Helvetica Neue Light"/>
-              </a:rPr>
-              <a:t> Internet </a:t>
-            </a:r>
-            <a:r>
-              <a:rPr lang="en-GB" sz="3400" err="1">
-                <a:latin typeface="Times New Roman" panose="02020603050405020304" pitchFamily="18" charset="0"/>
-                <a:ea typeface="Helvetica Neue Light"/>
-                <a:cs typeface="Times New Roman" panose="02020603050405020304" pitchFamily="18" charset="0"/>
-                <a:sym typeface="Helvetica Neue Light"/>
-              </a:rPr>
-              <a:t>chỉ</a:t>
-            </a:r>
-            <a:r>
-              <a:rPr lang="en-GB" sz="3400">
-                <a:latin typeface="Times New Roman" panose="02020603050405020304" pitchFamily="18" charset="0"/>
-                <a:ea typeface="Helvetica Neue Light"/>
-                <a:cs typeface="Times New Roman" panose="02020603050405020304" pitchFamily="18" charset="0"/>
-                <a:sym typeface="Helvetica Neue Light"/>
-              </a:rPr>
-              <a:t> </a:t>
-            </a:r>
-            <a:r>
-              <a:rPr lang="en-GB" sz="3400" err="1">
-                <a:latin typeface="Times New Roman" panose="02020603050405020304" pitchFamily="18" charset="0"/>
-                <a:ea typeface="Helvetica Neue Light"/>
-                <a:cs typeface="Times New Roman" panose="02020603050405020304" pitchFamily="18" charset="0"/>
-                <a:sym typeface="Helvetica Neue Light"/>
-              </a:rPr>
-              <a:t>trong</a:t>
-            </a:r>
-            <a:r>
-              <a:rPr lang="en-GB" sz="3400">
-                <a:latin typeface="Times New Roman" panose="02020603050405020304" pitchFamily="18" charset="0"/>
-                <a:ea typeface="Helvetica Neue Light"/>
-                <a:cs typeface="Times New Roman" panose="02020603050405020304" pitchFamily="18" charset="0"/>
-                <a:sym typeface="Helvetica Neue Light"/>
-              </a:rPr>
-              <a:t> </a:t>
-            </a:r>
-            <a:r>
-              <a:rPr lang="en-GB" sz="3400" err="1">
-                <a:latin typeface="Times New Roman" panose="02020603050405020304" pitchFamily="18" charset="0"/>
-                <a:ea typeface="Helvetica Neue Light"/>
-                <a:cs typeface="Times New Roman" panose="02020603050405020304" pitchFamily="18" charset="0"/>
-                <a:sym typeface="Helvetica Neue Light"/>
-              </a:rPr>
-              <a:t>giây</a:t>
-            </a:r>
-            <a:r>
-              <a:rPr lang="en-GB" sz="3400">
-                <a:latin typeface="Times New Roman" panose="02020603050405020304" pitchFamily="18" charset="0"/>
-                <a:ea typeface="Helvetica Neue Light"/>
-                <a:cs typeface="Times New Roman" panose="02020603050405020304" pitchFamily="18" charset="0"/>
-                <a:sym typeface="Helvetica Neue Light"/>
-              </a:rPr>
-              <a:t> </a:t>
-            </a:r>
-            <a:r>
-              <a:rPr lang="en-GB" sz="3400" err="1">
-                <a:latin typeface="Times New Roman" panose="02020603050405020304" pitchFamily="18" charset="0"/>
-                <a:ea typeface="Helvetica Neue Light"/>
-                <a:cs typeface="Times New Roman" panose="02020603050405020304" pitchFamily="18" charset="0"/>
-                <a:sym typeface="Helvetica Neue Light"/>
-              </a:rPr>
-              <a:t>lát</a:t>
-            </a:r>
-            <a:r>
-              <a:rPr lang="en-GB" sz="3400">
-                <a:latin typeface="Times New Roman" panose="02020603050405020304" pitchFamily="18" charset="0"/>
-                <a:ea typeface="Helvetica Neue Light"/>
-                <a:cs typeface="Times New Roman" panose="02020603050405020304" pitchFamily="18" charset="0"/>
-                <a:sym typeface="Helvetica Neue Light"/>
-              </a:rPr>
-              <a:t> </a:t>
-            </a:r>
-            <a:r>
-              <a:rPr lang="en-GB" sz="3400" err="1">
-                <a:latin typeface="Times New Roman" panose="02020603050405020304" pitchFamily="18" charset="0"/>
-                <a:ea typeface="Helvetica Neue Light"/>
-                <a:cs typeface="Times New Roman" panose="02020603050405020304" pitchFamily="18" charset="0"/>
-                <a:sym typeface="Helvetica Neue Light"/>
-              </a:rPr>
-              <a:t>là</a:t>
-            </a:r>
-            <a:r>
-              <a:rPr lang="en-GB" sz="3400">
-                <a:latin typeface="Times New Roman" panose="02020603050405020304" pitchFamily="18" charset="0"/>
-                <a:ea typeface="Helvetica Neue Light"/>
-                <a:cs typeface="Times New Roman" panose="02020603050405020304" pitchFamily="18" charset="0"/>
-                <a:sym typeface="Helvetica Neue Light"/>
-              </a:rPr>
-              <a:t> </a:t>
-            </a:r>
-            <a:r>
-              <a:rPr lang="en-GB" sz="3400" err="1">
-                <a:latin typeface="Times New Roman" panose="02020603050405020304" pitchFamily="18" charset="0"/>
-                <a:ea typeface="Helvetica Neue Light"/>
-                <a:cs typeface="Times New Roman" panose="02020603050405020304" pitchFamily="18" charset="0"/>
-                <a:sym typeface="Helvetica Neue Light"/>
-              </a:rPr>
-              <a:t>đã</a:t>
-            </a:r>
-            <a:r>
-              <a:rPr lang="en-GB" sz="3400">
-                <a:latin typeface="Times New Roman" panose="02020603050405020304" pitchFamily="18" charset="0"/>
-                <a:ea typeface="Helvetica Neue Light"/>
-                <a:cs typeface="Times New Roman" panose="02020603050405020304" pitchFamily="18" charset="0"/>
-                <a:sym typeface="Helvetica Neue Light"/>
-              </a:rPr>
-              <a:t> </a:t>
-            </a:r>
-            <a:r>
-              <a:rPr lang="en-GB" sz="3400" err="1">
-                <a:latin typeface="Times New Roman" panose="02020603050405020304" pitchFamily="18" charset="0"/>
-                <a:ea typeface="Helvetica Neue Light"/>
-                <a:cs typeface="Times New Roman" panose="02020603050405020304" pitchFamily="18" charset="0"/>
-                <a:sym typeface="Helvetica Neue Light"/>
-              </a:rPr>
-              <a:t>có</a:t>
-            </a:r>
-            <a:r>
-              <a:rPr lang="en-GB" sz="3400">
-                <a:latin typeface="Times New Roman" panose="02020603050405020304" pitchFamily="18" charset="0"/>
-                <a:ea typeface="Helvetica Neue Light"/>
-                <a:cs typeface="Times New Roman" panose="02020603050405020304" pitchFamily="18" charset="0"/>
-                <a:sym typeface="Helvetica Neue Light"/>
-              </a:rPr>
-              <a:t> </a:t>
-            </a:r>
-            <a:r>
-              <a:rPr lang="en-GB" sz="3400" err="1">
-                <a:latin typeface="Times New Roman" panose="02020603050405020304" pitchFamily="18" charset="0"/>
-                <a:ea typeface="Helvetica Neue Light"/>
-                <a:cs typeface="Times New Roman" panose="02020603050405020304" pitchFamily="18" charset="0"/>
-                <a:sym typeface="Helvetica Neue Light"/>
-              </a:rPr>
-              <a:t>trong</a:t>
-            </a:r>
-            <a:r>
-              <a:rPr lang="en-GB" sz="3400">
-                <a:latin typeface="Times New Roman" panose="02020603050405020304" pitchFamily="18" charset="0"/>
-                <a:ea typeface="Helvetica Neue Light"/>
-                <a:cs typeface="Times New Roman" panose="02020603050405020304" pitchFamily="18" charset="0"/>
-                <a:sym typeface="Helvetica Neue Light"/>
-              </a:rPr>
-              <a:t> </a:t>
-            </a:r>
-            <a:r>
-              <a:rPr lang="en-GB" sz="3400" err="1">
-                <a:latin typeface="Times New Roman" panose="02020603050405020304" pitchFamily="18" charset="0"/>
-                <a:ea typeface="Helvetica Neue Light"/>
-                <a:cs typeface="Times New Roman" panose="02020603050405020304" pitchFamily="18" charset="0"/>
-                <a:sym typeface="Helvetica Neue Light"/>
-              </a:rPr>
-              <a:t>tay</a:t>
-            </a:r>
-            <a:r>
-              <a:rPr lang="en-GB" sz="3400">
-                <a:latin typeface="Times New Roman" panose="02020603050405020304" pitchFamily="18" charset="0"/>
-                <a:ea typeface="Helvetica Neue Light"/>
-                <a:cs typeface="Times New Roman" panose="02020603050405020304" pitchFamily="18" charset="0"/>
-                <a:sym typeface="Helvetica Neue Light"/>
-              </a:rPr>
-              <a:t> </a:t>
-            </a:r>
-            <a:r>
-              <a:rPr lang="en-GB" sz="3400" err="1">
-                <a:latin typeface="Times New Roman" panose="02020603050405020304" pitchFamily="18" charset="0"/>
-                <a:ea typeface="Helvetica Neue Light"/>
-                <a:cs typeface="Times New Roman" panose="02020603050405020304" pitchFamily="18" charset="0"/>
-                <a:sym typeface="Helvetica Neue Light"/>
-              </a:rPr>
-              <a:t>những</a:t>
-            </a:r>
-            <a:r>
-              <a:rPr lang="en-GB" sz="3400">
-                <a:latin typeface="Times New Roman" panose="02020603050405020304" pitchFamily="18" charset="0"/>
-                <a:ea typeface="Helvetica Neue Light"/>
-                <a:cs typeface="Times New Roman" panose="02020603050405020304" pitchFamily="18" charset="0"/>
-                <a:sym typeface="Helvetica Neue Light"/>
-              </a:rPr>
-              <a:t> </a:t>
-            </a:r>
-            <a:r>
-              <a:rPr lang="en-GB" sz="3400" err="1">
-                <a:latin typeface="Times New Roman" panose="02020603050405020304" pitchFamily="18" charset="0"/>
-                <a:ea typeface="Helvetica Neue Light"/>
-                <a:cs typeface="Times New Roman" panose="02020603050405020304" pitchFamily="18" charset="0"/>
-                <a:sym typeface="Helvetica Neue Light"/>
-              </a:rPr>
-              <a:t>quyển</a:t>
-            </a:r>
-            <a:r>
-              <a:rPr lang="en-GB" sz="3400">
-                <a:latin typeface="Times New Roman" panose="02020603050405020304" pitchFamily="18" charset="0"/>
-                <a:ea typeface="Helvetica Neue Light"/>
-                <a:cs typeface="Times New Roman" panose="02020603050405020304" pitchFamily="18" charset="0"/>
-                <a:sym typeface="Helvetica Neue Light"/>
-              </a:rPr>
-              <a:t> </a:t>
-            </a:r>
-            <a:r>
-              <a:rPr lang="en-GB" sz="3400" err="1">
-                <a:latin typeface="Times New Roman" panose="02020603050405020304" pitchFamily="18" charset="0"/>
-                <a:ea typeface="Helvetica Neue Light"/>
-                <a:cs typeface="Times New Roman" panose="02020603050405020304" pitchFamily="18" charset="0"/>
-                <a:sym typeface="Helvetica Neue Light"/>
-              </a:rPr>
-              <a:t>sách</a:t>
-            </a:r>
-            <a:r>
-              <a:rPr lang="en-GB" sz="3400">
-                <a:latin typeface="Times New Roman" panose="02020603050405020304" pitchFamily="18" charset="0"/>
-                <a:ea typeface="Helvetica Neue Light"/>
-                <a:cs typeface="Times New Roman" panose="02020603050405020304" pitchFamily="18" charset="0"/>
-                <a:sym typeface="Helvetica Neue Light"/>
-              </a:rPr>
-              <a:t> hay </a:t>
-            </a:r>
-            <a:r>
-              <a:rPr lang="en-GB" sz="3400" err="1">
-                <a:latin typeface="Times New Roman" panose="02020603050405020304" pitchFamily="18" charset="0"/>
-                <a:ea typeface="Helvetica Neue Light"/>
-                <a:cs typeface="Times New Roman" panose="02020603050405020304" pitchFamily="18" charset="0"/>
-                <a:sym typeface="Helvetica Neue Light"/>
-              </a:rPr>
-              <a:t>để</a:t>
-            </a:r>
-            <a:r>
-              <a:rPr lang="en-GB" sz="3400">
-                <a:latin typeface="Times New Roman" panose="02020603050405020304" pitchFamily="18" charset="0"/>
-                <a:ea typeface="Helvetica Neue Light"/>
-                <a:cs typeface="Times New Roman" panose="02020603050405020304" pitchFamily="18" charset="0"/>
-                <a:sym typeface="Helvetica Neue Light"/>
-              </a:rPr>
-              <a:t> </a:t>
-            </a:r>
-            <a:r>
-              <a:rPr lang="en-GB" sz="3400" err="1">
-                <a:latin typeface="Times New Roman" panose="02020603050405020304" pitchFamily="18" charset="0"/>
-                <a:ea typeface="Helvetica Neue Light"/>
-                <a:cs typeface="Times New Roman" panose="02020603050405020304" pitchFamily="18" charset="0"/>
-                <a:sym typeface="Helvetica Neue Light"/>
-              </a:rPr>
-              <a:t>đọc</a:t>
-            </a:r>
-            <a:r>
-              <a:rPr lang="en-GB" sz="3400">
-                <a:latin typeface="Times New Roman" panose="02020603050405020304" pitchFamily="18" charset="0"/>
-                <a:ea typeface="Helvetica Neue Light"/>
-                <a:cs typeface="Times New Roman" panose="02020603050405020304" pitchFamily="18" charset="0"/>
-                <a:sym typeface="Helvetica Neue Light"/>
-              </a:rPr>
-              <a:t> </a:t>
-            </a:r>
-            <a:r>
-              <a:rPr lang="en-GB" sz="3400" err="1">
-                <a:latin typeface="Times New Roman" panose="02020603050405020304" pitchFamily="18" charset="0"/>
-                <a:ea typeface="Helvetica Neue Light"/>
-                <a:cs typeface="Times New Roman" panose="02020603050405020304" pitchFamily="18" charset="0"/>
-                <a:sym typeface="Helvetica Neue Light"/>
-              </a:rPr>
-              <a:t>thay</a:t>
-            </a:r>
-            <a:r>
-              <a:rPr lang="en-GB" sz="3400">
-                <a:latin typeface="Times New Roman" panose="02020603050405020304" pitchFamily="18" charset="0"/>
-                <a:ea typeface="Helvetica Neue Light"/>
-                <a:cs typeface="Times New Roman" panose="02020603050405020304" pitchFamily="18" charset="0"/>
-                <a:sym typeface="Helvetica Neue Light"/>
-              </a:rPr>
-              <a:t> </a:t>
-            </a:r>
-            <a:r>
-              <a:rPr lang="en-GB" sz="3400" err="1">
-                <a:latin typeface="Times New Roman" panose="02020603050405020304" pitchFamily="18" charset="0"/>
-                <a:ea typeface="Helvetica Neue Light"/>
-                <a:cs typeface="Times New Roman" panose="02020603050405020304" pitchFamily="18" charset="0"/>
-                <a:sym typeface="Helvetica Neue Light"/>
-              </a:rPr>
-              <a:t>vì</a:t>
-            </a:r>
-            <a:r>
-              <a:rPr lang="en-GB" sz="3400">
-                <a:latin typeface="Times New Roman" panose="02020603050405020304" pitchFamily="18" charset="0"/>
-                <a:ea typeface="Helvetica Neue Light"/>
-                <a:cs typeface="Times New Roman" panose="02020603050405020304" pitchFamily="18" charset="0"/>
-                <a:sym typeface="Helvetica Neue Light"/>
-              </a:rPr>
-              <a:t> </a:t>
-            </a:r>
-            <a:r>
-              <a:rPr lang="en-GB" sz="3400" err="1">
-                <a:latin typeface="Times New Roman" panose="02020603050405020304" pitchFamily="18" charset="0"/>
-                <a:ea typeface="Helvetica Neue Light"/>
-                <a:cs typeface="Times New Roman" panose="02020603050405020304" pitchFamily="18" charset="0"/>
-                <a:sym typeface="Helvetica Neue Light"/>
-              </a:rPr>
-              <a:t>phải</a:t>
-            </a:r>
-            <a:r>
-              <a:rPr lang="en-GB" sz="3400">
-                <a:latin typeface="Times New Roman" panose="02020603050405020304" pitchFamily="18" charset="0"/>
-                <a:ea typeface="Helvetica Neue Light"/>
-                <a:cs typeface="Times New Roman" panose="02020603050405020304" pitchFamily="18" charset="0"/>
-                <a:sym typeface="Helvetica Neue Light"/>
-              </a:rPr>
-              <a:t> </a:t>
-            </a:r>
-            <a:r>
-              <a:rPr lang="en-GB" sz="3400" err="1">
-                <a:latin typeface="Times New Roman" panose="02020603050405020304" pitchFamily="18" charset="0"/>
-                <a:ea typeface="Helvetica Neue Light"/>
-                <a:cs typeface="Times New Roman" panose="02020603050405020304" pitchFamily="18" charset="0"/>
-                <a:sym typeface="Helvetica Neue Light"/>
-              </a:rPr>
-              <a:t>tới</a:t>
-            </a:r>
-            <a:r>
-              <a:rPr lang="en-GB" sz="3400">
-                <a:latin typeface="Times New Roman" panose="02020603050405020304" pitchFamily="18" charset="0"/>
-                <a:ea typeface="Helvetica Neue Light"/>
-                <a:cs typeface="Times New Roman" panose="02020603050405020304" pitchFamily="18" charset="0"/>
-                <a:sym typeface="Helvetica Neue Light"/>
-              </a:rPr>
-              <a:t> </a:t>
-            </a:r>
-            <a:r>
-              <a:rPr lang="en-GB" sz="3400" err="1">
-                <a:latin typeface="Times New Roman" panose="02020603050405020304" pitchFamily="18" charset="0"/>
-                <a:ea typeface="Helvetica Neue Light"/>
-                <a:cs typeface="Times New Roman" panose="02020603050405020304" pitchFamily="18" charset="0"/>
-                <a:sym typeface="Helvetica Neue Light"/>
-              </a:rPr>
-              <a:t>cửa</a:t>
-            </a:r>
-            <a:r>
-              <a:rPr lang="en-GB" sz="3400">
-                <a:latin typeface="Times New Roman" panose="02020603050405020304" pitchFamily="18" charset="0"/>
-                <a:ea typeface="Helvetica Neue Light"/>
-                <a:cs typeface="Times New Roman" panose="02020603050405020304" pitchFamily="18" charset="0"/>
-                <a:sym typeface="Helvetica Neue Light"/>
-              </a:rPr>
-              <a:t> hang </a:t>
-            </a:r>
-            <a:r>
-              <a:rPr lang="en-GB" sz="3400" err="1">
-                <a:latin typeface="Times New Roman" panose="02020603050405020304" pitchFamily="18" charset="0"/>
-                <a:ea typeface="Helvetica Neue Light"/>
-                <a:cs typeface="Times New Roman" panose="02020603050405020304" pitchFamily="18" charset="0"/>
-                <a:sym typeface="Helvetica Neue Light"/>
-              </a:rPr>
-              <a:t>sách</a:t>
-            </a:r>
-            <a:r>
-              <a:rPr lang="en-GB" sz="3400">
-                <a:latin typeface="Times New Roman" panose="02020603050405020304" pitchFamily="18" charset="0"/>
-                <a:ea typeface="Helvetica Neue Light"/>
-                <a:cs typeface="Times New Roman" panose="02020603050405020304" pitchFamily="18" charset="0"/>
-                <a:sym typeface="Helvetica Neue Light"/>
-              </a:rPr>
-              <a:t> </a:t>
-            </a:r>
-            <a:r>
-              <a:rPr lang="en-GB" sz="3400" err="1">
-                <a:latin typeface="Times New Roman" panose="02020603050405020304" pitchFamily="18" charset="0"/>
-                <a:ea typeface="Helvetica Neue Light"/>
-                <a:cs typeface="Times New Roman" panose="02020603050405020304" pitchFamily="18" charset="0"/>
-                <a:sym typeface="Helvetica Neue Light"/>
-              </a:rPr>
-              <a:t>nh</a:t>
-            </a:r>
-            <a:r>
-              <a:rPr lang="vi-VN" sz="3400">
-                <a:latin typeface="Times New Roman" panose="02020603050405020304" pitchFamily="18" charset="0"/>
-                <a:ea typeface="Helvetica Neue Light"/>
-                <a:cs typeface="Times New Roman" panose="02020603050405020304" pitchFamily="18" charset="0"/>
-                <a:sym typeface="Helvetica Neue Light"/>
-              </a:rPr>
-              <a:t>ư</a:t>
-            </a:r>
-            <a:r>
-              <a:rPr lang="en-GB" sz="3400">
-                <a:latin typeface="Times New Roman" panose="02020603050405020304" pitchFamily="18" charset="0"/>
-                <a:ea typeface="Helvetica Neue Light"/>
-                <a:cs typeface="Times New Roman" panose="02020603050405020304" pitchFamily="18" charset="0"/>
-                <a:sym typeface="Helvetica Neue Light"/>
-              </a:rPr>
-              <a:t> tr</a:t>
-            </a:r>
-            <a:r>
-              <a:rPr lang="vi-VN" sz="3400">
-                <a:latin typeface="Times New Roman" panose="02020603050405020304" pitchFamily="18" charset="0"/>
-                <a:ea typeface="Helvetica Neue Light"/>
-                <a:cs typeface="Times New Roman" panose="02020603050405020304" pitchFamily="18" charset="0"/>
-                <a:sym typeface="Helvetica Neue Light"/>
-              </a:rPr>
-              <a:t>ư</a:t>
-            </a:r>
-            <a:r>
-              <a:rPr lang="en-GB" sz="3400" err="1">
-                <a:latin typeface="Times New Roman" panose="02020603050405020304" pitchFamily="18" charset="0"/>
-                <a:ea typeface="Helvetica Neue Light"/>
-                <a:cs typeface="Times New Roman" panose="02020603050405020304" pitchFamily="18" charset="0"/>
-                <a:sym typeface="Helvetica Neue Light"/>
-              </a:rPr>
-              <a:t>ớc</a:t>
-            </a:r>
-            <a:r>
-              <a:rPr lang="en-GB" sz="3400">
-                <a:latin typeface="Times New Roman" panose="02020603050405020304" pitchFamily="18" charset="0"/>
-                <a:ea typeface="Helvetica Neue Light"/>
-                <a:cs typeface="Times New Roman" panose="02020603050405020304" pitchFamily="18" charset="0"/>
-                <a:sym typeface="Helvetica Neue Light"/>
-              </a:rPr>
-              <a:t>. </a:t>
-            </a:r>
-            <a:r>
-              <a:rPr lang="en-GB" sz="3400" err="1">
-                <a:latin typeface="Times New Roman" panose="02020603050405020304" pitchFamily="18" charset="0"/>
-                <a:ea typeface="Helvetica Neue Light"/>
-                <a:cs typeface="Times New Roman" panose="02020603050405020304" pitchFamily="18" charset="0"/>
-                <a:sym typeface="Helvetica Neue Light"/>
-              </a:rPr>
-              <a:t>Hệ</a:t>
-            </a:r>
-            <a:r>
-              <a:rPr lang="en-GB" sz="3400">
-                <a:latin typeface="Times New Roman" panose="02020603050405020304" pitchFamily="18" charset="0"/>
-                <a:ea typeface="Helvetica Neue Light"/>
-                <a:cs typeface="Times New Roman" panose="02020603050405020304" pitchFamily="18" charset="0"/>
-                <a:sym typeface="Helvetica Neue Light"/>
-              </a:rPr>
-              <a:t> </a:t>
-            </a:r>
-            <a:r>
-              <a:rPr lang="en-GB" sz="3400" err="1">
-                <a:latin typeface="Times New Roman" panose="02020603050405020304" pitchFamily="18" charset="0"/>
-                <a:ea typeface="Helvetica Neue Light"/>
-                <a:cs typeface="Times New Roman" panose="02020603050405020304" pitchFamily="18" charset="0"/>
-                <a:sym typeface="Helvetica Neue Light"/>
-              </a:rPr>
-              <a:t>thống</a:t>
-            </a:r>
-            <a:r>
-              <a:rPr lang="en-GB" sz="3400">
-                <a:latin typeface="Times New Roman" panose="02020603050405020304" pitchFamily="18" charset="0"/>
-                <a:ea typeface="Helvetica Neue Light"/>
-                <a:cs typeface="Times New Roman" panose="02020603050405020304" pitchFamily="18" charset="0"/>
-                <a:sym typeface="Helvetica Neue Light"/>
-              </a:rPr>
-              <a:t> </a:t>
-            </a:r>
-            <a:r>
-              <a:rPr lang="en-GB" sz="3400" err="1">
-                <a:latin typeface="Times New Roman" panose="02020603050405020304" pitchFamily="18" charset="0"/>
-                <a:ea typeface="Helvetica Neue Light"/>
-                <a:cs typeface="Times New Roman" panose="02020603050405020304" pitchFamily="18" charset="0"/>
-                <a:sym typeface="Helvetica Neue Light"/>
-              </a:rPr>
-              <a:t>có</a:t>
-            </a:r>
-            <a:r>
-              <a:rPr lang="en-GB" sz="3400">
-                <a:latin typeface="Times New Roman" panose="02020603050405020304" pitchFamily="18" charset="0"/>
-                <a:ea typeface="Helvetica Neue Light"/>
-                <a:cs typeface="Times New Roman" panose="02020603050405020304" pitchFamily="18" charset="0"/>
-                <a:sym typeface="Helvetica Neue Light"/>
-              </a:rPr>
-              <a:t> </a:t>
-            </a:r>
-            <a:r>
-              <a:rPr lang="en-GB" sz="3400" err="1">
-                <a:latin typeface="Times New Roman" panose="02020603050405020304" pitchFamily="18" charset="0"/>
-                <a:ea typeface="Helvetica Neue Light"/>
-                <a:cs typeface="Times New Roman" panose="02020603050405020304" pitchFamily="18" charset="0"/>
-                <a:sym typeface="Helvetica Neue Light"/>
-              </a:rPr>
-              <a:t>các</a:t>
-            </a:r>
-            <a:r>
-              <a:rPr lang="en-GB" sz="3400">
-                <a:latin typeface="Times New Roman" panose="02020603050405020304" pitchFamily="18" charset="0"/>
-                <a:ea typeface="Helvetica Neue Light"/>
-                <a:cs typeface="Times New Roman" panose="02020603050405020304" pitchFamily="18" charset="0"/>
-                <a:sym typeface="Helvetica Neue Light"/>
-              </a:rPr>
-              <a:t> </a:t>
-            </a:r>
-            <a:r>
-              <a:rPr lang="en-GB" sz="3400" err="1">
-                <a:latin typeface="Times New Roman" panose="02020603050405020304" pitchFamily="18" charset="0"/>
-                <a:ea typeface="Helvetica Neue Light"/>
-                <a:cs typeface="Times New Roman" panose="02020603050405020304" pitchFamily="18" charset="0"/>
-                <a:sym typeface="Helvetica Neue Light"/>
-              </a:rPr>
-              <a:t>chức</a:t>
-            </a:r>
-            <a:r>
-              <a:rPr lang="en-GB" sz="3400">
-                <a:latin typeface="Times New Roman" panose="02020603050405020304" pitchFamily="18" charset="0"/>
-                <a:ea typeface="Helvetica Neue Light"/>
-                <a:cs typeface="Times New Roman" panose="02020603050405020304" pitchFamily="18" charset="0"/>
-                <a:sym typeface="Helvetica Neue Light"/>
-              </a:rPr>
-              <a:t> </a:t>
-            </a:r>
-            <a:r>
-              <a:rPr lang="en-GB" sz="3400" err="1">
-                <a:latin typeface="Times New Roman" panose="02020603050405020304" pitchFamily="18" charset="0"/>
-                <a:ea typeface="Helvetica Neue Light"/>
-                <a:cs typeface="Times New Roman" panose="02020603050405020304" pitchFamily="18" charset="0"/>
-                <a:sym typeface="Helvetica Neue Light"/>
-              </a:rPr>
-              <a:t>năng</a:t>
-            </a:r>
-            <a:r>
-              <a:rPr lang="en-GB" sz="3400">
-                <a:latin typeface="Times New Roman" panose="02020603050405020304" pitchFamily="18" charset="0"/>
-                <a:ea typeface="Helvetica Neue Light"/>
-                <a:cs typeface="Times New Roman" panose="02020603050405020304" pitchFamily="18" charset="0"/>
-                <a:sym typeface="Helvetica Neue Light"/>
-              </a:rPr>
-              <a:t> </a:t>
-            </a:r>
-            <a:r>
-              <a:rPr lang="en-GB" sz="3400" err="1">
-                <a:latin typeface="Times New Roman" panose="02020603050405020304" pitchFamily="18" charset="0"/>
-                <a:ea typeface="Helvetica Neue Light"/>
-                <a:cs typeface="Times New Roman" panose="02020603050405020304" pitchFamily="18" charset="0"/>
-                <a:sym typeface="Helvetica Neue Light"/>
-              </a:rPr>
-              <a:t>đăng</a:t>
-            </a:r>
-            <a:r>
-              <a:rPr lang="en-GB" sz="3400">
-                <a:latin typeface="Times New Roman" panose="02020603050405020304" pitchFamily="18" charset="0"/>
-                <a:ea typeface="Helvetica Neue Light"/>
-                <a:cs typeface="Times New Roman" panose="02020603050405020304" pitchFamily="18" charset="0"/>
-                <a:sym typeface="Helvetica Neue Light"/>
-              </a:rPr>
-              <a:t> </a:t>
-            </a:r>
-            <a:r>
-              <a:rPr lang="en-GB" sz="3400" err="1">
-                <a:latin typeface="Times New Roman" panose="02020603050405020304" pitchFamily="18" charset="0"/>
-                <a:ea typeface="Helvetica Neue Light"/>
-                <a:cs typeface="Times New Roman" panose="02020603050405020304" pitchFamily="18" charset="0"/>
-                <a:sym typeface="Helvetica Neue Light"/>
-              </a:rPr>
-              <a:t>nhập,xem</a:t>
-            </a:r>
-            <a:r>
-              <a:rPr lang="en-GB" sz="3400">
-                <a:latin typeface="Times New Roman" panose="02020603050405020304" pitchFamily="18" charset="0"/>
-                <a:ea typeface="Helvetica Neue Light"/>
-                <a:cs typeface="Times New Roman" panose="02020603050405020304" pitchFamily="18" charset="0"/>
-                <a:sym typeface="Helvetica Neue Light"/>
-              </a:rPr>
-              <a:t> </a:t>
-            </a:r>
-            <a:r>
-              <a:rPr lang="en-GB" sz="3400" err="1">
-                <a:latin typeface="Times New Roman" panose="02020603050405020304" pitchFamily="18" charset="0"/>
-                <a:ea typeface="Helvetica Neue Light"/>
-                <a:cs typeface="Times New Roman" panose="02020603050405020304" pitchFamily="18" charset="0"/>
-                <a:sym typeface="Helvetica Neue Light"/>
-              </a:rPr>
-              <a:t>sách,thêm</a:t>
-            </a:r>
-            <a:r>
-              <a:rPr lang="en-GB" sz="3400">
-                <a:latin typeface="Times New Roman" panose="02020603050405020304" pitchFamily="18" charset="0"/>
-                <a:ea typeface="Helvetica Neue Light"/>
-                <a:cs typeface="Times New Roman" panose="02020603050405020304" pitchFamily="18" charset="0"/>
-                <a:sym typeface="Helvetica Neue Light"/>
-              </a:rPr>
-              <a:t> </a:t>
-            </a:r>
-            <a:r>
-              <a:rPr lang="en-GB" sz="3400" err="1">
-                <a:latin typeface="Times New Roman" panose="02020603050405020304" pitchFamily="18" charset="0"/>
-                <a:ea typeface="Helvetica Neue Light"/>
-                <a:cs typeface="Times New Roman" panose="02020603050405020304" pitchFamily="18" charset="0"/>
-                <a:sym typeface="Helvetica Neue Light"/>
-              </a:rPr>
-              <a:t>sách</a:t>
-            </a:r>
-            <a:r>
-              <a:rPr lang="en-GB" sz="3400">
-                <a:latin typeface="Times New Roman" panose="02020603050405020304" pitchFamily="18" charset="0"/>
-                <a:ea typeface="Helvetica Neue Light"/>
-                <a:cs typeface="Times New Roman" panose="02020603050405020304" pitchFamily="18" charset="0"/>
-                <a:sym typeface="Helvetica Neue Light"/>
-              </a:rPr>
-              <a:t> </a:t>
-            </a:r>
-            <a:r>
-              <a:rPr lang="en-GB" sz="3400" err="1">
-                <a:latin typeface="Times New Roman" panose="02020603050405020304" pitchFamily="18" charset="0"/>
-                <a:ea typeface="Helvetica Neue Light"/>
-                <a:cs typeface="Times New Roman" panose="02020603050405020304" pitchFamily="18" charset="0"/>
-                <a:sym typeface="Helvetica Neue Light"/>
-              </a:rPr>
-              <a:t>vào</a:t>
-            </a:r>
-            <a:r>
-              <a:rPr lang="en-GB" sz="3400">
-                <a:latin typeface="Times New Roman" panose="02020603050405020304" pitchFamily="18" charset="0"/>
-                <a:ea typeface="Helvetica Neue Light"/>
-                <a:cs typeface="Times New Roman" panose="02020603050405020304" pitchFamily="18" charset="0"/>
-                <a:sym typeface="Helvetica Neue Light"/>
-              </a:rPr>
-              <a:t> </a:t>
-            </a:r>
-            <a:r>
-              <a:rPr lang="en-GB" sz="3400" err="1">
-                <a:latin typeface="Times New Roman" panose="02020603050405020304" pitchFamily="18" charset="0"/>
-                <a:ea typeface="Helvetica Neue Light"/>
-                <a:cs typeface="Times New Roman" panose="02020603050405020304" pitchFamily="18" charset="0"/>
-                <a:sym typeface="Helvetica Neue Light"/>
-              </a:rPr>
-              <a:t>giỏ</a:t>
-            </a:r>
-            <a:r>
-              <a:rPr lang="en-GB" sz="3400">
-                <a:latin typeface="Times New Roman" panose="02020603050405020304" pitchFamily="18" charset="0"/>
-                <a:ea typeface="Helvetica Neue Light"/>
-                <a:cs typeface="Times New Roman" panose="02020603050405020304" pitchFamily="18" charset="0"/>
-                <a:sym typeface="Helvetica Neue Light"/>
-              </a:rPr>
-              <a:t> </a:t>
-            </a:r>
-            <a:r>
-              <a:rPr lang="en-GB" sz="3400" err="1">
-                <a:latin typeface="Times New Roman" panose="02020603050405020304" pitchFamily="18" charset="0"/>
-                <a:ea typeface="Helvetica Neue Light"/>
-                <a:cs typeface="Times New Roman" panose="02020603050405020304" pitchFamily="18" charset="0"/>
-                <a:sym typeface="Helvetica Neue Light"/>
-              </a:rPr>
-              <a:t>hàng</a:t>
-            </a:r>
-            <a:r>
-              <a:rPr lang="en-GB" sz="3400">
-                <a:latin typeface="Times New Roman" panose="02020603050405020304" pitchFamily="18" charset="0"/>
-                <a:ea typeface="Helvetica Neue Light"/>
-                <a:cs typeface="Times New Roman" panose="02020603050405020304" pitchFamily="18" charset="0"/>
-                <a:sym typeface="Helvetica Neue Light"/>
-              </a:rPr>
-              <a:t> </a:t>
-            </a:r>
-            <a:r>
-              <a:rPr lang="en-GB" sz="3400" err="1">
-                <a:latin typeface="Times New Roman" panose="02020603050405020304" pitchFamily="18" charset="0"/>
-                <a:ea typeface="Helvetica Neue Light"/>
-                <a:cs typeface="Times New Roman" panose="02020603050405020304" pitchFamily="18" charset="0"/>
-                <a:sym typeface="Helvetica Neue Light"/>
-              </a:rPr>
-              <a:t>thanh</a:t>
-            </a:r>
-            <a:r>
-              <a:rPr lang="en-GB" sz="3400">
-                <a:latin typeface="Times New Roman" panose="02020603050405020304" pitchFamily="18" charset="0"/>
-                <a:ea typeface="Helvetica Neue Light"/>
-                <a:cs typeface="Times New Roman" panose="02020603050405020304" pitchFamily="18" charset="0"/>
-                <a:sym typeface="Helvetica Neue Light"/>
-              </a:rPr>
-              <a:t> </a:t>
-            </a:r>
-            <a:r>
-              <a:rPr lang="en-GB" sz="3400" err="1">
-                <a:latin typeface="Times New Roman" panose="02020603050405020304" pitchFamily="18" charset="0"/>
-                <a:ea typeface="Helvetica Neue Light"/>
-                <a:cs typeface="Times New Roman" panose="02020603050405020304" pitchFamily="18" charset="0"/>
-                <a:sym typeface="Helvetica Neue Light"/>
-              </a:rPr>
-              <a:t>toán,quản</a:t>
-            </a:r>
-            <a:r>
-              <a:rPr lang="en-GB" sz="3400">
-                <a:latin typeface="Times New Roman" panose="02020603050405020304" pitchFamily="18" charset="0"/>
-                <a:ea typeface="Helvetica Neue Light"/>
-                <a:cs typeface="Times New Roman" panose="02020603050405020304" pitchFamily="18" charset="0"/>
-                <a:sym typeface="Helvetica Neue Light"/>
-              </a:rPr>
-              <a:t> </a:t>
-            </a:r>
-            <a:r>
-              <a:rPr lang="en-GB" sz="3400" err="1">
-                <a:latin typeface="Times New Roman" panose="02020603050405020304" pitchFamily="18" charset="0"/>
-                <a:ea typeface="Helvetica Neue Light"/>
-                <a:cs typeface="Times New Roman" panose="02020603050405020304" pitchFamily="18" charset="0"/>
-                <a:sym typeface="Helvetica Neue Light"/>
-              </a:rPr>
-              <a:t>lý</a:t>
-            </a:r>
-            <a:r>
-              <a:rPr lang="en-GB" sz="3400">
-                <a:latin typeface="Times New Roman" panose="02020603050405020304" pitchFamily="18" charset="0"/>
-                <a:ea typeface="Helvetica Neue Light"/>
-                <a:cs typeface="Times New Roman" panose="02020603050405020304" pitchFamily="18" charset="0"/>
-                <a:sym typeface="Helvetica Neue Light"/>
-              </a:rPr>
-              <a:t> </a:t>
-            </a:r>
-            <a:r>
-              <a:rPr lang="en-GB" sz="3400" err="1">
-                <a:latin typeface="Times New Roman" panose="02020603050405020304" pitchFamily="18" charset="0"/>
-                <a:ea typeface="Helvetica Neue Light"/>
-                <a:cs typeface="Times New Roman" panose="02020603050405020304" pitchFamily="18" charset="0"/>
-                <a:sym typeface="Helvetica Neue Light"/>
-              </a:rPr>
-              <a:t>thông</a:t>
-            </a:r>
-            <a:r>
-              <a:rPr lang="en-GB" sz="3400">
-                <a:latin typeface="Times New Roman" panose="02020603050405020304" pitchFamily="18" charset="0"/>
-                <a:ea typeface="Helvetica Neue Light"/>
-                <a:cs typeface="Times New Roman" panose="02020603050405020304" pitchFamily="18" charset="0"/>
-                <a:sym typeface="Helvetica Neue Light"/>
-              </a:rPr>
-              <a:t> tin ng</a:t>
-            </a:r>
-            <a:r>
-              <a:rPr lang="vi-VN" sz="3400">
-                <a:latin typeface="Times New Roman" panose="02020603050405020304" pitchFamily="18" charset="0"/>
-                <a:ea typeface="Helvetica Neue Light"/>
-                <a:cs typeface="Times New Roman" panose="02020603050405020304" pitchFamily="18" charset="0"/>
-                <a:sym typeface="Helvetica Neue Light"/>
-              </a:rPr>
-              <a:t>ư</a:t>
-            </a:r>
-            <a:r>
-              <a:rPr lang="en-GB" sz="3400" err="1">
-                <a:latin typeface="Times New Roman" panose="02020603050405020304" pitchFamily="18" charset="0"/>
-                <a:ea typeface="Helvetica Neue Light"/>
-                <a:cs typeface="Times New Roman" panose="02020603050405020304" pitchFamily="18" charset="0"/>
-                <a:sym typeface="Helvetica Neue Light"/>
-              </a:rPr>
-              <a:t>ời</a:t>
-            </a:r>
-            <a:r>
-              <a:rPr lang="en-GB" sz="3400">
-                <a:latin typeface="Times New Roman" panose="02020603050405020304" pitchFamily="18" charset="0"/>
-                <a:ea typeface="Helvetica Neue Light"/>
-                <a:cs typeface="Times New Roman" panose="02020603050405020304" pitchFamily="18" charset="0"/>
-                <a:sym typeface="Helvetica Neue Light"/>
-              </a:rPr>
-              <a:t> </a:t>
-            </a:r>
-            <a:r>
-              <a:rPr lang="en-GB" sz="3400" err="1">
-                <a:latin typeface="Times New Roman" panose="02020603050405020304" pitchFamily="18" charset="0"/>
-                <a:ea typeface="Helvetica Neue Light"/>
-                <a:cs typeface="Times New Roman" panose="02020603050405020304" pitchFamily="18" charset="0"/>
-                <a:sym typeface="Helvetica Neue Light"/>
-              </a:rPr>
-              <a:t>dùng.Các</a:t>
-            </a:r>
-            <a:r>
-              <a:rPr lang="en-GB" sz="3400">
-                <a:latin typeface="Times New Roman" panose="02020603050405020304" pitchFamily="18" charset="0"/>
-                <a:ea typeface="Helvetica Neue Light"/>
-                <a:cs typeface="Times New Roman" panose="02020603050405020304" pitchFamily="18" charset="0"/>
-                <a:sym typeface="Helvetica Neue Light"/>
-              </a:rPr>
-              <a:t> </a:t>
+              <a:t>. Các </a:t>
             </a:r>
             <a:r>
               <a:rPr lang="en-GB" sz="3400" err="1">
@@ -29398,7 +27367,7 @@
 </p:sld>
 </file>
 
-<file path=ppt/slides/slide6.xml><?xml version="1.0" encoding="utf-8"?>
+<file path=ppt/slides/slide5.xml><?xml version="1.0" encoding="utf-8"?>
 <p:sld xmlns:a="http://schemas.openxmlformats.org/drawingml/2006/main" xmlns:r="http://schemas.openxmlformats.org/officeDocument/2006/relationships" xmlns:p="http://schemas.openxmlformats.org/presentationml/2006/main">
   <p:cSld>
     <p:spTree>
@@ -29606,7 +27575,7 @@
               <a:buNone/>
             </a:pPr>
             <a:r>
-              <a:rPr lang="en-US" sz="6000">
+              <a:rPr lang="en-US" sz="3600">
                 <a:solidFill>
                   <a:srgbClr val="000000"/>
                 </a:solidFill>
@@ -29618,7 +27587,7 @@
               <a:t>	</a:t>
             </a:r>
             <a:r>
-              <a:rPr lang="en-US" sz="3200">
+              <a:rPr lang="en-US" sz="3600">
                 <a:solidFill>
                   <a:srgbClr val="000000"/>
                 </a:solidFill>
@@ -29627,10 +27596,10 @@
                 <a:cs typeface="Times New Roman" panose="02020603050405020304" pitchFamily="18" charset="0"/>
                 <a:sym typeface="Wingdings" panose="05000000000000000000" pitchFamily="2" charset="2"/>
               </a:rPr>
-              <a:t>	</a:t>
-            </a:r>
-            <a:r>
-              <a:rPr lang="en-US" sz="3600" err="1">
+              <a:t>Môi tr</a:t>
+            </a:r>
+            <a:r>
+              <a:rPr lang="vi-VN" sz="3600">
                 <a:solidFill>
                   <a:srgbClr val="000000"/>
                 </a:solidFill>
@@ -29639,10 +27608,10 @@
                 <a:cs typeface="Times New Roman" panose="02020603050405020304" pitchFamily="18" charset="0"/>
                 <a:sym typeface="Wingdings" panose="05000000000000000000" pitchFamily="2" charset="2"/>
               </a:rPr>
-              <a:t>Môi</a:t>
-            </a:r>
-            <a:r>
-              <a:rPr lang="en-US" sz="3600">
+              <a:t>ư</a:t>
+            </a:r>
+            <a:r>
+              <a:rPr lang="en-GB" sz="3600" err="1">
                 <a:solidFill>
                   <a:srgbClr val="000000"/>
                 </a:solidFill>
@@ -29651,10 +27620,10 @@
                 <a:cs typeface="Times New Roman" panose="02020603050405020304" pitchFamily="18" charset="0"/>
                 <a:sym typeface="Wingdings" panose="05000000000000000000" pitchFamily="2" charset="2"/>
               </a:rPr>
-              <a:t> tr</a:t>
-            </a:r>
-            <a:r>
-              <a:rPr lang="vi-VN" sz="3600">
+              <a:t>ờng</a:t>
+            </a:r>
+            <a:r>
+              <a:rPr lang="en-GB" sz="3600">
                 <a:solidFill>
                   <a:srgbClr val="000000"/>
                 </a:solidFill>
@@ -29663,7 +27632,7 @@
                 <a:cs typeface="Times New Roman" panose="02020603050405020304" pitchFamily="18" charset="0"/>
                 <a:sym typeface="Wingdings" panose="05000000000000000000" pitchFamily="2" charset="2"/>
               </a:rPr>
-              <a:t>ư</a:t>
+              <a:t> </a:t>
             </a:r>
             <a:r>
               <a:rPr lang="en-GB" sz="3600" err="1">
@@ -29675,7 +27644,7 @@
                 <a:cs typeface="Times New Roman" panose="02020603050405020304" pitchFamily="18" charset="0"/>
                 <a:sym typeface="Wingdings" panose="05000000000000000000" pitchFamily="2" charset="2"/>
               </a:rPr>
-              <a:t>ờng</a:t>
+              <a:t>triển</a:t>
             </a:r>
             <a:r>
               <a:rPr lang="en-GB" sz="3600">
@@ -29699,7 +27668,7 @@
                 <a:cs typeface="Times New Roman" panose="02020603050405020304" pitchFamily="18" charset="0"/>
                 <a:sym typeface="Wingdings" panose="05000000000000000000" pitchFamily="2" charset="2"/>
               </a:rPr>
-              <a:t>triển</a:t>
+              <a:t>khai</a:t>
             </a:r>
             <a:r>
               <a:rPr lang="en-GB" sz="3600">
@@ -29711,6 +27680,30 @@
                 <a:cs typeface="Times New Roman" panose="02020603050405020304" pitchFamily="18" charset="0"/>
                 <a:sym typeface="Wingdings" panose="05000000000000000000" pitchFamily="2" charset="2"/>
               </a:rPr>
+              <a:t>(</a:t>
+            </a:r>
+            <a:r>
+              <a:rPr lang="en-GB" sz="3600" err="1">
+                <a:solidFill>
+                  <a:srgbClr val="000000"/>
+                </a:solidFill>
+                <a:latin typeface="Times New Roman" panose="02020603050405020304" pitchFamily="18" charset="0"/>
+                <a:ea typeface="Helvetica Neue Light"/>
+                <a:cs typeface="Times New Roman" panose="02020603050405020304" pitchFamily="18" charset="0"/>
+                <a:sym typeface="Wingdings" panose="05000000000000000000" pitchFamily="2" charset="2"/>
+              </a:rPr>
+              <a:t>phần</a:t>
+            </a:r>
+            <a:r>
+              <a:rPr lang="en-GB" sz="3600">
+                <a:solidFill>
+                  <a:srgbClr val="000000"/>
+                </a:solidFill>
+                <a:latin typeface="Times New Roman" panose="02020603050405020304" pitchFamily="18" charset="0"/>
+                <a:ea typeface="Helvetica Neue Light"/>
+                <a:cs typeface="Times New Roman" panose="02020603050405020304" pitchFamily="18" charset="0"/>
+                <a:sym typeface="Wingdings" panose="05000000000000000000" pitchFamily="2" charset="2"/>
+              </a:rPr>
               <a:t> </a:t>
             </a:r>
             <a:r>
@@ -29723,7 +27716,7 @@
                 <a:cs typeface="Times New Roman" panose="02020603050405020304" pitchFamily="18" charset="0"/>
                 <a:sym typeface="Wingdings" panose="05000000000000000000" pitchFamily="2" charset="2"/>
               </a:rPr>
-              <a:t>khai</a:t>
+              <a:t>cứng</a:t>
             </a:r>
             <a:r>
               <a:rPr lang="en-GB" sz="3600">
@@ -29735,55 +27728,7 @@
                 <a:cs typeface="Times New Roman" panose="02020603050405020304" pitchFamily="18" charset="0"/>
                 <a:sym typeface="Wingdings" panose="05000000000000000000" pitchFamily="2" charset="2"/>
               </a:rPr>
-              <a:t>(</a:t>
-            </a:r>
-            <a:r>
-              <a:rPr lang="en-GB" sz="3600" err="1">
-                <a:solidFill>
-                  <a:srgbClr val="000000"/>
-                </a:solidFill>
-                <a:latin typeface="Times New Roman" panose="02020603050405020304" pitchFamily="18" charset="0"/>
-                <a:ea typeface="Helvetica Neue Light"/>
-                <a:cs typeface="Times New Roman" panose="02020603050405020304" pitchFamily="18" charset="0"/>
-                <a:sym typeface="Wingdings" panose="05000000000000000000" pitchFamily="2" charset="2"/>
-              </a:rPr>
-              <a:t>phần</a:t>
-            </a:r>
-            <a:r>
-              <a:rPr lang="en-GB" sz="3600">
-                <a:solidFill>
-                  <a:srgbClr val="000000"/>
-                </a:solidFill>
-                <a:latin typeface="Times New Roman" panose="02020603050405020304" pitchFamily="18" charset="0"/>
-                <a:ea typeface="Helvetica Neue Light"/>
-                <a:cs typeface="Times New Roman" panose="02020603050405020304" pitchFamily="18" charset="0"/>
-                <a:sym typeface="Wingdings" panose="05000000000000000000" pitchFamily="2" charset="2"/>
-              </a:rPr>
-              <a:t> </a:t>
-            </a:r>
-            <a:r>
-              <a:rPr lang="en-GB" sz="3600" err="1">
-                <a:solidFill>
-                  <a:srgbClr val="000000"/>
-                </a:solidFill>
-                <a:latin typeface="Times New Roman" panose="02020603050405020304" pitchFamily="18" charset="0"/>
-                <a:ea typeface="Helvetica Neue Light"/>
-                <a:cs typeface="Times New Roman" panose="02020603050405020304" pitchFamily="18" charset="0"/>
-                <a:sym typeface="Wingdings" panose="05000000000000000000" pitchFamily="2" charset="2"/>
-              </a:rPr>
-              <a:t>cứng,phần</a:t>
-            </a:r>
-            <a:r>
-              <a:rPr lang="en-GB" sz="3600">
-                <a:solidFill>
-                  <a:srgbClr val="000000"/>
-                </a:solidFill>
-                <a:latin typeface="Times New Roman" panose="02020603050405020304" pitchFamily="18" charset="0"/>
-                <a:ea typeface="Helvetica Neue Light"/>
-                <a:cs typeface="Times New Roman" panose="02020603050405020304" pitchFamily="18" charset="0"/>
-                <a:sym typeface="Wingdings" panose="05000000000000000000" pitchFamily="2" charset="2"/>
-              </a:rPr>
-              <a:t> </a:t>
+              <a:t>, phần </a:t>
             </a:r>
             <a:r>
               <a:rPr lang="en-GB" sz="3600" err="1">
@@ -30336,52 +28281,31 @@
             </a:r>
           </a:p>
           <a:p>
-            <a:pPr marL="25400" lvl="0" indent="0">
-              <a:spcBef>
-                <a:spcPts val="0"/>
-              </a:spcBef>
+            <a:pPr marL="25400" marR="0" lvl="0" indent="0" algn="l" rtl="0">
+              <a:lnSpc>
+                <a:spcPct val="100000"/>
+              </a:lnSpc>
+              <a:spcBef>
+                <a:spcPts val="0"/>
+              </a:spcBef>
+              <a:spcAft>
+                <a:spcPts val="0"/>
+              </a:spcAft>
               <a:buClr>
                 <a:srgbClr val="000000"/>
               </a:buClr>
               <a:buSzPts val="3200"/>
               <a:buNone/>
             </a:pPr>
-            <a:r>
-              <a:rPr lang="en-GB" sz="3200">
-                <a:solidFill>
-                  <a:srgbClr val="000000"/>
-                </a:solidFill>
-                <a:latin typeface="Times New Roman" panose="02020603050405020304" pitchFamily="18" charset="0"/>
-                <a:ea typeface="Helvetica Neue Light"/>
-                <a:cs typeface="Times New Roman" panose="02020603050405020304" pitchFamily="18" charset="0"/>
-                <a:sym typeface="Wingdings" panose="05000000000000000000" pitchFamily="2" charset="2"/>
-              </a:rPr>
-              <a:t>	</a:t>
-            </a:r>
-            <a:r>
-              <a:rPr lang="vi-VN" sz="3200">
-                <a:solidFill>
-                  <a:srgbClr val="000000"/>
-                </a:solidFill>
-                <a:latin typeface="Times New Roman" panose="02020603050405020304" pitchFamily="18" charset="0"/>
-                <a:ea typeface="Helvetica Neue Light"/>
-                <a:cs typeface="Times New Roman" panose="02020603050405020304" pitchFamily="18" charset="0"/>
-                <a:sym typeface="Wingdings" panose="05000000000000000000" pitchFamily="2" charset="2"/>
-              </a:rPr>
-              <a:t>	</a:t>
-            </a:r>
-            <a:r>
-              <a:rPr lang="vi-VN" sz="3600">
-                <a:solidFill>
-                  <a:srgbClr val="000000"/>
-                </a:solidFill>
-                <a:latin typeface="Times New Roman" panose="02020603050405020304" pitchFamily="18" charset="0"/>
-                <a:ea typeface="Helvetica Neue Light"/>
-                <a:cs typeface="Times New Roman" panose="02020603050405020304" pitchFamily="18" charset="0"/>
-                <a:sym typeface="Wingdings" panose="05000000000000000000" pitchFamily="2" charset="2"/>
-              </a:rPr>
-              <a:t>Công cụ kỹ thuật:</a:t>
-            </a:r>
+            <a:endParaRPr lang="en-GB" sz="3200" i="0" u="none" strike="noStrike" cap="none">
+              <a:solidFill>
+                <a:srgbClr val="000000"/>
+              </a:solidFill>
+              <a:latin typeface="Times New Roman" panose="02020603050405020304" pitchFamily="18" charset="0"/>
+              <a:ea typeface="Helvetica Neue Light"/>
+              <a:cs typeface="Times New Roman" panose="02020603050405020304" pitchFamily="18" charset="0"/>
+              <a:sym typeface="Wingdings" panose="05000000000000000000" pitchFamily="2" charset="2"/>
+            </a:endParaRPr>
           </a:p>
           <a:p>
             <a:pPr marL="25400" lvl="0" indent="0">
@@ -30395,7 +28319,7 @@
               <a:buNone/>
             </a:pPr>
             <a:r>
-              <a:rPr lang="vi-VN" sz="3200">
+              <a:rPr lang="en-GB" sz="3200">
                 <a:solidFill>
                   <a:srgbClr val="000000"/>
                 </a:solidFill>
@@ -30404,7 +28328,19 @@
                 <a:cs typeface="Times New Roman" panose="02020603050405020304" pitchFamily="18" charset="0"/>
                 <a:sym typeface="Wingdings" panose="05000000000000000000" pitchFamily="2" charset="2"/>
               </a:rPr>
-              <a:t>		- Ngôn ngữ lập trình:C#.              </a:t>
+              <a:t>	</a:t>
+            </a:r>
+            <a:r>
+              <a:rPr lang="vi-VN" sz="3600">
+                <a:solidFill>
+                  <a:srgbClr val="000000"/>
+                </a:solidFill>
+                <a:latin typeface="Times New Roman" panose="02020603050405020304" pitchFamily="18" charset="0"/>
+                <a:ea typeface="Helvetica Neue Light"/>
+                <a:cs typeface="Times New Roman" panose="02020603050405020304" pitchFamily="18" charset="0"/>
+                <a:sym typeface="Wingdings" panose="05000000000000000000" pitchFamily="2" charset="2"/>
+              </a:rPr>
+              <a:t>Công cụ kỹ thuật:</a:t>
             </a:r>
           </a:p>
           <a:p>
@@ -30428,7 +28364,7 @@
                 <a:cs typeface="Times New Roman" panose="02020603050405020304" pitchFamily="18" charset="0"/>
                 <a:sym typeface="Wingdings" panose="05000000000000000000" pitchFamily="2" charset="2"/>
               </a:rPr>
-              <a:t>	         - Hệ quản trị cơ sở dữ liệu:MySQL Server</a:t>
+              <a:t>		- Ngôn ngữ lập trình:C#.              </a:t>
             </a:r>
           </a:p>
           <a:p>
@@ -30452,7 +28388,31 @@
                 <a:cs typeface="Times New Roman" panose="02020603050405020304" pitchFamily="18" charset="0"/>
                 <a:sym typeface="Wingdings" panose="05000000000000000000" pitchFamily="2" charset="2"/>
               </a:rPr>
-              <a:t>		- Công cụ báo cáo:Microsoft Word  </a:t>
+              <a:t>	         - Hệ quản trị cơ sở dữ liệu:</a:t>
+            </a:r>
+            <a:r>
+              <a:rPr lang="en-US" sz="3200">
+                <a:solidFill>
+                  <a:srgbClr val="000000"/>
+                </a:solidFill>
+                <a:latin typeface="Times New Roman" panose="02020603050405020304" pitchFamily="18" charset="0"/>
+                <a:ea typeface="Helvetica Neue Light"/>
+                <a:cs typeface="Times New Roman" panose="02020603050405020304" pitchFamily="18" charset="0"/>
+                <a:sym typeface="Wingdings" panose="05000000000000000000" pitchFamily="2" charset="2"/>
+              </a:rPr>
+              <a:t> </a:t>
+            </a:r>
+            <a:r>
+              <a:rPr lang="vi-VN" sz="3200">
+                <a:solidFill>
+                  <a:srgbClr val="000000"/>
+                </a:solidFill>
+                <a:latin typeface="Times New Roman" panose="02020603050405020304" pitchFamily="18" charset="0"/>
+                <a:ea typeface="Helvetica Neue Light"/>
+                <a:cs typeface="Times New Roman" panose="02020603050405020304" pitchFamily="18" charset="0"/>
+                <a:sym typeface="Wingdings" panose="05000000000000000000" pitchFamily="2" charset="2"/>
+              </a:rPr>
+              <a:t>MySQL Server</a:t>
             </a:r>
           </a:p>
           <a:p>
@@ -30474,9 +28434,81 @@
                 <a:latin typeface="Times New Roman" panose="02020603050405020304" pitchFamily="18" charset="0"/>
                 <a:ea typeface="Helvetica Neue Light"/>
                 <a:cs typeface="Times New Roman" panose="02020603050405020304" pitchFamily="18" charset="0"/>
-                <a:sym typeface="Helvetica Neue Light"/>
-              </a:rPr>
-              <a:t>		- Công cụ phát triển:Visual Studio Code,Violet UML,MySQL Workbench</a:t>
+                <a:sym typeface="Wingdings" panose="05000000000000000000" pitchFamily="2" charset="2"/>
+              </a:rPr>
+              <a:t>		- Công cụ báo cáo:</a:t>
+            </a:r>
+            <a:r>
+              <a:rPr lang="en-US" sz="3200">
+                <a:solidFill>
+                  <a:srgbClr val="000000"/>
+                </a:solidFill>
+                <a:latin typeface="Times New Roman" panose="02020603050405020304" pitchFamily="18" charset="0"/>
+                <a:ea typeface="Helvetica Neue Light"/>
+                <a:cs typeface="Times New Roman" panose="02020603050405020304" pitchFamily="18" charset="0"/>
+                <a:sym typeface="Wingdings" panose="05000000000000000000" pitchFamily="2" charset="2"/>
+              </a:rPr>
+              <a:t> </a:t>
+            </a:r>
+            <a:r>
+              <a:rPr lang="vi-VN" sz="3200">
+                <a:solidFill>
+                  <a:srgbClr val="000000"/>
+                </a:solidFill>
+                <a:latin typeface="Times New Roman" panose="02020603050405020304" pitchFamily="18" charset="0"/>
+                <a:ea typeface="Helvetica Neue Light"/>
+                <a:cs typeface="Times New Roman" panose="02020603050405020304" pitchFamily="18" charset="0"/>
+                <a:sym typeface="Wingdings" panose="05000000000000000000" pitchFamily="2" charset="2"/>
+              </a:rPr>
+              <a:t>Microsoft Word  </a:t>
+            </a:r>
+          </a:p>
+          <a:p>
+            <a:pPr marL="25400" lvl="0" indent="0">
+              <a:spcBef>
+                <a:spcPts val="0"/>
+              </a:spcBef>
+              <a:buClr>
+                <a:srgbClr val="000000"/>
+              </a:buClr>
+              <a:buSzPts val="3200"/>
+              <a:buNone/>
+            </a:pPr>
+            <a:r>
+              <a:rPr lang="vi-VN" sz="3200">
+                <a:solidFill>
+                  <a:srgbClr val="000000"/>
+                </a:solidFill>
+                <a:latin typeface="Times New Roman" panose="02020603050405020304" pitchFamily="18" charset="0"/>
+                <a:ea typeface="Helvetica Neue Light"/>
+                <a:cs typeface="Times New Roman" panose="02020603050405020304" pitchFamily="18" charset="0"/>
+                <a:sym typeface="Helvetica Neue Light"/>
+              </a:rPr>
+              <a:t>		- Công cụ phát triển:Visual Studio Code,Violet UML,</a:t>
+            </a:r>
+            <a:r>
+              <a:rPr lang="en-US" sz="3200">
+                <a:solidFill>
+                  <a:srgbClr val="000000"/>
+                </a:solidFill>
+                <a:latin typeface="Times New Roman" panose="02020603050405020304" pitchFamily="18" charset="0"/>
+                <a:ea typeface="Helvetica Neue Light"/>
+                <a:cs typeface="Times New Roman" panose="02020603050405020304" pitchFamily="18" charset="0"/>
+                <a:sym typeface="Helvetica Neue Light"/>
+              </a:rPr>
+              <a:t> </a:t>
+            </a:r>
+            <a:r>
+              <a:rPr lang="vi-VN" sz="3200">
+                <a:solidFill>
+                  <a:srgbClr val="000000"/>
+                </a:solidFill>
+                <a:latin typeface="Times New Roman" panose="02020603050405020304" pitchFamily="18" charset="0"/>
+                <a:ea typeface="Helvetica Neue Light"/>
+                <a:cs typeface="Times New Roman" panose="02020603050405020304" pitchFamily="18" charset="0"/>
+                <a:sym typeface="Helvetica Neue Light"/>
+              </a:rPr>
+              <a:t>MySQL Workbench</a:t>
             </a:r>
           </a:p>
           <a:p>
@@ -30521,7 +28553,7 @@
 </p:sld>
 </file>
 
-<file path=ppt/slides/slide7.xml><?xml version="1.0" encoding="utf-8"?>
+<file path=ppt/slides/slide6.xml><?xml version="1.0" encoding="utf-8"?>
 <p:sld xmlns:a="http://schemas.openxmlformats.org/drawingml/2006/main" xmlns:r="http://schemas.openxmlformats.org/officeDocument/2006/relationships" xmlns:p="http://schemas.openxmlformats.org/presentationml/2006/main">
   <p:cSld>
     <p:spTree>
@@ -30737,7 +28769,7 @@
 </p:sld>
 </file>
 
-<file path=ppt/slides/slide8.xml><?xml version="1.0" encoding="utf-8"?>
+<file path=ppt/slides/slide7.xml><?xml version="1.0" encoding="utf-8"?>
 <p:sld xmlns:a="http://schemas.openxmlformats.org/drawingml/2006/main" xmlns:r="http://schemas.openxmlformats.org/officeDocument/2006/relationships" xmlns:p="http://schemas.openxmlformats.org/presentationml/2006/main">
   <p:cSld>
     <p:spTree>
@@ -30899,10 +28931,10 @@
       </p:sp>
       <p:pic>
         <p:nvPicPr>
-          <p:cNvPr id="6" name="Picture 5">
+          <p:cNvPr id="7" name="Picture 6">
             <a:extLst>
               <a:ext uri="{FF2B5EF4-FFF2-40B4-BE49-F238E27FC236}">
-                <a16:creationId xmlns:a16="http://schemas.microsoft.com/office/drawing/2014/main" id="{B816F89D-5DDC-40D6-B52D-D0FDFDE04F50}"/>
+                <a16:creationId xmlns:a16="http://schemas.microsoft.com/office/drawing/2014/main" id="{04F98446-8CF9-4EBD-9B79-FD9ABD5CDCD8}"/>
               </a:ext>
             </a:extLst>
           </p:cNvPr>
@@ -30917,8 +28949,8 @@
         </p:blipFill>
         <p:spPr>
           <a:xfrm>
-            <a:off x="4134885" y="1651000"/>
-            <a:ext cx="7792071" cy="7745700"/>
+            <a:off x="5426972" y="1709737"/>
+            <a:ext cx="6857794" cy="7686963"/>
           </a:xfrm>
           <a:prstGeom prst="rect">
             <a:avLst/>
@@ -30938,7 +28970,7 @@
 </p:sld>
 </file>
 
-<file path=ppt/slides/slide9.xml><?xml version="1.0" encoding="utf-8"?>
+<file path=ppt/slides/slide8.xml><?xml version="1.0" encoding="utf-8"?>
 <p:sld xmlns:a="http://schemas.openxmlformats.org/drawingml/2006/main" xmlns:r="http://schemas.openxmlformats.org/officeDocument/2006/relationships" xmlns:p="http://schemas.openxmlformats.org/presentationml/2006/main">
   <p:cSld>
     <p:spTree>
@@ -31250,10 +29282,10 @@
       </p:sp>
       <p:pic>
         <p:nvPicPr>
-          <p:cNvPr id="6" name="Picture 5">
+          <p:cNvPr id="7" name="Picture 6">
             <a:extLst>
               <a:ext uri="{FF2B5EF4-FFF2-40B4-BE49-F238E27FC236}">
-                <a16:creationId xmlns:a16="http://schemas.microsoft.com/office/drawing/2014/main" id="{DE12C18C-7F1B-42FF-803A-BD22217162B4}"/>
+                <a16:creationId xmlns:a16="http://schemas.microsoft.com/office/drawing/2014/main" id="{D20B420E-AC1F-4EA5-A886-D022146E8595}"/>
               </a:ext>
             </a:extLst>
           </p:cNvPr>
@@ -31268,8 +29300,8 @@
         </p:blipFill>
         <p:spPr>
           <a:xfrm>
-            <a:off x="4079805" y="1651000"/>
-            <a:ext cx="8980212" cy="7745700"/>
+            <a:off x="4783931" y="1471198"/>
+            <a:ext cx="7767638" cy="7925502"/>
           </a:xfrm>
           <a:prstGeom prst="rect">
             <a:avLst/>
@@ -31280,6 +29312,219 @@
     <p:extLst>
       <p:ext uri="{BB962C8B-B14F-4D97-AF65-F5344CB8AC3E}">
         <p14:creationId xmlns:p14="http://schemas.microsoft.com/office/powerpoint/2010/main" val="4212809496"/>
+      </p:ext>
+    </p:extLst>
+  </p:cSld>
+  <p:clrMapOvr>
+    <a:masterClrMapping/>
+  </p:clrMapOvr>
+</p:sld>
+</file>
+
+<file path=ppt/slides/slide9.xml><?xml version="1.0" encoding="utf-8"?>
+<p:sld xmlns:a="http://schemas.openxmlformats.org/drawingml/2006/main" xmlns:r="http://schemas.openxmlformats.org/officeDocument/2006/relationships" xmlns:p="http://schemas.openxmlformats.org/presentationml/2006/main">
+  <p:cSld>
+    <p:spTree>
+      <p:nvGrpSpPr>
+        <p:cNvPr id="1" name="Shape 105"/>
+        <p:cNvGrpSpPr/>
+        <p:nvPr/>
+      </p:nvGrpSpPr>
+      <p:grpSpPr>
+        <a:xfrm>
+          <a:off x="0" y="0"/>
+          <a:ext cx="0" cy="0"/>
+          <a:chOff x="0" y="0"/>
+          <a:chExt cx="0" cy="0"/>
+        </a:xfrm>
+      </p:grpSpPr>
+      <p:sp>
+        <p:nvSpPr>
+          <p:cNvPr id="106" name="Shape 106"/>
+          <p:cNvSpPr txBox="1"/>
+          <p:nvPr/>
+        </p:nvSpPr>
+        <p:spPr>
+          <a:xfrm>
+            <a:off x="-2382" y="0"/>
+            <a:ext cx="17340264" cy="1271588"/>
+          </a:xfrm>
+          <a:prstGeom prst="rect">
+            <a:avLst/>
+          </a:prstGeom>
+          <a:solidFill>
+            <a:srgbClr val="06427B"/>
+          </a:solidFill>
+          <a:ln>
+            <a:noFill/>
+          </a:ln>
+        </p:spPr>
+        <p:txBody>
+          <a:bodyPr spcFirstLastPara="1" wrap="square" lIns="0" tIns="0" rIns="0" bIns="0" anchor="ctr" anchorCtr="0">
+            <a:noAutofit/>
+          </a:bodyPr>
+          <a:lstStyle/>
+          <a:p>
+            <a:pPr lvl="0" indent="381000">
+              <a:buClr>
+                <a:srgbClr val="FFFFFF"/>
+              </a:buClr>
+              <a:buSzPts val="4800"/>
+            </a:pPr>
+            <a:r>
+              <a:rPr lang="en-GB" sz="4800">
+                <a:solidFill>
+                  <a:srgbClr val="FFFFFF"/>
+                </a:solidFill>
+                <a:latin typeface="Helvetica Neue Light"/>
+                <a:ea typeface="Helvetica Neue Light"/>
+                <a:cs typeface="Helvetica Neue Light"/>
+                <a:sym typeface="Helvetica Neue Light"/>
+              </a:rPr>
+              <a:t>Activity</a:t>
+            </a:r>
+            <a:r>
+              <a:rPr lang="en-US" sz="4800">
+                <a:solidFill>
+                  <a:srgbClr val="FFFFFF"/>
+                </a:solidFill>
+                <a:latin typeface="Helvetica Neue Light"/>
+                <a:ea typeface="Helvetica Neue Light"/>
+                <a:cs typeface="Helvetica Neue Light"/>
+                <a:sym typeface="Helvetica Neue Light"/>
+              </a:rPr>
+              <a:t> Diagram</a:t>
+            </a:r>
+          </a:p>
+        </p:txBody>
+      </p:sp>
+      <p:pic>
+        <p:nvPicPr>
+          <p:cNvPr id="107" name="Shape 107"/>
+          <p:cNvPicPr preferRelativeResize="0"/>
+          <p:nvPr/>
+        </p:nvPicPr>
+        <p:blipFill>
+          <a:blip r:embed="rId3"/>
+          <a:stretch>
+            <a:fillRect/>
+          </a:stretch>
+        </p:blipFill>
+        <p:spPr>
+          <a:xfrm>
+            <a:off x="14677877" y="419470"/>
+            <a:ext cx="2409143" cy="441676"/>
+          </a:xfrm>
+          <a:prstGeom prst="rect">
+            <a:avLst/>
+          </a:prstGeom>
+          <a:noFill/>
+          <a:ln>
+            <a:noFill/>
+          </a:ln>
+        </p:spPr>
+      </p:pic>
+      <p:sp>
+        <p:nvSpPr>
+          <p:cNvPr id="108" name="Shape 108"/>
+          <p:cNvSpPr txBox="1">
+            <a:spLocks noGrp="1"/>
+          </p:cNvSpPr>
+          <p:nvPr>
+            <p:ph type="body" idx="1"/>
+          </p:nvPr>
+        </p:nvSpPr>
+        <p:spPr>
+          <a:xfrm>
+            <a:off x="381000" y="1651000"/>
+            <a:ext cx="16573500" cy="7745700"/>
+          </a:xfrm>
+          <a:prstGeom prst="rect">
+            <a:avLst/>
+          </a:prstGeom>
+          <a:noFill/>
+          <a:ln>
+            <a:noFill/>
+          </a:ln>
+        </p:spPr>
+        <p:txBody>
+          <a:bodyPr spcFirstLastPara="1" wrap="square" lIns="50800" tIns="50800" rIns="50800" bIns="50800" anchor="t" anchorCtr="0">
+            <a:noAutofit/>
+          </a:bodyPr>
+          <a:lstStyle/>
+          <a:p>
+            <a:pPr marL="25400" marR="0" lvl="0" indent="0" algn="l" rtl="0">
+              <a:lnSpc>
+                <a:spcPct val="100000"/>
+              </a:lnSpc>
+              <a:spcBef>
+                <a:spcPts val="0"/>
+              </a:spcBef>
+              <a:spcAft>
+                <a:spcPts val="0"/>
+              </a:spcAft>
+              <a:buClr>
+                <a:srgbClr val="000000"/>
+              </a:buClr>
+              <a:buSzPts val="3200"/>
+              <a:buNone/>
+            </a:pPr>
+            <a:r>
+              <a:rPr lang="en-GB" sz="3200" i="0" u="none" strike="noStrike" cap="none">
+                <a:solidFill>
+                  <a:srgbClr val="000000"/>
+                </a:solidFill>
+                <a:latin typeface="Times New Roman" panose="02020603050405020304" pitchFamily="18" charset="0"/>
+                <a:ea typeface="Helvetica Neue Light"/>
+                <a:cs typeface="Times New Roman" panose="02020603050405020304" pitchFamily="18" charset="0"/>
+                <a:sym typeface="Helvetica Neue Light"/>
+              </a:rPr>
+              <a:t>	Thanh toán	</a:t>
+            </a:r>
+            <a:endParaRPr sz="3200" i="0" u="none" strike="noStrike" cap="none">
+              <a:solidFill>
+                <a:srgbClr val="000000"/>
+              </a:solidFill>
+              <a:latin typeface="Times New Roman" panose="02020603050405020304" pitchFamily="18" charset="0"/>
+              <a:ea typeface="Helvetica Neue Light"/>
+              <a:cs typeface="Times New Roman" panose="02020603050405020304" pitchFamily="18" charset="0"/>
+              <a:sym typeface="Helvetica Neue Light"/>
+            </a:endParaRPr>
+          </a:p>
+        </p:txBody>
+      </p:sp>
+      <p:pic>
+        <p:nvPicPr>
+          <p:cNvPr id="7" name="Picture 6">
+            <a:extLst>
+              <a:ext uri="{FF2B5EF4-FFF2-40B4-BE49-F238E27FC236}">
+                <a16:creationId xmlns:a16="http://schemas.microsoft.com/office/drawing/2014/main" id="{F1D5D2EE-D38A-4EBC-99AF-554DBF0437B2}"/>
+              </a:ext>
+            </a:extLst>
+          </p:cNvPr>
+          <p:cNvPicPr/>
+          <p:nvPr/>
+        </p:nvPicPr>
+        <p:blipFill>
+          <a:blip r:embed="rId4"/>
+          <a:stretch>
+            <a:fillRect/>
+          </a:stretch>
+        </p:blipFill>
+        <p:spPr>
+          <a:xfrm>
+            <a:off x="4179155" y="1803220"/>
+            <a:ext cx="10351854" cy="7593479"/>
+          </a:xfrm>
+          <a:prstGeom prst="rect">
+            <a:avLst/>
+          </a:prstGeom>
+        </p:spPr>
+      </p:pic>
+    </p:spTree>
+    <p:extLst>
+      <p:ext uri="{BB962C8B-B14F-4D97-AF65-F5344CB8AC3E}">
+        <p14:creationId xmlns:p14="http://schemas.microsoft.com/office/powerpoint/2010/main" val="4264203254"/>
       </p:ext>
     </p:extLst>
   </p:cSld>
